--- a/Proposalvortrag.pptx
+++ b/Proposalvortrag.pptx
@@ -3919,7 +3919,7 @@
           <a:p>
             <a:fld id="{A423BF71-38B7-8642-BFCE-EDAE9BD0CBAF}" type="datetimeFigureOut">
               <a:rPr lang="en-US" dirty="0"/>
-              <a:t>5/27/2021</a:t>
+              <a:t>6/2/2021</a:t>
             </a:fld>
             <a:endParaRPr lang="en-US" dirty="0"/>
           </a:p>
@@ -4142,7 +4142,7 @@
           <a:p>
             <a:fld id="{73B025CB-9D18-264E-A945-2D020344C9DA}" type="datetimeFigureOut">
               <a:rPr lang="en-US" dirty="0"/>
-              <a:t>5/27/2021</a:t>
+              <a:t>6/2/2021</a:t>
             </a:fld>
             <a:endParaRPr lang="en-US" dirty="0"/>
           </a:p>
@@ -4374,7 +4374,7 @@
           <a:p>
             <a:fld id="{507EFB6C-7E96-8F41-8872-189CA1C59F84}" type="datetimeFigureOut">
               <a:rPr lang="en-US" dirty="0"/>
-              <a:t>5/27/2021</a:t>
+              <a:t>6/2/2021</a:t>
             </a:fld>
             <a:endParaRPr lang="en-US" dirty="0"/>
           </a:p>
@@ -4831,7 +4831,7 @@
                   </a:schemeClr>
                 </a:solidFill>
               </a:rPr>
-              <a:t>1. Juni 2021</a:t>
+              <a:t>2. Juni 2021</a:t>
             </a:fld>
             <a:endParaRPr lang="de-DE" dirty="0">
               <a:solidFill>
@@ -5047,7 +5047,7 @@
           <a:p>
             <a:fld id="{B55BA285-9698-1B45-8319-D90A8C63F150}" type="datetimeFigureOut">
               <a:rPr lang="en-US" dirty="0"/>
-              <a:t>5/27/2021</a:t>
+              <a:t>6/2/2021</a:t>
             </a:fld>
             <a:endParaRPr lang="en-US" dirty="0"/>
           </a:p>
@@ -5332,7 +5332,7 @@
           <a:p>
             <a:fld id="{0A86CD42-43FF-B740-998F-DCC3802C4CE3}" type="datetimeFigureOut">
               <a:rPr lang="en-US" dirty="0"/>
-              <a:t>5/27/2021</a:t>
+              <a:t>6/2/2021</a:t>
             </a:fld>
             <a:endParaRPr lang="en-US" dirty="0"/>
           </a:p>
@@ -5765,7 +5765,7 @@
           <a:p>
             <a:fld id="{CEA0FFBD-2EE4-8547-BBAE-A1AC91C8D77E}" type="datetimeFigureOut">
               <a:rPr lang="en-US" dirty="0"/>
-              <a:t>5/27/2021</a:t>
+              <a:t>6/2/2021</a:t>
             </a:fld>
             <a:endParaRPr lang="en-US" dirty="0"/>
           </a:p>
@@ -5931,7 +5931,7 @@
           <a:p>
             <a:fld id="{955A2352-D7AC-F242-9256-A4477BCBF354}" type="datetimeFigureOut">
               <a:rPr lang="en-US" dirty="0"/>
-              <a:t>5/27/2021</a:t>
+              <a:t>6/2/2021</a:t>
             </a:fld>
             <a:endParaRPr lang="en-US" dirty="0"/>
           </a:p>
@@ -6074,7 +6074,7 @@
           <a:p>
             <a:fld id="{4EFCFC6A-9AE6-404D-9FDD-168B477B9C90}" type="datetimeFigureOut">
               <a:rPr lang="en-US" dirty="0"/>
-              <a:t>5/27/2021</a:t>
+              <a:t>6/2/2021</a:t>
             </a:fld>
             <a:endParaRPr lang="en-US" dirty="0"/>
           </a:p>
@@ -6336,7 +6336,7 @@
           <a:p>
             <a:fld id="{61CFCDFD-B4CF-A241-8D71-E814B10BEAF4}" type="datetimeFigureOut">
               <a:rPr lang="en-US" dirty="0"/>
-              <a:t>5/27/2021</a:t>
+              <a:t>6/2/2021</a:t>
             </a:fld>
             <a:endParaRPr lang="en-US" dirty="0"/>
           </a:p>
@@ -6797,7 +6797,7 @@
           <a:p>
             <a:fld id="{26A7B589-FD4B-7E46-869A-CBADC5FC564E}" type="datetimeFigureOut">
               <a:rPr lang="en-US" dirty="0"/>
-              <a:t>5/27/2021</a:t>
+              <a:t>6/2/2021</a:t>
             </a:fld>
             <a:endParaRPr lang="en-US" dirty="0"/>
           </a:p>
@@ -7897,7 +7897,7 @@
             <a:pPr algn="r"/>
             <a:fld id="{F072743E-0297-4AC3-80E5-4C9F5D2C8935}" type="datetime4">
               <a:rPr lang="de-DE"/>
-              <a:t>1. Juni 2021</a:t>
+              <a:t>2. Juni 2021</a:t>
             </a:fld>
             <a:endParaRPr lang="de-DE" dirty="0"/>
           </a:p>
@@ -8015,15 +8015,6 @@
                 <a:latin typeface="Arial" panose="020B0604020202020204" pitchFamily="34" charset="0"/>
               </a:rPr>
               <a:t>Welche inhaltlichen Meilensteine sollen erreicht werden? D.h. welche Fragen sollen zu welchem Zeitpunkt beantwortet sein?</a:t>
-            </a:r>
-          </a:p>
-          <a:p>
-            <a:pPr algn="l"/>
-            <a:r>
-              <a:rPr lang="de-DE" sz="1800" b="0" i="0" u="none" strike="noStrike" baseline="0" dirty="0">
-                <a:latin typeface="Arial" panose="020B0604020202020204" pitchFamily="34" charset="0"/>
-              </a:rPr>
-              <a:t>Welche Tagungs- oder Journalbeiträge sind geplant?</a:t>
             </a:r>
           </a:p>
           <a:p>
@@ -8735,6 +8726,15 @@
               <a:t>Wie sind diese Fragen zu verstehen?</a:t>
             </a:r>
           </a:p>
+          <a:p>
+            <a:pPr marL="457200" lvl="1" indent="0">
+              <a:buNone/>
+            </a:pPr>
+            <a:r>
+              <a:rPr lang="de-DE" i="1" dirty="0"/>
+              <a:t>Viele Schritte bei der Erstellung einer Software können bereits automatisiert werden; z.B. neben dem automatischen Testen kann die automatische Erzeugung des User Manuels mit integriert werden.</a:t>
+            </a:r>
+          </a:p>
         </p:txBody>
       </p:sp>
     </p:spTree>
@@ -9125,15 +9125,6 @@
               <a:rPr lang="de-DE" sz="1800" b="0" i="0" u="none" strike="noStrike" baseline="0" dirty="0">
                 <a:latin typeface="Arial" panose="020B0604020202020204" pitchFamily="34" charset="0"/>
               </a:rPr>
-              <a:t>Was wird durch die Dissertation ermöglicht?</a:t>
-            </a:r>
-          </a:p>
-          <a:p>
-            <a:pPr algn="l"/>
-            <a:r>
-              <a:rPr lang="de-DE" sz="1800" b="0" i="0" u="none" strike="noStrike" baseline="0" dirty="0">
-                <a:latin typeface="Arial" panose="020B0604020202020204" pitchFamily="34" charset="0"/>
-              </a:rPr>
               <a:t>Was wird dadurch z.B. schneller, effizienter, zuverlässiger ...?</a:t>
             </a:r>
           </a:p>
@@ -9251,7 +9242,7 @@
         <p:spPr/>
         <p:txBody>
           <a:bodyPr>
-            <a:normAutofit lnSpcReduction="10000"/>
+            <a:normAutofit/>
           </a:bodyPr>
           <a:lstStyle/>
           <a:p>
@@ -9269,15 +9260,6 @@
               <a:rPr lang="de-DE" sz="1800" b="0" i="0" u="none" strike="noStrike" baseline="0" dirty="0">
                 <a:latin typeface="Arial" panose="020B0604020202020204" pitchFamily="34" charset="0"/>
               </a:rPr>
-              <a:t>Welche Recherchen sind erforderlich?</a:t>
-            </a:r>
-          </a:p>
-          <a:p>
-            <a:pPr algn="l"/>
-            <a:r>
-              <a:rPr lang="de-DE" sz="1800" b="0" i="0" u="none" strike="noStrike" baseline="0" dirty="0">
-                <a:latin typeface="Arial" panose="020B0604020202020204" pitchFamily="34" charset="0"/>
-              </a:rPr>
               <a:t>Welche Experimente sind erforderlich?</a:t>
             </a:r>
           </a:p>
@@ -9305,27 +9287,8 @@
               <a:rPr lang="de-DE" sz="1800" b="0" i="0" u="none" strike="noStrike" baseline="0" dirty="0">
                 <a:latin typeface="Arial" panose="020B0604020202020204" pitchFamily="34" charset="0"/>
               </a:rPr>
-              <a:t>Sind Probanden für die Umsetzung erforderlich?</a:t>
-            </a:r>
-          </a:p>
-          <a:p>
-            <a:pPr algn="l"/>
-            <a:r>
-              <a:rPr lang="de-DE" sz="1800" b="0" i="0" u="none" strike="noStrike" baseline="0" dirty="0">
-                <a:latin typeface="Arial" panose="020B0604020202020204" pitchFamily="34" charset="0"/>
-              </a:rPr>
               <a:t>Sind Kooperationspartner für die Umsetzung erforderlich?</a:t>
             </a:r>
-          </a:p>
-          <a:p>
-            <a:pPr algn="l"/>
-            <a:r>
-              <a:rPr lang="de-DE" sz="1800" b="0" i="0" u="none" strike="noStrike" baseline="0" dirty="0">
-                <a:latin typeface="Arial" panose="020B0604020202020204" pitchFamily="34" charset="0"/>
-              </a:rPr>
-              <a:t>Müssen neue Definitionen oder Theorien geschaffen werden?</a:t>
-            </a:r>
-            <a:endParaRPr lang="de-DE" dirty="0"/>
           </a:p>
         </p:txBody>
       </p:sp>

--- a/Proposalvortrag.pptx
+++ b/Proposalvortrag.pptx
@@ -17,8 +17,9 @@
     <p:sldId id="263" r:id="rId11"/>
     <p:sldId id="269" r:id="rId12"/>
     <p:sldId id="264" r:id="rId13"/>
-    <p:sldId id="271" r:id="rId14"/>
-    <p:sldId id="266" r:id="rId15"/>
+    <p:sldId id="272" r:id="rId14"/>
+    <p:sldId id="271" r:id="rId15"/>
+    <p:sldId id="266" r:id="rId16"/>
   </p:sldIdLst>
   <p:sldSz cx="12192000" cy="6858000"/>
   <p:notesSz cx="6858000" cy="9144000"/>
@@ -16035,74 +16036,36 @@
           <a:chExt cx="0" cy="0"/>
         </a:xfrm>
       </p:grpSpPr>
-      <p:sp>
-        <p:nvSpPr>
-          <p:cNvPr id="2" name="Título 1">
+      <p:pic>
+        <p:nvPicPr>
+          <p:cNvPr id="7" name="Imagen 6" descr="Captura de pantalla de computadora&#10;&#10;Descripción generada automáticamente">
             <a:extLst>
               <a:ext uri="{FF2B5EF4-FFF2-40B4-BE49-F238E27FC236}">
-                <a16:creationId xmlns:a16="http://schemas.microsoft.com/office/drawing/2014/main" id="{365B1C8D-9732-474B-BFD5-E7E54393F83A}"/>
+                <a16:creationId xmlns:a16="http://schemas.microsoft.com/office/drawing/2014/main" id="{C39DFA6E-5054-432A-B5AA-A0E1FD3B89AD}"/>
               </a:ext>
             </a:extLst>
           </p:cNvPr>
-          <p:cNvSpPr>
-            <a:spLocks noGrp="1"/>
-          </p:cNvSpPr>
-          <p:nvPr>
-            <p:ph type="title"/>
-          </p:nvPr>
-        </p:nvSpPr>
-        <p:spPr/>
-        <p:txBody>
-          <a:bodyPr/>
-          <a:lstStyle/>
-          <a:p>
-            <a:r>
-              <a:rPr lang="de-DE" dirty="0"/>
-              <a:t>Projektplanung</a:t>
-            </a:r>
-            <a:br>
-              <a:rPr lang="de-DE" dirty="0"/>
-            </a:br>
-            <a:r>
-              <a:rPr lang="de-DE" sz="1600" i="1" dirty="0"/>
-              <a:t>Was ist zu tun?</a:t>
-            </a:r>
-          </a:p>
-        </p:txBody>
-      </p:sp>
-      <p:sp>
-        <p:nvSpPr>
-          <p:cNvPr id="3" name="Marcador de contenido 2">
-            <a:extLst>
-              <a:ext uri="{FF2B5EF4-FFF2-40B4-BE49-F238E27FC236}">
-                <a16:creationId xmlns:a16="http://schemas.microsoft.com/office/drawing/2014/main" id="{A3B13F26-061B-4546-90ED-67F52291C151}"/>
-              </a:ext>
-            </a:extLst>
-          </p:cNvPr>
-          <p:cNvSpPr>
-            <a:spLocks noGrp="1"/>
-          </p:cNvSpPr>
-          <p:nvPr>
-            <p:ph idx="1"/>
-          </p:nvPr>
-        </p:nvSpPr>
-        <p:spPr/>
-        <p:txBody>
-          <a:bodyPr>
-            <a:normAutofit/>
-          </a:bodyPr>
-          <a:lstStyle/>
-          <a:p>
-            <a:pPr algn="l"/>
-            <a:r>
-              <a:rPr lang="de-DE" sz="1800" b="0" i="0" u="none" strike="noStrike" baseline="0" dirty="0">
-                <a:latin typeface="Arial" panose="020B0604020202020204" pitchFamily="34" charset="0"/>
-              </a:rPr>
-              <a:t>Welche Vorarbeiten wurden bereits geleistet?</a:t>
-            </a:r>
-          </a:p>
-        </p:txBody>
-      </p:sp>
+          <p:cNvPicPr>
+            <a:picLocks noChangeAspect="1"/>
+          </p:cNvPicPr>
+          <p:nvPr/>
+        </p:nvPicPr>
+        <p:blipFill>
+          <a:blip r:embed="rId2"/>
+          <a:stretch>
+            <a:fillRect/>
+          </a:stretch>
+        </p:blipFill>
+        <p:spPr>
+          <a:xfrm>
+            <a:off x="1522801" y="774001"/>
+            <a:ext cx="9471600" cy="5299761"/>
+          </a:xfrm>
+          <a:prstGeom prst="rect">
+            <a:avLst/>
+          </a:prstGeom>
+        </p:spPr>
+      </p:pic>
     </p:spTree>
     <p:extLst>
       <p:ext uri="{BB962C8B-B14F-4D97-AF65-F5344CB8AC3E}">
@@ -16117,6 +16080,66 @@
 </file>
 
 <file path=ppt/slides/slide13.xml><?xml version="1.0" encoding="utf-8"?>
+<p:sld xmlns:a="http://schemas.openxmlformats.org/drawingml/2006/main" xmlns:r="http://schemas.openxmlformats.org/officeDocument/2006/relationships" xmlns:p="http://schemas.openxmlformats.org/presentationml/2006/main">
+  <p:cSld>
+    <p:spTree>
+      <p:nvGrpSpPr>
+        <p:cNvPr id="1" name=""/>
+        <p:cNvGrpSpPr/>
+        <p:nvPr/>
+      </p:nvGrpSpPr>
+      <p:grpSpPr>
+        <a:xfrm>
+          <a:off x="0" y="0"/>
+          <a:ext cx="0" cy="0"/>
+          <a:chOff x="0" y="0"/>
+          <a:chExt cx="0" cy="0"/>
+        </a:xfrm>
+      </p:grpSpPr>
+      <p:pic>
+        <p:nvPicPr>
+          <p:cNvPr id="5" name="Imagen 4" descr="Captura de pantalla de computadora&#10;&#10;Descripción generada automáticamente">
+            <a:extLst>
+              <a:ext uri="{FF2B5EF4-FFF2-40B4-BE49-F238E27FC236}">
+                <a16:creationId xmlns:a16="http://schemas.microsoft.com/office/drawing/2014/main" id="{9D114FF4-C86D-4739-AA0F-AD672E65066E}"/>
+              </a:ext>
+            </a:extLst>
+          </p:cNvPr>
+          <p:cNvPicPr>
+            <a:picLocks noChangeAspect="1"/>
+          </p:cNvPicPr>
+          <p:nvPr/>
+        </p:nvPicPr>
+        <p:blipFill>
+          <a:blip r:embed="rId2"/>
+          <a:stretch>
+            <a:fillRect/>
+          </a:stretch>
+        </p:blipFill>
+        <p:spPr>
+          <a:xfrm>
+            <a:off x="1524000" y="775203"/>
+            <a:ext cx="9470798" cy="5307593"/>
+          </a:xfrm>
+          <a:prstGeom prst="rect">
+            <a:avLst/>
+          </a:prstGeom>
+        </p:spPr>
+      </p:pic>
+    </p:spTree>
+    <p:extLst>
+      <p:ext uri="{BB962C8B-B14F-4D97-AF65-F5344CB8AC3E}">
+        <p14:creationId xmlns:p14="http://schemas.microsoft.com/office/powerpoint/2010/main" val="580277620"/>
+      </p:ext>
+    </p:extLst>
+  </p:cSld>
+  <p:clrMapOvr>
+    <a:masterClrMapping/>
+  </p:clrMapOvr>
+</p:sld>
+</file>
+
+<file path=ppt/slides/slide14.xml><?xml version="1.0" encoding="utf-8"?>
 <p:sld xmlns:a="http://schemas.openxmlformats.org/drawingml/2006/main" xmlns:r="http://schemas.openxmlformats.org/officeDocument/2006/relationships" xmlns:p="http://schemas.openxmlformats.org/presentationml/2006/main">
   <p:cSld>
     <p:spTree>
@@ -16405,7 +16428,7 @@
 </p:sld>
 </file>
 
-<file path=ppt/slides/slide14.xml><?xml version="1.0" encoding="utf-8"?>
+<file path=ppt/slides/slide15.xml><?xml version="1.0" encoding="utf-8"?>
 <p:sld xmlns:a="http://schemas.openxmlformats.org/drawingml/2006/main" xmlns:r="http://schemas.openxmlformats.org/officeDocument/2006/relationships" xmlns:p="http://schemas.openxmlformats.org/presentationml/2006/main">
   <p:cSld>
     <p:spTree>
@@ -16653,13 +16676,13 @@
               <a:rPr lang="de-DE" sz="1600" b="0" i="1" u="none" strike="noStrike" baseline="0" dirty="0">
                 <a:latin typeface="Arial" panose="020B0604020202020204" pitchFamily="34" charset="0"/>
               </a:rPr>
-              <a:t>Die Benutzererfahrung wird zu einem der wichtigsten Aspekte der Softwareentwicklung. </a:t>
+              <a:t>Die Benutzererfahrung ist einer der wichtigsten Aspekte der Softwareentwicklung. So</a:t>
             </a:r>
             <a:r>
               <a:rPr lang="de-DE" sz="1600" i="1" dirty="0">
                 <a:latin typeface="Arial" panose="020B0604020202020204" pitchFamily="34" charset="0"/>
               </a:rPr>
-              <a:t>Damit ist e</a:t>
+              <a:t>mit ist e</a:t>
             </a:r>
             <a:r>
               <a:rPr lang="de-DE" sz="1600" b="0" i="1" u="none" strike="noStrike" baseline="0" dirty="0">

--- a/Proposalvortrag.pptx
+++ b/Proposalvortrag.pptx
@@ -19,7 +19,8 @@
     <p:sldId id="264" r:id="rId13"/>
     <p:sldId id="272" r:id="rId14"/>
     <p:sldId id="271" r:id="rId15"/>
-    <p:sldId id="266" r:id="rId16"/>
+    <p:sldId id="273" r:id="rId16"/>
+    <p:sldId id="266" r:id="rId17"/>
   </p:sldIdLst>
   <p:sldSz cx="12192000" cy="6858000"/>
   <p:notesSz cx="6858000" cy="9144000"/>
@@ -2611,10 +2612,10 @@
         <a:lstStyle/>
         <a:p>
           <a:r>
-            <a:rPr lang="de-DE"/>
+            <a:rPr lang="de-DE" dirty="0"/>
             <a:t>Projektplanung</a:t>
           </a:r>
-          <a:endParaRPr lang="en-US"/>
+          <a:endParaRPr lang="en-US" dirty="0"/>
         </a:p>
       </dgm:t>
     </dgm:pt>
@@ -2637,6 +2638,42 @@
         <a:lstStyle/>
         <a:p>
           <a:endParaRPr lang="en-US"/>
+        </a:p>
+      </dgm:t>
+    </dgm:pt>
+    <dgm:pt modelId="{28CAAACB-5B9F-4A96-9778-8A2604806DDC}">
+      <dgm:prSet/>
+      <dgm:spPr/>
+      <dgm:t>
+        <a:bodyPr/>
+        <a:lstStyle/>
+        <a:p>
+          <a:r>
+            <a:rPr lang="en-US" dirty="0"/>
+            <a:t>Referenzen</a:t>
+          </a:r>
+        </a:p>
+      </dgm:t>
+    </dgm:pt>
+    <dgm:pt modelId="{89128E57-E849-4CA1-9EC9-8D17B57705EE}" type="parTrans" cxnId="{A972ABA9-175E-4C9E-A144-B8254B3D9823}">
+      <dgm:prSet/>
+      <dgm:spPr/>
+      <dgm:t>
+        <a:bodyPr/>
+        <a:lstStyle/>
+        <a:p>
+          <a:endParaRPr lang="de-DE"/>
+        </a:p>
+      </dgm:t>
+    </dgm:pt>
+    <dgm:pt modelId="{3E3F2256-5FE0-4443-98FA-4918739612C8}" type="sibTrans" cxnId="{A972ABA9-175E-4C9E-A144-B8254B3D9823}">
+      <dgm:prSet/>
+      <dgm:spPr/>
+      <dgm:t>
+        <a:bodyPr/>
+        <a:lstStyle/>
+        <a:p>
+          <a:endParaRPr lang="de-DE"/>
         </a:p>
       </dgm:t>
     </dgm:pt>
@@ -2651,7 +2688,7 @@
       <dgm:spPr/>
     </dgm:pt>
     <dgm:pt modelId="{8A30CA04-BACF-4E9C-9305-6CCCF7C7B31E}" type="pres">
-      <dgm:prSet presAssocID="{A98161B1-9630-4C99-84F9-9C54C371C66B}" presName="thickLine" presStyleLbl="alignNode1" presStyleIdx="0" presStyleCnt="7"/>
+      <dgm:prSet presAssocID="{A98161B1-9630-4C99-84F9-9C54C371C66B}" presName="thickLine" presStyleLbl="alignNode1" presStyleIdx="0" presStyleCnt="8"/>
       <dgm:spPr/>
     </dgm:pt>
     <dgm:pt modelId="{A8513ABB-3510-4BF5-8BAC-00AE7A0A0B4B}" type="pres">
@@ -2659,7 +2696,7 @@
       <dgm:spPr/>
     </dgm:pt>
     <dgm:pt modelId="{99ADFBB5-3E5A-4804-A925-8603C4068DA7}" type="pres">
-      <dgm:prSet presAssocID="{A98161B1-9630-4C99-84F9-9C54C371C66B}" presName="tx1" presStyleLbl="revTx" presStyleIdx="0" presStyleCnt="7"/>
+      <dgm:prSet presAssocID="{A98161B1-9630-4C99-84F9-9C54C371C66B}" presName="tx1" presStyleLbl="revTx" presStyleIdx="0" presStyleCnt="8"/>
       <dgm:spPr/>
     </dgm:pt>
     <dgm:pt modelId="{14869A64-50FB-4D06-8C97-4F048E6F6FBC}" type="pres">
@@ -2667,7 +2704,7 @@
       <dgm:spPr/>
     </dgm:pt>
     <dgm:pt modelId="{47E0C241-9725-460A-8742-AD30E1FF63D2}" type="pres">
-      <dgm:prSet presAssocID="{D5F95CE9-462C-4C80-8E98-33D0A66C870A}" presName="thickLine" presStyleLbl="alignNode1" presStyleIdx="1" presStyleCnt="7"/>
+      <dgm:prSet presAssocID="{D5F95CE9-462C-4C80-8E98-33D0A66C870A}" presName="thickLine" presStyleLbl="alignNode1" presStyleIdx="1" presStyleCnt="8"/>
       <dgm:spPr/>
     </dgm:pt>
     <dgm:pt modelId="{039386F5-6FEE-4DCF-8935-6A105F9E10AE}" type="pres">
@@ -2675,7 +2712,7 @@
       <dgm:spPr/>
     </dgm:pt>
     <dgm:pt modelId="{C571BA1B-C46F-4E73-885E-8651FC60C99E}" type="pres">
-      <dgm:prSet presAssocID="{D5F95CE9-462C-4C80-8E98-33D0A66C870A}" presName="tx1" presStyleLbl="revTx" presStyleIdx="1" presStyleCnt="7"/>
+      <dgm:prSet presAssocID="{D5F95CE9-462C-4C80-8E98-33D0A66C870A}" presName="tx1" presStyleLbl="revTx" presStyleIdx="1" presStyleCnt="8"/>
       <dgm:spPr/>
     </dgm:pt>
     <dgm:pt modelId="{AEE5F68F-FE0C-42AC-A55F-445F56FCDD0F}" type="pres">
@@ -2683,7 +2720,7 @@
       <dgm:spPr/>
     </dgm:pt>
     <dgm:pt modelId="{3513FFC8-ED32-4CCC-92F3-F13408B5C6C7}" type="pres">
-      <dgm:prSet presAssocID="{DA7E2126-AD21-4539-8E10-9989540BADC5}" presName="thickLine" presStyleLbl="alignNode1" presStyleIdx="2" presStyleCnt="7"/>
+      <dgm:prSet presAssocID="{DA7E2126-AD21-4539-8E10-9989540BADC5}" presName="thickLine" presStyleLbl="alignNode1" presStyleIdx="2" presStyleCnt="8"/>
       <dgm:spPr/>
     </dgm:pt>
     <dgm:pt modelId="{E56CEBF7-7881-4585-87FC-74A60FD2F3C7}" type="pres">
@@ -2691,7 +2728,7 @@
       <dgm:spPr/>
     </dgm:pt>
     <dgm:pt modelId="{9124DE49-0248-41E7-9074-BBCABD457B72}" type="pres">
-      <dgm:prSet presAssocID="{DA7E2126-AD21-4539-8E10-9989540BADC5}" presName="tx1" presStyleLbl="revTx" presStyleIdx="2" presStyleCnt="7"/>
+      <dgm:prSet presAssocID="{DA7E2126-AD21-4539-8E10-9989540BADC5}" presName="tx1" presStyleLbl="revTx" presStyleIdx="2" presStyleCnt="8"/>
       <dgm:spPr/>
     </dgm:pt>
     <dgm:pt modelId="{B326057B-5656-42AB-864B-B15D39E07BD8}" type="pres">
@@ -2699,7 +2736,7 @@
       <dgm:spPr/>
     </dgm:pt>
     <dgm:pt modelId="{F4DE1473-BC72-4A2E-A0C8-AAA01A2839EE}" type="pres">
-      <dgm:prSet presAssocID="{6E212DC7-47C5-45C7-8B01-3FA0D3C1F781}" presName="thickLine" presStyleLbl="alignNode1" presStyleIdx="3" presStyleCnt="7"/>
+      <dgm:prSet presAssocID="{6E212DC7-47C5-45C7-8B01-3FA0D3C1F781}" presName="thickLine" presStyleLbl="alignNode1" presStyleIdx="3" presStyleCnt="8"/>
       <dgm:spPr/>
     </dgm:pt>
     <dgm:pt modelId="{3FEAE196-D39E-4CDE-9D4D-9B0E46BE6666}" type="pres">
@@ -2707,7 +2744,7 @@
       <dgm:spPr/>
     </dgm:pt>
     <dgm:pt modelId="{CC882846-961F-462D-A9CB-C269CD7B0557}" type="pres">
-      <dgm:prSet presAssocID="{6E212DC7-47C5-45C7-8B01-3FA0D3C1F781}" presName="tx1" presStyleLbl="revTx" presStyleIdx="3" presStyleCnt="7"/>
+      <dgm:prSet presAssocID="{6E212DC7-47C5-45C7-8B01-3FA0D3C1F781}" presName="tx1" presStyleLbl="revTx" presStyleIdx="3" presStyleCnt="8"/>
       <dgm:spPr/>
     </dgm:pt>
     <dgm:pt modelId="{83C678BD-AFE9-4AB5-8254-294E9A62958D}" type="pres">
@@ -2715,7 +2752,7 @@
       <dgm:spPr/>
     </dgm:pt>
     <dgm:pt modelId="{413D9DC5-D779-42EE-8566-C8AD2AB9EDA5}" type="pres">
-      <dgm:prSet presAssocID="{34D69D1D-9F6F-4DD3-8F1C-2952F430FE2C}" presName="thickLine" presStyleLbl="alignNode1" presStyleIdx="4" presStyleCnt="7"/>
+      <dgm:prSet presAssocID="{34D69D1D-9F6F-4DD3-8F1C-2952F430FE2C}" presName="thickLine" presStyleLbl="alignNode1" presStyleIdx="4" presStyleCnt="8"/>
       <dgm:spPr/>
     </dgm:pt>
     <dgm:pt modelId="{F1B00691-EFC4-42E9-AB00-6634B66A4CEB}" type="pres">
@@ -2723,7 +2760,7 @@
       <dgm:spPr/>
     </dgm:pt>
     <dgm:pt modelId="{8A468B29-C4C9-4E43-BC3A-401559D2BB40}" type="pres">
-      <dgm:prSet presAssocID="{34D69D1D-9F6F-4DD3-8F1C-2952F430FE2C}" presName="tx1" presStyleLbl="revTx" presStyleIdx="4" presStyleCnt="7"/>
+      <dgm:prSet presAssocID="{34D69D1D-9F6F-4DD3-8F1C-2952F430FE2C}" presName="tx1" presStyleLbl="revTx" presStyleIdx="4" presStyleCnt="8"/>
       <dgm:spPr/>
     </dgm:pt>
     <dgm:pt modelId="{0C06628A-9ACD-4D2F-B726-D3408389AE59}" type="pres">
@@ -2731,7 +2768,7 @@
       <dgm:spPr/>
     </dgm:pt>
     <dgm:pt modelId="{95345A3B-37E0-45EA-B6F1-F58C60BB9D02}" type="pres">
-      <dgm:prSet presAssocID="{EB7632C3-2D07-4532-A06E-CC7393BB3BAC}" presName="thickLine" presStyleLbl="alignNode1" presStyleIdx="5" presStyleCnt="7"/>
+      <dgm:prSet presAssocID="{EB7632C3-2D07-4532-A06E-CC7393BB3BAC}" presName="thickLine" presStyleLbl="alignNode1" presStyleIdx="5" presStyleCnt="8"/>
       <dgm:spPr/>
     </dgm:pt>
     <dgm:pt modelId="{CE4EC7D0-4BBB-41A6-959A-8A7305DA5660}" type="pres">
@@ -2739,7 +2776,7 @@
       <dgm:spPr/>
     </dgm:pt>
     <dgm:pt modelId="{50495E5A-1D93-4C88-8A96-4A0BE5D067E4}" type="pres">
-      <dgm:prSet presAssocID="{EB7632C3-2D07-4532-A06E-CC7393BB3BAC}" presName="tx1" presStyleLbl="revTx" presStyleIdx="5" presStyleCnt="7"/>
+      <dgm:prSet presAssocID="{EB7632C3-2D07-4532-A06E-CC7393BB3BAC}" presName="tx1" presStyleLbl="revTx" presStyleIdx="5" presStyleCnt="8"/>
       <dgm:spPr/>
     </dgm:pt>
     <dgm:pt modelId="{B3ED04D1-2CEB-418F-A17D-205FA3FE2ABD}" type="pres">
@@ -2747,7 +2784,7 @@
       <dgm:spPr/>
     </dgm:pt>
     <dgm:pt modelId="{3A65568C-91B8-43CB-9529-E6895013D4AB}" type="pres">
-      <dgm:prSet presAssocID="{7863D36C-59DD-4C79-AF06-4134FE15173F}" presName="thickLine" presStyleLbl="alignNode1" presStyleIdx="6" presStyleCnt="7"/>
+      <dgm:prSet presAssocID="{7863D36C-59DD-4C79-AF06-4134FE15173F}" presName="thickLine" presStyleLbl="alignNode1" presStyleIdx="6" presStyleCnt="8"/>
       <dgm:spPr/>
     </dgm:pt>
     <dgm:pt modelId="{D11C3241-229D-4AF9-914A-72BA1EF9E29F}" type="pres">
@@ -2755,11 +2792,27 @@
       <dgm:spPr/>
     </dgm:pt>
     <dgm:pt modelId="{4A30226A-2AC9-47C8-BB55-25B90F65BAC6}" type="pres">
-      <dgm:prSet presAssocID="{7863D36C-59DD-4C79-AF06-4134FE15173F}" presName="tx1" presStyleLbl="revTx" presStyleIdx="6" presStyleCnt="7"/>
+      <dgm:prSet presAssocID="{7863D36C-59DD-4C79-AF06-4134FE15173F}" presName="tx1" presStyleLbl="revTx" presStyleIdx="6" presStyleCnt="8"/>
       <dgm:spPr/>
     </dgm:pt>
     <dgm:pt modelId="{3F5DD7F2-2493-404E-AE15-61172EB46F60}" type="pres">
       <dgm:prSet presAssocID="{7863D36C-59DD-4C79-AF06-4134FE15173F}" presName="vert1" presStyleCnt="0"/>
+      <dgm:spPr/>
+    </dgm:pt>
+    <dgm:pt modelId="{D0805EFD-3778-4FFF-B3F7-FC822BB3B520}" type="pres">
+      <dgm:prSet presAssocID="{28CAAACB-5B9F-4A96-9778-8A2604806DDC}" presName="thickLine" presStyleLbl="alignNode1" presStyleIdx="7" presStyleCnt="8"/>
+      <dgm:spPr/>
+    </dgm:pt>
+    <dgm:pt modelId="{E72A84A8-CB01-4137-B968-F5A5ECF6BAF2}" type="pres">
+      <dgm:prSet presAssocID="{28CAAACB-5B9F-4A96-9778-8A2604806DDC}" presName="horz1" presStyleCnt="0"/>
+      <dgm:spPr/>
+    </dgm:pt>
+    <dgm:pt modelId="{B57AA6AB-7322-4012-96C9-67982E818388}" type="pres">
+      <dgm:prSet presAssocID="{28CAAACB-5B9F-4A96-9778-8A2604806DDC}" presName="tx1" presStyleLbl="revTx" presStyleIdx="7" presStyleCnt="8"/>
+      <dgm:spPr/>
+    </dgm:pt>
+    <dgm:pt modelId="{5B881DD8-FC1D-4C02-B2F1-19C102CC0909}" type="pres">
+      <dgm:prSet presAssocID="{28CAAACB-5B9F-4A96-9778-8A2604806DDC}" presName="vert1" presStyleCnt="0"/>
       <dgm:spPr/>
     </dgm:pt>
   </dgm:ptLst>
@@ -2772,6 +2825,8 @@
     <dgm:cxn modelId="{9FB33A67-6F78-462E-A7C0-54F2C359A02D}" srcId="{191B188D-5BC7-4C9D-8768-C1898E9EBEC1}" destId="{7863D36C-59DD-4C79-AF06-4134FE15173F}" srcOrd="6" destOrd="0" parTransId="{E6EA2BA9-620B-49FB-A4D5-D9DB263E7524}" sibTransId="{950D28BD-8C0F-4C38-A9DF-9733B9EA0E78}"/>
     <dgm:cxn modelId="{DF6A297F-95AE-4F96-A736-3BEF3B3B2826}" type="presOf" srcId="{34D69D1D-9F6F-4DD3-8F1C-2952F430FE2C}" destId="{8A468B29-C4C9-4E43-BC3A-401559D2BB40}" srcOrd="0" destOrd="0" presId="urn:microsoft.com/office/officeart/2008/layout/LinedList"/>
     <dgm:cxn modelId="{168B1986-070E-4B3A-9D6C-6EADF3F8B58D}" srcId="{191B188D-5BC7-4C9D-8768-C1898E9EBEC1}" destId="{EB7632C3-2D07-4532-A06E-CC7393BB3BAC}" srcOrd="5" destOrd="0" parTransId="{431B61B2-85F6-4C96-8902-FA95D6A344D3}" sibTransId="{30A0EC4F-237B-44E9-8401-4A9A8F543DED}"/>
+    <dgm:cxn modelId="{CD1E139B-3A03-48A4-8F9F-F82599A6BEAE}" type="presOf" srcId="{28CAAACB-5B9F-4A96-9778-8A2604806DDC}" destId="{B57AA6AB-7322-4012-96C9-67982E818388}" srcOrd="0" destOrd="0" presId="urn:microsoft.com/office/officeart/2008/layout/LinedList"/>
+    <dgm:cxn modelId="{A972ABA9-175E-4C9E-A144-B8254B3D9823}" srcId="{191B188D-5BC7-4C9D-8768-C1898E9EBEC1}" destId="{28CAAACB-5B9F-4A96-9778-8A2604806DDC}" srcOrd="7" destOrd="0" parTransId="{89128E57-E849-4CA1-9EC9-8D17B57705EE}" sibTransId="{3E3F2256-5FE0-4443-98FA-4918739612C8}"/>
     <dgm:cxn modelId="{3B655CAA-51E4-4A7C-858F-DF2321B0BDC8}" srcId="{191B188D-5BC7-4C9D-8768-C1898E9EBEC1}" destId="{A98161B1-9630-4C99-84F9-9C54C371C66B}" srcOrd="0" destOrd="0" parTransId="{5E5B74E1-C200-4B15-84A9-8A93B2078C42}" sibTransId="{DCA5A2B8-8FD3-4CA6-9394-C6668F1C0780}"/>
     <dgm:cxn modelId="{6F1CE6B1-59B9-4D56-A79D-79B663E685DA}" type="presOf" srcId="{D5F95CE9-462C-4C80-8E98-33D0A66C870A}" destId="{C571BA1B-C46F-4E73-885E-8651FC60C99E}" srcOrd="0" destOrd="0" presId="urn:microsoft.com/office/officeart/2008/layout/LinedList"/>
     <dgm:cxn modelId="{6DC380D7-7867-458F-AA28-2843293BC178}" type="presOf" srcId="{DA7E2126-AD21-4539-8E10-9989540BADC5}" destId="{9124DE49-0248-41E7-9074-BBCABD457B72}" srcOrd="0" destOrd="0" presId="urn:microsoft.com/office/officeart/2008/layout/LinedList"/>
@@ -2807,6 +2862,10 @@
     <dgm:cxn modelId="{431CEFD7-C049-4BD1-9131-1B2F326DCC64}" type="presParOf" srcId="{7DC35CDE-5DD4-4E5E-96E6-AC0E013978BB}" destId="{D11C3241-229D-4AF9-914A-72BA1EF9E29F}" srcOrd="13" destOrd="0" presId="urn:microsoft.com/office/officeart/2008/layout/LinedList"/>
     <dgm:cxn modelId="{2697399C-90BE-4858-B609-DA6B12B24240}" type="presParOf" srcId="{D11C3241-229D-4AF9-914A-72BA1EF9E29F}" destId="{4A30226A-2AC9-47C8-BB55-25B90F65BAC6}" srcOrd="0" destOrd="0" presId="urn:microsoft.com/office/officeart/2008/layout/LinedList"/>
     <dgm:cxn modelId="{7AC71E62-93E5-4D4B-84E3-FB4F51F1B78C}" type="presParOf" srcId="{D11C3241-229D-4AF9-914A-72BA1EF9E29F}" destId="{3F5DD7F2-2493-404E-AE15-61172EB46F60}" srcOrd="1" destOrd="0" presId="urn:microsoft.com/office/officeart/2008/layout/LinedList"/>
+    <dgm:cxn modelId="{51A7EAFD-CC45-4166-9DDE-E0E29D5428B1}" type="presParOf" srcId="{7DC35CDE-5DD4-4E5E-96E6-AC0E013978BB}" destId="{D0805EFD-3778-4FFF-B3F7-FC822BB3B520}" srcOrd="14" destOrd="0" presId="urn:microsoft.com/office/officeart/2008/layout/LinedList"/>
+    <dgm:cxn modelId="{A09AB639-089C-4B8C-918B-12133E94FDE1}" type="presParOf" srcId="{7DC35CDE-5DD4-4E5E-96E6-AC0E013978BB}" destId="{E72A84A8-CB01-4137-B968-F5A5ECF6BAF2}" srcOrd="15" destOrd="0" presId="urn:microsoft.com/office/officeart/2008/layout/LinedList"/>
+    <dgm:cxn modelId="{A09E2518-7DBA-483E-9911-51AB8692DD31}" type="presParOf" srcId="{E72A84A8-CB01-4137-B968-F5A5ECF6BAF2}" destId="{B57AA6AB-7322-4012-96C9-67982E818388}" srcOrd="0" destOrd="0" presId="urn:microsoft.com/office/officeart/2008/layout/LinedList"/>
+    <dgm:cxn modelId="{016F106E-6312-4FB7-A7FD-C0F23AA8B4AC}" type="presParOf" srcId="{E72A84A8-CB01-4137-B968-F5A5ECF6BAF2}" destId="{5B881DD8-FC1D-4C02-B2F1-19C102CC0909}" srcOrd="1" destOrd="0" presId="urn:microsoft.com/office/officeart/2008/layout/LinedList"/>
   </dgm:cxnLst>
   <dgm:bg/>
   <dgm:whole/>
@@ -4366,7 +4425,7 @@
       </dsp:nvSpPr>
       <dsp:spPr>
         <a:xfrm>
-          <a:off x="0" y="421"/>
+          <a:off x="0" y="0"/>
           <a:ext cx="9520157" cy="0"/>
         </a:xfrm>
         <a:prstGeom prst="line">
@@ -4415,8 +4474,8 @@
       </dsp:nvSpPr>
       <dsp:spPr>
         <a:xfrm>
-          <a:off x="0" y="421"/>
-          <a:ext cx="9520157" cy="492824"/>
+          <a:off x="0" y="0"/>
+          <a:ext cx="9520157" cy="431326"/>
         </a:xfrm>
         <a:prstGeom prst="rect">
           <a:avLst/>
@@ -4440,12 +4499,12 @@
         <a:fontRef idx="minor"/>
       </dsp:style>
       <dsp:txBody>
-        <a:bodyPr spcFirstLastPara="0" vert="horz" wrap="square" lIns="80010" tIns="80010" rIns="80010" bIns="80010" numCol="1" spcCol="1270" anchor="t" anchorCtr="0">
+        <a:bodyPr spcFirstLastPara="0" vert="horz" wrap="square" lIns="68580" tIns="68580" rIns="68580" bIns="68580" numCol="1" spcCol="1270" anchor="t" anchorCtr="0">
           <a:noAutofit/>
         </a:bodyPr>
         <a:lstStyle/>
         <a:p>
-          <a:pPr marL="0" lvl="0" indent="0" algn="l" defTabSz="933450">
+          <a:pPr marL="0" lvl="0" indent="0" algn="l" defTabSz="800100">
             <a:lnSpc>
               <a:spcPct val="90000"/>
             </a:lnSpc>
@@ -4458,15 +4517,15 @@
             <a:buNone/>
           </a:pPr>
           <a:r>
-            <a:rPr lang="de-DE" sz="2100" kern="1200" dirty="0"/>
+            <a:rPr lang="de-DE" sz="1800" kern="1200" dirty="0"/>
             <a:t>Hintergrund und Kontext</a:t>
           </a:r>
-          <a:endParaRPr lang="en-US" sz="2100" kern="1200" dirty="0"/>
+          <a:endParaRPr lang="en-US" sz="1800" kern="1200" dirty="0"/>
         </a:p>
       </dsp:txBody>
       <dsp:txXfrm>
-        <a:off x="0" y="421"/>
-        <a:ext cx="9520157" cy="492824"/>
+        <a:off x="0" y="0"/>
+        <a:ext cx="9520157" cy="431326"/>
       </dsp:txXfrm>
     </dsp:sp>
     <dsp:sp modelId="{47E0C241-9725-460A-8742-AD30E1FF63D2}">
@@ -4476,7 +4535,7 @@
       </dsp:nvSpPr>
       <dsp:spPr>
         <a:xfrm>
-          <a:off x="0" y="493245"/>
+          <a:off x="0" y="431326"/>
           <a:ext cx="9520157" cy="0"/>
         </a:xfrm>
         <a:prstGeom prst="line">
@@ -4525,8 +4584,8 @@
       </dsp:nvSpPr>
       <dsp:spPr>
         <a:xfrm>
-          <a:off x="0" y="493245"/>
-          <a:ext cx="9520157" cy="492824"/>
+          <a:off x="0" y="431326"/>
+          <a:ext cx="9520157" cy="431326"/>
         </a:xfrm>
         <a:prstGeom prst="rect">
           <a:avLst/>
@@ -4550,12 +4609,12 @@
         <a:fontRef idx="minor"/>
       </dsp:style>
       <dsp:txBody>
-        <a:bodyPr spcFirstLastPara="0" vert="horz" wrap="square" lIns="80010" tIns="80010" rIns="80010" bIns="80010" numCol="1" spcCol="1270" anchor="t" anchorCtr="0">
+        <a:bodyPr spcFirstLastPara="0" vert="horz" wrap="square" lIns="68580" tIns="68580" rIns="68580" bIns="68580" numCol="1" spcCol="1270" anchor="t" anchorCtr="0">
           <a:noAutofit/>
         </a:bodyPr>
         <a:lstStyle/>
         <a:p>
-          <a:pPr marL="0" lvl="0" indent="0" algn="l" defTabSz="933450">
+          <a:pPr marL="0" lvl="0" indent="0" algn="l" defTabSz="800100">
             <a:lnSpc>
               <a:spcPct val="90000"/>
             </a:lnSpc>
@@ -4568,15 +4627,15 @@
             <a:buNone/>
           </a:pPr>
           <a:r>
-            <a:rPr lang="de-DE" sz="2100" kern="1200" dirty="0"/>
+            <a:rPr lang="de-DE" sz="1800" kern="1200" dirty="0"/>
             <a:t>Problematik</a:t>
           </a:r>
-          <a:endParaRPr lang="en-US" sz="2100" kern="1200" dirty="0"/>
+          <a:endParaRPr lang="en-US" sz="1800" kern="1200" dirty="0"/>
         </a:p>
       </dsp:txBody>
       <dsp:txXfrm>
-        <a:off x="0" y="493245"/>
-        <a:ext cx="9520157" cy="492824"/>
+        <a:off x="0" y="431326"/>
+        <a:ext cx="9520157" cy="431326"/>
       </dsp:txXfrm>
     </dsp:sp>
     <dsp:sp modelId="{3513FFC8-ED32-4CCC-92F3-F13408B5C6C7}">
@@ -4586,7 +4645,7 @@
       </dsp:nvSpPr>
       <dsp:spPr>
         <a:xfrm>
-          <a:off x="0" y="986069"/>
+          <a:off x="0" y="862653"/>
           <a:ext cx="9520157" cy="0"/>
         </a:xfrm>
         <a:prstGeom prst="line">
@@ -4635,8 +4694,8 @@
       </dsp:nvSpPr>
       <dsp:spPr>
         <a:xfrm>
-          <a:off x="0" y="986069"/>
-          <a:ext cx="9520157" cy="492824"/>
+          <a:off x="0" y="862653"/>
+          <a:ext cx="9520157" cy="431326"/>
         </a:xfrm>
         <a:prstGeom prst="rect">
           <a:avLst/>
@@ -4660,12 +4719,12 @@
         <a:fontRef idx="minor"/>
       </dsp:style>
       <dsp:txBody>
-        <a:bodyPr spcFirstLastPara="0" vert="horz" wrap="square" lIns="80010" tIns="80010" rIns="80010" bIns="80010" numCol="1" spcCol="1270" anchor="t" anchorCtr="0">
+        <a:bodyPr spcFirstLastPara="0" vert="horz" wrap="square" lIns="68580" tIns="68580" rIns="68580" bIns="68580" numCol="1" spcCol="1270" anchor="t" anchorCtr="0">
           <a:noAutofit/>
         </a:bodyPr>
         <a:lstStyle/>
         <a:p>
-          <a:pPr marL="0" lvl="0" indent="0" algn="l" defTabSz="933450">
+          <a:pPr marL="0" lvl="0" indent="0" algn="l" defTabSz="800100">
             <a:lnSpc>
               <a:spcPct val="90000"/>
             </a:lnSpc>
@@ -4678,15 +4737,15 @@
             <a:buNone/>
           </a:pPr>
           <a:r>
-            <a:rPr lang="de-DE" sz="2100" kern="1200" dirty="0"/>
+            <a:rPr lang="de-DE" sz="1800" kern="1200" dirty="0"/>
             <a:t>Stand der Forschung</a:t>
           </a:r>
-          <a:endParaRPr lang="en-US" sz="2100" kern="1200" dirty="0"/>
+          <a:endParaRPr lang="en-US" sz="1800" kern="1200" dirty="0"/>
         </a:p>
       </dsp:txBody>
       <dsp:txXfrm>
-        <a:off x="0" y="986069"/>
-        <a:ext cx="9520157" cy="492824"/>
+        <a:off x="0" y="862653"/>
+        <a:ext cx="9520157" cy="431326"/>
       </dsp:txXfrm>
     </dsp:sp>
     <dsp:sp modelId="{F4DE1473-BC72-4A2E-A0C8-AAA01A2839EE}">
@@ -4696,7 +4755,7 @@
       </dsp:nvSpPr>
       <dsp:spPr>
         <a:xfrm>
-          <a:off x="0" y="1478894"/>
+          <a:off x="0" y="1293979"/>
           <a:ext cx="9520157" cy="0"/>
         </a:xfrm>
         <a:prstGeom prst="line">
@@ -4745,8 +4804,8 @@
       </dsp:nvSpPr>
       <dsp:spPr>
         <a:xfrm>
-          <a:off x="0" y="1478894"/>
-          <a:ext cx="9520157" cy="492824"/>
+          <a:off x="0" y="1293979"/>
+          <a:ext cx="9520157" cy="431326"/>
         </a:xfrm>
         <a:prstGeom prst="rect">
           <a:avLst/>
@@ -4770,12 +4829,12 @@
         <a:fontRef idx="minor"/>
       </dsp:style>
       <dsp:txBody>
-        <a:bodyPr spcFirstLastPara="0" vert="horz" wrap="square" lIns="80010" tIns="80010" rIns="80010" bIns="80010" numCol="1" spcCol="1270" anchor="t" anchorCtr="0">
+        <a:bodyPr spcFirstLastPara="0" vert="horz" wrap="square" lIns="68580" tIns="68580" rIns="68580" bIns="68580" numCol="1" spcCol="1270" anchor="t" anchorCtr="0">
           <a:noAutofit/>
         </a:bodyPr>
         <a:lstStyle/>
         <a:p>
-          <a:pPr marL="0" lvl="0" indent="0" algn="l" defTabSz="933450">
+          <a:pPr marL="0" lvl="0" indent="0" algn="l" defTabSz="800100">
             <a:lnSpc>
               <a:spcPct val="90000"/>
             </a:lnSpc>
@@ -4788,15 +4847,15 @@
             <a:buNone/>
           </a:pPr>
           <a:r>
-            <a:rPr lang="de-DE" sz="2100" kern="1200" dirty="0"/>
+            <a:rPr lang="de-DE" sz="1800" kern="1200" dirty="0"/>
             <a:t>Ziele</a:t>
           </a:r>
-          <a:endParaRPr lang="en-US" sz="2100" kern="1200" dirty="0"/>
+          <a:endParaRPr lang="en-US" sz="1800" kern="1200" dirty="0"/>
         </a:p>
       </dsp:txBody>
       <dsp:txXfrm>
-        <a:off x="0" y="1478894"/>
-        <a:ext cx="9520157" cy="492824"/>
+        <a:off x="0" y="1293979"/>
+        <a:ext cx="9520157" cy="431326"/>
       </dsp:txXfrm>
     </dsp:sp>
     <dsp:sp modelId="{413D9DC5-D779-42EE-8566-C8AD2AB9EDA5}">
@@ -4806,7 +4865,7 @@
       </dsp:nvSpPr>
       <dsp:spPr>
         <a:xfrm>
-          <a:off x="0" y="1971718"/>
+          <a:off x="0" y="1725306"/>
           <a:ext cx="9520157" cy="0"/>
         </a:xfrm>
         <a:prstGeom prst="line">
@@ -4855,8 +4914,8 @@
       </dsp:nvSpPr>
       <dsp:spPr>
         <a:xfrm>
-          <a:off x="0" y="1971718"/>
-          <a:ext cx="9520157" cy="492824"/>
+          <a:off x="0" y="1725306"/>
+          <a:ext cx="9520157" cy="431326"/>
         </a:xfrm>
         <a:prstGeom prst="rect">
           <a:avLst/>
@@ -4880,12 +4939,12 @@
         <a:fontRef idx="minor"/>
       </dsp:style>
       <dsp:txBody>
-        <a:bodyPr spcFirstLastPara="0" vert="horz" wrap="square" lIns="80010" tIns="80010" rIns="80010" bIns="80010" numCol="1" spcCol="1270" anchor="t" anchorCtr="0">
+        <a:bodyPr spcFirstLastPara="0" vert="horz" wrap="square" lIns="68580" tIns="68580" rIns="68580" bIns="68580" numCol="1" spcCol="1270" anchor="t" anchorCtr="0">
           <a:noAutofit/>
         </a:bodyPr>
         <a:lstStyle/>
         <a:p>
-          <a:pPr marL="0" lvl="0" indent="0" algn="l" defTabSz="933450">
+          <a:pPr marL="0" lvl="0" indent="0" algn="l" defTabSz="800100">
             <a:lnSpc>
               <a:spcPct val="90000"/>
             </a:lnSpc>
@@ -4898,15 +4957,15 @@
             <a:buNone/>
           </a:pPr>
           <a:r>
-            <a:rPr lang="de-DE" sz="2100" kern="1200" dirty="0"/>
+            <a:rPr lang="de-DE" sz="1800" kern="1200" dirty="0"/>
             <a:t>Relevanz und Nutzen</a:t>
           </a:r>
-          <a:endParaRPr lang="en-US" sz="2100" kern="1200" dirty="0"/>
+          <a:endParaRPr lang="en-US" sz="1800" kern="1200" dirty="0"/>
         </a:p>
       </dsp:txBody>
       <dsp:txXfrm>
-        <a:off x="0" y="1971718"/>
-        <a:ext cx="9520157" cy="492824"/>
+        <a:off x="0" y="1725306"/>
+        <a:ext cx="9520157" cy="431326"/>
       </dsp:txXfrm>
     </dsp:sp>
     <dsp:sp modelId="{95345A3B-37E0-45EA-B6F1-F58C60BB9D02}">
@@ -4916,7 +4975,7 @@
       </dsp:nvSpPr>
       <dsp:spPr>
         <a:xfrm>
-          <a:off x="0" y="2464543"/>
+          <a:off x="0" y="2156633"/>
           <a:ext cx="9520157" cy="0"/>
         </a:xfrm>
         <a:prstGeom prst="line">
@@ -4965,8 +5024,8 @@
       </dsp:nvSpPr>
       <dsp:spPr>
         <a:xfrm>
-          <a:off x="0" y="2464543"/>
-          <a:ext cx="9520157" cy="492824"/>
+          <a:off x="0" y="2156633"/>
+          <a:ext cx="9520157" cy="431326"/>
         </a:xfrm>
         <a:prstGeom prst="rect">
           <a:avLst/>
@@ -4990,12 +5049,12 @@
         <a:fontRef idx="minor"/>
       </dsp:style>
       <dsp:txBody>
-        <a:bodyPr spcFirstLastPara="0" vert="horz" wrap="square" lIns="80010" tIns="80010" rIns="80010" bIns="80010" numCol="1" spcCol="1270" anchor="t" anchorCtr="0">
+        <a:bodyPr spcFirstLastPara="0" vert="horz" wrap="square" lIns="68580" tIns="68580" rIns="68580" bIns="68580" numCol="1" spcCol="1270" anchor="t" anchorCtr="0">
           <a:noAutofit/>
         </a:bodyPr>
         <a:lstStyle/>
         <a:p>
-          <a:pPr marL="0" lvl="0" indent="0" algn="l" defTabSz="933450">
+          <a:pPr marL="0" lvl="0" indent="0" algn="l" defTabSz="800100">
             <a:lnSpc>
               <a:spcPct val="90000"/>
             </a:lnSpc>
@@ -5008,15 +5067,15 @@
             <a:buNone/>
           </a:pPr>
           <a:r>
-            <a:rPr lang="de-DE" sz="2100" kern="1200"/>
+            <a:rPr lang="de-DE" sz="1800" kern="1200"/>
             <a:t>Methodologie</a:t>
           </a:r>
-          <a:endParaRPr lang="en-US" sz="2100" kern="1200"/>
+          <a:endParaRPr lang="en-US" sz="1800" kern="1200"/>
         </a:p>
       </dsp:txBody>
       <dsp:txXfrm>
-        <a:off x="0" y="2464543"/>
-        <a:ext cx="9520157" cy="492824"/>
+        <a:off x="0" y="2156633"/>
+        <a:ext cx="9520157" cy="431326"/>
       </dsp:txXfrm>
     </dsp:sp>
     <dsp:sp modelId="{3A65568C-91B8-43CB-9529-E6895013D4AB}">
@@ -5026,7 +5085,7 @@
       </dsp:nvSpPr>
       <dsp:spPr>
         <a:xfrm>
-          <a:off x="0" y="2957367"/>
+          <a:off x="0" y="2587959"/>
           <a:ext cx="9520157" cy="0"/>
         </a:xfrm>
         <a:prstGeom prst="line">
@@ -5075,8 +5134,8 @@
       </dsp:nvSpPr>
       <dsp:spPr>
         <a:xfrm>
-          <a:off x="0" y="2957367"/>
-          <a:ext cx="9520157" cy="492824"/>
+          <a:off x="0" y="2587959"/>
+          <a:ext cx="9520157" cy="431326"/>
         </a:xfrm>
         <a:prstGeom prst="rect">
           <a:avLst/>
@@ -5100,12 +5159,12 @@
         <a:fontRef idx="minor"/>
       </dsp:style>
       <dsp:txBody>
-        <a:bodyPr spcFirstLastPara="0" vert="horz" wrap="square" lIns="80010" tIns="80010" rIns="80010" bIns="80010" numCol="1" spcCol="1270" anchor="t" anchorCtr="0">
+        <a:bodyPr spcFirstLastPara="0" vert="horz" wrap="square" lIns="68580" tIns="68580" rIns="68580" bIns="68580" numCol="1" spcCol="1270" anchor="t" anchorCtr="0">
           <a:noAutofit/>
         </a:bodyPr>
         <a:lstStyle/>
         <a:p>
-          <a:pPr marL="0" lvl="0" indent="0" algn="l" defTabSz="933450">
+          <a:pPr marL="0" lvl="0" indent="0" algn="l" defTabSz="800100">
             <a:lnSpc>
               <a:spcPct val="90000"/>
             </a:lnSpc>
@@ -5118,15 +5177,124 @@
             <a:buNone/>
           </a:pPr>
           <a:r>
-            <a:rPr lang="de-DE" sz="2100" kern="1200"/>
+            <a:rPr lang="de-DE" sz="1800" kern="1200" dirty="0"/>
             <a:t>Projektplanung</a:t>
           </a:r>
-          <a:endParaRPr lang="en-US" sz="2100" kern="1200"/>
+          <a:endParaRPr lang="en-US" sz="1800" kern="1200" dirty="0"/>
         </a:p>
       </dsp:txBody>
       <dsp:txXfrm>
-        <a:off x="0" y="2957367"/>
-        <a:ext cx="9520157" cy="492824"/>
+        <a:off x="0" y="2587959"/>
+        <a:ext cx="9520157" cy="431326"/>
+      </dsp:txXfrm>
+    </dsp:sp>
+    <dsp:sp modelId="{D0805EFD-3778-4FFF-B3F7-FC822BB3B520}">
+      <dsp:nvSpPr>
+        <dsp:cNvPr id="0" name=""/>
+        <dsp:cNvSpPr/>
+      </dsp:nvSpPr>
+      <dsp:spPr>
+        <a:xfrm>
+          <a:off x="0" y="3019286"/>
+          <a:ext cx="9520157" cy="0"/>
+        </a:xfrm>
+        <a:prstGeom prst="line">
+          <a:avLst/>
+        </a:prstGeom>
+        <a:solidFill>
+          <a:schemeClr val="accent1">
+            <a:hueOff val="0"/>
+            <a:satOff val="0"/>
+            <a:lumOff val="0"/>
+            <a:alphaOff val="0"/>
+          </a:schemeClr>
+        </a:solidFill>
+        <a:ln w="15875" cap="flat" cmpd="sng" algn="ctr">
+          <a:solidFill>
+            <a:schemeClr val="accent1">
+              <a:hueOff val="0"/>
+              <a:satOff val="0"/>
+              <a:lumOff val="0"/>
+              <a:alphaOff val="0"/>
+            </a:schemeClr>
+          </a:solidFill>
+          <a:prstDash val="solid"/>
+        </a:ln>
+        <a:effectLst/>
+      </dsp:spPr>
+      <dsp:style>
+        <a:lnRef idx="2">
+          <a:scrgbClr r="0" g="0" b="0"/>
+        </a:lnRef>
+        <a:fillRef idx="1">
+          <a:scrgbClr r="0" g="0" b="0"/>
+        </a:fillRef>
+        <a:effectRef idx="0">
+          <a:scrgbClr r="0" g="0" b="0"/>
+        </a:effectRef>
+        <a:fontRef idx="minor">
+          <a:schemeClr val="lt1"/>
+        </a:fontRef>
+      </dsp:style>
+    </dsp:sp>
+    <dsp:sp modelId="{B57AA6AB-7322-4012-96C9-67982E818388}">
+      <dsp:nvSpPr>
+        <dsp:cNvPr id="0" name=""/>
+        <dsp:cNvSpPr/>
+      </dsp:nvSpPr>
+      <dsp:spPr>
+        <a:xfrm>
+          <a:off x="0" y="3019286"/>
+          <a:ext cx="9520157" cy="431326"/>
+        </a:xfrm>
+        <a:prstGeom prst="rect">
+          <a:avLst/>
+        </a:prstGeom>
+        <a:noFill/>
+        <a:ln>
+          <a:noFill/>
+        </a:ln>
+        <a:effectLst/>
+      </dsp:spPr>
+      <dsp:style>
+        <a:lnRef idx="0">
+          <a:scrgbClr r="0" g="0" b="0"/>
+        </a:lnRef>
+        <a:fillRef idx="0">
+          <a:scrgbClr r="0" g="0" b="0"/>
+        </a:fillRef>
+        <a:effectRef idx="0">
+          <a:scrgbClr r="0" g="0" b="0"/>
+        </a:effectRef>
+        <a:fontRef idx="minor"/>
+      </dsp:style>
+      <dsp:txBody>
+        <a:bodyPr spcFirstLastPara="0" vert="horz" wrap="square" lIns="68580" tIns="68580" rIns="68580" bIns="68580" numCol="1" spcCol="1270" anchor="t" anchorCtr="0">
+          <a:noAutofit/>
+        </a:bodyPr>
+        <a:lstStyle/>
+        <a:p>
+          <a:pPr marL="0" lvl="0" indent="0" algn="l" defTabSz="800100">
+            <a:lnSpc>
+              <a:spcPct val="90000"/>
+            </a:lnSpc>
+            <a:spcBef>
+              <a:spcPct val="0"/>
+            </a:spcBef>
+            <a:spcAft>
+              <a:spcPct val="35000"/>
+            </a:spcAft>
+            <a:buNone/>
+          </a:pPr>
+          <a:r>
+            <a:rPr lang="en-US" sz="1800" kern="1200" dirty="0"/>
+            <a:t>Referenzen</a:t>
+          </a:r>
+        </a:p>
+      </dsp:txBody>
+      <dsp:txXfrm>
+        <a:off x="0" y="3019286"/>
+        <a:ext cx="9520157" cy="431326"/>
       </dsp:txXfrm>
     </dsp:sp>
   </dsp:spTree>
@@ -11732,7 +11900,7 @@
           <a:p>
             <a:fld id="{A423BF71-38B7-8642-BFCE-EDAE9BD0CBAF}" type="datetimeFigureOut">
               <a:rPr lang="en-US" dirty="0"/>
-              <a:t>6/2/2021</a:t>
+              <a:t>6/3/2021</a:t>
             </a:fld>
             <a:endParaRPr lang="en-US" dirty="0"/>
           </a:p>
@@ -11955,7 +12123,7 @@
           <a:p>
             <a:fld id="{73B025CB-9D18-264E-A945-2D020344C9DA}" type="datetimeFigureOut">
               <a:rPr lang="en-US" dirty="0"/>
-              <a:t>6/2/2021</a:t>
+              <a:t>6/3/2021</a:t>
             </a:fld>
             <a:endParaRPr lang="en-US" dirty="0"/>
           </a:p>
@@ -12187,7 +12355,7 @@
           <a:p>
             <a:fld id="{507EFB6C-7E96-8F41-8872-189CA1C59F84}" type="datetimeFigureOut">
               <a:rPr lang="en-US" dirty="0"/>
-              <a:t>6/2/2021</a:t>
+              <a:t>6/3/2021</a:t>
             </a:fld>
             <a:endParaRPr lang="en-US" dirty="0"/>
           </a:p>
@@ -12601,7 +12769,7 @@
                   </a:schemeClr>
                 </a:solidFill>
               </a:rPr>
-              <a:t>/13</a:t>
+              <a:t>/16</a:t>
             </a:r>
           </a:p>
         </p:txBody>
@@ -12644,7 +12812,7 @@
                   </a:schemeClr>
                 </a:solidFill>
               </a:rPr>
-              <a:t>2. Juni 2021</a:t>
+              <a:t>3. Juni 2021</a:t>
             </a:fld>
             <a:endParaRPr lang="de-DE" dirty="0">
               <a:solidFill>
@@ -12860,7 +13028,7 @@
           <a:p>
             <a:fld id="{B55BA285-9698-1B45-8319-D90A8C63F150}" type="datetimeFigureOut">
               <a:rPr lang="en-US" dirty="0"/>
-              <a:t>6/2/2021</a:t>
+              <a:t>6/3/2021</a:t>
             </a:fld>
             <a:endParaRPr lang="en-US" dirty="0"/>
           </a:p>
@@ -13145,7 +13313,7 @@
           <a:p>
             <a:fld id="{0A86CD42-43FF-B740-998F-DCC3802C4CE3}" type="datetimeFigureOut">
               <a:rPr lang="en-US" dirty="0"/>
-              <a:t>6/2/2021</a:t>
+              <a:t>6/3/2021</a:t>
             </a:fld>
             <a:endParaRPr lang="en-US" dirty="0"/>
           </a:p>
@@ -13578,7 +13746,7 @@
           <a:p>
             <a:fld id="{CEA0FFBD-2EE4-8547-BBAE-A1AC91C8D77E}" type="datetimeFigureOut">
               <a:rPr lang="en-US" dirty="0"/>
-              <a:t>6/2/2021</a:t>
+              <a:t>6/3/2021</a:t>
             </a:fld>
             <a:endParaRPr lang="en-US" dirty="0"/>
           </a:p>
@@ -13744,7 +13912,7 @@
           <a:p>
             <a:fld id="{955A2352-D7AC-F242-9256-A4477BCBF354}" type="datetimeFigureOut">
               <a:rPr lang="en-US" dirty="0"/>
-              <a:t>6/2/2021</a:t>
+              <a:t>6/3/2021</a:t>
             </a:fld>
             <a:endParaRPr lang="en-US" dirty="0"/>
           </a:p>
@@ -13887,7 +14055,7 @@
           <a:p>
             <a:fld id="{4EFCFC6A-9AE6-404D-9FDD-168B477B9C90}" type="datetimeFigureOut">
               <a:rPr lang="en-US" dirty="0"/>
-              <a:t>6/2/2021</a:t>
+              <a:t>6/3/2021</a:t>
             </a:fld>
             <a:endParaRPr lang="en-US" dirty="0"/>
           </a:p>
@@ -14149,7 +14317,7 @@
           <a:p>
             <a:fld id="{61CFCDFD-B4CF-A241-8D71-E814B10BEAF4}" type="datetimeFigureOut">
               <a:rPr lang="en-US" dirty="0"/>
-              <a:t>6/2/2021</a:t>
+              <a:t>6/3/2021</a:t>
             </a:fld>
             <a:endParaRPr lang="en-US" dirty="0"/>
           </a:p>
@@ -14610,7 +14778,7 @@
           <a:p>
             <a:fld id="{26A7B589-FD4B-7E46-869A-CBADC5FC564E}" type="datetimeFigureOut">
               <a:rPr lang="en-US" dirty="0"/>
-              <a:t>6/2/2021</a:t>
+              <a:t>6/3/2021</a:t>
             </a:fld>
             <a:endParaRPr lang="en-US" dirty="0"/>
           </a:p>
@@ -15710,7 +15878,7 @@
             <a:pPr algn="r"/>
             <a:fld id="{F072743E-0297-4AC3-80E5-4C9F5D2C8935}" type="datetime4">
               <a:rPr lang="de-DE"/>
-              <a:t>2. Juni 2021</a:t>
+              <a:t>3. Juni 2021</a:t>
             </a:fld>
             <a:endParaRPr lang="de-DE" dirty="0"/>
           </a:p>
@@ -16447,6 +16615,118 @@
       </p:grpSpPr>
       <p:sp>
         <p:nvSpPr>
+          <p:cNvPr id="2" name="Título 1">
+            <a:extLst>
+              <a:ext uri="{FF2B5EF4-FFF2-40B4-BE49-F238E27FC236}">
+                <a16:creationId xmlns:a16="http://schemas.microsoft.com/office/drawing/2014/main" id="{FF281848-865B-40FB-8353-EE3CC897CDB1}"/>
+              </a:ext>
+            </a:extLst>
+          </p:cNvPr>
+          <p:cNvSpPr>
+            <a:spLocks noGrp="1"/>
+          </p:cNvSpPr>
+          <p:nvPr>
+            <p:ph type="title"/>
+          </p:nvPr>
+        </p:nvSpPr>
+        <p:spPr/>
+        <p:txBody>
+          <a:bodyPr/>
+          <a:lstStyle/>
+          <a:p>
+            <a:r>
+              <a:rPr lang="de-DE" dirty="0"/>
+              <a:t>Referenzen</a:t>
+            </a:r>
+          </a:p>
+        </p:txBody>
+      </p:sp>
+      <p:sp>
+        <p:nvSpPr>
+          <p:cNvPr id="3" name="Marcador de contenido 2">
+            <a:extLst>
+              <a:ext uri="{FF2B5EF4-FFF2-40B4-BE49-F238E27FC236}">
+                <a16:creationId xmlns:a16="http://schemas.microsoft.com/office/drawing/2014/main" id="{81ACE999-0CB5-4B90-B5D2-37A799BB91FC}"/>
+              </a:ext>
+            </a:extLst>
+          </p:cNvPr>
+          <p:cNvSpPr>
+            <a:spLocks noGrp="1"/>
+          </p:cNvSpPr>
+          <p:nvPr>
+            <p:ph idx="1"/>
+          </p:nvPr>
+        </p:nvSpPr>
+        <p:spPr/>
+        <p:txBody>
+          <a:bodyPr/>
+          <a:lstStyle/>
+          <a:p>
+            <a:r>
+              <a:rPr lang="de-DE" sz="1800" dirty="0"/>
+              <a:t>Amalfitano, D., Fasolino, A. R.  and Tramontana, P. (2011) „Using Dynamic Analysis for Generating End User Documentation for Web 2.0“</a:t>
+            </a:r>
+          </a:p>
+          <a:p>
+            <a:r>
+              <a:rPr lang="de-DE" sz="1800" dirty="0"/>
+              <a:t>M. Descher, T. Feilhauer, L. Amann (2014) „Automated user documentation generation based on the Eclipse application model“</a:t>
+            </a:r>
+          </a:p>
+          <a:p>
+            <a:r>
+              <a:rPr lang="de-DE" sz="1800" dirty="0"/>
+              <a:t>Oliveira, A. d. S. (2017) „GuideAutomator: Automated User Manual Generation with Markdown“</a:t>
+            </a:r>
+          </a:p>
+          <a:p>
+            <a:r>
+              <a:rPr lang="de-DE" sz="1800" dirty="0"/>
+              <a:t>Gök, O., Ersoy, P., Börühan, G. (2019) „</a:t>
+            </a:r>
+            <a:r>
+              <a:rPr lang="en-US" sz="1800" dirty="0"/>
+              <a:t>The effect of user manual quality on customer satisfaction: the mediating effect of perceived product quality”</a:t>
+            </a:r>
+            <a:endParaRPr lang="de-DE" sz="1800" dirty="0"/>
+          </a:p>
+          <a:p>
+            <a:endParaRPr lang="de-DE" dirty="0"/>
+          </a:p>
+        </p:txBody>
+      </p:sp>
+    </p:spTree>
+    <p:extLst>
+      <p:ext uri="{BB962C8B-B14F-4D97-AF65-F5344CB8AC3E}">
+        <p14:creationId xmlns:p14="http://schemas.microsoft.com/office/powerpoint/2010/main" val="3752054290"/>
+      </p:ext>
+    </p:extLst>
+  </p:cSld>
+  <p:clrMapOvr>
+    <a:masterClrMapping/>
+  </p:clrMapOvr>
+</p:sld>
+</file>
+
+<file path=ppt/slides/slide16.xml><?xml version="1.0" encoding="utf-8"?>
+<p:sld xmlns:a="http://schemas.openxmlformats.org/drawingml/2006/main" xmlns:r="http://schemas.openxmlformats.org/officeDocument/2006/relationships" xmlns:p="http://schemas.openxmlformats.org/presentationml/2006/main">
+  <p:cSld>
+    <p:spTree>
+      <p:nvGrpSpPr>
+        <p:cNvPr id="1" name=""/>
+        <p:cNvGrpSpPr/>
+        <p:nvPr/>
+      </p:nvGrpSpPr>
+      <p:grpSpPr>
+        <a:xfrm>
+          <a:off x="0" y="0"/>
+          <a:ext cx="0" cy="0"/>
+          <a:chOff x="0" y="0"/>
+          <a:chExt cx="0" cy="0"/>
+        </a:xfrm>
+      </p:grpSpPr>
+      <p:sp>
+        <p:nvSpPr>
           <p:cNvPr id="4" name="CuadroTexto 3">
             <a:extLst>
               <a:ext uri="{FF2B5EF4-FFF2-40B4-BE49-F238E27FC236}">
@@ -16557,7 +16837,7 @@
             <p:ph idx="1"/>
             <p:extLst>
               <p:ext uri="{D42A27DB-BD31-4B8C-83A1-F6EECF244321}">
-                <p14:modId xmlns:p14="http://schemas.microsoft.com/office/powerpoint/2010/main" val="3957874033"/>
+                <p14:modId xmlns:p14="http://schemas.microsoft.com/office/powerpoint/2010/main" val="510024888"/>
               </p:ext>
             </p:extLst>
           </p:nvPr>
@@ -17234,31 +17514,13 @@
               <a:rPr lang="de-DE" sz="1600" dirty="0">
                 <a:latin typeface="Arial" panose="020B0604020202020204" pitchFamily="34" charset="0"/>
               </a:rPr>
-              <a:t> (</a:t>
-            </a:r>
-            <a:r>
-              <a:rPr lang="de-DE" sz="1600" dirty="0" err="1">
-                <a:latin typeface="Arial" panose="020B0604020202020204" pitchFamily="34" charset="0"/>
-              </a:rPr>
-              <a:t>Descher</a:t>
-            </a:r>
-            <a:r>
-              <a:rPr lang="de-DE" sz="1600" dirty="0">
-                <a:latin typeface="Arial" panose="020B0604020202020204" pitchFamily="34" charset="0"/>
-              </a:rPr>
-              <a:t> et al., 2014) , </a:t>
-            </a:r>
-            <a:r>
-              <a:rPr lang="de-DE" sz="1600" b="0" i="0" u="none" strike="noStrike" baseline="0" dirty="0" err="1">
-                <a:latin typeface="Arial" panose="020B0604020202020204" pitchFamily="34" charset="0"/>
-              </a:rPr>
-              <a:t>GuideAutomator</a:t>
+              <a:t> (Descher et al., 2014) , </a:t>
             </a:r>
             <a:r>
               <a:rPr lang="de-DE" sz="1600" b="0" i="0" u="none" strike="noStrike" baseline="0" dirty="0">
                 <a:latin typeface="Arial" panose="020B0604020202020204" pitchFamily="34" charset="0"/>
               </a:rPr>
-              <a:t> (Souza, Oliveira, 2017)</a:t>
+              <a:t>GuideAutomator (Souza, Oliveira, 2017)</a:t>
             </a:r>
           </a:p>
         </p:txBody>

--- a/Proposalvortrag.pptx
+++ b/Proposalvortrag.pptx
@@ -8,13 +8,13 @@
     <p:sldId id="256" r:id="rId2"/>
     <p:sldId id="257" r:id="rId3"/>
     <p:sldId id="258" r:id="rId4"/>
-    <p:sldId id="267" r:id="rId5"/>
-    <p:sldId id="259" r:id="rId6"/>
-    <p:sldId id="260" r:id="rId7"/>
-    <p:sldId id="268" r:id="rId8"/>
-    <p:sldId id="261" r:id="rId9"/>
-    <p:sldId id="262" r:id="rId10"/>
-    <p:sldId id="263" r:id="rId11"/>
+    <p:sldId id="259" r:id="rId5"/>
+    <p:sldId id="260" r:id="rId6"/>
+    <p:sldId id="275" r:id="rId7"/>
+    <p:sldId id="276" r:id="rId8"/>
+    <p:sldId id="268" r:id="rId9"/>
+    <p:sldId id="261" r:id="rId10"/>
+    <p:sldId id="262" r:id="rId11"/>
     <p:sldId id="269" r:id="rId12"/>
     <p:sldId id="264" r:id="rId13"/>
     <p:sldId id="272" r:id="rId14"/>
@@ -3151,46 +3151,6 @@
         </a:p>
       </dgm:t>
     </dgm:pt>
-    <dgm:pt modelId="{0484376F-7657-423A-B560-BD1CA7483298}">
-      <dgm:prSet phldrT="[Texto]"/>
-      <dgm:spPr/>
-      <dgm:t>
-        <a:bodyPr/>
-        <a:lstStyle/>
-        <a:p>
-          <a:pPr>
-            <a:buFont typeface="Wingdings" panose="05000000000000000000" pitchFamily="2" charset="2"/>
-            <a:buChar char="ü"/>
-          </a:pPr>
-          <a:r>
-            <a:rPr lang="de-DE" dirty="0"/>
-            <a:t>1. Termin mit Prüfer</a:t>
-          </a:r>
-        </a:p>
-      </dgm:t>
-    </dgm:pt>
-    <dgm:pt modelId="{8D23A5E4-59FD-4FB0-A5B4-7BF1673DE862}" type="parTrans" cxnId="{6E3EC862-5E4A-4390-B557-F00B62EC79A0}">
-      <dgm:prSet/>
-      <dgm:spPr/>
-      <dgm:t>
-        <a:bodyPr/>
-        <a:lstStyle/>
-        <a:p>
-          <a:endParaRPr lang="de-DE"/>
-        </a:p>
-      </dgm:t>
-    </dgm:pt>
-    <dgm:pt modelId="{490C124E-3018-46FC-8752-902E3DAD4D51}" type="sibTrans" cxnId="{6E3EC862-5E4A-4390-B557-F00B62EC79A0}">
-      <dgm:prSet/>
-      <dgm:spPr/>
-      <dgm:t>
-        <a:bodyPr/>
-        <a:lstStyle/>
-        <a:p>
-          <a:endParaRPr lang="de-DE"/>
-        </a:p>
-      </dgm:t>
-    </dgm:pt>
     <dgm:pt modelId="{C1ED88BF-9F86-4464-A897-D44AE2BA28A8}">
       <dgm:prSet phldrT="[Texto]"/>
       <dgm:spPr/>
@@ -3221,46 +3181,6 @@
       </dgm:t>
     </dgm:pt>
     <dgm:pt modelId="{980C0857-9FD7-4EA1-83EC-8F4A772CED4C}" type="sibTrans" cxnId="{A776031E-B06F-4058-BFE3-81C75D0C31B6}">
-      <dgm:prSet/>
-      <dgm:spPr/>
-      <dgm:t>
-        <a:bodyPr/>
-        <a:lstStyle/>
-        <a:p>
-          <a:endParaRPr lang="de-DE"/>
-        </a:p>
-      </dgm:t>
-    </dgm:pt>
-    <dgm:pt modelId="{3094F5B2-0311-4C43-A262-C45F1CF54076}">
-      <dgm:prSet phldrT="[Texto]"/>
-      <dgm:spPr/>
-      <dgm:t>
-        <a:bodyPr/>
-        <a:lstStyle/>
-        <a:p>
-          <a:pPr>
-            <a:buFont typeface="Wingdings" panose="05000000000000000000" pitchFamily="2" charset="2"/>
-            <a:buChar char="ü"/>
-          </a:pPr>
-          <a:r>
-            <a:rPr lang="de-DE" dirty="0"/>
-            <a:t>Einarbeitung in DIME</a:t>
-          </a:r>
-        </a:p>
-      </dgm:t>
-    </dgm:pt>
-    <dgm:pt modelId="{0DE7373D-3D5E-4372-9E24-38158FEE7473}" type="parTrans" cxnId="{1E883D3B-8447-44A1-8A9C-53CC2358D09A}">
-      <dgm:prSet/>
-      <dgm:spPr/>
-      <dgm:t>
-        <a:bodyPr/>
-        <a:lstStyle/>
-        <a:p>
-          <a:endParaRPr lang="de-DE"/>
-        </a:p>
-      </dgm:t>
-    </dgm:pt>
-    <dgm:pt modelId="{3D885F5D-69E0-49D5-8F39-98FB5BFBDDF0}" type="sibTrans" cxnId="{1E883D3B-8447-44A1-8A9C-53CC2358D09A}">
       <dgm:prSet/>
       <dgm:spPr/>
       <dgm:t>
@@ -3471,6 +3391,46 @@
         </a:p>
       </dgm:t>
     </dgm:pt>
+    <dgm:pt modelId="{3094F5B2-0311-4C43-A262-C45F1CF54076}">
+      <dgm:prSet phldrT="[Texto]"/>
+      <dgm:spPr/>
+      <dgm:t>
+        <a:bodyPr/>
+        <a:lstStyle/>
+        <a:p>
+          <a:pPr>
+            <a:buFont typeface="Wingdings" panose="05000000000000000000" pitchFamily="2" charset="2"/>
+            <a:buChar char="ü"/>
+          </a:pPr>
+          <a:r>
+            <a:rPr lang="de-DE" dirty="0"/>
+            <a:t>1. Termin mit Prüfer</a:t>
+          </a:r>
+        </a:p>
+      </dgm:t>
+    </dgm:pt>
+    <dgm:pt modelId="{3D885F5D-69E0-49D5-8F39-98FB5BFBDDF0}" type="sibTrans" cxnId="{1E883D3B-8447-44A1-8A9C-53CC2358D09A}">
+      <dgm:prSet/>
+      <dgm:spPr/>
+      <dgm:t>
+        <a:bodyPr/>
+        <a:lstStyle/>
+        <a:p>
+          <a:endParaRPr lang="de-DE"/>
+        </a:p>
+      </dgm:t>
+    </dgm:pt>
+    <dgm:pt modelId="{0DE7373D-3D5E-4372-9E24-38158FEE7473}" type="parTrans" cxnId="{1E883D3B-8447-44A1-8A9C-53CC2358D09A}">
+      <dgm:prSet/>
+      <dgm:spPr/>
+      <dgm:t>
+        <a:bodyPr/>
+        <a:lstStyle/>
+        <a:p>
+          <a:endParaRPr lang="de-DE"/>
+        </a:p>
+      </dgm:t>
+    </dgm:pt>
     <dgm:pt modelId="{340603CD-7294-402D-8237-017F774EBDCF}" type="pres">
       <dgm:prSet presAssocID="{75FCF811-E5CC-448B-8A1D-76CF11C6F0E7}" presName="linearFlow" presStyleCnt="0">
         <dgm:presLayoutVars>
@@ -3659,13 +3619,11 @@
     <dgm:cxn modelId="{DE8FC82A-9342-431C-AA18-84720D5E01B1}" srcId="{5A7CC457-934B-459D-9617-D5E9DC96E7E2}" destId="{E8D3425C-BA2B-4C0C-9ACB-6BF80D58B0A9}" srcOrd="0" destOrd="0" parTransId="{8D2C4153-3735-47DB-8A38-89AD1A85C7C5}" sibTransId="{BD8EC204-C178-4C92-99EE-4F010615ED2E}"/>
     <dgm:cxn modelId="{CE315F30-1ED6-42BD-A97F-5A151436878D}" srcId="{9A21178D-AC88-4098-B957-D2C4B1CF1022}" destId="{6D09E750-06B3-47E2-B59A-C668282FBFE3}" srcOrd="0" destOrd="0" parTransId="{F39B27AC-4340-42FE-9500-811525A239A1}" sibTransId="{E3492DD2-1BA6-49FF-9D14-0038400BF69C}"/>
     <dgm:cxn modelId="{CB1AEE31-183D-4CD5-809D-526C3758A130}" srcId="{346EE75A-E63C-42FB-8BAA-32D43D51C5DE}" destId="{BFEFC78C-409D-414E-AA01-ABB86C11B865}" srcOrd="0" destOrd="0" parTransId="{04F21F95-0221-428C-B06B-8B973A6B593B}" sibTransId="{AA78B30D-7C37-4D53-83C5-616457C212B1}"/>
-    <dgm:cxn modelId="{183E2B32-4688-4D8F-9CF5-8F1FE06C4D6B}" type="presOf" srcId="{0484376F-7657-423A-B560-BD1CA7483298}" destId="{FD3F85A9-0726-46F7-9694-4615A8D509AD}" srcOrd="0" destOrd="2" presId="urn:microsoft.com/office/officeart/2005/8/layout/process3"/>
     <dgm:cxn modelId="{ACFC2C38-0351-43BB-B428-B1BCEA4FCF87}" srcId="{75FCF811-E5CC-448B-8A1D-76CF11C6F0E7}" destId="{EF9078FB-C31D-417E-A5E3-67AFE5A4252A}" srcOrd="2" destOrd="0" parTransId="{74BFEA63-F381-4B46-80DB-901D39D74CB9}" sibTransId="{537B4242-097A-4722-BA4B-DF7A6B358ECD}"/>
     <dgm:cxn modelId="{1E883D3B-8447-44A1-8A9C-53CC2358D09A}" srcId="{EF9078FB-C31D-417E-A5E3-67AFE5A4252A}" destId="{3094F5B2-0311-4C43-A262-C45F1CF54076}" srcOrd="1" destOrd="0" parTransId="{0DE7373D-3D5E-4372-9E24-38158FEE7473}" sibTransId="{3D885F5D-69E0-49D5-8F39-98FB5BFBDDF0}"/>
     <dgm:cxn modelId="{F07A913F-CEB9-4E33-A718-3C978C3FA8A1}" type="presOf" srcId="{C1ED88BF-9F86-4464-A897-D44AE2BA28A8}" destId="{FD3F85A9-0726-46F7-9694-4615A8D509AD}" srcOrd="0" destOrd="0" presId="urn:microsoft.com/office/officeart/2005/8/layout/process3"/>
     <dgm:cxn modelId="{757B375D-F25A-4EEA-8D1C-61E17D7CBD89}" srcId="{75FCF811-E5CC-448B-8A1D-76CF11C6F0E7}" destId="{9A21178D-AC88-4098-B957-D2C4B1CF1022}" srcOrd="0" destOrd="0" parTransId="{458ED8C3-846A-4B72-86A6-89B134D57B7D}" sibTransId="{BF3B6EAC-3A17-45FF-86E0-CC01BF1CB1C5}"/>
     <dgm:cxn modelId="{BD26A45D-BF50-4DED-8E20-41497C25F5CC}" type="presOf" srcId="{EF9078FB-C31D-417E-A5E3-67AFE5A4252A}" destId="{E363C0E2-9AA5-4DA5-9CCA-26E7682D19BB}" srcOrd="0" destOrd="0" presId="urn:microsoft.com/office/officeart/2005/8/layout/process3"/>
-    <dgm:cxn modelId="{6E3EC862-5E4A-4390-B557-F00B62EC79A0}" srcId="{EF9078FB-C31D-417E-A5E3-67AFE5A4252A}" destId="{0484376F-7657-423A-B560-BD1CA7483298}" srcOrd="2" destOrd="0" parTransId="{8D23A5E4-59FD-4FB0-A5B4-7BF1673DE862}" sibTransId="{490C124E-3018-46FC-8752-902E3DAD4D51}"/>
     <dgm:cxn modelId="{3C9DF664-7A00-438E-B203-CD1D76245529}" srcId="{346EE75A-E63C-42FB-8BAA-32D43D51C5DE}" destId="{714DBBD1-610E-4CD6-9EA2-EA70174391FF}" srcOrd="2" destOrd="0" parTransId="{0D48863E-0158-4CB1-8DE4-AD77AF5DC8CB}" sibTransId="{0F7E823B-0898-4B9C-B0D5-527CE455325A}"/>
     <dgm:cxn modelId="{BEFD604B-37C7-443E-8838-D10B572F77B5}" type="presOf" srcId="{9A21178D-AC88-4098-B957-D2C4B1CF1022}" destId="{9C8276B4-E89B-45EC-B5B4-F960062ADAAF}" srcOrd="1" destOrd="0" presId="urn:microsoft.com/office/officeart/2005/8/layout/process3"/>
     <dgm:cxn modelId="{4B34894F-3013-41DA-8450-203FA98ED5D5}" srcId="{75FCF811-E5CC-448B-8A1D-76CF11C6F0E7}" destId="{5A7CC457-934B-459D-9617-D5E9DC96E7E2}" srcOrd="1" destOrd="0" parTransId="{888012AE-0BCA-4CA7-8721-555F25BA86DB}" sibTransId="{5E64A422-9B40-47EC-92E6-356CBBE2DBF3}"/>
@@ -3807,42 +3765,6 @@
         </a:p>
       </dgm:t>
     </dgm:pt>
-    <dgm:pt modelId="{EF9078FB-C31D-417E-A5E3-67AFE5A4252A}">
-      <dgm:prSet phldrT="[Texto]"/>
-      <dgm:spPr/>
-      <dgm:t>
-        <a:bodyPr/>
-        <a:lstStyle/>
-        <a:p>
-          <a:r>
-            <a:rPr lang="de-DE" dirty="0"/>
-            <a:t>22. September</a:t>
-          </a:r>
-        </a:p>
-      </dgm:t>
-    </dgm:pt>
-    <dgm:pt modelId="{74BFEA63-F381-4B46-80DB-901D39D74CB9}" type="parTrans" cxnId="{ACFC2C38-0351-43BB-B428-B1BCEA4FCF87}">
-      <dgm:prSet/>
-      <dgm:spPr/>
-      <dgm:t>
-        <a:bodyPr/>
-        <a:lstStyle/>
-        <a:p>
-          <a:endParaRPr lang="de-DE"/>
-        </a:p>
-      </dgm:t>
-    </dgm:pt>
-    <dgm:pt modelId="{537B4242-097A-4722-BA4B-DF7A6B358ECD}" type="sibTrans" cxnId="{ACFC2C38-0351-43BB-B428-B1BCEA4FCF87}">
-      <dgm:prSet/>
-      <dgm:spPr/>
-      <dgm:t>
-        <a:bodyPr/>
-        <a:lstStyle/>
-        <a:p>
-          <a:endParaRPr lang="de-DE"/>
-        </a:p>
-      </dgm:t>
-    </dgm:pt>
     <dgm:pt modelId="{62266C16-57A0-44DD-90BF-E30762F24CD1}">
       <dgm:prSet phldrT="[Texto]"/>
       <dgm:spPr/>
@@ -3949,46 +3871,6 @@
       </dgm:t>
     </dgm:pt>
     <dgm:pt modelId="{5E64A422-9B40-47EC-92E6-356CBBE2DBF3}" type="sibTrans" cxnId="{4B34894F-3013-41DA-8450-203FA98ED5D5}">
-      <dgm:prSet/>
-      <dgm:spPr/>
-      <dgm:t>
-        <a:bodyPr/>
-        <a:lstStyle/>
-        <a:p>
-          <a:endParaRPr lang="de-DE"/>
-        </a:p>
-      </dgm:t>
-    </dgm:pt>
-    <dgm:pt modelId="{BCA7C9D2-68C8-4179-9206-1F5978AE15A8}">
-      <dgm:prSet phldrT="[Texto]"/>
-      <dgm:spPr/>
-      <dgm:t>
-        <a:bodyPr/>
-        <a:lstStyle/>
-        <a:p>
-          <a:pPr>
-            <a:buFont typeface="Wingdings" panose="05000000000000000000" pitchFamily="2" charset="2"/>
-            <a:buChar char="ü"/>
-          </a:pPr>
-          <a:r>
-            <a:rPr lang="de-DE" dirty="0"/>
-            <a:t>Drucken/Fertigen der Exemplare</a:t>
-          </a:r>
-        </a:p>
-      </dgm:t>
-    </dgm:pt>
-    <dgm:pt modelId="{74E1A6DE-B437-4615-BABA-F42AFAA22239}" type="parTrans" cxnId="{B905F193-95AE-40EE-8233-1356F2C5D0AE}">
-      <dgm:prSet/>
-      <dgm:spPr/>
-      <dgm:t>
-        <a:bodyPr/>
-        <a:lstStyle/>
-        <a:p>
-          <a:endParaRPr lang="de-DE"/>
-        </a:p>
-      </dgm:t>
-    </dgm:pt>
-    <dgm:pt modelId="{3CF945C7-E9CE-4857-BAE9-BDFFC8D83582}" type="sibTrans" cxnId="{B905F193-95AE-40EE-8233-1356F2C5D0AE}">
       <dgm:prSet/>
       <dgm:spPr/>
       <dgm:t>
@@ -4176,7 +4058,7 @@
       <dgm:spPr/>
     </dgm:pt>
     <dgm:pt modelId="{3F53CB32-2106-4454-AE70-83A064A71E83}" type="pres">
-      <dgm:prSet presAssocID="{1E64AECA-0F00-4E4F-997F-019E929EE783}" presName="parTx" presStyleLbl="node1" presStyleIdx="0" presStyleCnt="5">
+      <dgm:prSet presAssocID="{1E64AECA-0F00-4E4F-997F-019E929EE783}" presName="parTx" presStyleLbl="node1" presStyleIdx="0" presStyleCnt="4">
         <dgm:presLayoutVars>
           <dgm:chMax val="0"/>
           <dgm:chPref val="0"/>
@@ -4186,11 +4068,11 @@
       <dgm:spPr/>
     </dgm:pt>
     <dgm:pt modelId="{CB4844E4-F41A-4CAA-B75C-8F729BF021D0}" type="pres">
-      <dgm:prSet presAssocID="{1E64AECA-0F00-4E4F-997F-019E929EE783}" presName="parSh" presStyleLbl="node1" presStyleIdx="0" presStyleCnt="5" custLinFactNeighborX="11163" custLinFactNeighborY="-37690"/>
+      <dgm:prSet presAssocID="{1E64AECA-0F00-4E4F-997F-019E929EE783}" presName="parSh" presStyleLbl="node1" presStyleIdx="0" presStyleCnt="4" custLinFactNeighborX="11163" custLinFactNeighborY="-37690"/>
       <dgm:spPr/>
     </dgm:pt>
     <dgm:pt modelId="{5C72899B-EAA1-460E-98A2-2D77B1F7DE5A}" type="pres">
-      <dgm:prSet presAssocID="{1E64AECA-0F00-4E4F-997F-019E929EE783}" presName="desTx" presStyleLbl="fgAcc1" presStyleIdx="0" presStyleCnt="5" custScaleY="51216" custLinFactNeighborX="-631" custLinFactNeighborY="-41281">
+      <dgm:prSet presAssocID="{1E64AECA-0F00-4E4F-997F-019E929EE783}" presName="desTx" presStyleLbl="fgAcc1" presStyleIdx="0" presStyleCnt="4" custScaleY="51216" custLinFactNeighborX="-631" custLinFactNeighborY="-41281">
         <dgm:presLayoutVars>
           <dgm:bulletEnabled val="1"/>
         </dgm:presLayoutVars>
@@ -4198,11 +4080,11 @@
       <dgm:spPr/>
     </dgm:pt>
     <dgm:pt modelId="{D974A36B-4FE7-4975-A06D-E5E693AF4145}" type="pres">
-      <dgm:prSet presAssocID="{D96CEA08-AD2E-4189-A8EA-A4DBC841CF9C}" presName="sibTrans" presStyleLbl="sibTrans2D1" presStyleIdx="0" presStyleCnt="4"/>
+      <dgm:prSet presAssocID="{D96CEA08-AD2E-4189-A8EA-A4DBC841CF9C}" presName="sibTrans" presStyleLbl="sibTrans2D1" presStyleIdx="0" presStyleCnt="3"/>
       <dgm:spPr/>
     </dgm:pt>
     <dgm:pt modelId="{D2B3CDAD-0E29-4DF1-AB33-66B3AC5B92AE}" type="pres">
-      <dgm:prSet presAssocID="{D96CEA08-AD2E-4189-A8EA-A4DBC841CF9C}" presName="connTx" presStyleLbl="sibTrans2D1" presStyleIdx="0" presStyleCnt="4"/>
+      <dgm:prSet presAssocID="{D96CEA08-AD2E-4189-A8EA-A4DBC841CF9C}" presName="connTx" presStyleLbl="sibTrans2D1" presStyleIdx="0" presStyleCnt="3"/>
       <dgm:spPr/>
     </dgm:pt>
     <dgm:pt modelId="{E395AA49-FBF2-4913-AFFF-406162C81505}" type="pres">
@@ -4210,7 +4092,7 @@
       <dgm:spPr/>
     </dgm:pt>
     <dgm:pt modelId="{036BC2B8-C49E-40A5-9088-8F4CEE5FC608}" type="pres">
-      <dgm:prSet presAssocID="{E03D556B-4C85-4195-818F-741D1AD0BDCB}" presName="parTx" presStyleLbl="node1" presStyleIdx="0" presStyleCnt="5">
+      <dgm:prSet presAssocID="{E03D556B-4C85-4195-818F-741D1AD0BDCB}" presName="parTx" presStyleLbl="node1" presStyleIdx="0" presStyleCnt="4">
         <dgm:presLayoutVars>
           <dgm:chMax val="0"/>
           <dgm:chPref val="0"/>
@@ -4220,11 +4102,11 @@
       <dgm:spPr/>
     </dgm:pt>
     <dgm:pt modelId="{9AF1ADA5-4794-4F07-8C95-0D4A5F4A1147}" type="pres">
-      <dgm:prSet presAssocID="{E03D556B-4C85-4195-818F-741D1AD0BDCB}" presName="parSh" presStyleLbl="node1" presStyleIdx="1" presStyleCnt="5" custLinFactNeighborX="3153" custLinFactNeighborY="-26344"/>
+      <dgm:prSet presAssocID="{E03D556B-4C85-4195-818F-741D1AD0BDCB}" presName="parSh" presStyleLbl="node1" presStyleIdx="1" presStyleCnt="4" custLinFactNeighborX="3153" custLinFactNeighborY="-26344"/>
       <dgm:spPr/>
     </dgm:pt>
     <dgm:pt modelId="{635D666C-5B93-40C7-9AE5-88873B0F1E8B}" type="pres">
-      <dgm:prSet presAssocID="{E03D556B-4C85-4195-818F-741D1AD0BDCB}" presName="desTx" presStyleLbl="fgAcc1" presStyleIdx="1" presStyleCnt="5" custScaleY="70581" custLinFactNeighborX="-6938" custLinFactNeighborY="-26757">
+      <dgm:prSet presAssocID="{E03D556B-4C85-4195-818F-741D1AD0BDCB}" presName="desTx" presStyleLbl="fgAcc1" presStyleIdx="1" presStyleCnt="4" custScaleY="70581" custLinFactNeighborX="-6938" custLinFactNeighborY="-26757">
         <dgm:presLayoutVars>
           <dgm:bulletEnabled val="1"/>
         </dgm:presLayoutVars>
@@ -4232,45 +4114,11 @@
       <dgm:spPr/>
     </dgm:pt>
     <dgm:pt modelId="{9AC86107-662A-4672-9265-984D471DA932}" type="pres">
-      <dgm:prSet presAssocID="{123ABBA2-436D-4612-BB0E-BE6B40F444F8}" presName="sibTrans" presStyleLbl="sibTrans2D1" presStyleIdx="1" presStyleCnt="4"/>
+      <dgm:prSet presAssocID="{123ABBA2-436D-4612-BB0E-BE6B40F444F8}" presName="sibTrans" presStyleLbl="sibTrans2D1" presStyleIdx="1" presStyleCnt="3"/>
       <dgm:spPr/>
     </dgm:pt>
     <dgm:pt modelId="{AB457E41-2002-467C-9537-2F03F3262AD0}" type="pres">
-      <dgm:prSet presAssocID="{123ABBA2-436D-4612-BB0E-BE6B40F444F8}" presName="connTx" presStyleLbl="sibTrans2D1" presStyleIdx="1" presStyleCnt="4"/>
-      <dgm:spPr/>
-    </dgm:pt>
-    <dgm:pt modelId="{9533C26A-8593-4FA7-A678-77305934F0F1}" type="pres">
-      <dgm:prSet presAssocID="{EF9078FB-C31D-417E-A5E3-67AFE5A4252A}" presName="composite" presStyleCnt="0"/>
-      <dgm:spPr/>
-    </dgm:pt>
-    <dgm:pt modelId="{E363C0E2-9AA5-4DA5-9CCA-26E7682D19BB}" type="pres">
-      <dgm:prSet presAssocID="{EF9078FB-C31D-417E-A5E3-67AFE5A4252A}" presName="parTx" presStyleLbl="node1" presStyleIdx="1" presStyleCnt="5">
-        <dgm:presLayoutVars>
-          <dgm:chMax val="0"/>
-          <dgm:chPref val="0"/>
-          <dgm:bulletEnabled val="1"/>
-        </dgm:presLayoutVars>
-      </dgm:prSet>
-      <dgm:spPr/>
-    </dgm:pt>
-    <dgm:pt modelId="{D863096F-BBDD-4946-85A9-D40F6BB6CD1B}" type="pres">
-      <dgm:prSet presAssocID="{EF9078FB-C31D-417E-A5E3-67AFE5A4252A}" presName="parSh" presStyleLbl="node1" presStyleIdx="2" presStyleCnt="5" custLinFactNeighborX="2567" custLinFactNeighborY="-35452"/>
-      <dgm:spPr/>
-    </dgm:pt>
-    <dgm:pt modelId="{FD3F85A9-0726-46F7-9694-4615A8D509AD}" type="pres">
-      <dgm:prSet presAssocID="{EF9078FB-C31D-417E-A5E3-67AFE5A4252A}" presName="desTx" presStyleLbl="fgAcc1" presStyleIdx="2" presStyleCnt="5" custScaleY="55036" custLinFactNeighborX="-4415" custLinFactNeighborY="-38416">
-        <dgm:presLayoutVars>
-          <dgm:bulletEnabled val="1"/>
-        </dgm:presLayoutVars>
-      </dgm:prSet>
-      <dgm:spPr/>
-    </dgm:pt>
-    <dgm:pt modelId="{2612C595-4F82-4CB5-91FA-B9E1C1328B8F}" type="pres">
-      <dgm:prSet presAssocID="{537B4242-097A-4722-BA4B-DF7A6B358ECD}" presName="sibTrans" presStyleLbl="sibTrans2D1" presStyleIdx="2" presStyleCnt="4"/>
-      <dgm:spPr/>
-    </dgm:pt>
-    <dgm:pt modelId="{70485361-0B2C-42FF-858E-2FC73CB12082}" type="pres">
-      <dgm:prSet presAssocID="{537B4242-097A-4722-BA4B-DF7A6B358ECD}" presName="connTx" presStyleLbl="sibTrans2D1" presStyleIdx="2" presStyleCnt="4"/>
+      <dgm:prSet presAssocID="{123ABBA2-436D-4612-BB0E-BE6B40F444F8}" presName="connTx" presStyleLbl="sibTrans2D1" presStyleIdx="1" presStyleCnt="3"/>
       <dgm:spPr/>
     </dgm:pt>
     <dgm:pt modelId="{CCC6F2B6-1492-4A87-9E41-D313C75D7C75}" type="pres">
@@ -4278,7 +4126,7 @@
       <dgm:spPr/>
     </dgm:pt>
     <dgm:pt modelId="{D256854E-7D62-4051-80AC-9AC9EA334B28}" type="pres">
-      <dgm:prSet presAssocID="{62266C16-57A0-44DD-90BF-E30762F24CD1}" presName="parTx" presStyleLbl="node1" presStyleIdx="2" presStyleCnt="5">
+      <dgm:prSet presAssocID="{62266C16-57A0-44DD-90BF-E30762F24CD1}" presName="parTx" presStyleLbl="node1" presStyleIdx="1" presStyleCnt="4">
         <dgm:presLayoutVars>
           <dgm:chMax val="0"/>
           <dgm:chPref val="0"/>
@@ -4288,11 +4136,11 @@
       <dgm:spPr/>
     </dgm:pt>
     <dgm:pt modelId="{B1082B3D-2794-4BEB-9983-E876BF7A4258}" type="pres">
-      <dgm:prSet presAssocID="{62266C16-57A0-44DD-90BF-E30762F24CD1}" presName="parSh" presStyleLbl="node1" presStyleIdx="3" presStyleCnt="5" custLinFactNeighborX="6307" custLinFactNeighborY="-37690"/>
+      <dgm:prSet presAssocID="{62266C16-57A0-44DD-90BF-E30762F24CD1}" presName="parSh" presStyleLbl="node1" presStyleIdx="2" presStyleCnt="4" custLinFactNeighborX="6307" custLinFactNeighborY="-37690"/>
       <dgm:spPr/>
     </dgm:pt>
     <dgm:pt modelId="{AFB01717-DFC9-42B3-BF2D-B5767E52C782}" type="pres">
-      <dgm:prSet presAssocID="{62266C16-57A0-44DD-90BF-E30762F24CD1}" presName="desTx" presStyleLbl="fgAcc1" presStyleIdx="3" presStyleCnt="5" custScaleY="51216" custLinFactNeighborX="-3153" custLinFactNeighborY="-41281">
+      <dgm:prSet presAssocID="{62266C16-57A0-44DD-90BF-E30762F24CD1}" presName="desTx" presStyleLbl="fgAcc1" presStyleIdx="2" presStyleCnt="4" custScaleY="51216" custLinFactNeighborX="-3153" custLinFactNeighborY="-41281">
         <dgm:presLayoutVars>
           <dgm:bulletEnabled val="1"/>
         </dgm:presLayoutVars>
@@ -4300,11 +4148,11 @@
       <dgm:spPr/>
     </dgm:pt>
     <dgm:pt modelId="{41242784-9482-4503-9F63-3D5223EFAC32}" type="pres">
-      <dgm:prSet presAssocID="{FE53A692-BCF1-48E5-AF1A-F5CF3F911555}" presName="sibTrans" presStyleLbl="sibTrans2D1" presStyleIdx="3" presStyleCnt="4"/>
+      <dgm:prSet presAssocID="{FE53A692-BCF1-48E5-AF1A-F5CF3F911555}" presName="sibTrans" presStyleLbl="sibTrans2D1" presStyleIdx="2" presStyleCnt="3"/>
       <dgm:spPr/>
     </dgm:pt>
     <dgm:pt modelId="{F74BC2A0-3604-4026-990A-F551C64B1388}" type="pres">
-      <dgm:prSet presAssocID="{FE53A692-BCF1-48E5-AF1A-F5CF3F911555}" presName="connTx" presStyleLbl="sibTrans2D1" presStyleIdx="3" presStyleCnt="4"/>
+      <dgm:prSet presAssocID="{FE53A692-BCF1-48E5-AF1A-F5CF3F911555}" presName="connTx" presStyleLbl="sibTrans2D1" presStyleIdx="2" presStyleCnt="3"/>
       <dgm:spPr/>
     </dgm:pt>
     <dgm:pt modelId="{7815478F-7C8E-4FBE-A831-EA7B4F0054F9}" type="pres">
@@ -4312,7 +4160,7 @@
       <dgm:spPr/>
     </dgm:pt>
     <dgm:pt modelId="{F81374A1-A5AA-46CD-ACBF-45AACEF788B5}" type="pres">
-      <dgm:prSet presAssocID="{0BEAEBD2-0191-4674-90F0-D1FF72C29A9C}" presName="parTx" presStyleLbl="node1" presStyleIdx="3" presStyleCnt="5">
+      <dgm:prSet presAssocID="{0BEAEBD2-0191-4674-90F0-D1FF72C29A9C}" presName="parTx" presStyleLbl="node1" presStyleIdx="2" presStyleCnt="4">
         <dgm:presLayoutVars>
           <dgm:chMax val="0"/>
           <dgm:chPref val="0"/>
@@ -4322,11 +4170,11 @@
       <dgm:spPr/>
     </dgm:pt>
     <dgm:pt modelId="{65EB5E1A-92A7-4A17-B088-73B4A56116BA}" type="pres">
-      <dgm:prSet presAssocID="{0BEAEBD2-0191-4674-90F0-D1FF72C29A9C}" presName="parSh" presStyleLbl="node1" presStyleIdx="4" presStyleCnt="5"/>
+      <dgm:prSet presAssocID="{0BEAEBD2-0191-4674-90F0-D1FF72C29A9C}" presName="parSh" presStyleLbl="node1" presStyleIdx="3" presStyleCnt="4"/>
       <dgm:spPr/>
     </dgm:pt>
     <dgm:pt modelId="{27CF7F06-ACC8-4A33-B523-665EB7C51696}" type="pres">
-      <dgm:prSet presAssocID="{0BEAEBD2-0191-4674-90F0-D1FF72C29A9C}" presName="desTx" presStyleLbl="fgAcc1" presStyleIdx="4" presStyleCnt="5" custLinFactNeighborX="-7230" custLinFactNeighborY="-1019">
+      <dgm:prSet presAssocID="{0BEAEBD2-0191-4674-90F0-D1FF72C29A9C}" presName="desTx" presStyleLbl="fgAcc1" presStyleIdx="3" presStyleCnt="4" custLinFactNeighborX="-7230" custLinFactNeighborY="-1019">
         <dgm:presLayoutVars>
           <dgm:bulletEnabled val="1"/>
         </dgm:presLayoutVars>
@@ -4335,38 +4183,31 @@
     </dgm:pt>
   </dgm:ptLst>
   <dgm:cxnLst>
-    <dgm:cxn modelId="{BF4EB800-FDB0-47B4-BE9E-A646498A46E3}" srcId="{75FCF811-E5CC-448B-8A1D-76CF11C6F0E7}" destId="{62266C16-57A0-44DD-90BF-E30762F24CD1}" srcOrd="3" destOrd="0" parTransId="{C12C4C60-F4CF-4E82-8B9A-237D9992B099}" sibTransId="{FE53A692-BCF1-48E5-AF1A-F5CF3F911555}"/>
+    <dgm:cxn modelId="{BF4EB800-FDB0-47B4-BE9E-A646498A46E3}" srcId="{75FCF811-E5CC-448B-8A1D-76CF11C6F0E7}" destId="{62266C16-57A0-44DD-90BF-E30762F24CD1}" srcOrd="2" destOrd="0" parTransId="{C12C4C60-F4CF-4E82-8B9A-237D9992B099}" sibTransId="{FE53A692-BCF1-48E5-AF1A-F5CF3F911555}"/>
     <dgm:cxn modelId="{ABCBDA03-1FDA-4999-8A64-BF4DA9282B64}" type="presOf" srcId="{75FCF811-E5CC-448B-8A1D-76CF11C6F0E7}" destId="{340603CD-7294-402D-8237-017F774EBDCF}" srcOrd="0" destOrd="0" presId="urn:microsoft.com/office/officeart/2005/8/layout/process3"/>
     <dgm:cxn modelId="{577DA109-64E1-4546-B0EC-D9F7CA6D585C}" srcId="{75FCF811-E5CC-448B-8A1D-76CF11C6F0E7}" destId="{E03D556B-4C85-4195-818F-741D1AD0BDCB}" srcOrd="1" destOrd="0" parTransId="{21F39E1F-2CFB-4DEE-BE15-E8D06C6D23B5}" sibTransId="{123ABBA2-436D-4612-BB0E-BE6B40F444F8}"/>
     <dgm:cxn modelId="{6A92980B-7300-43F5-9D2E-7E005EA71B7E}" type="presOf" srcId="{3DA1FA31-A5BA-41A4-A600-F88948F9BFE4}" destId="{27CF7F06-ACC8-4A33-B523-665EB7C51696}" srcOrd="0" destOrd="0" presId="urn:microsoft.com/office/officeart/2005/8/layout/process3"/>
     <dgm:cxn modelId="{06CC0E15-66DA-47BF-9477-96CC6BB336D5}" type="presOf" srcId="{0BEAEBD2-0191-4674-90F0-D1FF72C29A9C}" destId="{65EB5E1A-92A7-4A17-B088-73B4A56116BA}" srcOrd="1" destOrd="0" presId="urn:microsoft.com/office/officeart/2005/8/layout/process3"/>
     <dgm:cxn modelId="{BD805516-D37B-414C-B6EF-12E700B16BB8}" type="presOf" srcId="{62266C16-57A0-44DD-90BF-E30762F24CD1}" destId="{D256854E-7D62-4051-80AC-9AC9EA334B28}" srcOrd="0" destOrd="0" presId="urn:microsoft.com/office/officeart/2005/8/layout/process3"/>
-    <dgm:cxn modelId="{3D249618-E538-4C7E-8991-AB8A5A1130F8}" type="presOf" srcId="{BCA7C9D2-68C8-4179-9206-1F5978AE15A8}" destId="{FD3F85A9-0726-46F7-9694-4615A8D509AD}" srcOrd="0" destOrd="0" presId="urn:microsoft.com/office/officeart/2005/8/layout/process3"/>
     <dgm:cxn modelId="{7FB2C01C-072A-4CD3-84E5-B6419A961046}" type="presOf" srcId="{1E64AECA-0F00-4E4F-997F-019E929EE783}" destId="{CB4844E4-F41A-4CAA-B75C-8F729BF021D0}" srcOrd="1" destOrd="0" presId="urn:microsoft.com/office/officeart/2005/8/layout/process3"/>
-    <dgm:cxn modelId="{C786CD28-538B-466D-8496-F47F02D3913B}" type="presOf" srcId="{537B4242-097A-4722-BA4B-DF7A6B358ECD}" destId="{2612C595-4F82-4CB5-91FA-B9E1C1328B8F}" srcOrd="0" destOrd="0" presId="urn:microsoft.com/office/officeart/2005/8/layout/process3"/>
-    <dgm:cxn modelId="{ACFC2C38-0351-43BB-B428-B1BCEA4FCF87}" srcId="{75FCF811-E5CC-448B-8A1D-76CF11C6F0E7}" destId="{EF9078FB-C31D-417E-A5E3-67AFE5A4252A}" srcOrd="2" destOrd="0" parTransId="{74BFEA63-F381-4B46-80DB-901D39D74CB9}" sibTransId="{537B4242-097A-4722-BA4B-DF7A6B358ECD}"/>
     <dgm:cxn modelId="{17D4973A-32B4-4116-B9E6-E8A13E4498BA}" srcId="{75FCF811-E5CC-448B-8A1D-76CF11C6F0E7}" destId="{1E64AECA-0F00-4E4F-997F-019E929EE783}" srcOrd="0" destOrd="0" parTransId="{5BADA7C0-F36E-48B0-9692-7ED00EA74347}" sibTransId="{D96CEA08-AD2E-4189-A8EA-A4DBC841CF9C}"/>
     <dgm:cxn modelId="{9812255D-6104-4EEC-B5AF-E6DF7A41887A}" srcId="{0BEAEBD2-0191-4674-90F0-D1FF72C29A9C}" destId="{3DA1FA31-A5BA-41A4-A600-F88948F9BFE4}" srcOrd="0" destOrd="0" parTransId="{0E08A63F-1F08-4728-A590-F0432DFE9032}" sibTransId="{690B6750-08A7-4FB4-ABD8-7C7EE530C3E5}"/>
     <dgm:cxn modelId="{757B375D-F25A-4EEA-8D1C-61E17D7CBD89}" srcId="{1E64AECA-0F00-4E4F-997F-019E929EE783}" destId="{9A21178D-AC88-4098-B957-D2C4B1CF1022}" srcOrd="0" destOrd="0" parTransId="{458ED8C3-846A-4B72-86A6-89B134D57B7D}" sibTransId="{BF3B6EAC-3A17-45FF-86E0-CC01BF1CB1C5}"/>
-    <dgm:cxn modelId="{BD26A45D-BF50-4DED-8E20-41497C25F5CC}" type="presOf" srcId="{EF9078FB-C31D-417E-A5E3-67AFE5A4252A}" destId="{E363C0E2-9AA5-4DA5-9CCA-26E7682D19BB}" srcOrd="0" destOrd="0" presId="urn:microsoft.com/office/officeart/2005/8/layout/process3"/>
     <dgm:cxn modelId="{17D25762-DB6E-4E45-B7F1-56ABEE218917}" type="presOf" srcId="{9A21178D-AC88-4098-B957-D2C4B1CF1022}" destId="{5C72899B-EAA1-460E-98A2-2D77B1F7DE5A}" srcOrd="0" destOrd="0" presId="urn:microsoft.com/office/officeart/2005/8/layout/process3"/>
     <dgm:cxn modelId="{413F3D44-71D5-46D7-8B24-5000810F8264}" type="presOf" srcId="{D96CEA08-AD2E-4189-A8EA-A4DBC841CF9C}" destId="{D2B3CDAD-0E29-4DF1-AB33-66B3AC5B92AE}" srcOrd="1" destOrd="0" presId="urn:microsoft.com/office/officeart/2005/8/layout/process3"/>
-    <dgm:cxn modelId="{BC410A6C-382E-4A30-A5A8-6C0204455EE7}" srcId="{75FCF811-E5CC-448B-8A1D-76CF11C6F0E7}" destId="{0BEAEBD2-0191-4674-90F0-D1FF72C29A9C}" srcOrd="4" destOrd="0" parTransId="{77574455-AD8C-43C8-94C5-C55C51C542DB}" sibTransId="{BC70C909-6CA7-4B29-9970-A1CB8CC2DF04}"/>
+    <dgm:cxn modelId="{BC410A6C-382E-4A30-A5A8-6C0204455EE7}" srcId="{75FCF811-E5CC-448B-8A1D-76CF11C6F0E7}" destId="{0BEAEBD2-0191-4674-90F0-D1FF72C29A9C}" srcOrd="3" destOrd="0" parTransId="{77574455-AD8C-43C8-94C5-C55C51C542DB}" sibTransId="{BC70C909-6CA7-4B29-9970-A1CB8CC2DF04}"/>
     <dgm:cxn modelId="{06072A6E-CAD8-49E3-9C91-D3A0B950528A}" type="presOf" srcId="{D96CEA08-AD2E-4189-A8EA-A4DBC841CF9C}" destId="{D974A36B-4FE7-4975-A06D-E5E693AF4145}" srcOrd="0" destOrd="0" presId="urn:microsoft.com/office/officeart/2005/8/layout/process3"/>
     <dgm:cxn modelId="{4B34894F-3013-41DA-8450-203FA98ED5D5}" srcId="{E03D556B-4C85-4195-818F-741D1AD0BDCB}" destId="{5A7CC457-934B-459D-9617-D5E9DC96E7E2}" srcOrd="0" destOrd="0" parTransId="{888012AE-0BCA-4CA7-8721-555F25BA86DB}" sibTransId="{5E64A422-9B40-47EC-92E6-356CBBE2DBF3}"/>
     <dgm:cxn modelId="{6B74F356-6452-48C6-951E-CFC7D50F8A7C}" srcId="{62266C16-57A0-44DD-90BF-E30762F24CD1}" destId="{0ED5E2D3-8382-4961-ACD5-48D4FFF3F98D}" srcOrd="0" destOrd="0" parTransId="{470ED222-E1E6-48D7-885B-FB0393FA4D87}" sibTransId="{9DD67618-E59E-472A-9081-0AE61866C5A1}"/>
     <dgm:cxn modelId="{0B188959-C0CA-437D-AAF1-1D635474824A}" type="presOf" srcId="{0ED5E2D3-8382-4961-ACD5-48D4FFF3F98D}" destId="{AFB01717-DFC9-42B3-BF2D-B5767E52C782}" srcOrd="0" destOrd="0" presId="urn:microsoft.com/office/officeart/2005/8/layout/process3"/>
     <dgm:cxn modelId="{5FB3FE8D-C904-4457-9864-FB891A64F657}" type="presOf" srcId="{0A294AD6-7047-4DFE-8BD0-78EDCA239377}" destId="{27CF7F06-ACC8-4A33-B523-665EB7C51696}" srcOrd="0" destOrd="1" presId="urn:microsoft.com/office/officeart/2005/8/layout/process3"/>
     <dgm:cxn modelId="{AD4B2C90-D5F3-4474-BD53-B0120164C221}" type="presOf" srcId="{FE53A692-BCF1-48E5-AF1A-F5CF3F911555}" destId="{41242784-9482-4503-9F63-3D5223EFAC32}" srcOrd="0" destOrd="0" presId="urn:microsoft.com/office/officeart/2005/8/layout/process3"/>
-    <dgm:cxn modelId="{B905F193-95AE-40EE-8233-1356F2C5D0AE}" srcId="{EF9078FB-C31D-417E-A5E3-67AFE5A4252A}" destId="{BCA7C9D2-68C8-4179-9206-1F5978AE15A8}" srcOrd="0" destOrd="0" parTransId="{74E1A6DE-B437-4615-BABA-F42AFAA22239}" sibTransId="{3CF945C7-E9CE-4857-BAE9-BDFFC8D83582}"/>
     <dgm:cxn modelId="{F7B43495-0646-4D6A-AACC-7E4D059FB4F1}" type="presOf" srcId="{E03D556B-4C85-4195-818F-741D1AD0BDCB}" destId="{036BC2B8-C49E-40A5-9088-8F4CEE5FC608}" srcOrd="0" destOrd="0" presId="urn:microsoft.com/office/officeart/2005/8/layout/process3"/>
     <dgm:cxn modelId="{70C5729C-B42E-44DD-A680-91D682676AD1}" srcId="{0BEAEBD2-0191-4674-90F0-D1FF72C29A9C}" destId="{0A294AD6-7047-4DFE-8BD0-78EDCA239377}" srcOrd="1" destOrd="0" parTransId="{24A12BEA-4B8C-415B-A3B2-673D9F8BC201}" sibTransId="{6D5E75C4-CBF5-4834-BEBB-27714A318303}"/>
     <dgm:cxn modelId="{91C3D2A6-C567-4A93-AE0E-2D9FD9F113D5}" type="presOf" srcId="{5A7CC457-934B-459D-9617-D5E9DC96E7E2}" destId="{635D666C-5B93-40C7-9AE5-88873B0F1E8B}" srcOrd="0" destOrd="0" presId="urn:microsoft.com/office/officeart/2005/8/layout/process3"/>
     <dgm:cxn modelId="{4796BCBD-713A-4068-A565-6D33BC05FBD0}" type="presOf" srcId="{123ABBA2-436D-4612-BB0E-BE6B40F444F8}" destId="{9AC86107-662A-4672-9265-984D471DA932}" srcOrd="0" destOrd="0" presId="urn:microsoft.com/office/officeart/2005/8/layout/process3"/>
     <dgm:cxn modelId="{4D657EC6-1A74-4125-9D40-7B2F36C2D182}" type="presOf" srcId="{FE53A692-BCF1-48E5-AF1A-F5CF3F911555}" destId="{F74BC2A0-3604-4026-990A-F551C64B1388}" srcOrd="1" destOrd="0" presId="urn:microsoft.com/office/officeart/2005/8/layout/process3"/>
-    <dgm:cxn modelId="{CF7078C7-C29B-4211-ACBC-7C519B8C6A6E}" type="presOf" srcId="{537B4242-097A-4722-BA4B-DF7A6B358ECD}" destId="{70485361-0B2C-42FF-858E-2FC73CB12082}" srcOrd="1" destOrd="0" presId="urn:microsoft.com/office/officeart/2005/8/layout/process3"/>
     <dgm:cxn modelId="{8DE81FCB-FE31-4056-BD9B-902DB54AF694}" type="presOf" srcId="{62266C16-57A0-44DD-90BF-E30762F24CD1}" destId="{B1082B3D-2794-4BEB-9983-E876BF7A4258}" srcOrd="1" destOrd="0" presId="urn:microsoft.com/office/officeart/2005/8/layout/process3"/>
-    <dgm:cxn modelId="{8F3132CB-8253-4A18-9808-AA5F84A4AE6C}" type="presOf" srcId="{EF9078FB-C31D-417E-A5E3-67AFE5A4252A}" destId="{D863096F-BBDD-4946-85A9-D40F6BB6CD1B}" srcOrd="1" destOrd="0" presId="urn:microsoft.com/office/officeart/2005/8/layout/process3"/>
     <dgm:cxn modelId="{B4C670D8-5001-429E-B101-B5AEF279DBA3}" type="presOf" srcId="{1E64AECA-0F00-4E4F-997F-019E929EE783}" destId="{3F53CB32-2106-4454-AE70-83A064A71E83}" srcOrd="0" destOrd="0" presId="urn:microsoft.com/office/officeart/2005/8/layout/process3"/>
     <dgm:cxn modelId="{97ED34E5-89EA-48D0-B42A-5731AFB01F4B}" type="presOf" srcId="{E03D556B-4C85-4195-818F-741D1AD0BDCB}" destId="{9AF1ADA5-4794-4F07-8C95-0D4A5F4A1147}" srcOrd="1" destOrd="0" presId="urn:microsoft.com/office/officeart/2005/8/layout/process3"/>
     <dgm:cxn modelId="{FABD36F5-98C7-4100-B6CC-2919AA51DB64}" type="presOf" srcId="{0BEAEBD2-0191-4674-90F0-D1FF72C29A9C}" destId="{F81374A1-A5AA-46CD-ACBF-45AACEF788B5}" srcOrd="0" destOrd="0" presId="urn:microsoft.com/office/officeart/2005/8/layout/process3"/>
@@ -4383,19 +4224,13 @@
     <dgm:cxn modelId="{1BFFF16B-5153-4508-A95B-07B9F7FC4438}" type="presParOf" srcId="{E395AA49-FBF2-4913-AFFF-406162C81505}" destId="{635D666C-5B93-40C7-9AE5-88873B0F1E8B}" srcOrd="2" destOrd="0" presId="urn:microsoft.com/office/officeart/2005/8/layout/process3"/>
     <dgm:cxn modelId="{C2E49650-65D5-4608-A52D-1FFB1487E265}" type="presParOf" srcId="{340603CD-7294-402D-8237-017F774EBDCF}" destId="{9AC86107-662A-4672-9265-984D471DA932}" srcOrd="3" destOrd="0" presId="urn:microsoft.com/office/officeart/2005/8/layout/process3"/>
     <dgm:cxn modelId="{086089B9-560B-4E91-96A8-AD80E1553899}" type="presParOf" srcId="{9AC86107-662A-4672-9265-984D471DA932}" destId="{AB457E41-2002-467C-9537-2F03F3262AD0}" srcOrd="0" destOrd="0" presId="urn:microsoft.com/office/officeart/2005/8/layout/process3"/>
-    <dgm:cxn modelId="{D48C53A4-7914-4259-AB0C-CC745D3D8F73}" type="presParOf" srcId="{340603CD-7294-402D-8237-017F774EBDCF}" destId="{9533C26A-8593-4FA7-A678-77305934F0F1}" srcOrd="4" destOrd="0" presId="urn:microsoft.com/office/officeart/2005/8/layout/process3"/>
-    <dgm:cxn modelId="{5ABFC378-BA59-4C2F-A614-EB07C8713086}" type="presParOf" srcId="{9533C26A-8593-4FA7-A678-77305934F0F1}" destId="{E363C0E2-9AA5-4DA5-9CCA-26E7682D19BB}" srcOrd="0" destOrd="0" presId="urn:microsoft.com/office/officeart/2005/8/layout/process3"/>
-    <dgm:cxn modelId="{6D254F68-5584-40D4-8478-22BA25D35F42}" type="presParOf" srcId="{9533C26A-8593-4FA7-A678-77305934F0F1}" destId="{D863096F-BBDD-4946-85A9-D40F6BB6CD1B}" srcOrd="1" destOrd="0" presId="urn:microsoft.com/office/officeart/2005/8/layout/process3"/>
-    <dgm:cxn modelId="{7409CBAF-4E92-4468-B994-D0111A8E9E19}" type="presParOf" srcId="{9533C26A-8593-4FA7-A678-77305934F0F1}" destId="{FD3F85A9-0726-46F7-9694-4615A8D509AD}" srcOrd="2" destOrd="0" presId="urn:microsoft.com/office/officeart/2005/8/layout/process3"/>
-    <dgm:cxn modelId="{EF9949F6-A2CD-4DC1-AF9C-F87CF8EC3AD6}" type="presParOf" srcId="{340603CD-7294-402D-8237-017F774EBDCF}" destId="{2612C595-4F82-4CB5-91FA-B9E1C1328B8F}" srcOrd="5" destOrd="0" presId="urn:microsoft.com/office/officeart/2005/8/layout/process3"/>
-    <dgm:cxn modelId="{2DB70C19-8545-405A-A8E9-123FA46F68C0}" type="presParOf" srcId="{2612C595-4F82-4CB5-91FA-B9E1C1328B8F}" destId="{70485361-0B2C-42FF-858E-2FC73CB12082}" srcOrd="0" destOrd="0" presId="urn:microsoft.com/office/officeart/2005/8/layout/process3"/>
-    <dgm:cxn modelId="{2DCBF838-0B42-425E-8D16-0979839684CD}" type="presParOf" srcId="{340603CD-7294-402D-8237-017F774EBDCF}" destId="{CCC6F2B6-1492-4A87-9E41-D313C75D7C75}" srcOrd="6" destOrd="0" presId="urn:microsoft.com/office/officeart/2005/8/layout/process3"/>
+    <dgm:cxn modelId="{2DCBF838-0B42-425E-8D16-0979839684CD}" type="presParOf" srcId="{340603CD-7294-402D-8237-017F774EBDCF}" destId="{CCC6F2B6-1492-4A87-9E41-D313C75D7C75}" srcOrd="4" destOrd="0" presId="urn:microsoft.com/office/officeart/2005/8/layout/process3"/>
     <dgm:cxn modelId="{790FCD8E-D174-4CE6-BA1B-B3050C775D36}" type="presParOf" srcId="{CCC6F2B6-1492-4A87-9E41-D313C75D7C75}" destId="{D256854E-7D62-4051-80AC-9AC9EA334B28}" srcOrd="0" destOrd="0" presId="urn:microsoft.com/office/officeart/2005/8/layout/process3"/>
     <dgm:cxn modelId="{7712734F-364F-4106-ABDD-2E7421B6B9F2}" type="presParOf" srcId="{CCC6F2B6-1492-4A87-9E41-D313C75D7C75}" destId="{B1082B3D-2794-4BEB-9983-E876BF7A4258}" srcOrd="1" destOrd="0" presId="urn:microsoft.com/office/officeart/2005/8/layout/process3"/>
     <dgm:cxn modelId="{730BE277-4C49-49C2-820F-DBC80B8C42FB}" type="presParOf" srcId="{CCC6F2B6-1492-4A87-9E41-D313C75D7C75}" destId="{AFB01717-DFC9-42B3-BF2D-B5767E52C782}" srcOrd="2" destOrd="0" presId="urn:microsoft.com/office/officeart/2005/8/layout/process3"/>
-    <dgm:cxn modelId="{E850C6CE-4266-4A3F-85BB-151327A5ABA5}" type="presParOf" srcId="{340603CD-7294-402D-8237-017F774EBDCF}" destId="{41242784-9482-4503-9F63-3D5223EFAC32}" srcOrd="7" destOrd="0" presId="urn:microsoft.com/office/officeart/2005/8/layout/process3"/>
+    <dgm:cxn modelId="{E850C6CE-4266-4A3F-85BB-151327A5ABA5}" type="presParOf" srcId="{340603CD-7294-402D-8237-017F774EBDCF}" destId="{41242784-9482-4503-9F63-3D5223EFAC32}" srcOrd="5" destOrd="0" presId="urn:microsoft.com/office/officeart/2005/8/layout/process3"/>
     <dgm:cxn modelId="{FF2490D0-E62B-4452-AE6B-81F74CD1F6F2}" type="presParOf" srcId="{41242784-9482-4503-9F63-3D5223EFAC32}" destId="{F74BC2A0-3604-4026-990A-F551C64B1388}" srcOrd="0" destOrd="0" presId="urn:microsoft.com/office/officeart/2005/8/layout/process3"/>
-    <dgm:cxn modelId="{8D2AD757-72AD-4A00-B9A6-324E98775594}" type="presParOf" srcId="{340603CD-7294-402D-8237-017F774EBDCF}" destId="{7815478F-7C8E-4FBE-A831-EA7B4F0054F9}" srcOrd="8" destOrd="0" presId="urn:microsoft.com/office/officeart/2005/8/layout/process3"/>
+    <dgm:cxn modelId="{8D2AD757-72AD-4A00-B9A6-324E98775594}" type="presParOf" srcId="{340603CD-7294-402D-8237-017F774EBDCF}" destId="{7815478F-7C8E-4FBE-A831-EA7B4F0054F9}" srcOrd="6" destOrd="0" presId="urn:microsoft.com/office/officeart/2005/8/layout/process3"/>
     <dgm:cxn modelId="{66F038D5-39D0-4AA7-8CD1-8F6FB6477003}" type="presParOf" srcId="{7815478F-7C8E-4FBE-A831-EA7B4F0054F9}" destId="{F81374A1-A5AA-46CD-ACBF-45AACEF788B5}" srcOrd="0" destOrd="0" presId="urn:microsoft.com/office/officeart/2005/8/layout/process3"/>
     <dgm:cxn modelId="{A510ACE0-5581-4A26-BBE6-BF50D76CD7CE}" type="presParOf" srcId="{7815478F-7C8E-4FBE-A831-EA7B4F0054F9}" destId="{65EB5E1A-92A7-4A17-B088-73B4A56116BA}" srcOrd="1" destOrd="0" presId="urn:microsoft.com/office/officeart/2005/8/layout/process3"/>
     <dgm:cxn modelId="{9ECAEDA7-46EE-43AA-815B-D85D5803A3C3}" type="presParOf" srcId="{7815478F-7C8E-4FBE-A831-EA7B4F0054F9}" destId="{27CF7F06-ACC8-4A33-B523-665EB7C51696}" srcOrd="2" destOrd="0" presId="urn:microsoft.com/office/officeart/2005/8/layout/process3"/>
@@ -5316,7 +5151,7 @@
       </dsp:nvSpPr>
       <dsp:spPr>
         <a:xfrm>
-          <a:off x="65060" y="427623"/>
+          <a:off x="65060" y="490752"/>
           <a:ext cx="1250114" cy="388799"/>
         </a:xfrm>
         <a:prstGeom prst="roundRect">
@@ -5360,12 +5195,12 @@
         </a:fontRef>
       </dsp:style>
       <dsp:txBody>
-        <a:bodyPr spcFirstLastPara="0" vert="horz" wrap="square" lIns="64008" tIns="64008" rIns="64008" bIns="34290" numCol="1" spcCol="1270" anchor="t" anchorCtr="0">
+        <a:bodyPr spcFirstLastPara="0" vert="horz" wrap="square" lIns="56896" tIns="56896" rIns="56896" bIns="30480" numCol="1" spcCol="1270" anchor="t" anchorCtr="0">
           <a:noAutofit/>
         </a:bodyPr>
         <a:lstStyle/>
         <a:p>
-          <a:pPr marL="0" lvl="0" indent="0" algn="l" defTabSz="400050">
+          <a:pPr marL="0" lvl="0" indent="0" algn="l" defTabSz="355600">
             <a:lnSpc>
               <a:spcPct val="90000"/>
             </a:lnSpc>
@@ -5378,13 +5213,13 @@
             <a:buNone/>
           </a:pPr>
           <a:r>
-            <a:rPr lang="de-DE" sz="900" kern="1200" dirty="0"/>
+            <a:rPr lang="de-DE" sz="800" kern="1200" dirty="0"/>
             <a:t>03. Juni 2021</a:t>
           </a:r>
         </a:p>
       </dsp:txBody>
       <dsp:txXfrm>
-        <a:off x="65060" y="427623"/>
+        <a:off x="65060" y="490752"/>
         <a:ext cx="1250114" cy="259200"/>
       </dsp:txXfrm>
     </dsp:sp>
@@ -5395,8 +5230,8 @@
       </dsp:nvSpPr>
       <dsp:spPr>
         <a:xfrm>
-          <a:off x="187370" y="666700"/>
-          <a:ext cx="1250114" cy="500357"/>
+          <a:off x="187370" y="743049"/>
+          <a:ext cx="1250114" cy="421487"/>
         </a:xfrm>
         <a:prstGeom prst="roundRect">
           <a:avLst>
@@ -5438,12 +5273,12 @@
         <a:fontRef idx="minor"/>
       </dsp:style>
       <dsp:txBody>
-        <a:bodyPr spcFirstLastPara="0" vert="horz" wrap="square" lIns="64008" tIns="64008" rIns="64008" bIns="64008" numCol="1" spcCol="1270" anchor="t" anchorCtr="0">
+        <a:bodyPr spcFirstLastPara="0" vert="horz" wrap="square" lIns="56896" tIns="56896" rIns="56896" bIns="56896" numCol="1" spcCol="1270" anchor="t" anchorCtr="0">
           <a:noAutofit/>
         </a:bodyPr>
         <a:lstStyle/>
         <a:p>
-          <a:pPr marL="57150" lvl="1" indent="-57150" algn="l" defTabSz="400050">
+          <a:pPr marL="57150" lvl="1" indent="-57150" algn="l" defTabSz="355600">
             <a:lnSpc>
               <a:spcPct val="90000"/>
             </a:lnSpc>
@@ -5457,15 +5292,15 @@
             <a:buChar char="ü"/>
           </a:pPr>
           <a:r>
-            <a:rPr lang="de-DE" sz="900" kern="1200"/>
+            <a:rPr lang="de-DE" sz="800" kern="1200"/>
             <a:t>Abgabe des Exposés</a:t>
           </a:r>
-          <a:endParaRPr lang="de-DE" sz="900" kern="1200" dirty="0"/>
+          <a:endParaRPr lang="de-DE" sz="800" kern="1200" dirty="0"/>
         </a:p>
       </dsp:txBody>
       <dsp:txXfrm>
-        <a:off x="202025" y="681355"/>
-        <a:ext cx="1220804" cy="471047"/>
+        <a:off x="199715" y="755394"/>
+        <a:ext cx="1225424" cy="396797"/>
       </dsp:txXfrm>
     </dsp:sp>
     <dsp:sp modelId="{D88FD96F-2958-401F-A140-4B731EC13320}">
@@ -5474,9 +5309,9 @@
         <dsp:cNvSpPr/>
       </dsp:nvSpPr>
       <dsp:spPr>
-        <a:xfrm rot="21576169">
-          <a:off x="1490066" y="394771"/>
-          <a:ext cx="370788" cy="311242"/>
+        <a:xfrm rot="21577283">
+          <a:off x="1490066" y="458219"/>
+          <a:ext cx="370787" cy="311242"/>
         </a:xfrm>
         <a:prstGeom prst="rightArrow">
           <a:avLst>
@@ -5518,7 +5353,7 @@
         </a:bodyPr>
         <a:lstStyle/>
         <a:p>
-          <a:pPr marL="0" lvl="0" indent="0" algn="ctr" defTabSz="311150">
+          <a:pPr marL="0" lvl="0" indent="0" algn="ctr" defTabSz="266700">
             <a:lnSpc>
               <a:spcPct val="90000"/>
             </a:lnSpc>
@@ -5530,12 +5365,12 @@
             </a:spcAft>
             <a:buNone/>
           </a:pPr>
-          <a:endParaRPr lang="de-DE" sz="700" kern="1200"/>
+          <a:endParaRPr lang="de-DE" sz="600" kern="1200"/>
         </a:p>
       </dsp:txBody>
       <dsp:txXfrm>
-        <a:off x="1490067" y="457343"/>
-        <a:ext cx="277415" cy="186746"/>
+        <a:off x="1490067" y="520776"/>
+        <a:ext cx="277414" cy="186746"/>
       </dsp:txXfrm>
     </dsp:sp>
     <dsp:sp modelId="{E9F1C0D2-183E-4CE5-A5B9-7C2F49FA8808}">
@@ -5545,7 +5380,7 @@
       </dsp:nvSpPr>
       <dsp:spPr>
         <a:xfrm>
-          <a:off x="2014758" y="414107"/>
+          <a:off x="2014758" y="477868"/>
           <a:ext cx="1250114" cy="388799"/>
         </a:xfrm>
         <a:prstGeom prst="roundRect">
@@ -5589,12 +5424,12 @@
         </a:fontRef>
       </dsp:style>
       <dsp:txBody>
-        <a:bodyPr spcFirstLastPara="0" vert="horz" wrap="square" lIns="64008" tIns="64008" rIns="64008" bIns="34290" numCol="1" spcCol="1270" anchor="t" anchorCtr="0">
+        <a:bodyPr spcFirstLastPara="0" vert="horz" wrap="square" lIns="56896" tIns="56896" rIns="56896" bIns="30480" numCol="1" spcCol="1270" anchor="t" anchorCtr="0">
           <a:noAutofit/>
         </a:bodyPr>
         <a:lstStyle/>
         <a:p>
-          <a:pPr marL="0" lvl="0" indent="0" algn="l" defTabSz="400050">
+          <a:pPr marL="0" lvl="0" indent="0" algn="l" defTabSz="355600">
             <a:lnSpc>
               <a:spcPct val="90000"/>
             </a:lnSpc>
@@ -5607,13 +5442,13 @@
             <a:buNone/>
           </a:pPr>
           <a:r>
-            <a:rPr lang="de-DE" sz="900" kern="1200" dirty="0"/>
+            <a:rPr lang="de-DE" sz="800" kern="1200" dirty="0"/>
             <a:t>07. Juni 2021</a:t>
           </a:r>
         </a:p>
       </dsp:txBody>
       <dsp:txXfrm>
-        <a:off x="2014758" y="414107"/>
+        <a:off x="2014758" y="477868"/>
         <a:ext cx="1250114" cy="259200"/>
       </dsp:txXfrm>
     </dsp:sp>
@@ -5624,8 +5459,8 @@
       </dsp:nvSpPr>
       <dsp:spPr>
         <a:xfrm>
-          <a:off x="2282200" y="650661"/>
-          <a:ext cx="1180245" cy="516397"/>
+          <a:off x="2282200" y="729538"/>
+          <a:ext cx="1180245" cy="434998"/>
         </a:xfrm>
         <a:prstGeom prst="roundRect">
           <a:avLst>
@@ -5667,12 +5502,12 @@
         <a:fontRef idx="minor"/>
       </dsp:style>
       <dsp:txBody>
-        <a:bodyPr spcFirstLastPara="0" vert="horz" wrap="square" lIns="64008" tIns="64008" rIns="64008" bIns="64008" numCol="1" spcCol="1270" anchor="t" anchorCtr="0">
+        <a:bodyPr spcFirstLastPara="0" vert="horz" wrap="square" lIns="56896" tIns="56896" rIns="56896" bIns="56896" numCol="1" spcCol="1270" anchor="t" anchorCtr="0">
           <a:noAutofit/>
         </a:bodyPr>
         <a:lstStyle/>
         <a:p>
-          <a:pPr marL="57150" lvl="1" indent="-57150" algn="l" defTabSz="400050">
+          <a:pPr marL="57150" lvl="1" indent="-57150" algn="l" defTabSz="355600">
             <a:lnSpc>
               <a:spcPct val="90000"/>
             </a:lnSpc>
@@ -5686,14 +5521,14 @@
             <a:buChar char="ü"/>
           </a:pPr>
           <a:r>
-            <a:rPr lang="de-DE" sz="900" kern="1200" dirty="0"/>
+            <a:rPr lang="de-DE" sz="800" kern="1200" dirty="0"/>
             <a:t>Anmeldung der Arbeit</a:t>
           </a:r>
         </a:p>
       </dsp:txBody>
       <dsp:txXfrm>
-        <a:off x="2297325" y="665786"/>
-        <a:ext cx="1149995" cy="486147"/>
+        <a:off x="2294941" y="742279"/>
+        <a:ext cx="1154763" cy="409516"/>
       </dsp:txXfrm>
     </dsp:sp>
     <dsp:sp modelId="{9A99B093-C033-4742-9696-22BAC75A4E9A}">
@@ -5702,9 +5537,9 @@
         <dsp:cNvSpPr/>
       </dsp:nvSpPr>
       <dsp:spPr>
-        <a:xfrm rot="23643">
-          <a:off x="3443659" y="394918"/>
-          <a:ext cx="379047" cy="311242"/>
+        <a:xfrm rot="34040">
+          <a:off x="3443655" y="461683"/>
+          <a:ext cx="379056" cy="311242"/>
         </a:xfrm>
         <a:prstGeom prst="rightArrow">
           <a:avLst>
@@ -5746,7 +5581,7 @@
         </a:bodyPr>
         <a:lstStyle/>
         <a:p>
-          <a:pPr marL="0" lvl="0" indent="0" algn="ctr" defTabSz="311150">
+          <a:pPr marL="0" lvl="0" indent="0" algn="ctr" defTabSz="266700">
             <a:lnSpc>
               <a:spcPct val="90000"/>
             </a:lnSpc>
@@ -5758,12 +5593,12 @@
             </a:spcAft>
             <a:buNone/>
           </a:pPr>
-          <a:endParaRPr lang="de-DE" sz="700" kern="1200"/>
+          <a:endParaRPr lang="de-DE" sz="600" kern="1200"/>
         </a:p>
       </dsp:txBody>
       <dsp:txXfrm>
-        <a:off x="3443660" y="456845"/>
-        <a:ext cx="285674" cy="186746"/>
+        <a:off x="3443657" y="523469"/>
+        <a:ext cx="285683" cy="186746"/>
       </dsp:txXfrm>
     </dsp:sp>
     <dsp:sp modelId="{D863096F-BBDD-4946-85A9-D40F6BB6CD1B}">
@@ -5773,7 +5608,7 @@
       </dsp:nvSpPr>
       <dsp:spPr>
         <a:xfrm>
-          <a:off x="3980039" y="427624"/>
+          <a:off x="3980039" y="497328"/>
           <a:ext cx="1250114" cy="388799"/>
         </a:xfrm>
         <a:prstGeom prst="roundRect">
@@ -5817,12 +5652,12 @@
         </a:fontRef>
       </dsp:style>
       <dsp:txBody>
-        <a:bodyPr spcFirstLastPara="0" vert="horz" wrap="square" lIns="64008" tIns="64008" rIns="64008" bIns="34290" numCol="1" spcCol="1270" anchor="t" anchorCtr="0">
+        <a:bodyPr spcFirstLastPara="0" vert="horz" wrap="square" lIns="56896" tIns="56896" rIns="56896" bIns="30480" numCol="1" spcCol="1270" anchor="t" anchorCtr="0">
           <a:noAutofit/>
         </a:bodyPr>
         <a:lstStyle/>
         <a:p>
-          <a:pPr marL="0" lvl="0" indent="0" algn="l" defTabSz="400050">
+          <a:pPr marL="0" lvl="0" indent="0" algn="l" defTabSz="355600">
             <a:lnSpc>
               <a:spcPct val="90000"/>
             </a:lnSpc>
@@ -5835,13 +5670,13 @@
             <a:buNone/>
           </a:pPr>
           <a:r>
-            <a:rPr lang="de-DE" sz="900" kern="1200" dirty="0"/>
+            <a:rPr lang="de-DE" sz="800" kern="1200" dirty="0"/>
             <a:t>Bis 30. Juni 2021</a:t>
           </a:r>
         </a:p>
       </dsp:txBody>
       <dsp:txXfrm>
-        <a:off x="3980039" y="427624"/>
+        <a:off x="3980039" y="497328"/>
         <a:ext cx="1250114" cy="259200"/>
       </dsp:txXfrm>
     </dsp:sp>
@@ -5852,8 +5687,8 @@
       </dsp:nvSpPr>
       <dsp:spPr>
         <a:xfrm>
-          <a:off x="4174999" y="655464"/>
-          <a:ext cx="1470747" cy="667228"/>
+          <a:off x="4174999" y="733584"/>
+          <a:ext cx="1470747" cy="562053"/>
         </a:xfrm>
         <a:prstGeom prst="roundRect">
           <a:avLst>
@@ -5895,12 +5730,12 @@
         <a:fontRef idx="minor"/>
       </dsp:style>
       <dsp:txBody>
-        <a:bodyPr spcFirstLastPara="0" vert="horz" wrap="square" lIns="64008" tIns="64008" rIns="64008" bIns="64008" numCol="1" spcCol="1270" anchor="t" anchorCtr="0">
+        <a:bodyPr spcFirstLastPara="0" vert="horz" wrap="square" lIns="56896" tIns="56896" rIns="56896" bIns="56896" numCol="1" spcCol="1270" anchor="t" anchorCtr="0">
           <a:noAutofit/>
         </a:bodyPr>
         <a:lstStyle/>
         <a:p>
-          <a:pPr marL="57150" lvl="1" indent="-57150" algn="l" defTabSz="400050">
+          <a:pPr marL="57150" lvl="1" indent="-57150" algn="l" defTabSz="355600">
             <a:lnSpc>
               <a:spcPct val="90000"/>
             </a:lnSpc>
@@ -5914,12 +5749,12 @@
             <a:buChar char="ü"/>
           </a:pPr>
           <a:r>
-            <a:rPr lang="de-DE" sz="900" kern="1200" dirty="0"/>
+            <a:rPr lang="de-DE" sz="800" kern="1200" dirty="0"/>
             <a:t>Endgültige Gliederung</a:t>
           </a:r>
         </a:p>
         <a:p>
-          <a:pPr marL="57150" lvl="1" indent="-57150" algn="l" defTabSz="400050">
+          <a:pPr marL="57150" lvl="1" indent="-57150" algn="l" defTabSz="355600">
             <a:lnSpc>
               <a:spcPct val="90000"/>
             </a:lnSpc>
@@ -5933,33 +5768,14 @@
             <a:buChar char="ü"/>
           </a:pPr>
           <a:r>
-            <a:rPr lang="de-DE" sz="900" kern="1200" dirty="0"/>
-            <a:t>Einarbeitung in DIME</a:t>
-          </a:r>
-        </a:p>
-        <a:p>
-          <a:pPr marL="57150" lvl="1" indent="-57150" algn="l" defTabSz="400050">
-            <a:lnSpc>
-              <a:spcPct val="90000"/>
-            </a:lnSpc>
-            <a:spcBef>
-              <a:spcPct val="0"/>
-            </a:spcBef>
-            <a:spcAft>
-              <a:spcPct val="15000"/>
-            </a:spcAft>
-            <a:buFont typeface="Wingdings" panose="05000000000000000000" pitchFamily="2" charset="2"/>
-            <a:buChar char="ü"/>
-          </a:pPr>
-          <a:r>
-            <a:rPr lang="de-DE" sz="900" kern="1200" dirty="0"/>
+            <a:rPr lang="de-DE" sz="800" kern="1200" dirty="0"/>
             <a:t>1. Termin mit Prüfer</a:t>
           </a:r>
         </a:p>
       </dsp:txBody>
       <dsp:txXfrm>
-        <a:off x="4194541" y="675006"/>
-        <a:ext cx="1431663" cy="628144"/>
+        <a:off x="4191461" y="750046"/>
+        <a:ext cx="1437823" cy="529129"/>
       </dsp:txXfrm>
     </dsp:sp>
     <dsp:sp modelId="{2612C595-4F82-4CB5-91FA-B9E1C1328B8F}">
@@ -5968,9 +5784,9 @@
         <dsp:cNvSpPr/>
       </dsp:nvSpPr>
       <dsp:spPr>
-        <a:xfrm rot="21573385">
-          <a:off x="5449226" y="393269"/>
-          <a:ext cx="464462" cy="311242"/>
+        <a:xfrm rot="21583194">
+          <a:off x="5449230" y="466045"/>
+          <a:ext cx="464454" cy="311242"/>
         </a:xfrm>
         <a:prstGeom prst="rightArrow">
           <a:avLst>
@@ -6012,7 +5828,7 @@
         </a:bodyPr>
         <a:lstStyle/>
         <a:p>
-          <a:pPr marL="0" lvl="0" indent="0" algn="ctr" defTabSz="311150">
+          <a:pPr marL="0" lvl="0" indent="0" algn="ctr" defTabSz="266700">
             <a:lnSpc>
               <a:spcPct val="90000"/>
             </a:lnSpc>
@@ -6024,12 +5840,12 @@
             </a:spcAft>
             <a:buNone/>
           </a:pPr>
-          <a:endParaRPr lang="de-DE" sz="700" kern="1200"/>
+          <a:endParaRPr lang="de-DE" sz="600" kern="1200"/>
         </a:p>
       </dsp:txBody>
       <dsp:txXfrm>
-        <a:off x="5449227" y="455878"/>
-        <a:ext cx="371089" cy="186746"/>
+        <a:off x="5449231" y="528521"/>
+        <a:ext cx="371081" cy="186746"/>
       </dsp:txXfrm>
     </dsp:sp>
     <dsp:sp modelId="{E50C9775-5B15-441B-8828-1F893A0EF9AE}">
@@ -6039,7 +5855,7 @@
       </dsp:nvSpPr>
       <dsp:spPr>
         <a:xfrm>
-          <a:off x="6106471" y="411160"/>
+          <a:off x="6106471" y="486932"/>
           <a:ext cx="1250114" cy="388799"/>
         </a:xfrm>
         <a:prstGeom prst="roundRect">
@@ -6083,12 +5899,12 @@
         </a:fontRef>
       </dsp:style>
       <dsp:txBody>
-        <a:bodyPr spcFirstLastPara="0" vert="horz" wrap="square" lIns="64008" tIns="64008" rIns="64008" bIns="34290" numCol="1" spcCol="1270" anchor="t" anchorCtr="0">
+        <a:bodyPr spcFirstLastPara="0" vert="horz" wrap="square" lIns="56896" tIns="56896" rIns="56896" bIns="30480" numCol="1" spcCol="1270" anchor="t" anchorCtr="0">
           <a:noAutofit/>
         </a:bodyPr>
         <a:lstStyle/>
         <a:p>
-          <a:pPr marL="0" lvl="0" indent="0" algn="l" defTabSz="400050">
+          <a:pPr marL="0" lvl="0" indent="0" algn="l" defTabSz="355600">
             <a:lnSpc>
               <a:spcPct val="90000"/>
             </a:lnSpc>
@@ -6101,13 +5917,13 @@
             <a:buNone/>
           </a:pPr>
           <a:r>
-            <a:rPr lang="de-DE" sz="900" kern="1200" dirty="0"/>
+            <a:rPr lang="de-DE" sz="800" kern="1200" dirty="0"/>
             <a:t>Bis 31. August</a:t>
           </a:r>
         </a:p>
       </dsp:txBody>
       <dsp:txXfrm>
-        <a:off x="6106471" y="411160"/>
+        <a:off x="6106471" y="486932"/>
         <a:ext cx="1250114" cy="259200"/>
       </dsp:txXfrm>
     </dsp:sp>
@@ -6118,8 +5934,8 @@
       </dsp:nvSpPr>
       <dsp:spPr>
         <a:xfrm>
-          <a:off x="6283631" y="663475"/>
-          <a:ext cx="1391864" cy="821198"/>
+          <a:off x="6283631" y="740333"/>
+          <a:ext cx="1391864" cy="691754"/>
         </a:xfrm>
         <a:prstGeom prst="roundRect">
           <a:avLst>
@@ -6161,12 +5977,12 @@
         <a:fontRef idx="minor"/>
       </dsp:style>
       <dsp:txBody>
-        <a:bodyPr spcFirstLastPara="0" vert="horz" wrap="square" lIns="64008" tIns="64008" rIns="64008" bIns="64008" numCol="1" spcCol="1270" anchor="t" anchorCtr="0">
+        <a:bodyPr spcFirstLastPara="0" vert="horz" wrap="square" lIns="56896" tIns="56896" rIns="56896" bIns="56896" numCol="1" spcCol="1270" anchor="t" anchorCtr="0">
           <a:noAutofit/>
         </a:bodyPr>
         <a:lstStyle/>
         <a:p>
-          <a:pPr marL="57150" lvl="1" indent="-57150" algn="l" defTabSz="400050">
+          <a:pPr marL="57150" lvl="1" indent="-57150" algn="l" defTabSz="355600">
             <a:lnSpc>
               <a:spcPct val="90000"/>
             </a:lnSpc>
@@ -6180,12 +5996,12 @@
             <a:buChar char="ü"/>
           </a:pPr>
           <a:r>
-            <a:rPr lang="de-DE" sz="900" kern="1200" dirty="0"/>
+            <a:rPr lang="de-DE" sz="800" kern="1200" dirty="0"/>
             <a:t>Dummyprogramm implementieren</a:t>
           </a:r>
         </a:p>
         <a:p>
-          <a:pPr marL="57150" lvl="1" indent="-57150" algn="l" defTabSz="400050">
+          <a:pPr marL="57150" lvl="1" indent="-57150" algn="l" defTabSz="355600">
             <a:lnSpc>
               <a:spcPct val="90000"/>
             </a:lnSpc>
@@ -6199,12 +6015,12 @@
             <a:buChar char="ü"/>
           </a:pPr>
           <a:r>
-            <a:rPr lang="de-DE" sz="900" kern="1200" dirty="0"/>
+            <a:rPr lang="de-DE" sz="800" kern="1200" dirty="0"/>
             <a:t>Tests durchführen</a:t>
           </a:r>
         </a:p>
         <a:p>
-          <a:pPr marL="57150" lvl="1" indent="-57150" algn="l" defTabSz="400050">
+          <a:pPr marL="57150" lvl="1" indent="-57150" algn="l" defTabSz="355600">
             <a:lnSpc>
               <a:spcPct val="90000"/>
             </a:lnSpc>
@@ -6218,14 +6034,14 @@
             <a:buChar char="ü"/>
           </a:pPr>
           <a:r>
-            <a:rPr lang="de-DE" sz="900" kern="1200" dirty="0"/>
+            <a:rPr lang="de-DE" sz="800" kern="1200" dirty="0"/>
             <a:t>2. Termin mit Prüfer</a:t>
           </a:r>
         </a:p>
       </dsp:txBody>
       <dsp:txXfrm>
-        <a:off x="6307683" y="687527"/>
-        <a:ext cx="1343760" cy="773094"/>
+        <a:off x="6303892" y="760594"/>
+        <a:ext cx="1351342" cy="651232"/>
       </dsp:txXfrm>
     </dsp:sp>
     <dsp:sp modelId="{9D177503-42B5-4264-9B51-2835404F9A9D}">
@@ -6234,9 +6050,9 @@
         <dsp:cNvSpPr/>
       </dsp:nvSpPr>
       <dsp:spPr>
-        <a:xfrm rot="27118">
-          <a:off x="7565808" y="393470"/>
-          <a:ext cx="443578" cy="311242"/>
+        <a:xfrm rot="26241">
+          <a:off x="7565808" y="468973"/>
+          <a:ext cx="443577" cy="311242"/>
         </a:xfrm>
         <a:prstGeom prst="rightArrow">
           <a:avLst>
@@ -6278,7 +6094,7 @@
         </a:bodyPr>
         <a:lstStyle/>
         <a:p>
-          <a:pPr marL="0" lvl="0" indent="0" algn="ctr" defTabSz="311150">
+          <a:pPr marL="0" lvl="0" indent="0" algn="ctr" defTabSz="266700">
             <a:lnSpc>
               <a:spcPct val="90000"/>
             </a:lnSpc>
@@ -6290,12 +6106,12 @@
             </a:spcAft>
             <a:buNone/>
           </a:pPr>
-          <a:endParaRPr lang="de-DE" sz="700" kern="1200"/>
+          <a:endParaRPr lang="de-DE" sz="600" kern="1200"/>
         </a:p>
       </dsp:txBody>
       <dsp:txXfrm>
-        <a:off x="7565809" y="455350"/>
-        <a:ext cx="350205" cy="186746"/>
+        <a:off x="7565809" y="530865"/>
+        <a:ext cx="350204" cy="186746"/>
       </dsp:txXfrm>
     </dsp:sp>
     <dsp:sp modelId="{B1082B3D-2794-4BEB-9983-E876BF7A4258}">
@@ -6305,7 +6121,7 @@
       </dsp:nvSpPr>
       <dsp:spPr>
         <a:xfrm>
-          <a:off x="8193501" y="427624"/>
+          <a:off x="8193501" y="502864"/>
           <a:ext cx="1250114" cy="388799"/>
         </a:xfrm>
         <a:prstGeom prst="roundRect">
@@ -6349,12 +6165,12 @@
         </a:fontRef>
       </dsp:style>
       <dsp:txBody>
-        <a:bodyPr spcFirstLastPara="0" vert="horz" wrap="square" lIns="64008" tIns="64008" rIns="64008" bIns="34290" numCol="1" spcCol="1270" anchor="t" anchorCtr="0">
+        <a:bodyPr spcFirstLastPara="0" vert="horz" wrap="square" lIns="56896" tIns="56896" rIns="56896" bIns="30480" numCol="1" spcCol="1270" anchor="t" anchorCtr="0">
           <a:noAutofit/>
         </a:bodyPr>
         <a:lstStyle/>
         <a:p>
-          <a:pPr marL="0" lvl="0" indent="0" algn="l" defTabSz="400050">
+          <a:pPr marL="0" lvl="0" indent="0" algn="l" defTabSz="355600">
             <a:lnSpc>
               <a:spcPct val="90000"/>
             </a:lnSpc>
@@ -6367,13 +6183,13 @@
             <a:buNone/>
           </a:pPr>
           <a:r>
-            <a:rPr lang="de-DE" sz="900" kern="1200" dirty="0"/>
+            <a:rPr lang="de-DE" sz="800" kern="1200" dirty="0"/>
             <a:t>Anfang September</a:t>
           </a:r>
         </a:p>
       </dsp:txBody>
       <dsp:txXfrm>
-        <a:off x="8193501" y="427624"/>
+        <a:off x="8193501" y="502864"/>
         <a:ext cx="1250114" cy="259200"/>
       </dsp:txXfrm>
     </dsp:sp>
@@ -6384,8 +6200,8 @@
       </dsp:nvSpPr>
       <dsp:spPr>
         <a:xfrm>
-          <a:off x="8431078" y="676986"/>
-          <a:ext cx="1284255" cy="807693"/>
+          <a:off x="8431078" y="751714"/>
+          <a:ext cx="1284255" cy="680377"/>
         </a:xfrm>
         <a:prstGeom prst="roundRect">
           <a:avLst>
@@ -6427,12 +6243,12 @@
         <a:fontRef idx="minor"/>
       </dsp:style>
       <dsp:txBody>
-        <a:bodyPr spcFirstLastPara="0" vert="horz" wrap="square" lIns="64008" tIns="64008" rIns="64008" bIns="64008" numCol="1" spcCol="1270" anchor="t" anchorCtr="0">
+        <a:bodyPr spcFirstLastPara="0" vert="horz" wrap="square" lIns="56896" tIns="56896" rIns="56896" bIns="56896" numCol="1" spcCol="1270" anchor="t" anchorCtr="0">
           <a:noAutofit/>
         </a:bodyPr>
         <a:lstStyle/>
         <a:p>
-          <a:pPr marL="57150" lvl="1" indent="-57150" algn="l" defTabSz="400050">
+          <a:pPr marL="57150" lvl="1" indent="-57150" algn="l" defTabSz="355600">
             <a:lnSpc>
               <a:spcPct val="90000"/>
             </a:lnSpc>
@@ -6446,12 +6262,12 @@
             <a:buChar char="ü"/>
           </a:pPr>
           <a:r>
-            <a:rPr lang="de-DE" sz="900" kern="1200" dirty="0"/>
+            <a:rPr lang="de-DE" sz="800" kern="1200" dirty="0"/>
             <a:t>Bugfix und evtl. Features</a:t>
           </a:r>
         </a:p>
         <a:p>
-          <a:pPr marL="57150" lvl="1" indent="-57150" algn="l" defTabSz="400050">
+          <a:pPr marL="57150" lvl="1" indent="-57150" algn="l" defTabSz="355600">
             <a:lnSpc>
               <a:spcPct val="90000"/>
             </a:lnSpc>
@@ -6465,14 +6281,14 @@
             <a:buChar char="ü"/>
           </a:pPr>
           <a:r>
-            <a:rPr lang="de-DE" sz="900" kern="1200" dirty="0"/>
+            <a:rPr lang="de-DE" sz="800" kern="1200" dirty="0"/>
             <a:t>3. Termin mit Prüfer</a:t>
           </a:r>
         </a:p>
       </dsp:txBody>
       <dsp:txXfrm>
-        <a:off x="8454735" y="700643"/>
-        <a:ext cx="1236941" cy="760379"/>
+        <a:off x="8451006" y="771642"/>
+        <a:ext cx="1244399" cy="640521"/>
       </dsp:txXfrm>
     </dsp:sp>
   </dsp:spTree>
@@ -6494,8 +6310,8 @@
       </dsp:nvSpPr>
       <dsp:spPr>
         <a:xfrm>
-          <a:off x="147604" y="400832"/>
-          <a:ext cx="1271770" cy="388799"/>
+          <a:off x="170070" y="193956"/>
+          <a:ext cx="1512736" cy="518399"/>
         </a:xfrm>
         <a:prstGeom prst="roundRect">
           <a:avLst>
@@ -6538,12 +6354,12 @@
         </a:fontRef>
       </dsp:style>
       <dsp:txBody>
-        <a:bodyPr spcFirstLastPara="0" vert="horz" wrap="square" lIns="64008" tIns="64008" rIns="64008" bIns="34290" numCol="1" spcCol="1270" anchor="t" anchorCtr="0">
+        <a:bodyPr spcFirstLastPara="0" vert="horz" wrap="square" lIns="85344" tIns="85344" rIns="85344" bIns="45720" numCol="1" spcCol="1270" anchor="t" anchorCtr="0">
           <a:noAutofit/>
         </a:bodyPr>
         <a:lstStyle/>
         <a:p>
-          <a:pPr marL="0" lvl="0" indent="0" algn="l" defTabSz="400050">
+          <a:pPr marL="0" lvl="0" indent="0" algn="l" defTabSz="533400">
             <a:lnSpc>
               <a:spcPct val="90000"/>
             </a:lnSpc>
@@ -6556,14 +6372,14 @@
             <a:buNone/>
           </a:pPr>
           <a:r>
-            <a:rPr lang="de-DE" sz="900" kern="1200" dirty="0"/>
+            <a:rPr lang="de-DE" sz="1200" kern="1200" dirty="0"/>
             <a:t>12. September 2021</a:t>
           </a:r>
         </a:p>
       </dsp:txBody>
       <dsp:txXfrm>
-        <a:off x="147604" y="400832"/>
-        <a:ext cx="1271770" cy="259200"/>
+        <a:off x="170070" y="193956"/>
+        <a:ext cx="1512736" cy="345600"/>
       </dsp:txXfrm>
     </dsp:sp>
     <dsp:sp modelId="{5C72899B-EAA1-460E-98A2-2D77B1F7DE5A}">
@@ -6573,8 +6389,8 @@
       </dsp:nvSpPr>
       <dsp:spPr>
         <a:xfrm>
-          <a:off x="258094" y="652670"/>
-          <a:ext cx="1271770" cy="466705"/>
+          <a:off x="301496" y="529740"/>
+          <a:ext cx="1512736" cy="622274"/>
         </a:xfrm>
         <a:prstGeom prst="roundRect">
           <a:avLst>
@@ -6616,12 +6432,12 @@
         <a:fontRef idx="minor"/>
       </dsp:style>
       <dsp:txBody>
-        <a:bodyPr spcFirstLastPara="0" vert="horz" wrap="square" lIns="64008" tIns="64008" rIns="64008" bIns="64008" numCol="1" spcCol="1270" anchor="t" anchorCtr="0">
+        <a:bodyPr spcFirstLastPara="0" vert="horz" wrap="square" lIns="85344" tIns="85344" rIns="85344" bIns="85344" numCol="1" spcCol="1270" anchor="t" anchorCtr="0">
           <a:noAutofit/>
         </a:bodyPr>
         <a:lstStyle/>
         <a:p>
-          <a:pPr marL="57150" lvl="1" indent="-57150" algn="l" defTabSz="400050">
+          <a:pPr marL="114300" lvl="1" indent="-114300" algn="l" defTabSz="533400">
             <a:lnSpc>
               <a:spcPct val="90000"/>
             </a:lnSpc>
@@ -6635,14 +6451,14 @@
             <a:buChar char="ü"/>
           </a:pPr>
           <a:r>
-            <a:rPr lang="de-DE" sz="900" kern="1200" dirty="0"/>
+            <a:rPr lang="de-DE" sz="1200" kern="1200" dirty="0"/>
             <a:t>Rohfassung der schriftl. Arbeit</a:t>
           </a:r>
         </a:p>
       </dsp:txBody>
       <dsp:txXfrm>
-        <a:off x="271763" y="666339"/>
-        <a:ext cx="1244432" cy="439367"/>
+        <a:off x="319722" y="547966"/>
+        <a:ext cx="1476284" cy="585822"/>
       </dsp:txXfrm>
     </dsp:sp>
     <dsp:sp modelId="{D974A36B-4FE7-4975-A06D-E5E693AF4145}">
@@ -6652,8 +6468,8 @@
       </dsp:nvSpPr>
       <dsp:spPr>
         <a:xfrm rot="21599995">
-          <a:off x="1586702" y="372114"/>
-          <a:ext cx="354736" cy="316633"/>
+          <a:off x="1881840" y="178441"/>
+          <a:ext cx="421949" cy="376627"/>
         </a:xfrm>
         <a:prstGeom prst="rightArrow">
           <a:avLst>
@@ -6695,7 +6511,7 @@
         </a:bodyPr>
         <a:lstStyle/>
         <a:p>
-          <a:pPr marL="0" lvl="0" indent="0" algn="ctr" defTabSz="311150">
+          <a:pPr marL="0" lvl="0" indent="0" algn="ctr" defTabSz="444500">
             <a:lnSpc>
               <a:spcPct val="90000"/>
             </a:lnSpc>
@@ -6707,12 +6523,12 @@
             </a:spcAft>
             <a:buNone/>
           </a:pPr>
-          <a:endParaRPr lang="de-DE" sz="700" kern="1200"/>
+          <a:endParaRPr lang="de-DE" sz="1000" kern="1200"/>
         </a:p>
       </dsp:txBody>
       <dsp:txXfrm>
-        <a:off x="1586702" y="435441"/>
-        <a:ext cx="259746" cy="189979"/>
+        <a:off x="1881840" y="253766"/>
+        <a:ext cx="308961" cy="225977"/>
       </dsp:txXfrm>
     </dsp:sp>
     <dsp:sp modelId="{9AF1ADA5-4794-4F07-8C95-0D4A5F4A1147}">
@@ -6722,8 +6538,8 @@
       </dsp:nvSpPr>
       <dsp:spPr>
         <a:xfrm>
-          <a:off x="2088688" y="400830"/>
-          <a:ext cx="1271770" cy="388799"/>
+          <a:off x="2478938" y="193953"/>
+          <a:ext cx="1512736" cy="518399"/>
         </a:xfrm>
         <a:prstGeom prst="roundRect">
           <a:avLst>
@@ -6766,12 +6582,12 @@
         </a:fontRef>
       </dsp:style>
       <dsp:txBody>
-        <a:bodyPr spcFirstLastPara="0" vert="horz" wrap="square" lIns="64008" tIns="64008" rIns="64008" bIns="34290" numCol="1" spcCol="1270" anchor="t" anchorCtr="0">
+        <a:bodyPr spcFirstLastPara="0" vert="horz" wrap="square" lIns="85344" tIns="85344" rIns="85344" bIns="45720" numCol="1" spcCol="1270" anchor="t" anchorCtr="0">
           <a:noAutofit/>
         </a:bodyPr>
         <a:lstStyle/>
         <a:p>
-          <a:pPr marL="0" lvl="0" indent="0" algn="l" defTabSz="400050">
+          <a:pPr marL="0" lvl="0" indent="0" algn="l" defTabSz="533400">
             <a:lnSpc>
               <a:spcPct val="90000"/>
             </a:lnSpc>
@@ -6784,14 +6600,14 @@
             <a:buNone/>
           </a:pPr>
           <a:r>
-            <a:rPr lang="de-DE" sz="900" kern="1200" dirty="0"/>
+            <a:rPr lang="de-DE" sz="1200" kern="1200" dirty="0"/>
             <a:t>15. September 2021</a:t>
           </a:r>
         </a:p>
       </dsp:txBody>
       <dsp:txXfrm>
-        <a:off x="2088688" y="400830"/>
-        <a:ext cx="1271770" cy="259200"/>
+        <a:off x="2478938" y="193953"/>
+        <a:ext cx="1512736" cy="345600"/>
       </dsp:txXfrm>
     </dsp:sp>
     <dsp:sp modelId="{635D666C-5B93-40C7-9AE5-88873B0F1E8B}">
@@ -6801,8 +6617,8 @@
       </dsp:nvSpPr>
       <dsp:spPr>
         <a:xfrm>
-          <a:off x="2220837" y="652672"/>
-          <a:ext cx="1271770" cy="643169"/>
+          <a:off x="2636126" y="529743"/>
+          <a:ext cx="1512736" cy="857559"/>
         </a:xfrm>
         <a:prstGeom prst="roundRect">
           <a:avLst>
@@ -6844,12 +6660,12 @@
         <a:fontRef idx="minor"/>
       </dsp:style>
       <dsp:txBody>
-        <a:bodyPr spcFirstLastPara="0" vert="horz" wrap="square" lIns="64008" tIns="64008" rIns="64008" bIns="64008" numCol="1" spcCol="1270" anchor="t" anchorCtr="0">
+        <a:bodyPr spcFirstLastPara="0" vert="horz" wrap="square" lIns="85344" tIns="85344" rIns="85344" bIns="85344" numCol="1" spcCol="1270" anchor="t" anchorCtr="0">
           <a:noAutofit/>
         </a:bodyPr>
         <a:lstStyle/>
         <a:p>
-          <a:pPr marL="57150" lvl="1" indent="-57150" algn="l" defTabSz="400050">
+          <a:pPr marL="114300" lvl="1" indent="-114300" algn="l" defTabSz="533400">
             <a:lnSpc>
               <a:spcPct val="90000"/>
             </a:lnSpc>
@@ -6863,14 +6679,14 @@
             <a:buChar char="ü"/>
           </a:pPr>
           <a:r>
-            <a:rPr lang="de-DE" sz="900" kern="1200" dirty="0"/>
+            <a:rPr lang="de-DE" sz="1200" kern="1200" dirty="0"/>
             <a:t>Lektorat und Verbesserungen einarbeiten</a:t>
           </a:r>
         </a:p>
       </dsp:txBody>
       <dsp:txXfrm>
-        <a:off x="2239675" y="671510"/>
-        <a:ext cx="1234094" cy="605493"/>
+        <a:off x="2661243" y="554860"/>
+        <a:ext cx="1462502" cy="807325"/>
       </dsp:txXfrm>
     </dsp:sp>
     <dsp:sp modelId="{9AC86107-662A-4672-9265-984D471DA932}">
@@ -6879,9 +6695,9 @@
         <dsp:cNvSpPr/>
       </dsp:nvSpPr>
       <dsp:spPr>
-        <a:xfrm rot="3">
-          <a:off x="3551391" y="372113"/>
-          <a:ext cx="404777" cy="316633"/>
+        <a:xfrm rot="5">
+          <a:off x="4232928" y="178441"/>
+          <a:ext cx="511457" cy="376627"/>
         </a:xfrm>
         <a:prstGeom prst="rightArrow">
           <a:avLst>
@@ -6923,7 +6739,7 @@
         </a:bodyPr>
         <a:lstStyle/>
         <a:p>
-          <a:pPr marL="0" lvl="0" indent="0" algn="ctr" defTabSz="311150">
+          <a:pPr marL="0" lvl="0" indent="0" algn="ctr" defTabSz="444500">
             <a:lnSpc>
               <a:spcPct val="90000"/>
             </a:lnSpc>
@@ -6935,23 +6751,23 @@
             </a:spcAft>
             <a:buNone/>
           </a:pPr>
-          <a:endParaRPr lang="de-DE" sz="700" kern="1200"/>
+          <a:endParaRPr lang="de-DE" sz="1000" kern="1200"/>
         </a:p>
       </dsp:txBody>
       <dsp:txXfrm>
-        <a:off x="3551391" y="435440"/>
-        <a:ext cx="309787" cy="189979"/>
+        <a:off x="4232928" y="253766"/>
+        <a:ext cx="398469" cy="225977"/>
       </dsp:txXfrm>
     </dsp:sp>
-    <dsp:sp modelId="{D863096F-BBDD-4946-85A9-D40F6BB6CD1B}">
+    <dsp:sp modelId="{B1082B3D-2794-4BEB-9983-E876BF7A4258}">
       <dsp:nvSpPr>
         <dsp:cNvPr id="0" name=""/>
         <dsp:cNvSpPr/>
       </dsp:nvSpPr>
       <dsp:spPr>
         <a:xfrm>
-          <a:off x="4124188" y="400831"/>
-          <a:ext cx="1271770" cy="388799"/>
+          <a:off x="4956688" y="193956"/>
+          <a:ext cx="1512736" cy="518399"/>
         </a:xfrm>
         <a:prstGeom prst="roundRect">
           <a:avLst>
@@ -6994,12 +6810,12 @@
         </a:fontRef>
       </dsp:style>
       <dsp:txBody>
-        <a:bodyPr spcFirstLastPara="0" vert="horz" wrap="square" lIns="64008" tIns="64008" rIns="64008" bIns="34290" numCol="1" spcCol="1270" anchor="t" anchorCtr="0">
+        <a:bodyPr spcFirstLastPara="0" vert="horz" wrap="square" lIns="85344" tIns="85344" rIns="85344" bIns="45720" numCol="1" spcCol="1270" anchor="t" anchorCtr="0">
           <a:noAutofit/>
         </a:bodyPr>
         <a:lstStyle/>
         <a:p>
-          <a:pPr marL="0" lvl="0" indent="0" algn="l" defTabSz="400050">
+          <a:pPr marL="0" lvl="0" indent="0" algn="l" defTabSz="533400">
             <a:lnSpc>
               <a:spcPct val="90000"/>
             </a:lnSpc>
@@ -7012,25 +6828,25 @@
             <a:buNone/>
           </a:pPr>
           <a:r>
-            <a:rPr lang="de-DE" sz="900" kern="1200" dirty="0"/>
-            <a:t>22. September</a:t>
+            <a:rPr lang="de-DE" sz="1200" kern="1200" dirty="0"/>
+            <a:t>23. September 2021</a:t>
           </a:r>
         </a:p>
       </dsp:txBody>
       <dsp:txXfrm>
-        <a:off x="4124188" y="400831"/>
-        <a:ext cx="1271770" cy="259200"/>
+        <a:off x="4956688" y="193956"/>
+        <a:ext cx="1512736" cy="345600"/>
       </dsp:txXfrm>
     </dsp:sp>
-    <dsp:sp modelId="{FD3F85A9-0726-46F7-9694-4615A8D509AD}">
+    <dsp:sp modelId="{AFB01717-DFC9-42B3-BF2D-B5767E52C782}">
       <dsp:nvSpPr>
         <dsp:cNvPr id="0" name=""/>
         <dsp:cNvSpPr/>
       </dsp:nvSpPr>
       <dsp:spPr>
         <a:xfrm>
-          <a:off x="4295876" y="652670"/>
-          <a:ext cx="1271770" cy="501515"/>
+          <a:off x="5123421" y="529740"/>
+          <a:ext cx="1512736" cy="622274"/>
         </a:xfrm>
         <a:prstGeom prst="roundRect">
           <a:avLst>
@@ -7072,12 +6888,12 @@
         <a:fontRef idx="minor"/>
       </dsp:style>
       <dsp:txBody>
-        <a:bodyPr spcFirstLastPara="0" vert="horz" wrap="square" lIns="64008" tIns="64008" rIns="64008" bIns="64008" numCol="1" spcCol="1270" anchor="t" anchorCtr="0">
+        <a:bodyPr spcFirstLastPara="0" vert="horz" wrap="square" lIns="85344" tIns="85344" rIns="85344" bIns="85344" numCol="1" spcCol="1270" anchor="t" anchorCtr="0">
           <a:noAutofit/>
         </a:bodyPr>
         <a:lstStyle/>
         <a:p>
-          <a:pPr marL="57150" lvl="1" indent="-57150" algn="l" defTabSz="400050">
+          <a:pPr marL="114300" lvl="1" indent="-114300" algn="l" defTabSz="533400">
             <a:lnSpc>
               <a:spcPct val="90000"/>
             </a:lnSpc>
@@ -7091,25 +6907,25 @@
             <a:buChar char="ü"/>
           </a:pPr>
           <a:r>
-            <a:rPr lang="de-DE" sz="900" kern="1200" dirty="0"/>
-            <a:t>Drucken/Fertigen der Exemplare</a:t>
+            <a:rPr lang="de-DE" sz="1200" kern="1200" dirty="0"/>
+            <a:t>Abgabe der Arbeit</a:t>
           </a:r>
         </a:p>
       </dsp:txBody>
       <dsp:txXfrm>
-        <a:off x="4310565" y="667359"/>
-        <a:ext cx="1242392" cy="472137"/>
+        <a:off x="5141647" y="547966"/>
+        <a:ext cx="1476284" cy="585822"/>
       </dsp:txXfrm>
     </dsp:sp>
-    <dsp:sp modelId="{2612C595-4F82-4CB5-91FA-B9E1C1328B8F}">
+    <dsp:sp modelId="{41242784-9482-4503-9F63-3D5223EFAC32}">
       <dsp:nvSpPr>
         <dsp:cNvPr id="0" name=""/>
         <dsp:cNvSpPr/>
       </dsp:nvSpPr>
       <dsp:spPr>
-        <a:xfrm rot="2">
-          <a:off x="5600645" y="372115"/>
-          <a:ext cx="433935" cy="316633"/>
+        <a:xfrm rot="69498">
+          <a:off x="6674854" y="202294"/>
+          <a:ext cx="435692" cy="376627"/>
         </a:xfrm>
         <a:prstGeom prst="rightArrow">
           <a:avLst>
@@ -7151,7 +6967,7 @@
         </a:bodyPr>
         <a:lstStyle/>
         <a:p>
-          <a:pPr marL="0" lvl="0" indent="0" algn="ctr" defTabSz="311150">
+          <a:pPr marL="0" lvl="0" indent="0" algn="ctr" defTabSz="444500">
             <a:lnSpc>
               <a:spcPct val="90000"/>
             </a:lnSpc>
@@ -7163,23 +6979,23 @@
             </a:spcAft>
             <a:buNone/>
           </a:pPr>
-          <a:endParaRPr lang="de-DE" sz="700" kern="1200"/>
+          <a:endParaRPr lang="de-DE" sz="1000" kern="1200"/>
         </a:p>
       </dsp:txBody>
       <dsp:txXfrm>
-        <a:off x="5600645" y="435442"/>
-        <a:ext cx="338945" cy="189979"/>
+        <a:off x="6674866" y="276477"/>
+        <a:ext cx="322704" cy="225977"/>
       </dsp:txXfrm>
     </dsp:sp>
-    <dsp:sp modelId="{B1082B3D-2794-4BEB-9983-E876BF7A4258}">
+    <dsp:sp modelId="{65EB5E1A-92A7-4A17-B088-73B4A56116BA}">
       <dsp:nvSpPr>
         <dsp:cNvPr id="0" name=""/>
         <dsp:cNvSpPr/>
       </dsp:nvSpPr>
       <dsp:spPr>
         <a:xfrm>
-          <a:off x="6214705" y="400832"/>
-          <a:ext cx="1271770" cy="388799"/>
+          <a:off x="7291318" y="241160"/>
+          <a:ext cx="1512736" cy="518399"/>
         </a:xfrm>
         <a:prstGeom prst="roundRect">
           <a:avLst>
@@ -7222,12 +7038,12 @@
         </a:fontRef>
       </dsp:style>
       <dsp:txBody>
-        <a:bodyPr spcFirstLastPara="0" vert="horz" wrap="square" lIns="64008" tIns="64008" rIns="64008" bIns="34290" numCol="1" spcCol="1270" anchor="t" anchorCtr="0">
+        <a:bodyPr spcFirstLastPara="0" vert="horz" wrap="square" lIns="85344" tIns="85344" rIns="85344" bIns="45720" numCol="1" spcCol="1270" anchor="t" anchorCtr="0">
           <a:noAutofit/>
         </a:bodyPr>
         <a:lstStyle/>
         <a:p>
-          <a:pPr marL="0" lvl="0" indent="0" algn="l" defTabSz="400050">
+          <a:pPr marL="0" lvl="0" indent="0" algn="l" defTabSz="533400">
             <a:lnSpc>
               <a:spcPct val="90000"/>
             </a:lnSpc>
@@ -7240,25 +7056,25 @@
             <a:buNone/>
           </a:pPr>
           <a:r>
-            <a:rPr lang="de-DE" sz="900" kern="1200" dirty="0"/>
-            <a:t>23. September 2021</a:t>
+            <a:rPr lang="de-DE" sz="1200" kern="1200" dirty="0"/>
+            <a:t>Mitte Oktober 2021</a:t>
           </a:r>
         </a:p>
       </dsp:txBody>
       <dsp:txXfrm>
-        <a:off x="6214705" y="400832"/>
-        <a:ext cx="1271770" cy="259200"/>
+        <a:off x="7291318" y="241160"/>
+        <a:ext cx="1512736" cy="345600"/>
       </dsp:txXfrm>
     </dsp:sp>
-    <dsp:sp modelId="{AFB01717-DFC9-42B3-BF2D-B5767E52C782}">
+    <dsp:sp modelId="{27CF7F06-ACC8-4A33-B523-665EB7C51696}">
       <dsp:nvSpPr>
         <dsp:cNvPr id="0" name=""/>
         <dsp:cNvSpPr/>
       </dsp:nvSpPr>
       <dsp:spPr>
         <a:xfrm>
-          <a:off x="6354879" y="652670"/>
-          <a:ext cx="1271770" cy="466705"/>
+          <a:off x="7491785" y="574379"/>
+          <a:ext cx="1512736" cy="1215000"/>
         </a:xfrm>
         <a:prstGeom prst="roundRect">
           <a:avLst>
@@ -7300,240 +7116,12 @@
         <a:fontRef idx="minor"/>
       </dsp:style>
       <dsp:txBody>
-        <a:bodyPr spcFirstLastPara="0" vert="horz" wrap="square" lIns="64008" tIns="64008" rIns="64008" bIns="64008" numCol="1" spcCol="1270" anchor="t" anchorCtr="0">
+        <a:bodyPr spcFirstLastPara="0" vert="horz" wrap="square" lIns="85344" tIns="85344" rIns="85344" bIns="85344" numCol="1" spcCol="1270" anchor="t" anchorCtr="0">
           <a:noAutofit/>
         </a:bodyPr>
         <a:lstStyle/>
         <a:p>
-          <a:pPr marL="57150" lvl="1" indent="-57150" algn="l" defTabSz="400050">
-            <a:lnSpc>
-              <a:spcPct val="90000"/>
-            </a:lnSpc>
-            <a:spcBef>
-              <a:spcPct val="0"/>
-            </a:spcBef>
-            <a:spcAft>
-              <a:spcPct val="15000"/>
-            </a:spcAft>
-            <a:buFont typeface="Wingdings" panose="05000000000000000000" pitchFamily="2" charset="2"/>
-            <a:buChar char="ü"/>
-          </a:pPr>
-          <a:r>
-            <a:rPr lang="de-DE" sz="900" kern="1200" dirty="0"/>
-            <a:t>Abgabe der Arbeit</a:t>
-          </a:r>
-        </a:p>
-      </dsp:txBody>
-      <dsp:txXfrm>
-        <a:off x="6368548" y="666339"/>
-        <a:ext cx="1244432" cy="439367"/>
-      </dsp:txXfrm>
-    </dsp:sp>
-    <dsp:sp modelId="{41242784-9482-4503-9F63-3D5223EFAC32}">
-      <dsp:nvSpPr>
-        <dsp:cNvPr id="0" name=""/>
-        <dsp:cNvSpPr/>
-      </dsp:nvSpPr>
-      <dsp:spPr>
-        <a:xfrm rot="62001">
-          <a:off x="7659189" y="390004"/>
-          <a:ext cx="366274" cy="316633"/>
-        </a:xfrm>
-        <a:prstGeom prst="rightArrow">
-          <a:avLst>
-            <a:gd name="adj1" fmla="val 60000"/>
-            <a:gd name="adj2" fmla="val 50000"/>
-          </a:avLst>
-        </a:prstGeom>
-        <a:solidFill>
-          <a:schemeClr val="accent1">
-            <a:tint val="60000"/>
-            <a:hueOff val="0"/>
-            <a:satOff val="0"/>
-            <a:lumOff val="0"/>
-            <a:alphaOff val="0"/>
-          </a:schemeClr>
-        </a:solidFill>
-        <a:ln>
-          <a:noFill/>
-        </a:ln>
-        <a:effectLst/>
-      </dsp:spPr>
-      <dsp:style>
-        <a:lnRef idx="0">
-          <a:scrgbClr r="0" g="0" b="0"/>
-        </a:lnRef>
-        <a:fillRef idx="1">
-          <a:scrgbClr r="0" g="0" b="0"/>
-        </a:fillRef>
-        <a:effectRef idx="0">
-          <a:scrgbClr r="0" g="0" b="0"/>
-        </a:effectRef>
-        <a:fontRef idx="minor">
-          <a:schemeClr val="lt1"/>
-        </a:fontRef>
-      </dsp:style>
-      <dsp:txBody>
-        <a:bodyPr spcFirstLastPara="0" vert="horz" wrap="square" lIns="0" tIns="0" rIns="0" bIns="0" numCol="1" spcCol="1270" anchor="ctr" anchorCtr="0">
-          <a:noAutofit/>
-        </a:bodyPr>
-        <a:lstStyle/>
-        <a:p>
-          <a:pPr marL="0" lvl="0" indent="0" algn="ctr" defTabSz="311150">
-            <a:lnSpc>
-              <a:spcPct val="90000"/>
-            </a:lnSpc>
-            <a:spcBef>
-              <a:spcPct val="0"/>
-            </a:spcBef>
-            <a:spcAft>
-              <a:spcPct val="35000"/>
-            </a:spcAft>
-            <a:buNone/>
-          </a:pPr>
-          <a:endParaRPr lang="de-DE" sz="700" kern="1200"/>
-        </a:p>
-      </dsp:txBody>
-      <dsp:txXfrm>
-        <a:off x="7659197" y="452474"/>
-        <a:ext cx="271284" cy="189979"/>
-      </dsp:txXfrm>
-    </dsp:sp>
-    <dsp:sp modelId="{65EB5E1A-92A7-4A17-B088-73B4A56116BA}">
-      <dsp:nvSpPr>
-        <dsp:cNvPr id="0" name=""/>
-        <dsp:cNvSpPr/>
-      </dsp:nvSpPr>
-      <dsp:spPr>
-        <a:xfrm>
-          <a:off x="8177448" y="436235"/>
-          <a:ext cx="1271770" cy="388799"/>
-        </a:xfrm>
-        <a:prstGeom prst="roundRect">
-          <a:avLst>
-            <a:gd name="adj" fmla="val 10000"/>
-          </a:avLst>
-        </a:prstGeom>
-        <a:solidFill>
-          <a:schemeClr val="accent1">
-            <a:hueOff val="0"/>
-            <a:satOff val="0"/>
-            <a:lumOff val="0"/>
-            <a:alphaOff val="0"/>
-          </a:schemeClr>
-        </a:solidFill>
-        <a:ln w="15875" cap="flat" cmpd="sng" algn="ctr">
-          <a:solidFill>
-            <a:schemeClr val="lt1">
-              <a:hueOff val="0"/>
-              <a:satOff val="0"/>
-              <a:lumOff val="0"/>
-              <a:alphaOff val="0"/>
-            </a:schemeClr>
-          </a:solidFill>
-          <a:prstDash val="solid"/>
-        </a:ln>
-        <a:effectLst/>
-      </dsp:spPr>
-      <dsp:style>
-        <a:lnRef idx="2">
-          <a:scrgbClr r="0" g="0" b="0"/>
-        </a:lnRef>
-        <a:fillRef idx="1">
-          <a:scrgbClr r="0" g="0" b="0"/>
-        </a:fillRef>
-        <a:effectRef idx="0">
-          <a:scrgbClr r="0" g="0" b="0"/>
-        </a:effectRef>
-        <a:fontRef idx="minor">
-          <a:schemeClr val="lt1"/>
-        </a:fontRef>
-      </dsp:style>
-      <dsp:txBody>
-        <a:bodyPr spcFirstLastPara="0" vert="horz" wrap="square" lIns="64008" tIns="64008" rIns="64008" bIns="34290" numCol="1" spcCol="1270" anchor="t" anchorCtr="0">
-          <a:noAutofit/>
-        </a:bodyPr>
-        <a:lstStyle/>
-        <a:p>
-          <a:pPr marL="0" lvl="0" indent="0" algn="l" defTabSz="400050">
-            <a:lnSpc>
-              <a:spcPct val="90000"/>
-            </a:lnSpc>
-            <a:spcBef>
-              <a:spcPct val="0"/>
-            </a:spcBef>
-            <a:spcAft>
-              <a:spcPct val="35000"/>
-            </a:spcAft>
-            <a:buNone/>
-          </a:pPr>
-          <a:r>
-            <a:rPr lang="de-DE" sz="900" kern="1200" dirty="0"/>
-            <a:t>Mitte Oktober 2021</a:t>
-          </a:r>
-        </a:p>
-      </dsp:txBody>
-      <dsp:txXfrm>
-        <a:off x="8177448" y="436235"/>
-        <a:ext cx="1271770" cy="259200"/>
-      </dsp:txXfrm>
-    </dsp:sp>
-    <dsp:sp modelId="{27CF7F06-ACC8-4A33-B523-665EB7C51696}">
-      <dsp:nvSpPr>
-        <dsp:cNvPr id="0" name=""/>
-        <dsp:cNvSpPr/>
-      </dsp:nvSpPr>
-      <dsp:spPr>
-        <a:xfrm>
-          <a:off x="8345982" y="686149"/>
-          <a:ext cx="1271770" cy="911250"/>
-        </a:xfrm>
-        <a:prstGeom prst="roundRect">
-          <a:avLst>
-            <a:gd name="adj" fmla="val 10000"/>
-          </a:avLst>
-        </a:prstGeom>
-        <a:solidFill>
-          <a:schemeClr val="lt1">
-            <a:alpha val="90000"/>
-            <a:hueOff val="0"/>
-            <a:satOff val="0"/>
-            <a:lumOff val="0"/>
-            <a:alphaOff val="0"/>
-          </a:schemeClr>
-        </a:solidFill>
-        <a:ln w="15875" cap="flat" cmpd="sng" algn="ctr">
-          <a:solidFill>
-            <a:schemeClr val="accent1">
-              <a:hueOff val="0"/>
-              <a:satOff val="0"/>
-              <a:lumOff val="0"/>
-              <a:alphaOff val="0"/>
-            </a:schemeClr>
-          </a:solidFill>
-          <a:prstDash val="solid"/>
-        </a:ln>
-        <a:effectLst/>
-      </dsp:spPr>
-      <dsp:style>
-        <a:lnRef idx="2">
-          <a:scrgbClr r="0" g="0" b="0"/>
-        </a:lnRef>
-        <a:fillRef idx="1">
-          <a:scrgbClr r="0" g="0" b="0"/>
-        </a:fillRef>
-        <a:effectRef idx="0">
-          <a:scrgbClr r="0" g="0" b="0"/>
-        </a:effectRef>
-        <a:fontRef idx="minor"/>
-      </dsp:style>
-      <dsp:txBody>
-        <a:bodyPr spcFirstLastPara="0" vert="horz" wrap="square" lIns="64008" tIns="64008" rIns="64008" bIns="64008" numCol="1" spcCol="1270" anchor="t" anchorCtr="0">
-          <a:noAutofit/>
-        </a:bodyPr>
-        <a:lstStyle/>
-        <a:p>
-          <a:pPr marL="57150" lvl="1" indent="-57150" algn="l" defTabSz="400050">
+          <a:pPr marL="114300" lvl="1" indent="-114300" algn="l" defTabSz="533400">
             <a:lnSpc>
               <a:spcPct val="90000"/>
             </a:lnSpc>
@@ -7548,12 +7136,12 @@
             <a:buChar char="ü"/>
           </a:pPr>
           <a:r>
-            <a:rPr lang="de-DE" sz="900" kern="1200" dirty="0"/>
+            <a:rPr lang="de-DE" sz="1200" kern="1200" dirty="0"/>
             <a:t>Festlegen der Inhalte des Kolloquiums</a:t>
           </a:r>
         </a:p>
         <a:p>
-          <a:pPr marL="57150" lvl="1" indent="-57150" algn="l" defTabSz="400050">
+          <a:pPr marL="114300" lvl="1" indent="-114300" algn="l" defTabSz="533400">
             <a:lnSpc>
               <a:spcPct val="90000"/>
             </a:lnSpc>
@@ -7568,15 +7156,15 @@
             <a:buChar char="ü"/>
           </a:pPr>
           <a:r>
-            <a:rPr lang="de-DE" sz="900" kern="1200"/>
+            <a:rPr lang="de-DE" sz="1200" kern="1200"/>
             <a:t>4. Termin mit Prüfer</a:t>
           </a:r>
-          <a:endParaRPr lang="de-DE" sz="900" kern="1200" dirty="0"/>
+          <a:endParaRPr lang="de-DE" sz="1200" kern="1200" dirty="0"/>
         </a:p>
       </dsp:txBody>
       <dsp:txXfrm>
-        <a:off x="8372672" y="712839"/>
-        <a:ext cx="1218390" cy="857870"/>
+        <a:off x="7527371" y="609965"/>
+        <a:ext cx="1441564" cy="1143828"/>
       </dsp:txXfrm>
     </dsp:sp>
   </dsp:spTree>
@@ -11900,7 +11488,7 @@
           <a:p>
             <a:fld id="{A423BF71-38B7-8642-BFCE-EDAE9BD0CBAF}" type="datetimeFigureOut">
               <a:rPr lang="en-US" dirty="0"/>
-              <a:t>6/3/2021</a:t>
+              <a:t>6/11/2021</a:t>
             </a:fld>
             <a:endParaRPr lang="en-US" dirty="0"/>
           </a:p>
@@ -12123,7 +11711,7 @@
           <a:p>
             <a:fld id="{73B025CB-9D18-264E-A945-2D020344C9DA}" type="datetimeFigureOut">
               <a:rPr lang="en-US" dirty="0"/>
-              <a:t>6/3/2021</a:t>
+              <a:t>6/11/2021</a:t>
             </a:fld>
             <a:endParaRPr lang="en-US" dirty="0"/>
           </a:p>
@@ -12355,7 +11943,7 @@
           <a:p>
             <a:fld id="{507EFB6C-7E96-8F41-8872-189CA1C59F84}" type="datetimeFigureOut">
               <a:rPr lang="en-US" dirty="0"/>
-              <a:t>6/3/2021</a:t>
+              <a:t>6/11/2021</a:t>
             </a:fld>
             <a:endParaRPr lang="en-US" dirty="0"/>
           </a:p>
@@ -12812,7 +12400,7 @@
                   </a:schemeClr>
                 </a:solidFill>
               </a:rPr>
-              <a:t>3. Juni 2021</a:t>
+              <a:t>11. Juni 2021</a:t>
             </a:fld>
             <a:endParaRPr lang="de-DE" dirty="0">
               <a:solidFill>
@@ -13028,7 +12616,7 @@
           <a:p>
             <a:fld id="{B55BA285-9698-1B45-8319-D90A8C63F150}" type="datetimeFigureOut">
               <a:rPr lang="en-US" dirty="0"/>
-              <a:t>6/3/2021</a:t>
+              <a:t>6/11/2021</a:t>
             </a:fld>
             <a:endParaRPr lang="en-US" dirty="0"/>
           </a:p>
@@ -13313,7 +12901,7 @@
           <a:p>
             <a:fld id="{0A86CD42-43FF-B740-998F-DCC3802C4CE3}" type="datetimeFigureOut">
               <a:rPr lang="en-US" dirty="0"/>
-              <a:t>6/3/2021</a:t>
+              <a:t>6/11/2021</a:t>
             </a:fld>
             <a:endParaRPr lang="en-US" dirty="0"/>
           </a:p>
@@ -13746,7 +13334,7 @@
           <a:p>
             <a:fld id="{CEA0FFBD-2EE4-8547-BBAE-A1AC91C8D77E}" type="datetimeFigureOut">
               <a:rPr lang="en-US" dirty="0"/>
-              <a:t>6/3/2021</a:t>
+              <a:t>6/11/2021</a:t>
             </a:fld>
             <a:endParaRPr lang="en-US" dirty="0"/>
           </a:p>
@@ -13912,7 +13500,7 @@
           <a:p>
             <a:fld id="{955A2352-D7AC-F242-9256-A4477BCBF354}" type="datetimeFigureOut">
               <a:rPr lang="en-US" dirty="0"/>
-              <a:t>6/3/2021</a:t>
+              <a:t>6/11/2021</a:t>
             </a:fld>
             <a:endParaRPr lang="en-US" dirty="0"/>
           </a:p>
@@ -14055,7 +13643,7 @@
           <a:p>
             <a:fld id="{4EFCFC6A-9AE6-404D-9FDD-168B477B9C90}" type="datetimeFigureOut">
               <a:rPr lang="en-US" dirty="0"/>
-              <a:t>6/3/2021</a:t>
+              <a:t>6/11/2021</a:t>
             </a:fld>
             <a:endParaRPr lang="en-US" dirty="0"/>
           </a:p>
@@ -14317,7 +13905,7 @@
           <a:p>
             <a:fld id="{61CFCDFD-B4CF-A241-8D71-E814B10BEAF4}" type="datetimeFigureOut">
               <a:rPr lang="en-US" dirty="0"/>
-              <a:t>6/3/2021</a:t>
+              <a:t>6/11/2021</a:t>
             </a:fld>
             <a:endParaRPr lang="en-US" dirty="0"/>
           </a:p>
@@ -14778,7 +14366,7 @@
           <a:p>
             <a:fld id="{26A7B589-FD4B-7E46-869A-CBADC5FC564E}" type="datetimeFigureOut">
               <a:rPr lang="en-US" dirty="0"/>
-              <a:t>6/3/2021</a:t>
+              <a:t>6/11/2021</a:t>
             </a:fld>
             <a:endParaRPr lang="en-US" dirty="0"/>
           </a:p>
@@ -15593,7 +15181,35 @@
           <a:p>
             <a:r>
               <a:rPr lang="de-DE" sz="4400" dirty="0"/>
-              <a:t>Automatische Generierung der User-Dokumentation für Webanwendungen (vorl.)</a:t>
+              <a:t>DSL-Driven Generation </a:t>
+            </a:r>
+            <a:r>
+              <a:rPr lang="de-DE" sz="4400" dirty="0" err="1"/>
+              <a:t>of</a:t>
+            </a:r>
+            <a:r>
+              <a:rPr lang="de-DE" sz="4400" dirty="0"/>
+              <a:t> User </a:t>
+            </a:r>
+            <a:r>
+              <a:rPr lang="en-US" sz="4400" dirty="0"/>
+              <a:t>Documentations</a:t>
+            </a:r>
+            <a:r>
+              <a:rPr lang="de-DE" sz="4400" dirty="0"/>
+              <a:t> </a:t>
+            </a:r>
+            <a:r>
+              <a:rPr lang="de-DE" sz="4400" dirty="0" err="1"/>
+              <a:t>for</a:t>
+            </a:r>
+            <a:r>
+              <a:rPr lang="de-DE" sz="4400" dirty="0"/>
+              <a:t> Web </a:t>
+            </a:r>
+            <a:r>
+              <a:rPr lang="en-US" sz="4400" dirty="0"/>
+              <a:t>Applications</a:t>
             </a:r>
           </a:p>
         </p:txBody>
@@ -15878,7 +15494,7 @@
             <a:pPr algn="r"/>
             <a:fld id="{F072743E-0297-4AC3-80E5-4C9F5D2C8935}" type="datetime4">
               <a:rPr lang="de-DE"/>
-              <a:t>3. Juni 2021</a:t>
+              <a:t>11. Juni 2021</a:t>
             </a:fld>
             <a:endParaRPr lang="de-DE" dirty="0"/>
           </a:p>
@@ -15919,7 +15535,7 @@
           <p:cNvPr id="2" name="Título 1">
             <a:extLst>
               <a:ext uri="{FF2B5EF4-FFF2-40B4-BE49-F238E27FC236}">
-                <a16:creationId xmlns:a16="http://schemas.microsoft.com/office/drawing/2014/main" id="{1E22B26D-F9D2-4A77-8C73-C56B174B9152}"/>
+                <a16:creationId xmlns:a16="http://schemas.microsoft.com/office/drawing/2014/main" id="{001D56E8-9812-430E-BECB-D328B73AACE5}"/>
               </a:ext>
             </a:extLst>
           </p:cNvPr>
@@ -15937,14 +15553,14 @@
           <a:p>
             <a:r>
               <a:rPr lang="de-DE" dirty="0"/>
-              <a:t>Methodologie</a:t>
+              <a:t>Relevanz und Nutzen</a:t>
             </a:r>
             <a:br>
               <a:rPr lang="de-DE" dirty="0"/>
             </a:br>
             <a:r>
               <a:rPr lang="de-DE" sz="1600" i="1" dirty="0"/>
-              <a:t>Wie sollen die Ziele erreicht werden?</a:t>
+              <a:t>Inwiefern stellt die Arbeit einen Fortschritt dar?</a:t>
             </a:r>
           </a:p>
         </p:txBody>
@@ -15954,7 +15570,7 @@
           <p:cNvPr id="3" name="Marcador de contenido 2">
             <a:extLst>
               <a:ext uri="{FF2B5EF4-FFF2-40B4-BE49-F238E27FC236}">
-                <a16:creationId xmlns:a16="http://schemas.microsoft.com/office/drawing/2014/main" id="{CB14A13D-17EE-4067-BF51-CC04020D6F99}"/>
+                <a16:creationId xmlns:a16="http://schemas.microsoft.com/office/drawing/2014/main" id="{2C012845-E4BA-4728-AC35-90E3C46F0A55}"/>
               </a:ext>
             </a:extLst>
           </p:cNvPr>
@@ -15977,18 +15593,16 @@
               <a:rPr lang="de-DE" sz="1800" b="0" i="0" u="none" strike="noStrike" baseline="0" dirty="0">
                 <a:latin typeface="Arial" panose="020B0604020202020204" pitchFamily="34" charset="0"/>
               </a:rPr>
-              <a:t>Welche Werkzeuge sollen realisiert werden?</a:t>
+              <a:t>Wie wird das Fachgebiet durch das Erreichen der Ziele vorangebracht?</a:t>
             </a:r>
           </a:p>
           <a:p>
-            <a:pPr marL="457200" lvl="1" indent="0">
-              <a:buNone/>
-            </a:pPr>
+            <a:pPr lvl="1"/>
             <a:r>
               <a:rPr lang="de-DE" sz="1600" dirty="0">
                 <a:latin typeface="Arial" panose="020B0604020202020204" pitchFamily="34" charset="0"/>
               </a:rPr>
-              <a:t>CINCO SCCE Meta Tooling Suite, Selenium WebDriver</a:t>
+              <a:t>Automatisierungsprozesse sind zeitsparend und kostensenkend. Softwareprojekte sind an Budget und Deadlines gebunden, </a:t>
             </a:r>
             <a:endParaRPr lang="de-DE" sz="1600" b="0" i="0" u="none" strike="noStrike" baseline="0" dirty="0">
               <a:latin typeface="Arial" panose="020B0604020202020204" pitchFamily="34" charset="0"/>
@@ -16000,18 +15614,37 @@
               <a:rPr lang="de-DE" sz="1800" b="0" i="0" u="none" strike="noStrike" baseline="0" dirty="0">
                 <a:latin typeface="Arial" panose="020B0604020202020204" pitchFamily="34" charset="0"/>
               </a:rPr>
-              <a:t>Wie kann die Validierung erfolgen?</a:t>
+              <a:t>Was wird dadurch z.B. schneller, effizienter, zuverlässiger ...?</a:t>
             </a:r>
           </a:p>
           <a:p>
-            <a:pPr marL="457200" lvl="1" indent="0">
-              <a:buNone/>
-            </a:pPr>
-            <a:r>
-              <a:rPr lang="de-DE" dirty="0">
+            <a:pPr lvl="1"/>
+            <a:r>
+              <a:rPr lang="de-DE" sz="1600" dirty="0">
                 <a:latin typeface="Arial" panose="020B0604020202020204" pitchFamily="34" charset="0"/>
               </a:rPr>
-              <a:t>Durch die Qualität der erzeugten Dokumentation</a:t>
+              <a:t>… daher ist es ein großer Fortschritt die User Dokumentation schnell und kostengünstig erzeugen zu können.</a:t>
+            </a:r>
+            <a:endParaRPr lang="de-DE" sz="1800" b="0" i="0" u="none" strike="noStrike" baseline="0" dirty="0">
+              <a:latin typeface="Arial" panose="020B0604020202020204" pitchFamily="34" charset="0"/>
+            </a:endParaRPr>
+          </a:p>
+          <a:p>
+            <a:pPr algn="l"/>
+            <a:r>
+              <a:rPr lang="de-DE" sz="1800" b="0" i="0" u="none" strike="noStrike" baseline="0" dirty="0">
+                <a:latin typeface="Arial" panose="020B0604020202020204" pitchFamily="34" charset="0"/>
+              </a:rPr>
+              <a:t>Wie profitieren Anwender davon?</a:t>
+            </a:r>
+          </a:p>
+          <a:p>
+            <a:pPr lvl="1"/>
+            <a:r>
+              <a:rPr lang="de-DE" sz="1600" dirty="0">
+                <a:latin typeface="Arial" panose="020B0604020202020204" pitchFamily="34" charset="0"/>
+              </a:rPr>
+              <a:t>Nicht nur die Entwickler profitieren davon, sondern auch der Endbenutzer der stets eine aktuelle Dokumentation der Anwendung zur Verfügung gestellt bekommt.</a:t>
             </a:r>
             <a:endParaRPr lang="de-DE" sz="1600" b="0" i="0" u="none" strike="noStrike" baseline="0" dirty="0">
               <a:latin typeface="Arial" panose="020B0604020202020204" pitchFamily="34" charset="0"/>
@@ -16022,7 +15655,7 @@
     </p:spTree>
     <p:extLst>
       <p:ext uri="{BB962C8B-B14F-4D97-AF65-F5344CB8AC3E}">
-        <p14:creationId xmlns:p14="http://schemas.microsoft.com/office/powerpoint/2010/main" val="484748070"/>
+        <p14:creationId xmlns:p14="http://schemas.microsoft.com/office/powerpoint/2010/main" val="2370031470"/>
       </p:ext>
     </p:extLst>
   </p:cSld>
@@ -16103,7 +15736,7 @@
         <p:spPr/>
         <p:txBody>
           <a:bodyPr>
-            <a:normAutofit/>
+            <a:normAutofit fontScale="92500" lnSpcReduction="10000"/>
           </a:bodyPr>
           <a:lstStyle/>
           <a:p>
@@ -16124,7 +15757,7 @@
               <a:rPr lang="de-DE" sz="1600" dirty="0">
                 <a:latin typeface="Arial" panose="020B0604020202020204" pitchFamily="34" charset="0"/>
               </a:rPr>
-              <a:t>Ermöglicht die Erzeugung von graphbasierten Modellierungswerkzeugen aus High-Level-Spezifikationen (sieh Homepage des Lehrstuhls 5)</a:t>
+              <a:t>Ermöglicht die Erzeugung von graphbasierten Modellierungswerkzeugen aus High-Level-Spezifikationen</a:t>
             </a:r>
           </a:p>
           <a:p>
@@ -16170,6 +15803,50 @@
                 <a:latin typeface="Arial" panose="020B0604020202020204" pitchFamily="34" charset="0"/>
               </a:rPr>
               <a:t>Deckt eine Vielzahl von Browserprogrammen ab.</a:t>
+            </a:r>
+          </a:p>
+          <a:p>
+            <a:r>
+              <a:rPr lang="de-DE" sz="1800" dirty="0" err="1">
+                <a:latin typeface="Arial" panose="020B0604020202020204" pitchFamily="34" charset="0"/>
+              </a:rPr>
+              <a:t>VuePress</a:t>
+            </a:r>
+            <a:endParaRPr lang="de-DE" sz="1800" dirty="0">
+              <a:latin typeface="Arial" panose="020B0604020202020204" pitchFamily="34" charset="0"/>
+            </a:endParaRPr>
+          </a:p>
+          <a:p>
+            <a:pPr lvl="1">
+              <a:buFont typeface="Symbol" panose="05050102010706020507" pitchFamily="18" charset="2"/>
+              <a:buChar char="-"/>
+            </a:pPr>
+            <a:r>
+              <a:rPr lang="de-DE" sz="1600" dirty="0">
+                <a:latin typeface="Arial" panose="020B0604020202020204" pitchFamily="34" charset="0"/>
+              </a:rPr>
+              <a:t>Für die Entwicklung von Single Page </a:t>
+            </a:r>
+            <a:r>
+              <a:rPr lang="de-DE" sz="1600" dirty="0" err="1">
+                <a:latin typeface="Arial" panose="020B0604020202020204" pitchFamily="34" charset="0"/>
+              </a:rPr>
+              <a:t>Application</a:t>
+            </a:r>
+            <a:endParaRPr lang="de-DE" sz="1600" dirty="0">
+              <a:latin typeface="Arial" panose="020B0604020202020204" pitchFamily="34" charset="0"/>
+            </a:endParaRPr>
+          </a:p>
+          <a:p>
+            <a:pPr lvl="1">
+              <a:buFont typeface="Symbol" panose="05050102010706020507" pitchFamily="18" charset="2"/>
+              <a:buChar char="-"/>
+            </a:pPr>
+            <a:r>
+              <a:rPr lang="de-DE" sz="1600" dirty="0">
+                <a:latin typeface="Arial" panose="020B0604020202020204" pitchFamily="34" charset="0"/>
+              </a:rPr>
+              <a:t>Optimiert für die Erstellung von technischen Dokumentationen</a:t>
             </a:r>
           </a:p>
         </p:txBody>
@@ -16359,39 +16036,6 @@
           </a:p>
         </p:txBody>
       </p:sp>
-      <p:sp>
-        <p:nvSpPr>
-          <p:cNvPr id="3" name="Marcador de contenido 2">
-            <a:extLst>
-              <a:ext uri="{FF2B5EF4-FFF2-40B4-BE49-F238E27FC236}">
-                <a16:creationId xmlns:a16="http://schemas.microsoft.com/office/drawing/2014/main" id="{A3B13F26-061B-4546-90ED-67F52291C151}"/>
-              </a:ext>
-            </a:extLst>
-          </p:cNvPr>
-          <p:cNvSpPr>
-            <a:spLocks noGrp="1"/>
-          </p:cNvSpPr>
-          <p:nvPr>
-            <p:ph idx="1"/>
-          </p:nvPr>
-        </p:nvSpPr>
-        <p:spPr/>
-        <p:txBody>
-          <a:bodyPr>
-            <a:normAutofit/>
-          </a:bodyPr>
-          <a:lstStyle/>
-          <a:p>
-            <a:pPr algn="l"/>
-            <a:r>
-              <a:rPr lang="de-DE" sz="1800" b="0" i="0" u="none" strike="noStrike" baseline="0" dirty="0">
-                <a:latin typeface="Arial" panose="020B0604020202020204" pitchFamily="34" charset="0"/>
-              </a:rPr>
-              <a:t>Wie ist der Ablauf bis zur Abgabe der Arbeit geplant?</a:t>
-            </a:r>
-          </a:p>
-        </p:txBody>
-      </p:sp>
       <p:graphicFrame>
         <p:nvGraphicFramePr>
           <p:cNvPr id="4" name="Diagrama 3">
@@ -16405,13 +16049,13 @@
           <p:nvPr>
             <p:extLst>
               <p:ext uri="{D42A27DB-BD31-4B8C-83A1-F6EECF244321}">
-                <p14:modId xmlns:p14="http://schemas.microsoft.com/office/powerpoint/2010/main" val="1294461032"/>
+                <p14:modId xmlns:p14="http://schemas.microsoft.com/office/powerpoint/2010/main" val="4086709300"/>
               </p:ext>
             </p:extLst>
           </p:nvPr>
         </p:nvGraphicFramePr>
         <p:xfrm>
-          <a:off x="1339516" y="2256363"/>
+          <a:off x="1389532" y="1853754"/>
           <a:ext cx="9715338" cy="2042921"/>
         </p:xfrm>
         <a:graphic>
@@ -16433,14 +16077,14 @@
           <p:nvPr>
             <p:extLst>
               <p:ext uri="{D42A27DB-BD31-4B8C-83A1-F6EECF244321}">
-                <p14:modId xmlns:p14="http://schemas.microsoft.com/office/powerpoint/2010/main" val="971644518"/>
+                <p14:modId xmlns:p14="http://schemas.microsoft.com/office/powerpoint/2010/main" val="937850153"/>
               </p:ext>
             </p:extLst>
           </p:nvPr>
         </p:nvGraphicFramePr>
         <p:xfrm>
-          <a:off x="1437106" y="3741038"/>
-          <a:ext cx="9715338" cy="2042921"/>
+          <a:off x="2037346" y="3435238"/>
+          <a:ext cx="9115097" cy="2042921"/>
         </p:xfrm>
         <a:graphic>
           <a:graphicData uri="http://schemas.openxmlformats.org/drawingml/2006/diagram">
@@ -16462,7 +16106,7 @@
         </p:nvGrpSpPr>
         <p:grpSpPr>
           <a:xfrm>
-            <a:off x="932448" y="4143663"/>
+            <a:off x="1485508" y="3678442"/>
             <a:ext cx="455863" cy="311242"/>
             <a:chOff x="7565808" y="393470"/>
             <a:chExt cx="443578" cy="311242"/>
@@ -17048,141 +16692,6 @@
           <p:cNvPr id="2" name="Título 1">
             <a:extLst>
               <a:ext uri="{FF2B5EF4-FFF2-40B4-BE49-F238E27FC236}">
-                <a16:creationId xmlns:a16="http://schemas.microsoft.com/office/drawing/2014/main" id="{3D88B63E-1A7A-4374-BF1D-E0E54B5138DA}"/>
-              </a:ext>
-            </a:extLst>
-          </p:cNvPr>
-          <p:cNvSpPr>
-            <a:spLocks noGrp="1"/>
-          </p:cNvSpPr>
-          <p:nvPr>
-            <p:ph type="title"/>
-          </p:nvPr>
-        </p:nvSpPr>
-        <p:spPr/>
-        <p:txBody>
-          <a:bodyPr/>
-          <a:lstStyle/>
-          <a:p>
-            <a:r>
-              <a:rPr lang="de-DE" dirty="0"/>
-              <a:t>Hintergrund und Kontext</a:t>
-            </a:r>
-            <a:br>
-              <a:rPr lang="de-DE" dirty="0"/>
-            </a:br>
-            <a:r>
-              <a:rPr lang="de-DE" sz="1600" i="1" dirty="0"/>
-              <a:t>Woher kommt die Fragestellung?</a:t>
-            </a:r>
-          </a:p>
-        </p:txBody>
-      </p:sp>
-      <p:sp>
-        <p:nvSpPr>
-          <p:cNvPr id="3" name="Marcador de contenido 2">
-            <a:extLst>
-              <a:ext uri="{FF2B5EF4-FFF2-40B4-BE49-F238E27FC236}">
-                <a16:creationId xmlns:a16="http://schemas.microsoft.com/office/drawing/2014/main" id="{A2FB1FAA-35E9-4983-8981-8D197F0BA3D8}"/>
-              </a:ext>
-            </a:extLst>
-          </p:cNvPr>
-          <p:cNvSpPr>
-            <a:spLocks noGrp="1"/>
-          </p:cNvSpPr>
-          <p:nvPr>
-            <p:ph idx="1"/>
-          </p:nvPr>
-        </p:nvSpPr>
-        <p:spPr/>
-        <p:txBody>
-          <a:bodyPr>
-            <a:normAutofit/>
-          </a:bodyPr>
-          <a:lstStyle/>
-          <a:p>
-            <a:pPr algn="l"/>
-            <a:r>
-              <a:rPr lang="de-DE" sz="1800" b="0" i="0" u="none" strike="noStrike" baseline="0" dirty="0">
-                <a:latin typeface="Arial" panose="020B0604020202020204" pitchFamily="34" charset="0"/>
-              </a:rPr>
-              <a:t>Warum wurde die Frage noch nicht (befriedigend) beantwortet?</a:t>
-            </a:r>
-          </a:p>
-          <a:p>
-            <a:pPr marL="457200" lvl="1" indent="0">
-              <a:buNone/>
-            </a:pPr>
-            <a:r>
-              <a:rPr lang="de-DE" sz="1600" i="1" dirty="0">
-                <a:latin typeface="Arial" panose="020B0604020202020204" pitchFamily="34" charset="0"/>
-              </a:rPr>
-              <a:t>Die manuelle Erzeugung und kontinuierliche Wartung des Benutzerhandbuchs ist mühselig und zeitintensiv. Daher von Entwickler-Team oftmals vernachlässig.</a:t>
-            </a:r>
-            <a:endParaRPr lang="de-DE" sz="1600" b="0" i="1" u="none" strike="noStrike" baseline="0" dirty="0">
-              <a:latin typeface="Arial" panose="020B0604020202020204" pitchFamily="34" charset="0"/>
-            </a:endParaRPr>
-          </a:p>
-          <a:p>
-            <a:pPr algn="l"/>
-            <a:r>
-              <a:rPr lang="de-DE" sz="1800" b="0" i="0" u="none" strike="noStrike" baseline="0" dirty="0">
-                <a:latin typeface="Arial" panose="020B0604020202020204" pitchFamily="34" charset="0"/>
-              </a:rPr>
-              <a:t>Warum ist das Thema wichtig?</a:t>
-            </a:r>
-          </a:p>
-          <a:p>
-            <a:pPr marL="457200" lvl="1" indent="0">
-              <a:buNone/>
-            </a:pPr>
-            <a:r>
-              <a:rPr lang="de-DE" sz="1600" i="1" dirty="0">
-                <a:latin typeface="Arial" panose="020B0604020202020204" pitchFamily="34" charset="0"/>
-              </a:rPr>
-              <a:t>Eine gute Endbenutzer-Dokumentation kann den Erfolg der Anwendung enorm. Es ist also essential für ein gutes Produktmanagement und Teil der Entwicklungsstrategie. (Gök et al, 2019)</a:t>
-            </a:r>
-            <a:endParaRPr lang="de-DE" sz="1600" b="0" i="1" u="none" strike="noStrike" baseline="0" dirty="0">
-              <a:latin typeface="Arial" panose="020B0604020202020204" pitchFamily="34" charset="0"/>
-            </a:endParaRPr>
-          </a:p>
-        </p:txBody>
-      </p:sp>
-    </p:spTree>
-    <p:extLst>
-      <p:ext uri="{BB962C8B-B14F-4D97-AF65-F5344CB8AC3E}">
-        <p14:creationId xmlns:p14="http://schemas.microsoft.com/office/powerpoint/2010/main" val="3219554489"/>
-      </p:ext>
-    </p:extLst>
-  </p:cSld>
-  <p:clrMapOvr>
-    <a:masterClrMapping/>
-  </p:clrMapOvr>
-</p:sld>
-</file>
-
-<file path=ppt/slides/slide5.xml><?xml version="1.0" encoding="utf-8"?>
-<p:sld xmlns:a="http://schemas.openxmlformats.org/drawingml/2006/main" xmlns:r="http://schemas.openxmlformats.org/officeDocument/2006/relationships" xmlns:p="http://schemas.openxmlformats.org/presentationml/2006/main">
-  <p:cSld>
-    <p:spTree>
-      <p:nvGrpSpPr>
-        <p:cNvPr id="1" name=""/>
-        <p:cNvGrpSpPr/>
-        <p:nvPr/>
-      </p:nvGrpSpPr>
-      <p:grpSpPr>
-        <a:xfrm>
-          <a:off x="0" y="0"/>
-          <a:ext cx="0" cy="0"/>
-          <a:chOff x="0" y="0"/>
-          <a:chExt cx="0" cy="0"/>
-        </a:xfrm>
-      </p:grpSpPr>
-      <p:sp>
-        <p:nvSpPr>
-          <p:cNvPr id="2" name="Título 1">
-            <a:extLst>
-              <a:ext uri="{FF2B5EF4-FFF2-40B4-BE49-F238E27FC236}">
                 <a16:creationId xmlns:a16="http://schemas.microsoft.com/office/drawing/2014/main" id="{70A5F274-7F2E-422D-81F6-8EE180F3913A}"/>
               </a:ext>
             </a:extLst>
@@ -17239,7 +16748,7 @@
                 <a:latin typeface="Arial" panose="020B0604020202020204" pitchFamily="34" charset="0"/>
                 <a:cs typeface="Arial" panose="020B0604020202020204" pitchFamily="34" charset="0"/>
               </a:rPr>
-              <a:t>Welche Fragen sollen beantwortet werden?</a:t>
+              <a:t>Die manuelle Erzeugung der Dokumentation ist mühselig</a:t>
             </a:r>
           </a:p>
           <a:p>
@@ -17251,7 +16760,7 @@
                 <a:latin typeface="Arial" panose="020B0604020202020204" pitchFamily="34" charset="0"/>
                 <a:cs typeface="Arial" panose="020B0604020202020204" pitchFamily="34" charset="0"/>
               </a:rPr>
-              <a:t>Ist es möglich die Erzeugung der Dokumentation bereits während der Entwicklung der Software durchzuführen? Und zwar automatisiert basierend auf dem bereits existierenden Quellcode?</a:t>
+              <a:t>Aktuell werden Nutzerdokumentationen manuell erstellt, indem Nutzersequenzen reproduziert und dabei zahlreich Screenshots aufgenommen werden.</a:t>
             </a:r>
           </a:p>
           <a:p>
@@ -17260,7 +16769,7 @@
                 <a:latin typeface="Arial" panose="020B0604020202020204" pitchFamily="34" charset="0"/>
                 <a:cs typeface="Arial" panose="020B0604020202020204" pitchFamily="34" charset="0"/>
               </a:rPr>
-              <a:t>Wie sind diese Fragen zu verstehen?</a:t>
+              <a:t>Software-Änderungen werden oft nicht in Dokumentation reflektiert</a:t>
             </a:r>
           </a:p>
           <a:p>
@@ -17272,7 +16781,7 @@
                 <a:latin typeface="Arial" panose="020B0604020202020204" pitchFamily="34" charset="0"/>
                 <a:cs typeface="Arial" panose="020B0604020202020204" pitchFamily="34" charset="0"/>
               </a:rPr>
-              <a:t>Viele Schritte bei der Erstellung einer Software können bereits automatisiert werden; z.B. neben dem automatischen Testen kann die automatische Erzeugung des User Manuels mit integriert werden.</a:t>
+              <a:t>Nach jedem Update der Webanwendung müssen betroffene Nutzersequenzen erneut durchgegangen werden und Screenshots aktualisiert werden. Bei komplexer Anwendungen ist die mit großem Aufwand bzw. Kosten verbunden.</a:t>
             </a:r>
           </a:p>
         </p:txBody>
@@ -17290,7 +16799,2463 @@
 </p:sld>
 </file>
 
+<file path=ppt/slides/slide5.xml><?xml version="1.0" encoding="utf-8"?>
+<p:sld xmlns:a="http://schemas.openxmlformats.org/drawingml/2006/main" xmlns:r="http://schemas.openxmlformats.org/officeDocument/2006/relationships" xmlns:p="http://schemas.openxmlformats.org/presentationml/2006/main">
+  <p:cSld>
+    <p:bg>
+      <p:bgPr>
+        <a:gradFill rotWithShape="1">
+          <a:gsLst>
+            <a:gs pos="0">
+              <a:schemeClr val="bg2">
+                <a:tint val="94000"/>
+                <a:satMod val="80000"/>
+                <a:lumMod val="106000"/>
+              </a:schemeClr>
+            </a:gs>
+            <a:gs pos="100000">
+              <a:schemeClr val="bg2">
+                <a:shade val="80000"/>
+              </a:schemeClr>
+            </a:gs>
+          </a:gsLst>
+          <a:path path="circle">
+            <a:fillToRect l="43000" r="43000" b="100000"/>
+          </a:path>
+        </a:gradFill>
+        <a:effectLst/>
+      </p:bgPr>
+    </p:bg>
+    <p:spTree>
+      <p:nvGrpSpPr>
+        <p:cNvPr id="1" name=""/>
+        <p:cNvGrpSpPr/>
+        <p:nvPr/>
+      </p:nvGrpSpPr>
+      <p:grpSpPr>
+        <a:xfrm>
+          <a:off x="0" y="0"/>
+          <a:ext cx="0" cy="0"/>
+          <a:chOff x="0" y="0"/>
+          <a:chExt cx="0" cy="0"/>
+        </a:xfrm>
+      </p:grpSpPr>
+      <p:sp useBgFill="1">
+        <p:nvSpPr>
+          <p:cNvPr id="9" name="Rectangle 8">
+            <a:extLst>
+              <a:ext uri="{FF2B5EF4-FFF2-40B4-BE49-F238E27FC236}">
+                <a16:creationId xmlns:a16="http://schemas.microsoft.com/office/drawing/2014/main" id="{4568A54B-9065-40B2-8753-8E0288E828A3}"/>
+              </a:ext>
+              <a:ext uri="{C183D7F6-B498-43B3-948B-1728B52AA6E4}">
+                <adec:decorative xmlns:adec="http://schemas.microsoft.com/office/drawing/2017/decorative" val="1"/>
+              </a:ext>
+            </a:extLst>
+          </p:cNvPr>
+          <p:cNvSpPr>
+            <a:spLocks noGrp="1" noRot="1" noChangeAspect="1" noMove="1" noResize="1" noEditPoints="1" noAdjustHandles="1" noChangeArrowheads="1" noChangeShapeType="1" noTextEdit="1"/>
+          </p:cNvSpPr>
+          <p:nvPr>
+            <p:extLst>
+              <p:ext uri="{386F3935-93C4-4BCD-93E2-E3B085C9AB24}">
+                <p16:designElem xmlns:p16="http://schemas.microsoft.com/office/powerpoint/2015/main" val="1"/>
+              </p:ext>
+            </p:extLst>
+          </p:nvPr>
+        </p:nvSpPr>
+        <p:spPr>
+          <a:xfrm>
+            <a:off x="2" y="0"/>
+            <a:ext cx="12191695" cy="6858000"/>
+          </a:xfrm>
+          <a:prstGeom prst="rect">
+            <a:avLst/>
+          </a:prstGeom>
+          <a:ln>
+            <a:noFill/>
+          </a:ln>
+        </p:spPr>
+        <p:style>
+          <a:lnRef idx="2">
+            <a:schemeClr val="accent1">
+              <a:shade val="50000"/>
+            </a:schemeClr>
+          </a:lnRef>
+          <a:fillRef idx="1">
+            <a:schemeClr val="accent1"/>
+          </a:fillRef>
+          <a:effectRef idx="0">
+            <a:schemeClr val="accent1"/>
+          </a:effectRef>
+          <a:fontRef idx="minor">
+            <a:schemeClr val="lt1"/>
+          </a:fontRef>
+        </p:style>
+        <p:txBody>
+          <a:bodyPr rtlCol="0" anchor="ctr"/>
+          <a:lstStyle/>
+          <a:p>
+            <a:pPr algn="ctr"/>
+            <a:endParaRPr lang="en-US"/>
+          </a:p>
+        </p:txBody>
+      </p:sp>
+      <p:sp>
+        <p:nvSpPr>
+          <p:cNvPr id="2" name="Título 1">
+            <a:extLst>
+              <a:ext uri="{FF2B5EF4-FFF2-40B4-BE49-F238E27FC236}">
+                <a16:creationId xmlns:a16="http://schemas.microsoft.com/office/drawing/2014/main" id="{1F2FDEF7-F948-41F6-B0C4-37650AF71AE3}"/>
+              </a:ext>
+            </a:extLst>
+          </p:cNvPr>
+          <p:cNvSpPr>
+            <a:spLocks noGrp="1"/>
+          </p:cNvSpPr>
+          <p:nvPr>
+            <p:ph type="title"/>
+          </p:nvPr>
+        </p:nvSpPr>
+        <p:spPr>
+          <a:xfrm>
+            <a:off x="1534781" y="804520"/>
+            <a:ext cx="4093310" cy="1049235"/>
+          </a:xfrm>
+        </p:spPr>
+        <p:txBody>
+          <a:bodyPr>
+            <a:normAutofit/>
+          </a:bodyPr>
+          <a:lstStyle/>
+          <a:p>
+            <a:r>
+              <a:rPr lang="de-DE" sz="2200"/>
+              <a:t>Stand der Forschung</a:t>
+            </a:r>
+            <a:br>
+              <a:rPr lang="de-DE" sz="2200"/>
+            </a:br>
+            <a:r>
+              <a:rPr lang="de-DE" sz="2200" i="1"/>
+              <a:t>Was ist der aktuelle Stand der Forschung zum Thema?</a:t>
+            </a:r>
+          </a:p>
+        </p:txBody>
+      </p:sp>
+      <p:cxnSp>
+        <p:nvCxnSpPr>
+          <p:cNvPr id="11" name="Straight Connector 10">
+            <a:extLst>
+              <a:ext uri="{FF2B5EF4-FFF2-40B4-BE49-F238E27FC236}">
+                <a16:creationId xmlns:a16="http://schemas.microsoft.com/office/drawing/2014/main" id="{515F3B72-790F-4B1A-90DE-5EC31C829B9E}"/>
+              </a:ext>
+              <a:ext uri="{C183D7F6-B498-43B3-948B-1728B52AA6E4}">
+                <adec:decorative xmlns:adec="http://schemas.microsoft.com/office/drawing/2017/decorative" val="1"/>
+              </a:ext>
+            </a:extLst>
+          </p:cNvPr>
+          <p:cNvCxnSpPr>
+            <a:cxnSpLocks noGrp="1" noRot="1" noChangeAspect="1" noMove="1" noResize="1" noEditPoints="1" noAdjustHandles="1" noChangeArrowheads="1" noChangeShapeType="1"/>
+          </p:cNvCxnSpPr>
+          <p:nvPr>
+            <p:extLst>
+              <p:ext uri="{386F3935-93C4-4BCD-93E2-E3B085C9AB24}">
+                <p16:designElem xmlns:p16="http://schemas.microsoft.com/office/powerpoint/2015/main" val="1"/>
+              </p:ext>
+            </p:extLst>
+          </p:nvPr>
+        </p:nvCxnSpPr>
+        <p:spPr>
+          <a:xfrm>
+            <a:off x="1371687" y="798973"/>
+            <a:ext cx="0" cy="1067168"/>
+          </a:xfrm>
+          <a:prstGeom prst="line">
+            <a:avLst/>
+          </a:prstGeom>
+          <a:ln w="38100" cmpd="sng">
+            <a:solidFill>
+              <a:schemeClr val="accent1"/>
+            </a:solidFill>
+            <a:prstDash val="solid"/>
+            <a:tailEnd type="none"/>
+          </a:ln>
+        </p:spPr>
+        <p:style>
+          <a:lnRef idx="3">
+            <a:schemeClr val="accent1"/>
+          </a:lnRef>
+          <a:fillRef idx="0">
+            <a:schemeClr val="accent1"/>
+          </a:fillRef>
+          <a:effectRef idx="2">
+            <a:schemeClr val="accent1"/>
+          </a:effectRef>
+          <a:fontRef idx="minor">
+            <a:schemeClr val="tx1"/>
+          </a:fontRef>
+        </p:style>
+      </p:cxnSp>
+      <p:sp>
+        <p:nvSpPr>
+          <p:cNvPr id="13" name="Rectangle 12">
+            <a:extLst>
+              <a:ext uri="{FF2B5EF4-FFF2-40B4-BE49-F238E27FC236}">
+                <a16:creationId xmlns:a16="http://schemas.microsoft.com/office/drawing/2014/main" id="{A2BED43D-FF5E-4233-9D4F-A509B56034A5}"/>
+              </a:ext>
+              <a:ext uri="{C183D7F6-B498-43B3-948B-1728B52AA6E4}">
+                <adec:decorative xmlns:adec="http://schemas.microsoft.com/office/drawing/2017/decorative" val="1"/>
+              </a:ext>
+            </a:extLst>
+          </p:cNvPr>
+          <p:cNvSpPr>
+            <a:spLocks noGrp="1" noRot="1" noChangeAspect="1" noMove="1" noResize="1" noEditPoints="1" noAdjustHandles="1" noChangeArrowheads="1" noChangeShapeType="1" noTextEdit="1"/>
+          </p:cNvSpPr>
+          <p:nvPr>
+            <p:extLst>
+              <p:ext uri="{386F3935-93C4-4BCD-93E2-E3B085C9AB24}">
+                <p16:designElem xmlns:p16="http://schemas.microsoft.com/office/powerpoint/2015/main" val="1"/>
+              </p:ext>
+            </p:extLst>
+          </p:nvPr>
+        </p:nvSpPr>
+        <p:spPr>
+          <a:xfrm>
+            <a:off x="0" y="2015732"/>
+            <a:ext cx="12192000" cy="4118829"/>
+          </a:xfrm>
+          <a:prstGeom prst="rect">
+            <a:avLst/>
+          </a:prstGeom>
+          <a:gradFill flip="none" rotWithShape="1">
+            <a:gsLst>
+              <a:gs pos="0">
+                <a:schemeClr val="bg2">
+                  <a:alpha val="0"/>
+                </a:schemeClr>
+              </a:gs>
+              <a:gs pos="100000">
+                <a:schemeClr val="bg2"/>
+              </a:gs>
+            </a:gsLst>
+            <a:lin ang="5400000" scaled="0"/>
+            <a:tileRect/>
+          </a:gradFill>
+          <a:ln>
+            <a:noFill/>
+          </a:ln>
+        </p:spPr>
+        <p:style>
+          <a:lnRef idx="2">
+            <a:schemeClr val="accent1">
+              <a:shade val="50000"/>
+            </a:schemeClr>
+          </a:lnRef>
+          <a:fillRef idx="1">
+            <a:schemeClr val="accent1"/>
+          </a:fillRef>
+          <a:effectRef idx="0">
+            <a:schemeClr val="accent1"/>
+          </a:effectRef>
+          <a:fontRef idx="minor">
+            <a:schemeClr val="lt1"/>
+          </a:fontRef>
+        </p:style>
+        <p:txBody>
+          <a:bodyPr rtlCol="0" anchor="ctr"/>
+          <a:lstStyle/>
+          <a:p>
+            <a:pPr lvl="0" algn="ctr"/>
+            <a:endParaRPr lang="en-US"/>
+          </a:p>
+        </p:txBody>
+      </p:sp>
+      <p:sp>
+        <p:nvSpPr>
+          <p:cNvPr id="3" name="Marcador de contenido 2">
+            <a:extLst>
+              <a:ext uri="{FF2B5EF4-FFF2-40B4-BE49-F238E27FC236}">
+                <a16:creationId xmlns:a16="http://schemas.microsoft.com/office/drawing/2014/main" id="{A2D9FE3C-824A-429A-A6A4-399EA8991228}"/>
+              </a:ext>
+            </a:extLst>
+          </p:cNvPr>
+          <p:cNvSpPr>
+            <a:spLocks noGrp="1"/>
+          </p:cNvSpPr>
+          <p:nvPr>
+            <p:ph idx="1"/>
+          </p:nvPr>
+        </p:nvSpPr>
+        <p:spPr>
+          <a:xfrm>
+            <a:off x="1534695" y="2015732"/>
+            <a:ext cx="4089097" cy="3450613"/>
+          </a:xfrm>
+        </p:spPr>
+        <p:txBody>
+          <a:bodyPr>
+            <a:normAutofit/>
+          </a:bodyPr>
+          <a:lstStyle/>
+          <a:p>
+            <a:pPr>
+              <a:lnSpc>
+                <a:spcPct val="110000"/>
+              </a:lnSpc>
+            </a:pPr>
+            <a:r>
+              <a:rPr lang="de-DE" sz="1700" b="0" i="0" u="none" strike="noStrike" baseline="0">
+                <a:latin typeface="Arial" panose="020B0604020202020204" pitchFamily="34" charset="0"/>
+              </a:rPr>
+              <a:t>Wer hat welche Voraussetzungen geschaffen?</a:t>
+            </a:r>
+          </a:p>
+          <a:p>
+            <a:pPr marL="457200" lvl="1" indent="0">
+              <a:lnSpc>
+                <a:spcPct val="110000"/>
+              </a:lnSpc>
+              <a:buNone/>
+            </a:pPr>
+            <a:r>
+              <a:rPr lang="de-DE" sz="1700" b="0" i="0" u="none" strike="noStrike" baseline="0" err="1">
+                <a:latin typeface="Arial" panose="020B0604020202020204" pitchFamily="34" charset="0"/>
+              </a:rPr>
+              <a:t>Eclipse-based</a:t>
+            </a:r>
+            <a:r>
+              <a:rPr lang="de-DE" sz="1700" b="0" i="0" u="none" strike="noStrike" baseline="0">
+                <a:latin typeface="Arial" panose="020B0604020202020204" pitchFamily="34" charset="0"/>
+              </a:rPr>
+              <a:t> Rich Client </a:t>
+            </a:r>
+            <a:r>
+              <a:rPr lang="de-DE" sz="1700" b="0" i="0" u="none" strike="noStrike" baseline="0" err="1">
+                <a:latin typeface="Arial" panose="020B0604020202020204" pitchFamily="34" charset="0"/>
+              </a:rPr>
+              <a:t>Platform</a:t>
+            </a:r>
+            <a:r>
+              <a:rPr lang="de-DE" sz="1700" b="0" i="0" u="none" strike="noStrike" baseline="0">
+                <a:latin typeface="Arial" panose="020B0604020202020204" pitchFamily="34" charset="0"/>
+              </a:rPr>
+              <a:t> mit dem Fokus auf Applikationsmodelentwicklung</a:t>
+            </a:r>
+          </a:p>
+          <a:p>
+            <a:pPr>
+              <a:lnSpc>
+                <a:spcPct val="110000"/>
+              </a:lnSpc>
+            </a:pPr>
+            <a:r>
+              <a:rPr lang="de-DE" sz="1700" b="0" i="0" u="none" strike="noStrike" baseline="0">
+                <a:latin typeface="Arial" panose="020B0604020202020204" pitchFamily="34" charset="0"/>
+              </a:rPr>
+              <a:t>Welche vergleichbaren Ergebnisse gibt es bisher?</a:t>
+            </a:r>
+          </a:p>
+          <a:p>
+            <a:pPr marL="457200" lvl="1" indent="0">
+              <a:lnSpc>
+                <a:spcPct val="110000"/>
+              </a:lnSpc>
+              <a:buNone/>
+            </a:pPr>
+            <a:r>
+              <a:rPr lang="de-DE" sz="1700" err="1">
+                <a:latin typeface="Arial" panose="020B0604020202020204" pitchFamily="34" charset="0"/>
+              </a:rPr>
+              <a:t>GuideAutomator</a:t>
+            </a:r>
+            <a:r>
+              <a:rPr lang="de-DE" sz="1700">
+                <a:latin typeface="Arial" panose="020B0604020202020204" pitchFamily="34" charset="0"/>
+              </a:rPr>
+              <a:t> (Souza, Oliveira, 2017),</a:t>
+            </a:r>
+            <a:r>
+              <a:rPr lang="de-DE" sz="1700" b="0" i="0" u="none" strike="noStrike" baseline="0">
+                <a:latin typeface="Arial" panose="020B0604020202020204" pitchFamily="34" charset="0"/>
+              </a:rPr>
+              <a:t> </a:t>
+            </a:r>
+            <a:r>
+              <a:rPr lang="de-DE" sz="1700" b="0" i="0" u="none" strike="noStrike" baseline="0" err="1">
+                <a:latin typeface="Arial" panose="020B0604020202020204" pitchFamily="34" charset="0"/>
+              </a:rPr>
+              <a:t>Écrit</a:t>
+            </a:r>
+            <a:r>
+              <a:rPr lang="de-DE" sz="1700" b="0" i="0" u="none" strike="noStrike" baseline="0">
+                <a:latin typeface="Arial" panose="020B0604020202020204" pitchFamily="34" charset="0"/>
+              </a:rPr>
+              <a:t> </a:t>
+            </a:r>
+            <a:r>
+              <a:rPr lang="de-DE" sz="1700" err="1">
+                <a:latin typeface="Arial" panose="020B0604020202020204" pitchFamily="34" charset="0"/>
+              </a:rPr>
+              <a:t>toolkit</a:t>
+            </a:r>
+            <a:r>
+              <a:rPr lang="de-DE" sz="1700">
+                <a:latin typeface="Arial" panose="020B0604020202020204" pitchFamily="34" charset="0"/>
+              </a:rPr>
+              <a:t> (Descher et al., 2014)</a:t>
+            </a:r>
+            <a:endParaRPr lang="de-DE" sz="1700" b="0" i="0" u="none" strike="noStrike" baseline="0">
+              <a:latin typeface="Arial" panose="020B0604020202020204" pitchFamily="34" charset="0"/>
+            </a:endParaRPr>
+          </a:p>
+        </p:txBody>
+      </p:sp>
+      <p:pic>
+        <p:nvPicPr>
+          <p:cNvPr id="4" name="Marcador de contenido 4" descr="Interfaz de usuario gráfica, Aplicación&#10;&#10;Descripción generada automáticamente">
+            <a:extLst>
+              <a:ext uri="{FF2B5EF4-FFF2-40B4-BE49-F238E27FC236}">
+                <a16:creationId xmlns:a16="http://schemas.microsoft.com/office/drawing/2014/main" id="{92207C9A-7859-41B0-816F-33E86090A27B}"/>
+              </a:ext>
+            </a:extLst>
+          </p:cNvPr>
+          <p:cNvPicPr>
+            <a:picLocks noChangeAspect="1"/>
+          </p:cNvPicPr>
+          <p:nvPr/>
+        </p:nvPicPr>
+        <p:blipFill>
+          <a:blip r:embed="rId2"/>
+          <a:stretch>
+            <a:fillRect/>
+          </a:stretch>
+        </p:blipFill>
+        <p:spPr>
+          <a:xfrm>
+            <a:off x="6094410" y="1404135"/>
+            <a:ext cx="4960442" cy="3720331"/>
+          </a:xfrm>
+          <a:prstGeom prst="rect">
+            <a:avLst/>
+          </a:prstGeom>
+        </p:spPr>
+      </p:pic>
+      <p:pic>
+        <p:nvPicPr>
+          <p:cNvPr id="15" name="Picture 14">
+            <a:extLst>
+              <a:ext uri="{FF2B5EF4-FFF2-40B4-BE49-F238E27FC236}">
+                <a16:creationId xmlns:a16="http://schemas.microsoft.com/office/drawing/2014/main" id="{051D0F8B-A6FE-4009-88A1-49ABE7CEF2AC}"/>
+              </a:ext>
+              <a:ext uri="{C183D7F6-B498-43B3-948B-1728B52AA6E4}">
+                <adec:decorative xmlns:adec="http://schemas.microsoft.com/office/drawing/2017/decorative" val="1"/>
+              </a:ext>
+            </a:extLst>
+          </p:cNvPr>
+          <p:cNvPicPr>
+            <a:picLocks noGrp="1" noRot="1" noChangeAspect="1" noMove="1" noResize="1" noEditPoints="1" noAdjustHandles="1" noChangeArrowheads="1" noChangeShapeType="1" noCrop="1"/>
+          </p:cNvPicPr>
+          <p:nvPr>
+            <p:extLst>
+              <p:ext uri="{386F3935-93C4-4BCD-93E2-E3B085C9AB24}">
+                <p16:designElem xmlns:p16="http://schemas.microsoft.com/office/powerpoint/2015/main" val="1"/>
+              </p:ext>
+            </p:extLst>
+          </p:nvPr>
+        </p:nvPicPr>
+        <p:blipFill rotWithShape="1">
+          <a:blip r:embed="rId3"/>
+          <a:srcRect t="2769" b="-2769"/>
+          <a:stretch/>
+        </p:blipFill>
+        <p:spPr>
+          <a:xfrm>
+            <a:off x="0" y="6135624"/>
+            <a:ext cx="12192000" cy="742950"/>
+          </a:xfrm>
+          <a:prstGeom prst="rect">
+            <a:avLst/>
+          </a:prstGeom>
+        </p:spPr>
+      </p:pic>
+      <p:cxnSp>
+        <p:nvCxnSpPr>
+          <p:cNvPr id="17" name="Straight Connector 16">
+            <a:extLst>
+              <a:ext uri="{FF2B5EF4-FFF2-40B4-BE49-F238E27FC236}">
+                <a16:creationId xmlns:a16="http://schemas.microsoft.com/office/drawing/2014/main" id="{4C5057B3-E936-43A2-9EEE-514EF0434FE2}"/>
+              </a:ext>
+              <a:ext uri="{C183D7F6-B498-43B3-948B-1728B52AA6E4}">
+                <adec:decorative xmlns:adec="http://schemas.microsoft.com/office/drawing/2017/decorative" val="1"/>
+              </a:ext>
+            </a:extLst>
+          </p:cNvPr>
+          <p:cNvCxnSpPr>
+            <a:cxnSpLocks noGrp="1" noRot="1" noChangeAspect="1" noMove="1" noResize="1" noEditPoints="1" noAdjustHandles="1" noChangeArrowheads="1" noChangeShapeType="1"/>
+          </p:cNvCxnSpPr>
+          <p:nvPr>
+            <p:extLst>
+              <p:ext uri="{386F3935-93C4-4BCD-93E2-E3B085C9AB24}">
+                <p16:designElem xmlns:p16="http://schemas.microsoft.com/office/powerpoint/2015/main" val="1"/>
+              </p:ext>
+            </p:extLst>
+          </p:nvPr>
+        </p:nvCxnSpPr>
+        <p:spPr>
+          <a:xfrm>
+            <a:off x="0" y="6141705"/>
+            <a:ext cx="12192000" cy="0"/>
+          </a:xfrm>
+          <a:prstGeom prst="line">
+            <a:avLst/>
+          </a:prstGeom>
+          <a:ln w="12700">
+            <a:solidFill>
+              <a:srgbClr val="000001">
+                <a:alpha val="20000"/>
+              </a:srgbClr>
+            </a:solidFill>
+          </a:ln>
+        </p:spPr>
+        <p:style>
+          <a:lnRef idx="1">
+            <a:schemeClr val="accent1"/>
+          </a:lnRef>
+          <a:fillRef idx="0">
+            <a:schemeClr val="accent1"/>
+          </a:fillRef>
+          <a:effectRef idx="0">
+            <a:schemeClr val="accent1"/>
+          </a:effectRef>
+          <a:fontRef idx="minor">
+            <a:schemeClr val="tx1"/>
+          </a:fontRef>
+        </p:style>
+      </p:cxnSp>
+      <p:sp>
+        <p:nvSpPr>
+          <p:cNvPr id="10" name="Content Placeholder 8">
+            <a:extLst>
+              <a:ext uri="{FF2B5EF4-FFF2-40B4-BE49-F238E27FC236}">
+                <a16:creationId xmlns:a16="http://schemas.microsoft.com/office/drawing/2014/main" id="{A8ED610B-3950-4C87-A751-F9653F8945FF}"/>
+              </a:ext>
+            </a:extLst>
+          </p:cNvPr>
+          <p:cNvSpPr txBox="1">
+            <a:spLocks/>
+          </p:cNvSpPr>
+          <p:nvPr/>
+        </p:nvSpPr>
+        <p:spPr>
+          <a:xfrm>
+            <a:off x="6094409" y="5301916"/>
+            <a:ext cx="4960443" cy="371342"/>
+          </a:xfrm>
+          <a:prstGeom prst="rect">
+            <a:avLst/>
+          </a:prstGeom>
+        </p:spPr>
+        <p:txBody>
+          <a:bodyPr vert="horz" lIns="91440" tIns="45720" rIns="91440" bIns="45720" rtlCol="0" anchor="t">
+            <a:normAutofit fontScale="70000" lnSpcReduction="20000"/>
+          </a:bodyPr>
+          <a:lstStyle>
+            <a:lvl1pPr marL="228600" indent="-228600" algn="l" defTabSz="914400" rtl="0" eaLnBrk="1" latinLnBrk="0" hangingPunct="1">
+              <a:lnSpc>
+                <a:spcPct val="120000"/>
+              </a:lnSpc>
+              <a:spcBef>
+                <a:spcPts val="1000"/>
+              </a:spcBef>
+              <a:buClr>
+                <a:schemeClr val="accent1"/>
+              </a:buClr>
+              <a:buSzPct val="100000"/>
+              <a:buFont typeface="Arial" panose="020B0604020202020204" pitchFamily="34" charset="0"/>
+              <a:buChar char="•"/>
+              <a:defRPr sz="2000" kern="1200">
+                <a:solidFill>
+                  <a:schemeClr val="tx1"/>
+                </a:solidFill>
+                <a:effectLst/>
+                <a:latin typeface="+mn-lt"/>
+                <a:ea typeface="+mn-ea"/>
+                <a:cs typeface="+mn-cs"/>
+              </a:defRPr>
+            </a:lvl1pPr>
+            <a:lvl2pPr marL="685800" indent="-228600" algn="l" defTabSz="914400" rtl="0" eaLnBrk="1" latinLnBrk="0" hangingPunct="1">
+              <a:lnSpc>
+                <a:spcPct val="120000"/>
+              </a:lnSpc>
+              <a:spcBef>
+                <a:spcPts val="500"/>
+              </a:spcBef>
+              <a:buClr>
+                <a:schemeClr val="accent1"/>
+              </a:buClr>
+              <a:buSzPct val="100000"/>
+              <a:buFont typeface="Arial" panose="020B0604020202020204" pitchFamily="34" charset="0"/>
+              <a:buChar char="•"/>
+              <a:defRPr sz="1800" kern="1200" cap="none" baseline="0">
+                <a:solidFill>
+                  <a:schemeClr val="tx1"/>
+                </a:solidFill>
+                <a:effectLst/>
+                <a:latin typeface="+mn-lt"/>
+                <a:ea typeface="+mn-ea"/>
+                <a:cs typeface="+mn-cs"/>
+              </a:defRPr>
+            </a:lvl2pPr>
+            <a:lvl3pPr marL="1143000" indent="-228600" algn="l" defTabSz="914400" rtl="0" eaLnBrk="1" latinLnBrk="0" hangingPunct="1">
+              <a:lnSpc>
+                <a:spcPct val="120000"/>
+              </a:lnSpc>
+              <a:spcBef>
+                <a:spcPts val="500"/>
+              </a:spcBef>
+              <a:buClr>
+                <a:schemeClr val="accent1"/>
+              </a:buClr>
+              <a:buSzPct val="100000"/>
+              <a:buFont typeface="Arial" panose="020B0604020202020204" pitchFamily="34" charset="0"/>
+              <a:buChar char="•"/>
+              <a:defRPr sz="1600" kern="1200">
+                <a:solidFill>
+                  <a:schemeClr val="tx1"/>
+                </a:solidFill>
+                <a:effectLst/>
+                <a:latin typeface="+mn-lt"/>
+                <a:ea typeface="+mn-ea"/>
+                <a:cs typeface="+mn-cs"/>
+              </a:defRPr>
+            </a:lvl3pPr>
+            <a:lvl4pPr marL="1600200" indent="-228600" algn="l" defTabSz="914400" rtl="0" eaLnBrk="1" latinLnBrk="0" hangingPunct="1">
+              <a:lnSpc>
+                <a:spcPct val="120000"/>
+              </a:lnSpc>
+              <a:spcBef>
+                <a:spcPts val="500"/>
+              </a:spcBef>
+              <a:buClr>
+                <a:schemeClr val="accent1"/>
+              </a:buClr>
+              <a:buSzPct val="100000"/>
+              <a:buFont typeface="Arial" panose="020B0604020202020204" pitchFamily="34" charset="0"/>
+              <a:buChar char="•"/>
+              <a:defRPr sz="1400" kern="1200" cap="none" baseline="0">
+                <a:solidFill>
+                  <a:schemeClr val="tx1"/>
+                </a:solidFill>
+                <a:effectLst/>
+                <a:latin typeface="+mn-lt"/>
+                <a:ea typeface="+mn-ea"/>
+                <a:cs typeface="+mn-cs"/>
+              </a:defRPr>
+            </a:lvl4pPr>
+            <a:lvl5pPr marL="2057400" indent="-228600" algn="l" defTabSz="914400" rtl="0" eaLnBrk="1" latinLnBrk="0" hangingPunct="1">
+              <a:lnSpc>
+                <a:spcPct val="120000"/>
+              </a:lnSpc>
+              <a:spcBef>
+                <a:spcPts val="500"/>
+              </a:spcBef>
+              <a:buClr>
+                <a:schemeClr val="accent1"/>
+              </a:buClr>
+              <a:buSzPct val="100000"/>
+              <a:buFont typeface="Arial" panose="020B0604020202020204" pitchFamily="34" charset="0"/>
+              <a:buChar char="•"/>
+              <a:defRPr sz="1200" kern="1200">
+                <a:solidFill>
+                  <a:schemeClr val="tx1"/>
+                </a:solidFill>
+                <a:effectLst/>
+                <a:latin typeface="+mn-lt"/>
+                <a:ea typeface="+mn-ea"/>
+                <a:cs typeface="+mn-cs"/>
+              </a:defRPr>
+            </a:lvl5pPr>
+            <a:lvl6pPr marL="2514600" indent="-228600" algn="l" defTabSz="914400" rtl="0" eaLnBrk="1" latinLnBrk="0" hangingPunct="1">
+              <a:lnSpc>
+                <a:spcPct val="120000"/>
+              </a:lnSpc>
+              <a:spcBef>
+                <a:spcPts val="500"/>
+              </a:spcBef>
+              <a:buClr>
+                <a:schemeClr val="accent1"/>
+              </a:buClr>
+              <a:buSzPct val="100000"/>
+              <a:buFont typeface="Arial" panose="020B0604020202020204" pitchFamily="34" charset="0"/>
+              <a:buChar char="•"/>
+              <a:defRPr sz="1200" kern="1200">
+                <a:solidFill>
+                  <a:schemeClr val="tx1"/>
+                </a:solidFill>
+                <a:effectLst/>
+                <a:latin typeface="+mn-lt"/>
+                <a:ea typeface="+mn-ea"/>
+                <a:cs typeface="+mn-cs"/>
+              </a:defRPr>
+            </a:lvl6pPr>
+            <a:lvl7pPr marL="2971800" indent="-228600" algn="l" defTabSz="914400" rtl="0" eaLnBrk="1" latinLnBrk="0" hangingPunct="1">
+              <a:lnSpc>
+                <a:spcPct val="120000"/>
+              </a:lnSpc>
+              <a:spcBef>
+                <a:spcPts val="500"/>
+              </a:spcBef>
+              <a:buClr>
+                <a:schemeClr val="accent1"/>
+              </a:buClr>
+              <a:buSzPct val="100000"/>
+              <a:buFont typeface="Arial" panose="020B0604020202020204" pitchFamily="34" charset="0"/>
+              <a:buChar char="•"/>
+              <a:defRPr sz="1200" kern="1200">
+                <a:solidFill>
+                  <a:schemeClr val="tx1"/>
+                </a:solidFill>
+                <a:effectLst/>
+                <a:latin typeface="+mn-lt"/>
+                <a:ea typeface="+mn-ea"/>
+                <a:cs typeface="+mn-cs"/>
+              </a:defRPr>
+            </a:lvl7pPr>
+            <a:lvl8pPr marL="3429000" indent="-228600" algn="l" defTabSz="914400" rtl="0" eaLnBrk="1" latinLnBrk="0" hangingPunct="1">
+              <a:lnSpc>
+                <a:spcPct val="120000"/>
+              </a:lnSpc>
+              <a:spcBef>
+                <a:spcPts val="500"/>
+              </a:spcBef>
+              <a:buClr>
+                <a:schemeClr val="accent1"/>
+              </a:buClr>
+              <a:buSzPct val="100000"/>
+              <a:buFont typeface="Arial" panose="020B0604020202020204" pitchFamily="34" charset="0"/>
+              <a:buChar char="•"/>
+              <a:defRPr sz="1200" kern="1200" baseline="0">
+                <a:solidFill>
+                  <a:schemeClr val="tx1"/>
+                </a:solidFill>
+                <a:effectLst/>
+                <a:latin typeface="+mn-lt"/>
+                <a:ea typeface="+mn-ea"/>
+                <a:cs typeface="+mn-cs"/>
+              </a:defRPr>
+            </a:lvl8pPr>
+            <a:lvl9pPr marL="3886200" indent="-228600" algn="l" defTabSz="914400" rtl="0" eaLnBrk="1" latinLnBrk="0" hangingPunct="1">
+              <a:lnSpc>
+                <a:spcPct val="120000"/>
+              </a:lnSpc>
+              <a:spcBef>
+                <a:spcPts val="500"/>
+              </a:spcBef>
+              <a:buClr>
+                <a:schemeClr val="accent1"/>
+              </a:buClr>
+              <a:buSzPct val="100000"/>
+              <a:buFont typeface="Arial" panose="020B0604020202020204" pitchFamily="34" charset="0"/>
+              <a:buChar char="•"/>
+              <a:defRPr sz="1200" kern="1200" baseline="0">
+                <a:solidFill>
+                  <a:schemeClr val="tx1"/>
+                </a:solidFill>
+                <a:effectLst/>
+                <a:latin typeface="+mn-lt"/>
+                <a:ea typeface="+mn-ea"/>
+                <a:cs typeface="+mn-cs"/>
+              </a:defRPr>
+            </a:lvl9pPr>
+          </a:lstStyle>
+          <a:p>
+            <a:pPr marL="0" indent="0">
+              <a:buFont typeface="Arial" panose="020B0604020202020204" pitchFamily="34" charset="0"/>
+              <a:buNone/>
+            </a:pPr>
+            <a:r>
+              <a:rPr lang="en-US" dirty="0"/>
+              <a:t>https://www.eclipse.org/community/images/skyway.jpg</a:t>
+            </a:r>
+          </a:p>
+        </p:txBody>
+      </p:sp>
+      <p:sp>
+        <p:nvSpPr>
+          <p:cNvPr id="5" name="CuadroTexto 4">
+            <a:extLst>
+              <a:ext uri="{FF2B5EF4-FFF2-40B4-BE49-F238E27FC236}">
+                <a16:creationId xmlns:a16="http://schemas.microsoft.com/office/drawing/2014/main" id="{7D310F11-EE8E-4818-BE5B-69A87D77CDB7}"/>
+              </a:ext>
+            </a:extLst>
+          </p:cNvPr>
+          <p:cNvSpPr txBox="1"/>
+          <p:nvPr/>
+        </p:nvSpPr>
+        <p:spPr>
+          <a:xfrm>
+            <a:off x="6094409" y="1007633"/>
+            <a:ext cx="5008230" cy="307777"/>
+          </a:xfrm>
+          <a:prstGeom prst="rect">
+            <a:avLst/>
+          </a:prstGeom>
+          <a:noFill/>
+        </p:spPr>
+        <p:txBody>
+          <a:bodyPr wrap="none" rtlCol="0">
+            <a:spAutoFit/>
+          </a:bodyPr>
+          <a:lstStyle/>
+          <a:p>
+            <a:r>
+              <a:rPr lang="de-DE" sz="1400" dirty="0" err="1"/>
+              <a:t>Skyway</a:t>
+            </a:r>
+            <a:r>
+              <a:rPr lang="de-DE" sz="1400" dirty="0"/>
+              <a:t> </a:t>
+            </a:r>
+            <a:r>
+              <a:rPr lang="de-DE" sz="1400" dirty="0" err="1"/>
+              <a:t>Builder</a:t>
+            </a:r>
+            <a:r>
+              <a:rPr lang="de-DE" sz="1400" dirty="0"/>
+              <a:t> CE – </a:t>
+            </a:r>
+            <a:r>
+              <a:rPr lang="de-DE" sz="1400" dirty="0" err="1"/>
+              <a:t>Eclipse</a:t>
+            </a:r>
+            <a:r>
+              <a:rPr lang="de-DE" sz="1400" dirty="0"/>
+              <a:t> basierte Entwicklung von RIAs </a:t>
+            </a:r>
+          </a:p>
+        </p:txBody>
+      </p:sp>
+    </p:spTree>
+    <p:extLst>
+      <p:ext uri="{BB962C8B-B14F-4D97-AF65-F5344CB8AC3E}">
+        <p14:creationId xmlns:p14="http://schemas.microsoft.com/office/powerpoint/2010/main" val="155937387"/>
+      </p:ext>
+    </p:extLst>
+  </p:cSld>
+  <p:clrMapOvr>
+    <a:masterClrMapping/>
+  </p:clrMapOvr>
+</p:sld>
+</file>
+
 <file path=ppt/slides/slide6.xml><?xml version="1.0" encoding="utf-8"?>
+<p:sld xmlns:a="http://schemas.openxmlformats.org/drawingml/2006/main" xmlns:r="http://schemas.openxmlformats.org/officeDocument/2006/relationships" xmlns:p="http://schemas.openxmlformats.org/presentationml/2006/main">
+  <p:cSld>
+    <p:bg>
+      <p:bgPr>
+        <a:gradFill rotWithShape="1">
+          <a:gsLst>
+            <a:gs pos="0">
+              <a:schemeClr val="bg2">
+                <a:tint val="94000"/>
+                <a:satMod val="80000"/>
+                <a:lumMod val="106000"/>
+              </a:schemeClr>
+            </a:gs>
+            <a:gs pos="100000">
+              <a:schemeClr val="bg2">
+                <a:shade val="80000"/>
+              </a:schemeClr>
+            </a:gs>
+          </a:gsLst>
+          <a:path path="circle">
+            <a:fillToRect l="43000" r="43000" b="100000"/>
+          </a:path>
+        </a:gradFill>
+        <a:effectLst/>
+      </p:bgPr>
+    </p:bg>
+    <p:spTree>
+      <p:nvGrpSpPr>
+        <p:cNvPr id="1" name=""/>
+        <p:cNvGrpSpPr/>
+        <p:nvPr/>
+      </p:nvGrpSpPr>
+      <p:grpSpPr>
+        <a:xfrm>
+          <a:off x="0" y="0"/>
+          <a:ext cx="0" cy="0"/>
+          <a:chOff x="0" y="0"/>
+          <a:chExt cx="0" cy="0"/>
+        </a:xfrm>
+      </p:grpSpPr>
+      <p:sp useBgFill="1">
+        <p:nvSpPr>
+          <p:cNvPr id="12" name="Rectangle 11">
+            <a:extLst>
+              <a:ext uri="{FF2B5EF4-FFF2-40B4-BE49-F238E27FC236}">
+                <a16:creationId xmlns:a16="http://schemas.microsoft.com/office/drawing/2014/main" id="{4568A54B-9065-40B2-8753-8E0288E828A3}"/>
+              </a:ext>
+              <a:ext uri="{C183D7F6-B498-43B3-948B-1728B52AA6E4}">
+                <adec:decorative xmlns:adec="http://schemas.microsoft.com/office/drawing/2017/decorative" val="1"/>
+              </a:ext>
+            </a:extLst>
+          </p:cNvPr>
+          <p:cNvSpPr>
+            <a:spLocks noGrp="1" noRot="1" noChangeAspect="1" noMove="1" noResize="1" noEditPoints="1" noAdjustHandles="1" noChangeArrowheads="1" noChangeShapeType="1" noTextEdit="1"/>
+          </p:cNvSpPr>
+          <p:nvPr>
+            <p:extLst>
+              <p:ext uri="{386F3935-93C4-4BCD-93E2-E3B085C9AB24}">
+                <p16:designElem xmlns:p16="http://schemas.microsoft.com/office/powerpoint/2015/main" val="1"/>
+              </p:ext>
+            </p:extLst>
+          </p:nvPr>
+        </p:nvSpPr>
+        <p:spPr>
+          <a:xfrm>
+            <a:off x="2" y="0"/>
+            <a:ext cx="12191695" cy="6858000"/>
+          </a:xfrm>
+          <a:prstGeom prst="rect">
+            <a:avLst/>
+          </a:prstGeom>
+          <a:ln>
+            <a:noFill/>
+          </a:ln>
+        </p:spPr>
+        <p:style>
+          <a:lnRef idx="2">
+            <a:schemeClr val="accent1">
+              <a:shade val="50000"/>
+            </a:schemeClr>
+          </a:lnRef>
+          <a:fillRef idx="1">
+            <a:schemeClr val="accent1"/>
+          </a:fillRef>
+          <a:effectRef idx="0">
+            <a:schemeClr val="accent1"/>
+          </a:effectRef>
+          <a:fontRef idx="minor">
+            <a:schemeClr val="lt1"/>
+          </a:fontRef>
+        </p:style>
+        <p:txBody>
+          <a:bodyPr rtlCol="0" anchor="ctr"/>
+          <a:lstStyle/>
+          <a:p>
+            <a:pPr algn="ctr"/>
+            <a:endParaRPr lang="en-US"/>
+          </a:p>
+        </p:txBody>
+      </p:sp>
+      <p:sp>
+        <p:nvSpPr>
+          <p:cNvPr id="2" name="Título 1">
+            <a:extLst>
+              <a:ext uri="{FF2B5EF4-FFF2-40B4-BE49-F238E27FC236}">
+                <a16:creationId xmlns:a16="http://schemas.microsoft.com/office/drawing/2014/main" id="{1F2FDEF7-F948-41F6-B0C4-37650AF71AE3}"/>
+              </a:ext>
+            </a:extLst>
+          </p:cNvPr>
+          <p:cNvSpPr>
+            <a:spLocks noGrp="1"/>
+          </p:cNvSpPr>
+          <p:nvPr>
+            <p:ph type="title"/>
+          </p:nvPr>
+        </p:nvSpPr>
+        <p:spPr>
+          <a:xfrm>
+            <a:off x="1534781" y="804520"/>
+            <a:ext cx="4093310" cy="1049235"/>
+          </a:xfrm>
+        </p:spPr>
+        <p:txBody>
+          <a:bodyPr>
+            <a:normAutofit/>
+          </a:bodyPr>
+          <a:lstStyle/>
+          <a:p>
+            <a:r>
+              <a:rPr lang="de-DE" sz="2200" dirty="0" err="1"/>
+              <a:t>GuideAutomator</a:t>
+            </a:r>
+            <a:br>
+              <a:rPr lang="de-DE" sz="2200" dirty="0"/>
+            </a:br>
+            <a:r>
+              <a:rPr lang="de-DE" sz="2200" i="1" dirty="0"/>
+              <a:t>Mit Markdown und Selenium</a:t>
+            </a:r>
+          </a:p>
+        </p:txBody>
+      </p:sp>
+      <p:cxnSp>
+        <p:nvCxnSpPr>
+          <p:cNvPr id="7" name="Straight Connector 13">
+            <a:extLst>
+              <a:ext uri="{FF2B5EF4-FFF2-40B4-BE49-F238E27FC236}">
+                <a16:creationId xmlns:a16="http://schemas.microsoft.com/office/drawing/2014/main" id="{515F3B72-790F-4B1A-90DE-5EC31C829B9E}"/>
+              </a:ext>
+              <a:ext uri="{C183D7F6-B498-43B3-948B-1728B52AA6E4}">
+                <adec:decorative xmlns:adec="http://schemas.microsoft.com/office/drawing/2017/decorative" val="1"/>
+              </a:ext>
+            </a:extLst>
+          </p:cNvPr>
+          <p:cNvCxnSpPr>
+            <a:cxnSpLocks noGrp="1" noRot="1" noChangeAspect="1" noMove="1" noResize="1" noEditPoints="1" noAdjustHandles="1" noChangeArrowheads="1" noChangeShapeType="1"/>
+          </p:cNvCxnSpPr>
+          <p:nvPr>
+            <p:extLst>
+              <p:ext uri="{386F3935-93C4-4BCD-93E2-E3B085C9AB24}">
+                <p16:designElem xmlns:p16="http://schemas.microsoft.com/office/powerpoint/2015/main" val="1"/>
+              </p:ext>
+            </p:extLst>
+          </p:nvPr>
+        </p:nvCxnSpPr>
+        <p:spPr>
+          <a:xfrm>
+            <a:off x="1371687" y="798973"/>
+            <a:ext cx="0" cy="1067168"/>
+          </a:xfrm>
+          <a:prstGeom prst="line">
+            <a:avLst/>
+          </a:prstGeom>
+          <a:ln w="38100" cmpd="sng">
+            <a:solidFill>
+              <a:schemeClr val="accent1"/>
+            </a:solidFill>
+            <a:prstDash val="solid"/>
+            <a:tailEnd type="none"/>
+          </a:ln>
+        </p:spPr>
+        <p:style>
+          <a:lnRef idx="3">
+            <a:schemeClr val="accent1"/>
+          </a:lnRef>
+          <a:fillRef idx="0">
+            <a:schemeClr val="accent1"/>
+          </a:fillRef>
+          <a:effectRef idx="2">
+            <a:schemeClr val="accent1"/>
+          </a:effectRef>
+          <a:fontRef idx="minor">
+            <a:schemeClr val="tx1"/>
+          </a:fontRef>
+        </p:style>
+      </p:cxnSp>
+      <p:sp>
+        <p:nvSpPr>
+          <p:cNvPr id="16" name="Rectangle 15">
+            <a:extLst>
+              <a:ext uri="{FF2B5EF4-FFF2-40B4-BE49-F238E27FC236}">
+                <a16:creationId xmlns:a16="http://schemas.microsoft.com/office/drawing/2014/main" id="{A2BED43D-FF5E-4233-9D4F-A509B56034A5}"/>
+              </a:ext>
+              <a:ext uri="{C183D7F6-B498-43B3-948B-1728B52AA6E4}">
+                <adec:decorative xmlns:adec="http://schemas.microsoft.com/office/drawing/2017/decorative" val="1"/>
+              </a:ext>
+            </a:extLst>
+          </p:cNvPr>
+          <p:cNvSpPr>
+            <a:spLocks noGrp="1" noRot="1" noChangeAspect="1" noMove="1" noResize="1" noEditPoints="1" noAdjustHandles="1" noChangeArrowheads="1" noChangeShapeType="1" noTextEdit="1"/>
+          </p:cNvSpPr>
+          <p:nvPr>
+            <p:extLst>
+              <p:ext uri="{386F3935-93C4-4BCD-93E2-E3B085C9AB24}">
+                <p16:designElem xmlns:p16="http://schemas.microsoft.com/office/powerpoint/2015/main" val="1"/>
+              </p:ext>
+            </p:extLst>
+          </p:nvPr>
+        </p:nvSpPr>
+        <p:spPr>
+          <a:xfrm>
+            <a:off x="0" y="2015732"/>
+            <a:ext cx="12192000" cy="4118829"/>
+          </a:xfrm>
+          <a:prstGeom prst="rect">
+            <a:avLst/>
+          </a:prstGeom>
+          <a:gradFill flip="none" rotWithShape="1">
+            <a:gsLst>
+              <a:gs pos="0">
+                <a:schemeClr val="bg2">
+                  <a:alpha val="0"/>
+                </a:schemeClr>
+              </a:gs>
+              <a:gs pos="100000">
+                <a:schemeClr val="bg2"/>
+              </a:gs>
+            </a:gsLst>
+            <a:lin ang="5400000" scaled="0"/>
+            <a:tileRect/>
+          </a:gradFill>
+          <a:ln>
+            <a:noFill/>
+          </a:ln>
+        </p:spPr>
+        <p:style>
+          <a:lnRef idx="2">
+            <a:schemeClr val="accent1">
+              <a:shade val="50000"/>
+            </a:schemeClr>
+          </a:lnRef>
+          <a:fillRef idx="1">
+            <a:schemeClr val="accent1"/>
+          </a:fillRef>
+          <a:effectRef idx="0">
+            <a:schemeClr val="accent1"/>
+          </a:effectRef>
+          <a:fontRef idx="minor">
+            <a:schemeClr val="lt1"/>
+          </a:fontRef>
+        </p:style>
+        <p:txBody>
+          <a:bodyPr rtlCol="0" anchor="ctr"/>
+          <a:lstStyle/>
+          <a:p>
+            <a:pPr lvl="0" algn="ctr"/>
+            <a:endParaRPr lang="en-US"/>
+          </a:p>
+        </p:txBody>
+      </p:sp>
+      <p:sp>
+        <p:nvSpPr>
+          <p:cNvPr id="9" name="Content Placeholder 8">
+            <a:extLst>
+              <a:ext uri="{FF2B5EF4-FFF2-40B4-BE49-F238E27FC236}">
+                <a16:creationId xmlns:a16="http://schemas.microsoft.com/office/drawing/2014/main" id="{17E1C564-D6AA-4CF7-B92C-5146C7DC9C51}"/>
+              </a:ext>
+            </a:extLst>
+          </p:cNvPr>
+          <p:cNvSpPr>
+            <a:spLocks noGrp="1"/>
+          </p:cNvSpPr>
+          <p:nvPr>
+            <p:ph idx="1"/>
+          </p:nvPr>
+        </p:nvSpPr>
+        <p:spPr>
+          <a:xfrm>
+            <a:off x="5133474" y="5108911"/>
+            <a:ext cx="6171836" cy="527538"/>
+          </a:xfrm>
+        </p:spPr>
+        <p:txBody>
+          <a:bodyPr>
+            <a:normAutofit fontScale="77500" lnSpcReduction="20000"/>
+          </a:bodyPr>
+          <a:lstStyle/>
+          <a:p>
+            <a:pPr marL="0" indent="0">
+              <a:buNone/>
+            </a:pPr>
+            <a:r>
+              <a:rPr lang="en-US" dirty="0"/>
+              <a:t>https://www.npmjs.com/package/guide-automator#getting-started</a:t>
+            </a:r>
+          </a:p>
+        </p:txBody>
+      </p:sp>
+      <p:pic>
+        <p:nvPicPr>
+          <p:cNvPr id="18" name="Picture 17">
+            <a:extLst>
+              <a:ext uri="{FF2B5EF4-FFF2-40B4-BE49-F238E27FC236}">
+                <a16:creationId xmlns:a16="http://schemas.microsoft.com/office/drawing/2014/main" id="{051D0F8B-A6FE-4009-88A1-49ABE7CEF2AC}"/>
+              </a:ext>
+              <a:ext uri="{C183D7F6-B498-43B3-948B-1728B52AA6E4}">
+                <adec:decorative xmlns:adec="http://schemas.microsoft.com/office/drawing/2017/decorative" val="1"/>
+              </a:ext>
+            </a:extLst>
+          </p:cNvPr>
+          <p:cNvPicPr>
+            <a:picLocks noGrp="1" noRot="1" noChangeAspect="1" noMove="1" noResize="1" noEditPoints="1" noAdjustHandles="1" noChangeArrowheads="1" noChangeShapeType="1" noCrop="1"/>
+          </p:cNvPicPr>
+          <p:nvPr>
+            <p:extLst>
+              <p:ext uri="{386F3935-93C4-4BCD-93E2-E3B085C9AB24}">
+                <p16:designElem xmlns:p16="http://schemas.microsoft.com/office/powerpoint/2015/main" val="1"/>
+              </p:ext>
+            </p:extLst>
+          </p:nvPr>
+        </p:nvPicPr>
+        <p:blipFill rotWithShape="1">
+          <a:blip r:embed="rId2"/>
+          <a:srcRect t="2769" b="-2769"/>
+          <a:stretch/>
+        </p:blipFill>
+        <p:spPr>
+          <a:xfrm>
+            <a:off x="0" y="6135624"/>
+            <a:ext cx="12192000" cy="742950"/>
+          </a:xfrm>
+          <a:prstGeom prst="rect">
+            <a:avLst/>
+          </a:prstGeom>
+        </p:spPr>
+      </p:pic>
+      <p:cxnSp>
+        <p:nvCxnSpPr>
+          <p:cNvPr id="20" name="Straight Connector 19">
+            <a:extLst>
+              <a:ext uri="{FF2B5EF4-FFF2-40B4-BE49-F238E27FC236}">
+                <a16:creationId xmlns:a16="http://schemas.microsoft.com/office/drawing/2014/main" id="{4C5057B3-E936-43A2-9EEE-514EF0434FE2}"/>
+              </a:ext>
+              <a:ext uri="{C183D7F6-B498-43B3-948B-1728B52AA6E4}">
+                <adec:decorative xmlns:adec="http://schemas.microsoft.com/office/drawing/2017/decorative" val="1"/>
+              </a:ext>
+            </a:extLst>
+          </p:cNvPr>
+          <p:cNvCxnSpPr>
+            <a:cxnSpLocks noGrp="1" noRot="1" noChangeAspect="1" noMove="1" noResize="1" noEditPoints="1" noAdjustHandles="1" noChangeArrowheads="1" noChangeShapeType="1"/>
+          </p:cNvCxnSpPr>
+          <p:nvPr>
+            <p:extLst>
+              <p:ext uri="{386F3935-93C4-4BCD-93E2-E3B085C9AB24}">
+                <p16:designElem xmlns:p16="http://schemas.microsoft.com/office/powerpoint/2015/main" val="1"/>
+              </p:ext>
+            </p:extLst>
+          </p:nvPr>
+        </p:nvCxnSpPr>
+        <p:spPr>
+          <a:xfrm>
+            <a:off x="0" y="6141705"/>
+            <a:ext cx="12192000" cy="0"/>
+          </a:xfrm>
+          <a:prstGeom prst="line">
+            <a:avLst/>
+          </a:prstGeom>
+          <a:ln w="12700">
+            <a:solidFill>
+              <a:srgbClr val="000001">
+                <a:alpha val="20000"/>
+              </a:srgbClr>
+            </a:solidFill>
+          </a:ln>
+        </p:spPr>
+        <p:style>
+          <a:lnRef idx="1">
+            <a:schemeClr val="accent1"/>
+          </a:lnRef>
+          <a:fillRef idx="0">
+            <a:schemeClr val="accent1"/>
+          </a:fillRef>
+          <a:effectRef idx="0">
+            <a:schemeClr val="accent1"/>
+          </a:effectRef>
+          <a:fontRef idx="minor">
+            <a:schemeClr val="tx1"/>
+          </a:fontRef>
+        </p:style>
+      </p:cxnSp>
+      <p:sp>
+        <p:nvSpPr>
+          <p:cNvPr id="15" name="Content Placeholder 8">
+            <a:extLst>
+              <a:ext uri="{FF2B5EF4-FFF2-40B4-BE49-F238E27FC236}">
+                <a16:creationId xmlns:a16="http://schemas.microsoft.com/office/drawing/2014/main" id="{764FAD22-944E-45FD-B870-09AA112CA5A1}"/>
+              </a:ext>
+            </a:extLst>
+          </p:cNvPr>
+          <p:cNvSpPr txBox="1">
+            <a:spLocks/>
+          </p:cNvSpPr>
+          <p:nvPr/>
+        </p:nvSpPr>
+        <p:spPr>
+          <a:xfrm>
+            <a:off x="1371687" y="2171586"/>
+            <a:ext cx="3922208" cy="2824543"/>
+          </a:xfrm>
+          <a:prstGeom prst="rect">
+            <a:avLst/>
+          </a:prstGeom>
+        </p:spPr>
+        <p:txBody>
+          <a:bodyPr vert="horz" lIns="91440" tIns="45720" rIns="91440" bIns="45720" rtlCol="0" anchor="t">
+            <a:normAutofit lnSpcReduction="10000"/>
+          </a:bodyPr>
+          <a:lstStyle>
+            <a:lvl1pPr marL="228600" indent="-228600" algn="l" defTabSz="914400" rtl="0" eaLnBrk="1" latinLnBrk="0" hangingPunct="1">
+              <a:lnSpc>
+                <a:spcPct val="120000"/>
+              </a:lnSpc>
+              <a:spcBef>
+                <a:spcPts val="1000"/>
+              </a:spcBef>
+              <a:buClr>
+                <a:schemeClr val="accent1"/>
+              </a:buClr>
+              <a:buSzPct val="100000"/>
+              <a:buFont typeface="Arial" panose="020B0604020202020204" pitchFamily="34" charset="0"/>
+              <a:buChar char="•"/>
+              <a:defRPr sz="2000" kern="1200">
+                <a:solidFill>
+                  <a:schemeClr val="tx1"/>
+                </a:solidFill>
+                <a:effectLst/>
+                <a:latin typeface="+mn-lt"/>
+                <a:ea typeface="+mn-ea"/>
+                <a:cs typeface="+mn-cs"/>
+              </a:defRPr>
+            </a:lvl1pPr>
+            <a:lvl2pPr marL="685800" indent="-228600" algn="l" defTabSz="914400" rtl="0" eaLnBrk="1" latinLnBrk="0" hangingPunct="1">
+              <a:lnSpc>
+                <a:spcPct val="120000"/>
+              </a:lnSpc>
+              <a:spcBef>
+                <a:spcPts val="500"/>
+              </a:spcBef>
+              <a:buClr>
+                <a:schemeClr val="accent1"/>
+              </a:buClr>
+              <a:buSzPct val="100000"/>
+              <a:buFont typeface="Arial" panose="020B0604020202020204" pitchFamily="34" charset="0"/>
+              <a:buChar char="•"/>
+              <a:defRPr sz="1800" kern="1200" cap="none" baseline="0">
+                <a:solidFill>
+                  <a:schemeClr val="tx1"/>
+                </a:solidFill>
+                <a:effectLst/>
+                <a:latin typeface="+mn-lt"/>
+                <a:ea typeface="+mn-ea"/>
+                <a:cs typeface="+mn-cs"/>
+              </a:defRPr>
+            </a:lvl2pPr>
+            <a:lvl3pPr marL="1143000" indent="-228600" algn="l" defTabSz="914400" rtl="0" eaLnBrk="1" latinLnBrk="0" hangingPunct="1">
+              <a:lnSpc>
+                <a:spcPct val="120000"/>
+              </a:lnSpc>
+              <a:spcBef>
+                <a:spcPts val="500"/>
+              </a:spcBef>
+              <a:buClr>
+                <a:schemeClr val="accent1"/>
+              </a:buClr>
+              <a:buSzPct val="100000"/>
+              <a:buFont typeface="Arial" panose="020B0604020202020204" pitchFamily="34" charset="0"/>
+              <a:buChar char="•"/>
+              <a:defRPr sz="1600" kern="1200">
+                <a:solidFill>
+                  <a:schemeClr val="tx1"/>
+                </a:solidFill>
+                <a:effectLst/>
+                <a:latin typeface="+mn-lt"/>
+                <a:ea typeface="+mn-ea"/>
+                <a:cs typeface="+mn-cs"/>
+              </a:defRPr>
+            </a:lvl3pPr>
+            <a:lvl4pPr marL="1600200" indent="-228600" algn="l" defTabSz="914400" rtl="0" eaLnBrk="1" latinLnBrk="0" hangingPunct="1">
+              <a:lnSpc>
+                <a:spcPct val="120000"/>
+              </a:lnSpc>
+              <a:spcBef>
+                <a:spcPts val="500"/>
+              </a:spcBef>
+              <a:buClr>
+                <a:schemeClr val="accent1"/>
+              </a:buClr>
+              <a:buSzPct val="100000"/>
+              <a:buFont typeface="Arial" panose="020B0604020202020204" pitchFamily="34" charset="0"/>
+              <a:buChar char="•"/>
+              <a:defRPr sz="1400" kern="1200" cap="none" baseline="0">
+                <a:solidFill>
+                  <a:schemeClr val="tx1"/>
+                </a:solidFill>
+                <a:effectLst/>
+                <a:latin typeface="+mn-lt"/>
+                <a:ea typeface="+mn-ea"/>
+                <a:cs typeface="+mn-cs"/>
+              </a:defRPr>
+            </a:lvl4pPr>
+            <a:lvl5pPr marL="2057400" indent="-228600" algn="l" defTabSz="914400" rtl="0" eaLnBrk="1" latinLnBrk="0" hangingPunct="1">
+              <a:lnSpc>
+                <a:spcPct val="120000"/>
+              </a:lnSpc>
+              <a:spcBef>
+                <a:spcPts val="500"/>
+              </a:spcBef>
+              <a:buClr>
+                <a:schemeClr val="accent1"/>
+              </a:buClr>
+              <a:buSzPct val="100000"/>
+              <a:buFont typeface="Arial" panose="020B0604020202020204" pitchFamily="34" charset="0"/>
+              <a:buChar char="•"/>
+              <a:defRPr sz="1200" kern="1200">
+                <a:solidFill>
+                  <a:schemeClr val="tx1"/>
+                </a:solidFill>
+                <a:effectLst/>
+                <a:latin typeface="+mn-lt"/>
+                <a:ea typeface="+mn-ea"/>
+                <a:cs typeface="+mn-cs"/>
+              </a:defRPr>
+            </a:lvl5pPr>
+            <a:lvl6pPr marL="2514600" indent="-228600" algn="l" defTabSz="914400" rtl="0" eaLnBrk="1" latinLnBrk="0" hangingPunct="1">
+              <a:lnSpc>
+                <a:spcPct val="120000"/>
+              </a:lnSpc>
+              <a:spcBef>
+                <a:spcPts val="500"/>
+              </a:spcBef>
+              <a:buClr>
+                <a:schemeClr val="accent1"/>
+              </a:buClr>
+              <a:buSzPct val="100000"/>
+              <a:buFont typeface="Arial" panose="020B0604020202020204" pitchFamily="34" charset="0"/>
+              <a:buChar char="•"/>
+              <a:defRPr sz="1200" kern="1200">
+                <a:solidFill>
+                  <a:schemeClr val="tx1"/>
+                </a:solidFill>
+                <a:effectLst/>
+                <a:latin typeface="+mn-lt"/>
+                <a:ea typeface="+mn-ea"/>
+                <a:cs typeface="+mn-cs"/>
+              </a:defRPr>
+            </a:lvl6pPr>
+            <a:lvl7pPr marL="2971800" indent="-228600" algn="l" defTabSz="914400" rtl="0" eaLnBrk="1" latinLnBrk="0" hangingPunct="1">
+              <a:lnSpc>
+                <a:spcPct val="120000"/>
+              </a:lnSpc>
+              <a:spcBef>
+                <a:spcPts val="500"/>
+              </a:spcBef>
+              <a:buClr>
+                <a:schemeClr val="accent1"/>
+              </a:buClr>
+              <a:buSzPct val="100000"/>
+              <a:buFont typeface="Arial" panose="020B0604020202020204" pitchFamily="34" charset="0"/>
+              <a:buChar char="•"/>
+              <a:defRPr sz="1200" kern="1200">
+                <a:solidFill>
+                  <a:schemeClr val="tx1"/>
+                </a:solidFill>
+                <a:effectLst/>
+                <a:latin typeface="+mn-lt"/>
+                <a:ea typeface="+mn-ea"/>
+                <a:cs typeface="+mn-cs"/>
+              </a:defRPr>
+            </a:lvl7pPr>
+            <a:lvl8pPr marL="3429000" indent="-228600" algn="l" defTabSz="914400" rtl="0" eaLnBrk="1" latinLnBrk="0" hangingPunct="1">
+              <a:lnSpc>
+                <a:spcPct val="120000"/>
+              </a:lnSpc>
+              <a:spcBef>
+                <a:spcPts val="500"/>
+              </a:spcBef>
+              <a:buClr>
+                <a:schemeClr val="accent1"/>
+              </a:buClr>
+              <a:buSzPct val="100000"/>
+              <a:buFont typeface="Arial" panose="020B0604020202020204" pitchFamily="34" charset="0"/>
+              <a:buChar char="•"/>
+              <a:defRPr sz="1200" kern="1200" baseline="0">
+                <a:solidFill>
+                  <a:schemeClr val="tx1"/>
+                </a:solidFill>
+                <a:effectLst/>
+                <a:latin typeface="+mn-lt"/>
+                <a:ea typeface="+mn-ea"/>
+                <a:cs typeface="+mn-cs"/>
+              </a:defRPr>
+            </a:lvl8pPr>
+            <a:lvl9pPr marL="3886200" indent="-228600" algn="l" defTabSz="914400" rtl="0" eaLnBrk="1" latinLnBrk="0" hangingPunct="1">
+              <a:lnSpc>
+                <a:spcPct val="120000"/>
+              </a:lnSpc>
+              <a:spcBef>
+                <a:spcPts val="500"/>
+              </a:spcBef>
+              <a:buClr>
+                <a:schemeClr val="accent1"/>
+              </a:buClr>
+              <a:buSzPct val="100000"/>
+              <a:buFont typeface="Arial" panose="020B0604020202020204" pitchFamily="34" charset="0"/>
+              <a:buChar char="•"/>
+              <a:defRPr sz="1200" kern="1200" baseline="0">
+                <a:solidFill>
+                  <a:schemeClr val="tx1"/>
+                </a:solidFill>
+                <a:effectLst/>
+                <a:latin typeface="+mn-lt"/>
+                <a:ea typeface="+mn-ea"/>
+                <a:cs typeface="+mn-cs"/>
+              </a:defRPr>
+            </a:lvl9pPr>
+          </a:lstStyle>
+          <a:p>
+            <a:r>
+              <a:rPr lang="en-US" dirty="0"/>
+              <a:t>Eine Markdown-</a:t>
+            </a:r>
+            <a:r>
+              <a:rPr lang="en-US" dirty="0" err="1"/>
+              <a:t>Datei</a:t>
+            </a:r>
+            <a:r>
+              <a:rPr lang="en-US" dirty="0"/>
+              <a:t> muss </a:t>
+            </a:r>
+            <a:r>
+              <a:rPr lang="en-US" dirty="0" err="1"/>
+              <a:t>im</a:t>
+            </a:r>
+            <a:r>
+              <a:rPr lang="en-US" dirty="0"/>
+              <a:t> </a:t>
+            </a:r>
+            <a:r>
+              <a:rPr lang="en-US" dirty="0" err="1"/>
+              <a:t>Voraus</a:t>
+            </a:r>
+            <a:r>
+              <a:rPr lang="en-US" dirty="0"/>
+              <a:t> </a:t>
+            </a:r>
+            <a:r>
+              <a:rPr lang="en-US" dirty="0" err="1"/>
+              <a:t>existieren</a:t>
+            </a:r>
+            <a:endParaRPr lang="en-US" dirty="0"/>
+          </a:p>
+          <a:p>
+            <a:r>
+              <a:rPr lang="en-US" dirty="0"/>
+              <a:t>Darin </a:t>
+            </a:r>
+            <a:r>
+              <a:rPr lang="en-US" dirty="0" err="1"/>
+              <a:t>sind</a:t>
+            </a:r>
+            <a:r>
+              <a:rPr lang="en-US" dirty="0"/>
+              <a:t> </a:t>
+            </a:r>
+            <a:r>
+              <a:rPr lang="en-US" dirty="0" err="1"/>
+              <a:t>Befehle</a:t>
+            </a:r>
+            <a:r>
+              <a:rPr lang="en-US" dirty="0"/>
+              <a:t> </a:t>
+            </a:r>
+            <a:r>
+              <a:rPr lang="en-US" dirty="0" err="1"/>
+              <a:t>eingebettet</a:t>
+            </a:r>
+            <a:r>
+              <a:rPr lang="en-US" dirty="0"/>
+              <a:t>, </a:t>
+            </a:r>
+            <a:r>
+              <a:rPr lang="en-US" dirty="0" err="1"/>
+              <a:t>mit</a:t>
+            </a:r>
+            <a:r>
+              <a:rPr lang="en-US" dirty="0"/>
+              <a:t> </a:t>
+            </a:r>
+            <a:r>
+              <a:rPr lang="en-US" dirty="0" err="1"/>
+              <a:t>denen</a:t>
+            </a:r>
+            <a:r>
+              <a:rPr lang="en-US" dirty="0"/>
+              <a:t> </a:t>
+            </a:r>
+            <a:r>
+              <a:rPr lang="en-US" dirty="0" err="1"/>
+              <a:t>GuideAutomator</a:t>
+            </a:r>
+            <a:r>
+              <a:rPr lang="en-US" dirty="0"/>
+              <a:t> Screenshots </a:t>
+            </a:r>
+            <a:r>
+              <a:rPr lang="en-US" dirty="0" err="1"/>
+              <a:t>aufnimmt</a:t>
+            </a:r>
+            <a:endParaRPr lang="en-US" dirty="0"/>
+          </a:p>
+          <a:p>
+            <a:r>
+              <a:rPr lang="en-US" dirty="0"/>
+              <a:t>Selenium </a:t>
+            </a:r>
+            <a:r>
+              <a:rPr lang="en-US" dirty="0" err="1"/>
+              <a:t>wird</a:t>
+            </a:r>
+            <a:r>
+              <a:rPr lang="en-US" dirty="0"/>
+              <a:t> </a:t>
+            </a:r>
+            <a:r>
+              <a:rPr lang="en-US" dirty="0" err="1"/>
+              <a:t>dabei</a:t>
+            </a:r>
+            <a:r>
+              <a:rPr lang="en-US" dirty="0"/>
+              <a:t> </a:t>
+            </a:r>
+            <a:r>
+              <a:rPr lang="en-US" dirty="0" err="1"/>
+              <a:t>benutzt</a:t>
+            </a:r>
+            <a:r>
+              <a:rPr lang="en-US" dirty="0"/>
+              <a:t>, um den Browser </a:t>
+            </a:r>
+            <a:r>
+              <a:rPr lang="en-US" dirty="0" err="1"/>
+              <a:t>zu</a:t>
+            </a:r>
+            <a:r>
+              <a:rPr lang="en-US" dirty="0"/>
+              <a:t> </a:t>
+            </a:r>
+            <a:r>
+              <a:rPr lang="en-US" dirty="0" err="1"/>
+              <a:t>treiben</a:t>
+            </a:r>
+            <a:endParaRPr lang="en-US" dirty="0"/>
+          </a:p>
+        </p:txBody>
+      </p:sp>
+      <p:pic>
+        <p:nvPicPr>
+          <p:cNvPr id="4" name="Imagen 3" descr="Interfaz de usuario gráfica, Texto, Aplicación, Correo electrónico&#10;&#10;Descripción generada automáticamente">
+            <a:extLst>
+              <a:ext uri="{FF2B5EF4-FFF2-40B4-BE49-F238E27FC236}">
+                <a16:creationId xmlns:a16="http://schemas.microsoft.com/office/drawing/2014/main" id="{64F6FFC6-0C0A-40BD-8105-466EE4C53171}"/>
+              </a:ext>
+            </a:extLst>
+          </p:cNvPr>
+          <p:cNvPicPr>
+            <a:picLocks noChangeAspect="1"/>
+          </p:cNvPicPr>
+          <p:nvPr/>
+        </p:nvPicPr>
+        <p:blipFill>
+          <a:blip r:embed="rId3"/>
+          <a:stretch>
+            <a:fillRect/>
+          </a:stretch>
+        </p:blipFill>
+        <p:spPr>
+          <a:xfrm>
+            <a:off x="5365456" y="668531"/>
+            <a:ext cx="5939854" cy="4335715"/>
+          </a:xfrm>
+          <a:prstGeom prst="rect">
+            <a:avLst/>
+          </a:prstGeom>
+        </p:spPr>
+      </p:pic>
+    </p:spTree>
+    <p:extLst>
+      <p:ext uri="{BB962C8B-B14F-4D97-AF65-F5344CB8AC3E}">
+        <p14:creationId xmlns:p14="http://schemas.microsoft.com/office/powerpoint/2010/main" val="943642712"/>
+      </p:ext>
+    </p:extLst>
+  </p:cSld>
+  <p:clrMapOvr>
+    <a:masterClrMapping/>
+  </p:clrMapOvr>
+</p:sld>
+</file>
+
+<file path=ppt/slides/slide7.xml><?xml version="1.0" encoding="utf-8"?>
+<p:sld xmlns:a="http://schemas.openxmlformats.org/drawingml/2006/main" xmlns:r="http://schemas.openxmlformats.org/officeDocument/2006/relationships" xmlns:p="http://schemas.openxmlformats.org/presentationml/2006/main">
+  <p:cSld>
+    <p:bg>
+      <p:bgPr>
+        <a:gradFill rotWithShape="1">
+          <a:gsLst>
+            <a:gs pos="0">
+              <a:schemeClr val="bg2">
+                <a:tint val="94000"/>
+                <a:satMod val="80000"/>
+                <a:lumMod val="106000"/>
+              </a:schemeClr>
+            </a:gs>
+            <a:gs pos="100000">
+              <a:schemeClr val="bg2">
+                <a:shade val="80000"/>
+              </a:schemeClr>
+            </a:gs>
+          </a:gsLst>
+          <a:path path="circle">
+            <a:fillToRect l="43000" r="43000" b="100000"/>
+          </a:path>
+        </a:gradFill>
+        <a:effectLst/>
+      </p:bgPr>
+    </p:bg>
+    <p:spTree>
+      <p:nvGrpSpPr>
+        <p:cNvPr id="1" name=""/>
+        <p:cNvGrpSpPr/>
+        <p:nvPr/>
+      </p:nvGrpSpPr>
+      <p:grpSpPr>
+        <a:xfrm>
+          <a:off x="0" y="0"/>
+          <a:ext cx="0" cy="0"/>
+          <a:chOff x="0" y="0"/>
+          <a:chExt cx="0" cy="0"/>
+        </a:xfrm>
+      </p:grpSpPr>
+      <p:sp useBgFill="1">
+        <p:nvSpPr>
+          <p:cNvPr id="12" name="Rectangle 11">
+            <a:extLst>
+              <a:ext uri="{FF2B5EF4-FFF2-40B4-BE49-F238E27FC236}">
+                <a16:creationId xmlns:a16="http://schemas.microsoft.com/office/drawing/2014/main" id="{4568A54B-9065-40B2-8753-8E0288E828A3}"/>
+              </a:ext>
+              <a:ext uri="{C183D7F6-B498-43B3-948B-1728B52AA6E4}">
+                <adec:decorative xmlns:adec="http://schemas.microsoft.com/office/drawing/2017/decorative" val="1"/>
+              </a:ext>
+            </a:extLst>
+          </p:cNvPr>
+          <p:cNvSpPr>
+            <a:spLocks noGrp="1" noRot="1" noChangeAspect="1" noMove="1" noResize="1" noEditPoints="1" noAdjustHandles="1" noChangeArrowheads="1" noChangeShapeType="1" noTextEdit="1"/>
+          </p:cNvSpPr>
+          <p:nvPr>
+            <p:extLst>
+              <p:ext uri="{386F3935-93C4-4BCD-93E2-E3B085C9AB24}">
+                <p16:designElem xmlns:p16="http://schemas.microsoft.com/office/powerpoint/2015/main" val="1"/>
+              </p:ext>
+            </p:extLst>
+          </p:nvPr>
+        </p:nvSpPr>
+        <p:spPr>
+          <a:xfrm>
+            <a:off x="2" y="0"/>
+            <a:ext cx="12191695" cy="6858000"/>
+          </a:xfrm>
+          <a:prstGeom prst="rect">
+            <a:avLst/>
+          </a:prstGeom>
+          <a:ln>
+            <a:noFill/>
+          </a:ln>
+        </p:spPr>
+        <p:style>
+          <a:lnRef idx="2">
+            <a:schemeClr val="accent1">
+              <a:shade val="50000"/>
+            </a:schemeClr>
+          </a:lnRef>
+          <a:fillRef idx="1">
+            <a:schemeClr val="accent1"/>
+          </a:fillRef>
+          <a:effectRef idx="0">
+            <a:schemeClr val="accent1"/>
+          </a:effectRef>
+          <a:fontRef idx="minor">
+            <a:schemeClr val="lt1"/>
+          </a:fontRef>
+        </p:style>
+        <p:txBody>
+          <a:bodyPr rtlCol="0" anchor="ctr"/>
+          <a:lstStyle/>
+          <a:p>
+            <a:pPr algn="ctr"/>
+            <a:endParaRPr lang="en-US"/>
+          </a:p>
+        </p:txBody>
+      </p:sp>
+      <p:sp>
+        <p:nvSpPr>
+          <p:cNvPr id="2" name="Título 1">
+            <a:extLst>
+              <a:ext uri="{FF2B5EF4-FFF2-40B4-BE49-F238E27FC236}">
+                <a16:creationId xmlns:a16="http://schemas.microsoft.com/office/drawing/2014/main" id="{1F2FDEF7-F948-41F6-B0C4-37650AF71AE3}"/>
+              </a:ext>
+            </a:extLst>
+          </p:cNvPr>
+          <p:cNvSpPr>
+            <a:spLocks noGrp="1"/>
+          </p:cNvSpPr>
+          <p:nvPr>
+            <p:ph type="title"/>
+          </p:nvPr>
+        </p:nvSpPr>
+        <p:spPr>
+          <a:xfrm>
+            <a:off x="1534781" y="804520"/>
+            <a:ext cx="4093310" cy="1049235"/>
+          </a:xfrm>
+        </p:spPr>
+        <p:txBody>
+          <a:bodyPr>
+            <a:normAutofit/>
+          </a:bodyPr>
+          <a:lstStyle/>
+          <a:p>
+            <a:r>
+              <a:rPr lang="de-DE" sz="2200" dirty="0" err="1"/>
+              <a:t>Écrit</a:t>
+            </a:r>
+            <a:r>
+              <a:rPr lang="de-DE" sz="2200" dirty="0"/>
+              <a:t> Toolkit</a:t>
+            </a:r>
+            <a:br>
+              <a:rPr lang="de-DE" sz="2200" dirty="0"/>
+            </a:br>
+            <a:r>
+              <a:rPr lang="de-DE" sz="2200" i="1" dirty="0"/>
+              <a:t>basiert auf </a:t>
+            </a:r>
+            <a:r>
+              <a:rPr lang="de-DE" sz="2200" i="1" dirty="0" err="1"/>
+              <a:t>Eclipse</a:t>
+            </a:r>
+            <a:r>
+              <a:rPr lang="de-DE" sz="2200" i="1" dirty="0"/>
+              <a:t> Applikationsmodell</a:t>
+            </a:r>
+          </a:p>
+        </p:txBody>
+      </p:sp>
+      <p:cxnSp>
+        <p:nvCxnSpPr>
+          <p:cNvPr id="7" name="Straight Connector 13">
+            <a:extLst>
+              <a:ext uri="{FF2B5EF4-FFF2-40B4-BE49-F238E27FC236}">
+                <a16:creationId xmlns:a16="http://schemas.microsoft.com/office/drawing/2014/main" id="{515F3B72-790F-4B1A-90DE-5EC31C829B9E}"/>
+              </a:ext>
+              <a:ext uri="{C183D7F6-B498-43B3-948B-1728B52AA6E4}">
+                <adec:decorative xmlns:adec="http://schemas.microsoft.com/office/drawing/2017/decorative" val="1"/>
+              </a:ext>
+            </a:extLst>
+          </p:cNvPr>
+          <p:cNvCxnSpPr>
+            <a:cxnSpLocks noGrp="1" noRot="1" noChangeAspect="1" noMove="1" noResize="1" noEditPoints="1" noAdjustHandles="1" noChangeArrowheads="1" noChangeShapeType="1"/>
+          </p:cNvCxnSpPr>
+          <p:nvPr>
+            <p:extLst>
+              <p:ext uri="{386F3935-93C4-4BCD-93E2-E3B085C9AB24}">
+                <p16:designElem xmlns:p16="http://schemas.microsoft.com/office/powerpoint/2015/main" val="1"/>
+              </p:ext>
+            </p:extLst>
+          </p:nvPr>
+        </p:nvCxnSpPr>
+        <p:spPr>
+          <a:xfrm>
+            <a:off x="1371687" y="798973"/>
+            <a:ext cx="0" cy="1067168"/>
+          </a:xfrm>
+          <a:prstGeom prst="line">
+            <a:avLst/>
+          </a:prstGeom>
+          <a:ln w="38100" cmpd="sng">
+            <a:solidFill>
+              <a:schemeClr val="accent1"/>
+            </a:solidFill>
+            <a:prstDash val="solid"/>
+            <a:tailEnd type="none"/>
+          </a:ln>
+        </p:spPr>
+        <p:style>
+          <a:lnRef idx="3">
+            <a:schemeClr val="accent1"/>
+          </a:lnRef>
+          <a:fillRef idx="0">
+            <a:schemeClr val="accent1"/>
+          </a:fillRef>
+          <a:effectRef idx="2">
+            <a:schemeClr val="accent1"/>
+          </a:effectRef>
+          <a:fontRef idx="minor">
+            <a:schemeClr val="tx1"/>
+          </a:fontRef>
+        </p:style>
+      </p:cxnSp>
+      <p:sp>
+        <p:nvSpPr>
+          <p:cNvPr id="16" name="Rectangle 15">
+            <a:extLst>
+              <a:ext uri="{FF2B5EF4-FFF2-40B4-BE49-F238E27FC236}">
+                <a16:creationId xmlns:a16="http://schemas.microsoft.com/office/drawing/2014/main" id="{A2BED43D-FF5E-4233-9D4F-A509B56034A5}"/>
+              </a:ext>
+              <a:ext uri="{C183D7F6-B498-43B3-948B-1728B52AA6E4}">
+                <adec:decorative xmlns:adec="http://schemas.microsoft.com/office/drawing/2017/decorative" val="1"/>
+              </a:ext>
+            </a:extLst>
+          </p:cNvPr>
+          <p:cNvSpPr>
+            <a:spLocks noGrp="1" noRot="1" noChangeAspect="1" noMove="1" noResize="1" noEditPoints="1" noAdjustHandles="1" noChangeArrowheads="1" noChangeShapeType="1" noTextEdit="1"/>
+          </p:cNvSpPr>
+          <p:nvPr>
+            <p:extLst>
+              <p:ext uri="{386F3935-93C4-4BCD-93E2-E3B085C9AB24}">
+                <p16:designElem xmlns:p16="http://schemas.microsoft.com/office/powerpoint/2015/main" val="1"/>
+              </p:ext>
+            </p:extLst>
+          </p:nvPr>
+        </p:nvSpPr>
+        <p:spPr>
+          <a:xfrm>
+            <a:off x="0" y="2015732"/>
+            <a:ext cx="12192000" cy="4118829"/>
+          </a:xfrm>
+          <a:prstGeom prst="rect">
+            <a:avLst/>
+          </a:prstGeom>
+          <a:gradFill flip="none" rotWithShape="1">
+            <a:gsLst>
+              <a:gs pos="0">
+                <a:schemeClr val="bg2">
+                  <a:alpha val="0"/>
+                </a:schemeClr>
+              </a:gs>
+              <a:gs pos="100000">
+                <a:schemeClr val="bg2"/>
+              </a:gs>
+            </a:gsLst>
+            <a:lin ang="5400000" scaled="0"/>
+            <a:tileRect/>
+          </a:gradFill>
+          <a:ln>
+            <a:noFill/>
+          </a:ln>
+        </p:spPr>
+        <p:style>
+          <a:lnRef idx="2">
+            <a:schemeClr val="accent1">
+              <a:shade val="50000"/>
+            </a:schemeClr>
+          </a:lnRef>
+          <a:fillRef idx="1">
+            <a:schemeClr val="accent1"/>
+          </a:fillRef>
+          <a:effectRef idx="0">
+            <a:schemeClr val="accent1"/>
+          </a:effectRef>
+          <a:fontRef idx="minor">
+            <a:schemeClr val="lt1"/>
+          </a:fontRef>
+        </p:style>
+        <p:txBody>
+          <a:bodyPr rtlCol="0" anchor="ctr"/>
+          <a:lstStyle/>
+          <a:p>
+            <a:pPr lvl="0" algn="ctr"/>
+            <a:endParaRPr lang="en-US"/>
+          </a:p>
+        </p:txBody>
+      </p:sp>
+      <p:sp>
+        <p:nvSpPr>
+          <p:cNvPr id="9" name="Content Placeholder 8">
+            <a:extLst>
+              <a:ext uri="{FF2B5EF4-FFF2-40B4-BE49-F238E27FC236}">
+                <a16:creationId xmlns:a16="http://schemas.microsoft.com/office/drawing/2014/main" id="{17E1C564-D6AA-4CF7-B92C-5146C7DC9C51}"/>
+              </a:ext>
+            </a:extLst>
+          </p:cNvPr>
+          <p:cNvSpPr>
+            <a:spLocks noGrp="1"/>
+          </p:cNvSpPr>
+          <p:nvPr>
+            <p:ph idx="1"/>
+          </p:nvPr>
+        </p:nvSpPr>
+        <p:spPr>
+          <a:xfrm>
+            <a:off x="5352571" y="5568557"/>
+            <a:ext cx="6548582" cy="527538"/>
+          </a:xfrm>
+        </p:spPr>
+        <p:txBody>
+          <a:bodyPr>
+            <a:normAutofit fontScale="70000" lnSpcReduction="20000"/>
+          </a:bodyPr>
+          <a:lstStyle/>
+          <a:p>
+            <a:pPr marL="0" indent="0">
+              <a:buNone/>
+            </a:pPr>
+            <a:r>
+              <a:rPr lang="en-US" dirty="0"/>
+              <a:t>https://www.researchgate.net/publication/268391920_Automated_user_documentation_generation_based_on_the_Eclipse_application_model</a:t>
+            </a:r>
+          </a:p>
+        </p:txBody>
+      </p:sp>
+      <p:pic>
+        <p:nvPicPr>
+          <p:cNvPr id="18" name="Picture 17">
+            <a:extLst>
+              <a:ext uri="{FF2B5EF4-FFF2-40B4-BE49-F238E27FC236}">
+                <a16:creationId xmlns:a16="http://schemas.microsoft.com/office/drawing/2014/main" id="{051D0F8B-A6FE-4009-88A1-49ABE7CEF2AC}"/>
+              </a:ext>
+              <a:ext uri="{C183D7F6-B498-43B3-948B-1728B52AA6E4}">
+                <adec:decorative xmlns:adec="http://schemas.microsoft.com/office/drawing/2017/decorative" val="1"/>
+              </a:ext>
+            </a:extLst>
+          </p:cNvPr>
+          <p:cNvPicPr>
+            <a:picLocks noGrp="1" noRot="1" noChangeAspect="1" noMove="1" noResize="1" noEditPoints="1" noAdjustHandles="1" noChangeArrowheads="1" noChangeShapeType="1" noCrop="1"/>
+          </p:cNvPicPr>
+          <p:nvPr>
+            <p:extLst>
+              <p:ext uri="{386F3935-93C4-4BCD-93E2-E3B085C9AB24}">
+                <p16:designElem xmlns:p16="http://schemas.microsoft.com/office/powerpoint/2015/main" val="1"/>
+              </p:ext>
+            </p:extLst>
+          </p:nvPr>
+        </p:nvPicPr>
+        <p:blipFill rotWithShape="1">
+          <a:blip r:embed="rId2"/>
+          <a:srcRect t="2769" b="-2769"/>
+          <a:stretch/>
+        </p:blipFill>
+        <p:spPr>
+          <a:xfrm>
+            <a:off x="0" y="6135624"/>
+            <a:ext cx="12192000" cy="742950"/>
+          </a:xfrm>
+          <a:prstGeom prst="rect">
+            <a:avLst/>
+          </a:prstGeom>
+        </p:spPr>
+      </p:pic>
+      <p:cxnSp>
+        <p:nvCxnSpPr>
+          <p:cNvPr id="20" name="Straight Connector 19">
+            <a:extLst>
+              <a:ext uri="{FF2B5EF4-FFF2-40B4-BE49-F238E27FC236}">
+                <a16:creationId xmlns:a16="http://schemas.microsoft.com/office/drawing/2014/main" id="{4C5057B3-E936-43A2-9EEE-514EF0434FE2}"/>
+              </a:ext>
+              <a:ext uri="{C183D7F6-B498-43B3-948B-1728B52AA6E4}">
+                <adec:decorative xmlns:adec="http://schemas.microsoft.com/office/drawing/2017/decorative" val="1"/>
+              </a:ext>
+            </a:extLst>
+          </p:cNvPr>
+          <p:cNvCxnSpPr>
+            <a:cxnSpLocks noGrp="1" noRot="1" noChangeAspect="1" noMove="1" noResize="1" noEditPoints="1" noAdjustHandles="1" noChangeArrowheads="1" noChangeShapeType="1"/>
+          </p:cNvCxnSpPr>
+          <p:nvPr>
+            <p:extLst>
+              <p:ext uri="{386F3935-93C4-4BCD-93E2-E3B085C9AB24}">
+                <p16:designElem xmlns:p16="http://schemas.microsoft.com/office/powerpoint/2015/main" val="1"/>
+              </p:ext>
+            </p:extLst>
+          </p:nvPr>
+        </p:nvCxnSpPr>
+        <p:spPr>
+          <a:xfrm>
+            <a:off x="0" y="6141705"/>
+            <a:ext cx="12192000" cy="0"/>
+          </a:xfrm>
+          <a:prstGeom prst="line">
+            <a:avLst/>
+          </a:prstGeom>
+          <a:ln w="12700">
+            <a:solidFill>
+              <a:srgbClr val="000001">
+                <a:alpha val="20000"/>
+              </a:srgbClr>
+            </a:solidFill>
+          </a:ln>
+        </p:spPr>
+        <p:style>
+          <a:lnRef idx="1">
+            <a:schemeClr val="accent1"/>
+          </a:lnRef>
+          <a:fillRef idx="0">
+            <a:schemeClr val="accent1"/>
+          </a:fillRef>
+          <a:effectRef idx="0">
+            <a:schemeClr val="accent1"/>
+          </a:effectRef>
+          <a:fontRef idx="minor">
+            <a:schemeClr val="tx1"/>
+          </a:fontRef>
+        </p:style>
+      </p:cxnSp>
+      <p:sp>
+        <p:nvSpPr>
+          <p:cNvPr id="15" name="Content Placeholder 8">
+            <a:extLst>
+              <a:ext uri="{FF2B5EF4-FFF2-40B4-BE49-F238E27FC236}">
+                <a16:creationId xmlns:a16="http://schemas.microsoft.com/office/drawing/2014/main" id="{764FAD22-944E-45FD-B870-09AA112CA5A1}"/>
+              </a:ext>
+            </a:extLst>
+          </p:cNvPr>
+          <p:cNvSpPr txBox="1">
+            <a:spLocks/>
+          </p:cNvSpPr>
+          <p:nvPr/>
+        </p:nvSpPr>
+        <p:spPr>
+          <a:xfrm>
+            <a:off x="1371687" y="2171586"/>
+            <a:ext cx="3922208" cy="2824543"/>
+          </a:xfrm>
+          <a:prstGeom prst="rect">
+            <a:avLst/>
+          </a:prstGeom>
+        </p:spPr>
+        <p:txBody>
+          <a:bodyPr vert="horz" lIns="91440" tIns="45720" rIns="91440" bIns="45720" rtlCol="0" anchor="t">
+            <a:normAutofit/>
+          </a:bodyPr>
+          <a:lstStyle>
+            <a:lvl1pPr marL="228600" indent="-228600" algn="l" defTabSz="914400" rtl="0" eaLnBrk="1" latinLnBrk="0" hangingPunct="1">
+              <a:lnSpc>
+                <a:spcPct val="120000"/>
+              </a:lnSpc>
+              <a:spcBef>
+                <a:spcPts val="1000"/>
+              </a:spcBef>
+              <a:buClr>
+                <a:schemeClr val="accent1"/>
+              </a:buClr>
+              <a:buSzPct val="100000"/>
+              <a:buFont typeface="Arial" panose="020B0604020202020204" pitchFamily="34" charset="0"/>
+              <a:buChar char="•"/>
+              <a:defRPr sz="2000" kern="1200">
+                <a:solidFill>
+                  <a:schemeClr val="tx1"/>
+                </a:solidFill>
+                <a:effectLst/>
+                <a:latin typeface="+mn-lt"/>
+                <a:ea typeface="+mn-ea"/>
+                <a:cs typeface="+mn-cs"/>
+              </a:defRPr>
+            </a:lvl1pPr>
+            <a:lvl2pPr marL="685800" indent="-228600" algn="l" defTabSz="914400" rtl="0" eaLnBrk="1" latinLnBrk="0" hangingPunct="1">
+              <a:lnSpc>
+                <a:spcPct val="120000"/>
+              </a:lnSpc>
+              <a:spcBef>
+                <a:spcPts val="500"/>
+              </a:spcBef>
+              <a:buClr>
+                <a:schemeClr val="accent1"/>
+              </a:buClr>
+              <a:buSzPct val="100000"/>
+              <a:buFont typeface="Arial" panose="020B0604020202020204" pitchFamily="34" charset="0"/>
+              <a:buChar char="•"/>
+              <a:defRPr sz="1800" kern="1200" cap="none" baseline="0">
+                <a:solidFill>
+                  <a:schemeClr val="tx1"/>
+                </a:solidFill>
+                <a:effectLst/>
+                <a:latin typeface="+mn-lt"/>
+                <a:ea typeface="+mn-ea"/>
+                <a:cs typeface="+mn-cs"/>
+              </a:defRPr>
+            </a:lvl2pPr>
+            <a:lvl3pPr marL="1143000" indent="-228600" algn="l" defTabSz="914400" rtl="0" eaLnBrk="1" latinLnBrk="0" hangingPunct="1">
+              <a:lnSpc>
+                <a:spcPct val="120000"/>
+              </a:lnSpc>
+              <a:spcBef>
+                <a:spcPts val="500"/>
+              </a:spcBef>
+              <a:buClr>
+                <a:schemeClr val="accent1"/>
+              </a:buClr>
+              <a:buSzPct val="100000"/>
+              <a:buFont typeface="Arial" panose="020B0604020202020204" pitchFamily="34" charset="0"/>
+              <a:buChar char="•"/>
+              <a:defRPr sz="1600" kern="1200">
+                <a:solidFill>
+                  <a:schemeClr val="tx1"/>
+                </a:solidFill>
+                <a:effectLst/>
+                <a:latin typeface="+mn-lt"/>
+                <a:ea typeface="+mn-ea"/>
+                <a:cs typeface="+mn-cs"/>
+              </a:defRPr>
+            </a:lvl3pPr>
+            <a:lvl4pPr marL="1600200" indent="-228600" algn="l" defTabSz="914400" rtl="0" eaLnBrk="1" latinLnBrk="0" hangingPunct="1">
+              <a:lnSpc>
+                <a:spcPct val="120000"/>
+              </a:lnSpc>
+              <a:spcBef>
+                <a:spcPts val="500"/>
+              </a:spcBef>
+              <a:buClr>
+                <a:schemeClr val="accent1"/>
+              </a:buClr>
+              <a:buSzPct val="100000"/>
+              <a:buFont typeface="Arial" panose="020B0604020202020204" pitchFamily="34" charset="0"/>
+              <a:buChar char="•"/>
+              <a:defRPr sz="1400" kern="1200" cap="none" baseline="0">
+                <a:solidFill>
+                  <a:schemeClr val="tx1"/>
+                </a:solidFill>
+                <a:effectLst/>
+                <a:latin typeface="+mn-lt"/>
+                <a:ea typeface="+mn-ea"/>
+                <a:cs typeface="+mn-cs"/>
+              </a:defRPr>
+            </a:lvl4pPr>
+            <a:lvl5pPr marL="2057400" indent="-228600" algn="l" defTabSz="914400" rtl="0" eaLnBrk="1" latinLnBrk="0" hangingPunct="1">
+              <a:lnSpc>
+                <a:spcPct val="120000"/>
+              </a:lnSpc>
+              <a:spcBef>
+                <a:spcPts val="500"/>
+              </a:spcBef>
+              <a:buClr>
+                <a:schemeClr val="accent1"/>
+              </a:buClr>
+              <a:buSzPct val="100000"/>
+              <a:buFont typeface="Arial" panose="020B0604020202020204" pitchFamily="34" charset="0"/>
+              <a:buChar char="•"/>
+              <a:defRPr sz="1200" kern="1200">
+                <a:solidFill>
+                  <a:schemeClr val="tx1"/>
+                </a:solidFill>
+                <a:effectLst/>
+                <a:latin typeface="+mn-lt"/>
+                <a:ea typeface="+mn-ea"/>
+                <a:cs typeface="+mn-cs"/>
+              </a:defRPr>
+            </a:lvl5pPr>
+            <a:lvl6pPr marL="2514600" indent="-228600" algn="l" defTabSz="914400" rtl="0" eaLnBrk="1" latinLnBrk="0" hangingPunct="1">
+              <a:lnSpc>
+                <a:spcPct val="120000"/>
+              </a:lnSpc>
+              <a:spcBef>
+                <a:spcPts val="500"/>
+              </a:spcBef>
+              <a:buClr>
+                <a:schemeClr val="accent1"/>
+              </a:buClr>
+              <a:buSzPct val="100000"/>
+              <a:buFont typeface="Arial" panose="020B0604020202020204" pitchFamily="34" charset="0"/>
+              <a:buChar char="•"/>
+              <a:defRPr sz="1200" kern="1200">
+                <a:solidFill>
+                  <a:schemeClr val="tx1"/>
+                </a:solidFill>
+                <a:effectLst/>
+                <a:latin typeface="+mn-lt"/>
+                <a:ea typeface="+mn-ea"/>
+                <a:cs typeface="+mn-cs"/>
+              </a:defRPr>
+            </a:lvl6pPr>
+            <a:lvl7pPr marL="2971800" indent="-228600" algn="l" defTabSz="914400" rtl="0" eaLnBrk="1" latinLnBrk="0" hangingPunct="1">
+              <a:lnSpc>
+                <a:spcPct val="120000"/>
+              </a:lnSpc>
+              <a:spcBef>
+                <a:spcPts val="500"/>
+              </a:spcBef>
+              <a:buClr>
+                <a:schemeClr val="accent1"/>
+              </a:buClr>
+              <a:buSzPct val="100000"/>
+              <a:buFont typeface="Arial" panose="020B0604020202020204" pitchFamily="34" charset="0"/>
+              <a:buChar char="•"/>
+              <a:defRPr sz="1200" kern="1200">
+                <a:solidFill>
+                  <a:schemeClr val="tx1"/>
+                </a:solidFill>
+                <a:effectLst/>
+                <a:latin typeface="+mn-lt"/>
+                <a:ea typeface="+mn-ea"/>
+                <a:cs typeface="+mn-cs"/>
+              </a:defRPr>
+            </a:lvl7pPr>
+            <a:lvl8pPr marL="3429000" indent="-228600" algn="l" defTabSz="914400" rtl="0" eaLnBrk="1" latinLnBrk="0" hangingPunct="1">
+              <a:lnSpc>
+                <a:spcPct val="120000"/>
+              </a:lnSpc>
+              <a:spcBef>
+                <a:spcPts val="500"/>
+              </a:spcBef>
+              <a:buClr>
+                <a:schemeClr val="accent1"/>
+              </a:buClr>
+              <a:buSzPct val="100000"/>
+              <a:buFont typeface="Arial" panose="020B0604020202020204" pitchFamily="34" charset="0"/>
+              <a:buChar char="•"/>
+              <a:defRPr sz="1200" kern="1200" baseline="0">
+                <a:solidFill>
+                  <a:schemeClr val="tx1"/>
+                </a:solidFill>
+                <a:effectLst/>
+                <a:latin typeface="+mn-lt"/>
+                <a:ea typeface="+mn-ea"/>
+                <a:cs typeface="+mn-cs"/>
+              </a:defRPr>
+            </a:lvl8pPr>
+            <a:lvl9pPr marL="3886200" indent="-228600" algn="l" defTabSz="914400" rtl="0" eaLnBrk="1" latinLnBrk="0" hangingPunct="1">
+              <a:lnSpc>
+                <a:spcPct val="120000"/>
+              </a:lnSpc>
+              <a:spcBef>
+                <a:spcPts val="500"/>
+              </a:spcBef>
+              <a:buClr>
+                <a:schemeClr val="accent1"/>
+              </a:buClr>
+              <a:buSzPct val="100000"/>
+              <a:buFont typeface="Arial" panose="020B0604020202020204" pitchFamily="34" charset="0"/>
+              <a:buChar char="•"/>
+              <a:defRPr sz="1200" kern="1200" baseline="0">
+                <a:solidFill>
+                  <a:schemeClr val="tx1"/>
+                </a:solidFill>
+                <a:effectLst/>
+                <a:latin typeface="+mn-lt"/>
+                <a:ea typeface="+mn-ea"/>
+                <a:cs typeface="+mn-cs"/>
+              </a:defRPr>
+            </a:lvl9pPr>
+          </a:lstStyle>
+          <a:p>
+            <a:r>
+              <a:rPr lang="en-US" dirty="0" err="1"/>
+              <a:t>Modellierung</a:t>
+            </a:r>
+            <a:r>
+              <a:rPr lang="en-US" dirty="0"/>
+              <a:t> der </a:t>
+            </a:r>
+            <a:r>
+              <a:rPr lang="en-US" dirty="0" err="1"/>
+              <a:t>Anwendungsabläufe</a:t>
+            </a:r>
+            <a:r>
+              <a:rPr lang="en-US" dirty="0"/>
+              <a:t> auf Basis von Eclipse RCP</a:t>
+            </a:r>
+          </a:p>
+          <a:p>
+            <a:r>
+              <a:rPr lang="en-US" dirty="0" err="1"/>
+              <a:t>Applikationsmodell</a:t>
+            </a:r>
+            <a:r>
+              <a:rPr lang="en-US" dirty="0"/>
+              <a:t> um </a:t>
+            </a:r>
+            <a:r>
+              <a:rPr lang="en-US" dirty="0" err="1"/>
+              <a:t>semantische</a:t>
+            </a:r>
+            <a:r>
+              <a:rPr lang="en-US" dirty="0"/>
+              <a:t> </a:t>
+            </a:r>
+            <a:r>
+              <a:rPr lang="en-US" dirty="0" err="1"/>
+              <a:t>Beschreibung</a:t>
+            </a:r>
+            <a:r>
+              <a:rPr lang="en-US" dirty="0"/>
+              <a:t> </a:t>
+            </a:r>
+            <a:r>
+              <a:rPr lang="en-US" dirty="0" err="1"/>
+              <a:t>erweitern</a:t>
+            </a:r>
+            <a:endParaRPr lang="en-US" dirty="0"/>
+          </a:p>
+        </p:txBody>
+      </p:sp>
+      <p:pic>
+        <p:nvPicPr>
+          <p:cNvPr id="8" name="Imagen 7" descr="Interfaz de usuario gráfica, Aplicación&#10;&#10;Descripción generada automáticamente">
+            <a:extLst>
+              <a:ext uri="{FF2B5EF4-FFF2-40B4-BE49-F238E27FC236}">
+                <a16:creationId xmlns:a16="http://schemas.microsoft.com/office/drawing/2014/main" id="{17B66241-CCD6-4E1D-AC4F-6A3F8C713742}"/>
+              </a:ext>
+            </a:extLst>
+          </p:cNvPr>
+          <p:cNvPicPr>
+            <a:picLocks noChangeAspect="1"/>
+          </p:cNvPicPr>
+          <p:nvPr/>
+        </p:nvPicPr>
+        <p:blipFill>
+          <a:blip r:embed="rId3"/>
+          <a:stretch>
+            <a:fillRect/>
+          </a:stretch>
+        </p:blipFill>
+        <p:spPr>
+          <a:xfrm>
+            <a:off x="7110078" y="307743"/>
+            <a:ext cx="4791075" cy="3552825"/>
+          </a:xfrm>
+          <a:prstGeom prst="rect">
+            <a:avLst/>
+          </a:prstGeom>
+        </p:spPr>
+      </p:pic>
+      <p:pic>
+        <p:nvPicPr>
+          <p:cNvPr id="5" name="Imagen 4" descr="Diagrama&#10;&#10;Descripción generada automáticamente">
+            <a:extLst>
+              <a:ext uri="{FF2B5EF4-FFF2-40B4-BE49-F238E27FC236}">
+                <a16:creationId xmlns:a16="http://schemas.microsoft.com/office/drawing/2014/main" id="{8B938002-7BA7-4B94-A797-3C293DA36BAA}"/>
+              </a:ext>
+            </a:extLst>
+          </p:cNvPr>
+          <p:cNvPicPr>
+            <a:picLocks noChangeAspect="1"/>
+          </p:cNvPicPr>
+          <p:nvPr/>
+        </p:nvPicPr>
+        <p:blipFill>
+          <a:blip r:embed="rId4"/>
+          <a:stretch>
+            <a:fillRect/>
+          </a:stretch>
+        </p:blipFill>
+        <p:spPr>
+          <a:xfrm>
+            <a:off x="5628091" y="2486159"/>
+            <a:ext cx="3429000" cy="3048000"/>
+          </a:xfrm>
+          <a:prstGeom prst="rect">
+            <a:avLst/>
+          </a:prstGeom>
+          <a:ln>
+            <a:solidFill>
+              <a:schemeClr val="tx1">
+                <a:lumMod val="95000"/>
+                <a:lumOff val="5000"/>
+              </a:schemeClr>
+            </a:solidFill>
+          </a:ln>
+          <a:effectLst>
+            <a:outerShdw blurRad="50800" dist="38100" algn="l" rotWithShape="0">
+              <a:prstClr val="black">
+                <a:alpha val="40000"/>
+              </a:prstClr>
+            </a:outerShdw>
+          </a:effectLst>
+        </p:spPr>
+      </p:pic>
+    </p:spTree>
+    <p:extLst>
+      <p:ext uri="{BB962C8B-B14F-4D97-AF65-F5344CB8AC3E}">
+        <p14:creationId xmlns:p14="http://schemas.microsoft.com/office/powerpoint/2010/main" val="1170746467"/>
+      </p:ext>
+    </p:extLst>
+  </p:cSld>
+  <p:clrMapOvr>
+    <a:masterClrMapping/>
+  </p:clrMapOvr>
+</p:sld>
+</file>
+
+<file path=ppt/slides/slide8.xml><?xml version="1.0" encoding="utf-8"?>
 <p:sld xmlns:a="http://schemas.openxmlformats.org/drawingml/2006/main" xmlns:r="http://schemas.openxmlformats.org/officeDocument/2006/relationships" xmlns:p="http://schemas.openxmlformats.org/presentationml/2006/main">
   <p:cSld>
     <p:spTree>
@@ -17365,279 +19330,24 @@
           </a:bodyPr>
           <a:lstStyle/>
           <a:p>
-            <a:pPr algn="l"/>
-            <a:r>
-              <a:rPr lang="de-DE" sz="1800" b="0" i="0" u="none" strike="noStrike" baseline="0" dirty="0">
+            <a:r>
+              <a:rPr lang="de-DE" dirty="0">
                 <a:latin typeface="Arial" panose="020B0604020202020204" pitchFamily="34" charset="0"/>
               </a:rPr>
-              <a:t>Wie hat sich die Wissenschaft bis jetzt entwickelt?</a:t>
+              <a:t>Viele der bereits vorgeschlagenen Lösungen sind abhängig von bestimmten Entwicklungsparadigma und/oder Entwicklungsplattformen.</a:t>
             </a:r>
           </a:p>
           <a:p>
-            <a:pPr marL="457200" lvl="1" indent="0">
-              <a:buNone/>
-            </a:pPr>
-            <a:r>
-              <a:rPr lang="de-DE" sz="1600" dirty="0">
+            <a:r>
+              <a:rPr lang="de-DE" dirty="0">
                 <a:latin typeface="Arial" panose="020B0604020202020204" pitchFamily="34" charset="0"/>
               </a:rPr>
-              <a:t>Bisher gibt es fast keine integrierte Tools für automatische Generierung. </a:t>
-            </a:r>
-            <a:r>
-              <a:rPr lang="de-DE" sz="1600" dirty="0" err="1">
-                <a:latin typeface="Arial" panose="020B0604020202020204" pitchFamily="34" charset="0"/>
-              </a:rPr>
-              <a:t>Literate</a:t>
-            </a:r>
-            <a:r>
-              <a:rPr lang="de-DE" sz="1600" dirty="0">
-                <a:latin typeface="Arial" panose="020B0604020202020204" pitchFamily="34" charset="0"/>
-              </a:rPr>
-              <a:t> </a:t>
-            </a:r>
-            <a:r>
-              <a:rPr lang="de-DE" sz="1600" dirty="0" err="1">
-                <a:latin typeface="Arial" panose="020B0604020202020204" pitchFamily="34" charset="0"/>
-              </a:rPr>
-              <a:t>programming</a:t>
-            </a:r>
-            <a:r>
-              <a:rPr lang="de-DE" sz="1600" dirty="0">
-                <a:latin typeface="Arial" panose="020B0604020202020204" pitchFamily="34" charset="0"/>
-              </a:rPr>
-              <a:t> oder I-Doc sind Beispiele der bisherige Versuche in die Richtung.</a:t>
-            </a:r>
-            <a:endParaRPr lang="de-DE" sz="1600" b="0" i="0" u="none" strike="noStrike" baseline="0" dirty="0">
-              <a:latin typeface="Arial" panose="020B0604020202020204" pitchFamily="34" charset="0"/>
-            </a:endParaRPr>
+              <a:t>Einige fokussieren sich nur auf Teilaspekte der Problematik</a:t>
+            </a:r>
           </a:p>
           <a:p>
-            <a:pPr algn="l"/>
-            <a:r>
-              <a:rPr lang="de-DE" sz="1800" b="0" i="0" u="none" strike="noStrike" baseline="0" dirty="0">
-                <a:latin typeface="Arial" panose="020B0604020202020204" pitchFamily="34" charset="0"/>
-              </a:rPr>
-              <a:t>Wer hat welche Voraussetzungen geschaffen?</a:t>
-            </a:r>
-          </a:p>
-          <a:p>
-            <a:pPr marL="457200" lvl="1" indent="0">
-              <a:buNone/>
-            </a:pPr>
-            <a:r>
-              <a:rPr lang="de-DE" sz="1600" b="0" i="0" u="none" strike="noStrike" baseline="0" dirty="0" err="1">
-                <a:latin typeface="Arial" panose="020B0604020202020204" pitchFamily="34" charset="0"/>
-              </a:rPr>
-              <a:t>Eclipse-based</a:t>
-            </a:r>
-            <a:r>
-              <a:rPr lang="de-DE" sz="1600" b="0" i="0" u="none" strike="noStrike" baseline="0" dirty="0">
-                <a:latin typeface="Arial" panose="020B0604020202020204" pitchFamily="34" charset="0"/>
-              </a:rPr>
-              <a:t> Rich Client </a:t>
-            </a:r>
-            <a:r>
-              <a:rPr lang="de-DE" sz="1600" b="0" i="0" u="none" strike="noStrike" baseline="0" dirty="0" err="1">
-                <a:latin typeface="Arial" panose="020B0604020202020204" pitchFamily="34" charset="0"/>
-              </a:rPr>
-              <a:t>Platform</a:t>
-            </a:r>
-            <a:r>
-              <a:rPr lang="de-DE" sz="1600" b="0" i="0" u="none" strike="noStrike" baseline="0" dirty="0">
-                <a:latin typeface="Arial" panose="020B0604020202020204" pitchFamily="34" charset="0"/>
-              </a:rPr>
-              <a:t> mit dem Fokus auf Applikationsmodelentwicklung</a:t>
-            </a:r>
-          </a:p>
-          <a:p>
-            <a:pPr algn="l"/>
-            <a:r>
-              <a:rPr lang="de-DE" sz="1800" b="0" i="0" u="none" strike="noStrike" baseline="0" dirty="0">
-                <a:latin typeface="Arial" panose="020B0604020202020204" pitchFamily="34" charset="0"/>
-              </a:rPr>
-              <a:t>Welche vergleichbaren Ergebnisse gibt es bisher?</a:t>
-            </a:r>
-          </a:p>
-          <a:p>
-            <a:pPr marL="457200" lvl="1" indent="0">
-              <a:buNone/>
-            </a:pPr>
-            <a:r>
-              <a:rPr lang="de-DE" sz="1600" dirty="0" err="1">
-                <a:latin typeface="Arial" panose="020B0604020202020204" pitchFamily="34" charset="0"/>
-              </a:rPr>
-              <a:t>CReRIA</a:t>
-            </a:r>
-            <a:r>
-              <a:rPr lang="de-DE" sz="1600" dirty="0">
-                <a:latin typeface="Arial" panose="020B0604020202020204" pitchFamily="34" charset="0"/>
-              </a:rPr>
-              <a:t> </a:t>
-            </a:r>
-            <a:r>
-              <a:rPr lang="de-DE" sz="1600" dirty="0" err="1">
-                <a:latin typeface="Arial" panose="020B0604020202020204" pitchFamily="34" charset="0"/>
-              </a:rPr>
-              <a:t>tool</a:t>
-            </a:r>
-            <a:r>
-              <a:rPr lang="de-DE" sz="1600" dirty="0">
-                <a:latin typeface="Arial" panose="020B0604020202020204" pitchFamily="34" charset="0"/>
-              </a:rPr>
-              <a:t> (Amalfitano et al., 2011),</a:t>
-            </a:r>
-            <a:r>
-              <a:rPr lang="de-DE" sz="1600" b="0" i="0" u="none" strike="noStrike" baseline="0" dirty="0">
-                <a:latin typeface="Arial" panose="020B0604020202020204" pitchFamily="34" charset="0"/>
-              </a:rPr>
-              <a:t> </a:t>
-            </a:r>
-            <a:r>
-              <a:rPr lang="de-DE" sz="1600" b="0" i="0" u="none" strike="noStrike" baseline="0" dirty="0" err="1">
-                <a:latin typeface="Arial" panose="020B0604020202020204" pitchFamily="34" charset="0"/>
-              </a:rPr>
-              <a:t>Écrit</a:t>
-            </a:r>
-            <a:r>
-              <a:rPr lang="de-DE" sz="1600" b="0" i="0" u="none" strike="noStrike" baseline="0" dirty="0">
-                <a:latin typeface="Arial" panose="020B0604020202020204" pitchFamily="34" charset="0"/>
-              </a:rPr>
-              <a:t> </a:t>
-            </a:r>
-            <a:r>
-              <a:rPr lang="de-DE" sz="1600" dirty="0" err="1">
-                <a:latin typeface="Arial" panose="020B0604020202020204" pitchFamily="34" charset="0"/>
-              </a:rPr>
-              <a:t>toolkit</a:t>
-            </a:r>
-            <a:r>
-              <a:rPr lang="de-DE" sz="1600" dirty="0">
-                <a:latin typeface="Arial" panose="020B0604020202020204" pitchFamily="34" charset="0"/>
-              </a:rPr>
-              <a:t> (Descher et al., 2014) , </a:t>
-            </a:r>
-            <a:r>
-              <a:rPr lang="de-DE" sz="1600" b="0" i="0" u="none" strike="noStrike" baseline="0" dirty="0">
-                <a:latin typeface="Arial" panose="020B0604020202020204" pitchFamily="34" charset="0"/>
-              </a:rPr>
-              <a:t>GuideAutomator (Souza, Oliveira, 2017)</a:t>
-            </a:r>
-          </a:p>
-        </p:txBody>
-      </p:sp>
-    </p:spTree>
-    <p:extLst>
-      <p:ext uri="{BB962C8B-B14F-4D97-AF65-F5344CB8AC3E}">
-        <p14:creationId xmlns:p14="http://schemas.microsoft.com/office/powerpoint/2010/main" val="155937387"/>
-      </p:ext>
-    </p:extLst>
-  </p:cSld>
-  <p:clrMapOvr>
-    <a:masterClrMapping/>
-  </p:clrMapOvr>
-</p:sld>
-</file>
-
-<file path=ppt/slides/slide7.xml><?xml version="1.0" encoding="utf-8"?>
-<p:sld xmlns:a="http://schemas.openxmlformats.org/drawingml/2006/main" xmlns:r="http://schemas.openxmlformats.org/officeDocument/2006/relationships" xmlns:p="http://schemas.openxmlformats.org/presentationml/2006/main">
-  <p:cSld>
-    <p:spTree>
-      <p:nvGrpSpPr>
-        <p:cNvPr id="1" name=""/>
-        <p:cNvGrpSpPr/>
-        <p:nvPr/>
-      </p:nvGrpSpPr>
-      <p:grpSpPr>
-        <a:xfrm>
-          <a:off x="0" y="0"/>
-          <a:ext cx="0" cy="0"/>
-          <a:chOff x="0" y="0"/>
-          <a:chExt cx="0" cy="0"/>
-        </a:xfrm>
-      </p:grpSpPr>
-      <p:sp>
-        <p:nvSpPr>
-          <p:cNvPr id="2" name="Título 1">
-            <a:extLst>
-              <a:ext uri="{FF2B5EF4-FFF2-40B4-BE49-F238E27FC236}">
-                <a16:creationId xmlns:a16="http://schemas.microsoft.com/office/drawing/2014/main" id="{1F2FDEF7-F948-41F6-B0C4-37650AF71AE3}"/>
-              </a:ext>
-            </a:extLst>
-          </p:cNvPr>
-          <p:cNvSpPr>
-            <a:spLocks noGrp="1"/>
-          </p:cNvSpPr>
-          <p:nvPr>
-            <p:ph type="title"/>
-          </p:nvPr>
-        </p:nvSpPr>
-        <p:spPr/>
-        <p:txBody>
-          <a:bodyPr/>
-          <a:lstStyle/>
-          <a:p>
-            <a:r>
-              <a:rPr lang="de-DE" dirty="0"/>
-              <a:t>Stand der Forschung</a:t>
-            </a:r>
-            <a:br>
-              <a:rPr lang="de-DE" dirty="0"/>
-            </a:br>
-            <a:r>
-              <a:rPr lang="de-DE" sz="1600" i="1" dirty="0"/>
-              <a:t>Was ist der aktuelle Stand der Forschung zum Thema?</a:t>
-            </a:r>
-          </a:p>
-        </p:txBody>
-      </p:sp>
-      <p:sp>
-        <p:nvSpPr>
-          <p:cNvPr id="3" name="Marcador de contenido 2">
-            <a:extLst>
-              <a:ext uri="{FF2B5EF4-FFF2-40B4-BE49-F238E27FC236}">
-                <a16:creationId xmlns:a16="http://schemas.microsoft.com/office/drawing/2014/main" id="{A2D9FE3C-824A-429A-A6A4-399EA8991228}"/>
-              </a:ext>
-            </a:extLst>
-          </p:cNvPr>
-          <p:cNvSpPr>
-            <a:spLocks noGrp="1"/>
-          </p:cNvSpPr>
-          <p:nvPr>
-            <p:ph idx="1"/>
-          </p:nvPr>
-        </p:nvSpPr>
-        <p:spPr/>
-        <p:txBody>
-          <a:bodyPr>
-            <a:normAutofit/>
-          </a:bodyPr>
-          <a:lstStyle/>
-          <a:p>
-            <a:pPr algn="l"/>
-            <a:r>
-              <a:rPr lang="de-DE" sz="1800" b="0" i="0" u="none" strike="noStrike" baseline="0" dirty="0">
-                <a:latin typeface="Arial" panose="020B0604020202020204" pitchFamily="34" charset="0"/>
-              </a:rPr>
-              <a:t>Warum reicht das bisher Getane noch nicht?</a:t>
-            </a:r>
-          </a:p>
-          <a:p>
-            <a:pPr marL="457200" lvl="1" indent="0">
-              <a:buNone/>
-            </a:pPr>
-            <a:r>
-              <a:rPr lang="de-DE" sz="1600" dirty="0">
-                <a:latin typeface="Arial" panose="020B0604020202020204" pitchFamily="34" charset="0"/>
-              </a:rPr>
-              <a:t>Viele der bereits vorgeschlagenen Lösungen sind abhängig von bestimmten Entwicklungsparadigma und/oder Entwicklungsplattformen. </a:t>
-            </a:r>
-          </a:p>
-          <a:p>
-            <a:pPr marL="457200" lvl="1" indent="0">
-              <a:buNone/>
-            </a:pPr>
-            <a:r>
-              <a:rPr lang="de-DE" sz="1600" b="0" i="0" u="none" strike="noStrike" baseline="0" dirty="0">
+            <a:r>
+              <a:rPr lang="de-DE" b="0" i="0" u="none" strike="noStrike" baseline="0" dirty="0">
                 <a:latin typeface="Arial" panose="020B0604020202020204" pitchFamily="34" charset="0"/>
               </a:rPr>
               <a:t>Die Implementierung solcher Tools sind noch in der Entwicklung</a:t>
@@ -17664,7 +19374,7 @@
 </p:sld>
 </file>
 
-<file path=ppt/slides/slide8.xml><?xml version="1.0" encoding="utf-8"?>
+<file path=ppt/slides/slide9.xml><?xml version="1.0" encoding="utf-8"?>
 <p:sld xmlns:a="http://schemas.openxmlformats.org/drawingml/2006/main" xmlns:r="http://schemas.openxmlformats.org/officeDocument/2006/relationships" xmlns:p="http://schemas.openxmlformats.org/presentationml/2006/main">
   <p:cSld>
     <p:spTree>
@@ -17742,22 +19452,20 @@
               <a:rPr lang="de-DE" sz="1800" b="0" i="0" u="none" strike="noStrike" baseline="0" dirty="0">
                 <a:latin typeface="Arial" panose="020B0604020202020204" pitchFamily="34" charset="0"/>
               </a:rPr>
-              <a:t>Welche Ziele werden angestrebt?</a:t>
-            </a:r>
-          </a:p>
-          <a:p>
-            <a:pPr marL="457200" lvl="1" indent="0">
-              <a:buNone/>
-            </a:pPr>
-            <a:r>
-              <a:rPr lang="de-DE" sz="1600" dirty="0">
+              <a:t>Entwicklung eines </a:t>
+            </a:r>
+            <a:r>
+              <a:rPr lang="de-DE" sz="1800" b="0" i="0" u="none" strike="noStrike" baseline="0" dirty="0" err="1">
                 <a:latin typeface="Arial" panose="020B0604020202020204" pitchFamily="34" charset="0"/>
               </a:rPr>
-              <a:t>Die Implementierung eines Tools, welches die automatische Generierung des Benutzerhandbuches bereits in Entwicklungsphase der Webanwendung durchführt.</a:t>
-            </a:r>
-            <a:endParaRPr lang="de-DE" sz="1800" b="0" i="0" u="none" strike="noStrike" baseline="0" dirty="0">
-              <a:latin typeface="Arial" panose="020B0604020202020204" pitchFamily="34" charset="0"/>
-            </a:endParaRPr>
+              <a:t>Cinco</a:t>
+            </a:r>
+            <a:r>
+              <a:rPr lang="de-DE" sz="1800" b="0" i="0" u="none" strike="noStrike" baseline="0" dirty="0">
+                <a:latin typeface="Arial" panose="020B0604020202020204" pitchFamily="34" charset="0"/>
+              </a:rPr>
+              <a:t>-basierten Editors zur grafischen Modellierung von Nutzersequenzen</a:t>
+            </a:r>
           </a:p>
           <a:p>
             <a:pPr algn="l"/>
@@ -17765,18 +19473,28 @@
               <a:rPr lang="de-DE" sz="1800" b="0" i="0" u="none" strike="noStrike" baseline="0" dirty="0">
                 <a:latin typeface="Arial" panose="020B0604020202020204" pitchFamily="34" charset="0"/>
               </a:rPr>
-              <a:t>Woran kann die Erreichung der Ziele gemessen werden?</a:t>
+              <a:t>Generierung einer Ausführungsumgebung, darauf basierend die Generierung einer Markdown-basierten Nutzerdokumentation</a:t>
             </a:r>
           </a:p>
           <a:p>
-            <a:pPr marL="457200" lvl="1" indent="0">
-              <a:buNone/>
-            </a:pPr>
-            <a:r>
-              <a:rPr lang="de-DE" sz="1600" dirty="0">
+            <a:pPr algn="l"/>
+            <a:r>
+              <a:rPr lang="de-DE" sz="1800" b="0" i="0" u="none" strike="noStrike" baseline="0" dirty="0">
                 <a:latin typeface="Arial" panose="020B0604020202020204" pitchFamily="34" charset="0"/>
               </a:rPr>
-              <a:t>Als Ergebnis wird die hoch-qualitative Dokumentation der zugrunde liegende Anwendung angestrebt.</a:t>
+              <a:t>Evaluation: Modellierung und Generierung einer Nutzerdokumentation für (Teile von) </a:t>
+            </a:r>
+            <a:r>
+              <a:rPr lang="de-DE" sz="1800" b="0" i="0" u="none" strike="noStrike" baseline="0" dirty="0" err="1">
+                <a:latin typeface="Arial" panose="020B0604020202020204" pitchFamily="34" charset="0"/>
+              </a:rPr>
+              <a:t>EquinOCS</a:t>
+            </a:r>
+            <a:r>
+              <a:rPr lang="de-DE" sz="1800" b="0" i="0" u="none" strike="noStrike" baseline="0" dirty="0">
+                <a:latin typeface="Arial" panose="020B0604020202020204" pitchFamily="34" charset="0"/>
+              </a:rPr>
+              <a:t>. </a:t>
             </a:r>
           </a:p>
         </p:txBody>
@@ -17785,158 +19503,6 @@
     <p:extLst>
       <p:ext uri="{BB962C8B-B14F-4D97-AF65-F5344CB8AC3E}">
         <p14:creationId xmlns:p14="http://schemas.microsoft.com/office/powerpoint/2010/main" val="2228855542"/>
-      </p:ext>
-    </p:extLst>
-  </p:cSld>
-  <p:clrMapOvr>
-    <a:masterClrMapping/>
-  </p:clrMapOvr>
-</p:sld>
-</file>
-
-<file path=ppt/slides/slide9.xml><?xml version="1.0" encoding="utf-8"?>
-<p:sld xmlns:a="http://schemas.openxmlformats.org/drawingml/2006/main" xmlns:r="http://schemas.openxmlformats.org/officeDocument/2006/relationships" xmlns:p="http://schemas.openxmlformats.org/presentationml/2006/main">
-  <p:cSld>
-    <p:spTree>
-      <p:nvGrpSpPr>
-        <p:cNvPr id="1" name=""/>
-        <p:cNvGrpSpPr/>
-        <p:nvPr/>
-      </p:nvGrpSpPr>
-      <p:grpSpPr>
-        <a:xfrm>
-          <a:off x="0" y="0"/>
-          <a:ext cx="0" cy="0"/>
-          <a:chOff x="0" y="0"/>
-          <a:chExt cx="0" cy="0"/>
-        </a:xfrm>
-      </p:grpSpPr>
-      <p:sp>
-        <p:nvSpPr>
-          <p:cNvPr id="2" name="Título 1">
-            <a:extLst>
-              <a:ext uri="{FF2B5EF4-FFF2-40B4-BE49-F238E27FC236}">
-                <a16:creationId xmlns:a16="http://schemas.microsoft.com/office/drawing/2014/main" id="{001D56E8-9812-430E-BECB-D328B73AACE5}"/>
-              </a:ext>
-            </a:extLst>
-          </p:cNvPr>
-          <p:cNvSpPr>
-            <a:spLocks noGrp="1"/>
-          </p:cNvSpPr>
-          <p:nvPr>
-            <p:ph type="title"/>
-          </p:nvPr>
-        </p:nvSpPr>
-        <p:spPr/>
-        <p:txBody>
-          <a:bodyPr/>
-          <a:lstStyle/>
-          <a:p>
-            <a:r>
-              <a:rPr lang="de-DE" dirty="0"/>
-              <a:t>Relevanz und Nutzen</a:t>
-            </a:r>
-            <a:br>
-              <a:rPr lang="de-DE" dirty="0"/>
-            </a:br>
-            <a:r>
-              <a:rPr lang="de-DE" sz="1600" i="1" dirty="0"/>
-              <a:t>Inwiefern stellt die Arbeit einen Fortschritt dar?</a:t>
-            </a:r>
-          </a:p>
-        </p:txBody>
-      </p:sp>
-      <p:sp>
-        <p:nvSpPr>
-          <p:cNvPr id="3" name="Marcador de contenido 2">
-            <a:extLst>
-              <a:ext uri="{FF2B5EF4-FFF2-40B4-BE49-F238E27FC236}">
-                <a16:creationId xmlns:a16="http://schemas.microsoft.com/office/drawing/2014/main" id="{2C012845-E4BA-4728-AC35-90E3C46F0A55}"/>
-              </a:ext>
-            </a:extLst>
-          </p:cNvPr>
-          <p:cNvSpPr>
-            <a:spLocks noGrp="1"/>
-          </p:cNvSpPr>
-          <p:nvPr>
-            <p:ph idx="1"/>
-          </p:nvPr>
-        </p:nvSpPr>
-        <p:spPr/>
-        <p:txBody>
-          <a:bodyPr>
-            <a:normAutofit/>
-          </a:bodyPr>
-          <a:lstStyle/>
-          <a:p>
-            <a:pPr algn="l"/>
-            <a:r>
-              <a:rPr lang="de-DE" sz="1800" b="0" i="0" u="none" strike="noStrike" baseline="0" dirty="0">
-                <a:latin typeface="Arial" panose="020B0604020202020204" pitchFamily="34" charset="0"/>
-              </a:rPr>
-              <a:t>Wie wird das Fachgebiet durch das Erreichen der Ziele vorangebracht?</a:t>
-            </a:r>
-          </a:p>
-          <a:p>
-            <a:pPr lvl="1"/>
-            <a:r>
-              <a:rPr lang="de-DE" sz="1600" dirty="0">
-                <a:latin typeface="Arial" panose="020B0604020202020204" pitchFamily="34" charset="0"/>
-              </a:rPr>
-              <a:t>Automatisierungsprozesse sind zeitsparend und kostensenkend. Softwareprojekte sind an Budget und Deadlines gebunden, </a:t>
-            </a:r>
-            <a:endParaRPr lang="de-DE" sz="1600" b="0" i="0" u="none" strike="noStrike" baseline="0" dirty="0">
-              <a:latin typeface="Arial" panose="020B0604020202020204" pitchFamily="34" charset="0"/>
-            </a:endParaRPr>
-          </a:p>
-          <a:p>
-            <a:pPr algn="l"/>
-            <a:r>
-              <a:rPr lang="de-DE" sz="1800" b="0" i="0" u="none" strike="noStrike" baseline="0" dirty="0">
-                <a:latin typeface="Arial" panose="020B0604020202020204" pitchFamily="34" charset="0"/>
-              </a:rPr>
-              <a:t>Was wird dadurch z.B. schneller, effizienter, zuverlässiger ...?</a:t>
-            </a:r>
-          </a:p>
-          <a:p>
-            <a:pPr lvl="1"/>
-            <a:r>
-              <a:rPr lang="de-DE" sz="1600" dirty="0">
-                <a:latin typeface="Arial" panose="020B0604020202020204" pitchFamily="34" charset="0"/>
-              </a:rPr>
-              <a:t>… daher ist es ein großer Fortschritt die User Dokumentation schnell und kostengünstig erzeugen zu können.</a:t>
-            </a:r>
-            <a:endParaRPr lang="de-DE" sz="1800" b="0" i="0" u="none" strike="noStrike" baseline="0" dirty="0">
-              <a:latin typeface="Arial" panose="020B0604020202020204" pitchFamily="34" charset="0"/>
-            </a:endParaRPr>
-          </a:p>
-          <a:p>
-            <a:pPr algn="l"/>
-            <a:r>
-              <a:rPr lang="de-DE" sz="1800" b="0" i="0" u="none" strike="noStrike" baseline="0" dirty="0">
-                <a:latin typeface="Arial" panose="020B0604020202020204" pitchFamily="34" charset="0"/>
-              </a:rPr>
-              <a:t>Wie profitieren Anwender davon?</a:t>
-            </a:r>
-          </a:p>
-          <a:p>
-            <a:pPr lvl="1"/>
-            <a:r>
-              <a:rPr lang="de-DE" sz="1600" dirty="0">
-                <a:latin typeface="Arial" panose="020B0604020202020204" pitchFamily="34" charset="0"/>
-              </a:rPr>
-              <a:t>Nicht nur die Entwickler profitieren davon, sondern auch der Endbenutzer der stets eine aktuelle Dokumentation der Anwendung zur Verfügung gestellt bekommt.</a:t>
-            </a:r>
-            <a:endParaRPr lang="de-DE" sz="1600" b="0" i="0" u="none" strike="noStrike" baseline="0" dirty="0">
-              <a:latin typeface="Arial" panose="020B0604020202020204" pitchFamily="34" charset="0"/>
-            </a:endParaRPr>
-          </a:p>
-        </p:txBody>
-      </p:sp>
-    </p:spTree>
-    <p:extLst>
-      <p:ext uri="{BB962C8B-B14F-4D97-AF65-F5344CB8AC3E}">
-        <p14:creationId xmlns:p14="http://schemas.microsoft.com/office/powerpoint/2010/main" val="2370031470"/>
       </p:ext>
     </p:extLst>
   </p:cSld>

--- a/Proposalvortrag.pptx
+++ b/Proposalvortrag.pptx
@@ -3005,7 +3005,7 @@
           </a:pPr>
           <a:r>
             <a:rPr lang="de-DE" dirty="0"/>
-            <a:t>22. Juni 2021</a:t>
+            <a:t>29. Juni 2021</a:t>
           </a:r>
         </a:p>
       </dgm:t>
@@ -3125,7 +3125,7 @@
           </a:pPr>
           <a:r>
             <a:rPr lang="de-DE" dirty="0"/>
-            <a:t>Modellierungsplattform implementieren</a:t>
+            <a:t>Generierung v. Screenshots mit Selenium</a:t>
           </a:r>
         </a:p>
       </dgm:t>
@@ -3205,7 +3205,15 @@
           </a:pPr>
           <a:r>
             <a:rPr lang="de-DE" dirty="0"/>
-            <a:t>Funktionierendes Maven-Projekt</a:t>
+            <a:t>Erstellung des </a:t>
+          </a:r>
+          <a:r>
+            <a:rPr lang="de-DE" dirty="0" err="1"/>
+            <a:t>VuePress</a:t>
+          </a:r>
+          <a:r>
+            <a:rPr lang="de-DE" dirty="0"/>
+            <a:t>-Projekts</a:t>
           </a:r>
         </a:p>
       </dgm:t>
@@ -3222,46 +3230,6 @@
       </dgm:t>
     </dgm:pt>
     <dgm:pt modelId="{E7B60342-27D7-43BB-B2C8-540F8BEE4226}" type="sibTrans" cxnId="{8D0D5C20-94C0-4916-B914-9DA67010E239}">
-      <dgm:prSet/>
-      <dgm:spPr/>
-      <dgm:t>
-        <a:bodyPr/>
-        <a:lstStyle/>
-        <a:p>
-          <a:endParaRPr lang="de-DE"/>
-        </a:p>
-      </dgm:t>
-    </dgm:pt>
-    <dgm:pt modelId="{B27692D0-8A89-45D3-ACAC-BFFA142B9731}">
-      <dgm:prSet phldrT="[Texto]"/>
-      <dgm:spPr/>
-      <dgm:t>
-        <a:bodyPr/>
-        <a:lstStyle/>
-        <a:p>
-          <a:pPr>
-            <a:buFont typeface="Wingdings" panose="05000000000000000000" pitchFamily="2" charset="2"/>
-            <a:buChar char="ü"/>
-          </a:pPr>
-          <a:r>
-            <a:rPr lang="de-DE" dirty="0"/>
-            <a:t>Bugfix und evtl. Features</a:t>
-          </a:r>
-        </a:p>
-      </dgm:t>
-    </dgm:pt>
-    <dgm:pt modelId="{3D49A824-4465-43B9-A017-3C8CBBC08A1D}" type="parTrans" cxnId="{98DB09D7-8344-47D2-BCA5-916B7B7AC0D2}">
-      <dgm:prSet/>
-      <dgm:spPr/>
-      <dgm:t>
-        <a:bodyPr/>
-        <a:lstStyle/>
-        <a:p>
-          <a:endParaRPr lang="de-DE"/>
-        </a:p>
-      </dgm:t>
-    </dgm:pt>
-    <dgm:pt modelId="{FA95530E-7A16-47B0-8CDD-6458568886C9}" type="sibTrans" cxnId="{98DB09D7-8344-47D2-BCA5-916B7B7AC0D2}">
       <dgm:prSet/>
       <dgm:spPr/>
       <dgm:t>
@@ -3313,7 +3281,7 @@
       </dgm:t>
     </dgm:pt>
     <dgm:pt modelId="{03E7FDC3-54FA-443E-95F3-A82B9D92573A}">
-      <dgm:prSet phldrT="[Texto]" custScaleX="93504" custScaleY="38146" custLinFactNeighborX="-6149" custLinFactNeighborY="-45044"/>
+      <dgm:prSet phldrT="[Texto]"/>
       <dgm:spPr/>
       <dgm:t>
         <a:bodyPr/>
@@ -3352,7 +3320,307 @@
         </a:p>
       </dgm:t>
     </dgm:pt>
-    <dgm:pt modelId="{340603CD-7294-402D-8237-017F774EBDCF}" type="pres">
+    <dgm:pt modelId="{B492FAD3-E307-4FCE-9283-054C3DAD547D}">
+      <dgm:prSet phldrT="[Texto]"/>
+      <dgm:spPr/>
+      <dgm:t>
+        <a:bodyPr/>
+        <a:lstStyle/>
+        <a:p>
+          <a:pPr>
+            <a:buFont typeface="Wingdings" panose="05000000000000000000" pitchFamily="2" charset="2"/>
+            <a:buChar char="ü"/>
+          </a:pPr>
+          <a:r>
+            <a:rPr lang="de-DE" dirty="0"/>
+            <a:t>Bis 30. Juli</a:t>
+          </a:r>
+        </a:p>
+      </dgm:t>
+    </dgm:pt>
+    <dgm:pt modelId="{E93D9F53-F1B1-4A0F-9646-6859A5F6EAA5}" type="parTrans" cxnId="{1B43148F-9FAB-4906-BA87-28EEA4D239F1}">
+      <dgm:prSet/>
+      <dgm:spPr/>
+      <dgm:t>
+        <a:bodyPr/>
+        <a:lstStyle/>
+        <a:p>
+          <a:endParaRPr lang="de-DE"/>
+        </a:p>
+      </dgm:t>
+    </dgm:pt>
+    <dgm:pt modelId="{0E618C2F-803A-4E81-914B-2D46DD1EAAD0}" type="sibTrans" cxnId="{1B43148F-9FAB-4906-BA87-28EEA4D239F1}">
+      <dgm:prSet/>
+      <dgm:spPr/>
+      <dgm:t>
+        <a:bodyPr/>
+        <a:lstStyle/>
+        <a:p>
+          <a:endParaRPr lang="de-DE"/>
+        </a:p>
+      </dgm:t>
+    </dgm:pt>
+    <dgm:pt modelId="{6A73E702-E6CD-454B-B2BA-A19BA9D7DE84}">
+      <dgm:prSet phldrT="[Texto]"/>
+      <dgm:spPr/>
+      <dgm:t>
+        <a:bodyPr/>
+        <a:lstStyle/>
+        <a:p>
+          <a:pPr>
+            <a:buFont typeface="Wingdings" panose="05000000000000000000" pitchFamily="2" charset="2"/>
+            <a:buChar char="ü"/>
+          </a:pPr>
+          <a:r>
+            <a:rPr lang="de-DE" dirty="0" err="1"/>
+            <a:t>Build</a:t>
+          </a:r>
+          <a:r>
+            <a:rPr lang="de-DE" dirty="0"/>
+            <a:t>-fähiges Maven-Projekt erstellen</a:t>
+          </a:r>
+        </a:p>
+      </dgm:t>
+    </dgm:pt>
+    <dgm:pt modelId="{1A338EAB-6F28-4AEE-8BE5-43AF2ED6C2FE}" type="parTrans" cxnId="{EDFC8039-E828-48A0-83DF-BA3100024D66}">
+      <dgm:prSet/>
+      <dgm:spPr/>
+      <dgm:t>
+        <a:bodyPr/>
+        <a:lstStyle/>
+        <a:p>
+          <a:endParaRPr lang="de-DE"/>
+        </a:p>
+      </dgm:t>
+    </dgm:pt>
+    <dgm:pt modelId="{B4AD1346-7074-4BFB-9C8F-FADA764D4E7D}" type="sibTrans" cxnId="{EDFC8039-E828-48A0-83DF-BA3100024D66}">
+      <dgm:prSet/>
+      <dgm:spPr/>
+      <dgm:t>
+        <a:bodyPr/>
+        <a:lstStyle/>
+        <a:p>
+          <a:endParaRPr lang="de-DE"/>
+        </a:p>
+      </dgm:t>
+    </dgm:pt>
+    <dgm:pt modelId="{9A533604-2AFF-4EFE-AA85-9FD95755B96E}">
+      <dgm:prSet phldrT="[Texto]"/>
+      <dgm:spPr/>
+      <dgm:t>
+        <a:bodyPr/>
+        <a:lstStyle/>
+        <a:p>
+          <a:pPr>
+            <a:buFont typeface="Wingdings" panose="05000000000000000000" pitchFamily="2" charset="2"/>
+            <a:buChar char="ü"/>
+          </a:pPr>
+          <a:r>
+            <a:rPr lang="de-DE" dirty="0"/>
+            <a:t>Generierung modellabhängiger Java-Klassen</a:t>
+          </a:r>
+        </a:p>
+      </dgm:t>
+    </dgm:pt>
+    <dgm:pt modelId="{0DDA5E69-F53C-4276-B30D-5A730A8A288F}" type="parTrans" cxnId="{958CA5FE-1FC2-4852-874D-4909ED6A21D0}">
+      <dgm:prSet/>
+      <dgm:spPr/>
+      <dgm:t>
+        <a:bodyPr/>
+        <a:lstStyle/>
+        <a:p>
+          <a:endParaRPr lang="de-DE"/>
+        </a:p>
+      </dgm:t>
+    </dgm:pt>
+    <dgm:pt modelId="{A128DBB4-49B3-42ED-B728-308A637264DA}" type="sibTrans" cxnId="{958CA5FE-1FC2-4852-874D-4909ED6A21D0}">
+      <dgm:prSet/>
+      <dgm:spPr/>
+      <dgm:t>
+        <a:bodyPr/>
+        <a:lstStyle/>
+        <a:p>
+          <a:endParaRPr lang="de-DE"/>
+        </a:p>
+      </dgm:t>
+    </dgm:pt>
+    <dgm:pt modelId="{515EA69E-9BB5-4BDD-89F5-F2C1FC097A08}">
+      <dgm:prSet phldrT="[Texto]"/>
+      <dgm:spPr/>
+      <dgm:t>
+        <a:bodyPr/>
+        <a:lstStyle/>
+        <a:p>
+          <a:pPr>
+            <a:buFont typeface="Wingdings" panose="05000000000000000000" pitchFamily="2" charset="2"/>
+            <a:buChar char="ü"/>
+          </a:pPr>
+          <a:r>
+            <a:rPr lang="de-DE" dirty="0"/>
+            <a:t>Generierung der Markdown-Dateien</a:t>
+          </a:r>
+        </a:p>
+      </dgm:t>
+    </dgm:pt>
+    <dgm:pt modelId="{8D9F875C-1D18-4AB3-BF8A-4EE64B312EED}" type="parTrans" cxnId="{A69B76C8-F5DE-4DC2-A2D8-465E6F115F82}">
+      <dgm:prSet/>
+      <dgm:spPr/>
+      <dgm:t>
+        <a:bodyPr/>
+        <a:lstStyle/>
+        <a:p>
+          <a:endParaRPr lang="de-DE"/>
+        </a:p>
+      </dgm:t>
+    </dgm:pt>
+    <dgm:pt modelId="{B88F0F3D-206B-4EE4-A247-66540E66C68A}" type="sibTrans" cxnId="{A69B76C8-F5DE-4DC2-A2D8-465E6F115F82}">
+      <dgm:prSet/>
+      <dgm:spPr/>
+      <dgm:t>
+        <a:bodyPr/>
+        <a:lstStyle/>
+        <a:p>
+          <a:endParaRPr lang="de-DE"/>
+        </a:p>
+      </dgm:t>
+    </dgm:pt>
+    <dgm:pt modelId="{0546C1A0-A4DF-42EB-A79E-F22184E7D187}">
+      <dgm:prSet phldrT="[Texto]"/>
+      <dgm:spPr/>
+      <dgm:t>
+        <a:bodyPr/>
+        <a:lstStyle/>
+        <a:p>
+          <a:pPr>
+            <a:buFont typeface="Wingdings" panose="05000000000000000000" pitchFamily="2" charset="2"/>
+            <a:buChar char="ü"/>
+          </a:pPr>
+          <a:r>
+            <a:rPr lang="de-DE" dirty="0"/>
+            <a:t>Bugfix und evtl. Features</a:t>
+          </a:r>
+        </a:p>
+      </dgm:t>
+    </dgm:pt>
+    <dgm:pt modelId="{ACA9FA7C-AFEC-47D4-ACA2-BEB964AF6AAB}" type="parTrans" cxnId="{2E97FFA9-BDF0-4066-9BB5-7705468C0490}">
+      <dgm:prSet/>
+      <dgm:spPr/>
+      <dgm:t>
+        <a:bodyPr/>
+        <a:lstStyle/>
+        <a:p>
+          <a:endParaRPr lang="de-DE"/>
+        </a:p>
+      </dgm:t>
+    </dgm:pt>
+    <dgm:pt modelId="{C979EE71-6719-4E4A-A667-C23096702555}" type="sibTrans" cxnId="{2E97FFA9-BDF0-4066-9BB5-7705468C0490}">
+      <dgm:prSet/>
+      <dgm:spPr/>
+      <dgm:t>
+        <a:bodyPr/>
+        <a:lstStyle/>
+        <a:p>
+          <a:endParaRPr lang="de-DE"/>
+        </a:p>
+      </dgm:t>
+    </dgm:pt>
+    <dgm:pt modelId="{5BF89393-C1EE-439D-9349-B20C438A71B1}">
+      <dgm:prSet phldrT="[Texto]"/>
+      <dgm:spPr/>
+      <dgm:t>
+        <a:bodyPr/>
+        <a:lstStyle/>
+        <a:p>
+          <a:pPr>
+            <a:buFont typeface="Wingdings" panose="05000000000000000000" pitchFamily="2" charset="2"/>
+            <a:buChar char="ü"/>
+          </a:pPr>
+          <a:r>
+            <a:rPr lang="de-DE" dirty="0"/>
+            <a:t>Festlegen </a:t>
+          </a:r>
+          <a:r>
+            <a:rPr lang="de-DE" dirty="0" err="1"/>
+            <a:t>wl</a:t>
+          </a:r>
+          <a:r>
+            <a:rPr lang="de-DE" dirty="0"/>
+            <a:t>. Treffen mit Betreuer</a:t>
+          </a:r>
+        </a:p>
+      </dgm:t>
+    </dgm:pt>
+    <dgm:pt modelId="{19168305-D18D-4B47-8BDB-0893A52A93AA}" type="parTrans" cxnId="{1664F40B-CC37-4A85-8531-1D319BC1E1E3}">
+      <dgm:prSet/>
+      <dgm:spPr/>
+      <dgm:t>
+        <a:bodyPr/>
+        <a:lstStyle/>
+        <a:p>
+          <a:endParaRPr lang="de-DE"/>
+        </a:p>
+      </dgm:t>
+    </dgm:pt>
+    <dgm:pt modelId="{273786ED-D42F-43FE-8DB3-D5DA65E9E0F7}" type="sibTrans" cxnId="{1664F40B-CC37-4A85-8531-1D319BC1E1E3}">
+      <dgm:prSet/>
+      <dgm:spPr/>
+      <dgm:t>
+        <a:bodyPr/>
+        <a:lstStyle/>
+        <a:p>
+          <a:endParaRPr lang="de-DE"/>
+        </a:p>
+      </dgm:t>
+    </dgm:pt>
+    <dgm:pt modelId="{912B247B-1954-4101-B640-958997BEDE94}">
+      <dgm:prSet phldrT="[Texto]"/>
+      <dgm:spPr/>
+      <dgm:t>
+        <a:bodyPr/>
+        <a:lstStyle/>
+        <a:p>
+          <a:pPr>
+            <a:buFont typeface="Wingdings" panose="05000000000000000000" pitchFamily="2" charset="2"/>
+            <a:buChar char="ü"/>
+          </a:pPr>
+          <a:r>
+            <a:rPr lang="de-DE" dirty="0"/>
+            <a:t>Project </a:t>
+          </a:r>
+          <a:r>
+            <a:rPr lang="de-DE" dirty="0" err="1"/>
+            <a:t>package</a:t>
+          </a:r>
+          <a:r>
+            <a:rPr lang="de-DE" dirty="0"/>
+            <a:t> erstellen</a:t>
+          </a:r>
+        </a:p>
+      </dgm:t>
+    </dgm:pt>
+    <dgm:pt modelId="{E0516F81-7768-4864-BBA7-F89752601875}" type="parTrans" cxnId="{18DDF126-5719-4AAC-9283-7B6EB49A7BFB}">
+      <dgm:prSet/>
+      <dgm:spPr/>
+      <dgm:t>
+        <a:bodyPr/>
+        <a:lstStyle/>
+        <a:p>
+          <a:endParaRPr lang="de-DE"/>
+        </a:p>
+      </dgm:t>
+    </dgm:pt>
+    <dgm:pt modelId="{6BD37F07-7BC1-4788-8981-B377A858E03D}" type="sibTrans" cxnId="{18DDF126-5719-4AAC-9283-7B6EB49A7BFB}">
+      <dgm:prSet/>
+      <dgm:spPr/>
+      <dgm:t>
+        <a:bodyPr/>
+        <a:lstStyle/>
+        <a:p>
+          <a:endParaRPr lang="de-DE"/>
+        </a:p>
+      </dgm:t>
+    </dgm:pt>
+    <dgm:pt modelId="{8886C787-26DD-44F1-ABB8-B5E5A526A061}" type="pres">
       <dgm:prSet presAssocID="{75FCF811-E5CC-448B-8A1D-76CF11C6F0E7}" presName="linearFlow" presStyleCnt="0">
         <dgm:presLayoutVars>
           <dgm:dir/>
@@ -3362,12 +3630,12 @@
       </dgm:prSet>
       <dgm:spPr/>
     </dgm:pt>
-    <dgm:pt modelId="{3910B519-9BA7-4FCD-A687-7B4B43616B1A}" type="pres">
+    <dgm:pt modelId="{C70B5D1D-1738-45D6-B24E-AB93B61F74B5}" type="pres">
       <dgm:prSet presAssocID="{9A21178D-AC88-4098-B957-D2C4B1CF1022}" presName="composite" presStyleCnt="0"/>
       <dgm:spPr/>
     </dgm:pt>
-    <dgm:pt modelId="{B80D835A-96F3-41BD-A647-A0E109BF461D}" type="pres">
-      <dgm:prSet presAssocID="{9A21178D-AC88-4098-B957-D2C4B1CF1022}" presName="parTx" presStyleLbl="node1" presStyleIdx="0" presStyleCnt="4">
+    <dgm:pt modelId="{B9024841-33B3-483A-BB5F-C62E3CFDB50A}" type="pres">
+      <dgm:prSet presAssocID="{9A21178D-AC88-4098-B957-D2C4B1CF1022}" presName="parTx" presStyleLbl="node1" presStyleIdx="0" presStyleCnt="5">
         <dgm:presLayoutVars>
           <dgm:chMax val="0"/>
           <dgm:chPref val="0"/>
@@ -3376,32 +3644,32 @@
       </dgm:prSet>
       <dgm:spPr/>
     </dgm:pt>
-    <dgm:pt modelId="{9C8276B4-E89B-45EC-B5B4-F960062ADAAF}" type="pres">
-      <dgm:prSet presAssocID="{9A21178D-AC88-4098-B957-D2C4B1CF1022}" presName="parSh" presStyleLbl="node1" presStyleIdx="0" presStyleCnt="4" custLinFactNeighborX="6593" custLinFactNeighborY="-1754"/>
+    <dgm:pt modelId="{52288999-D86A-497F-AA0E-73D0893475A2}" type="pres">
+      <dgm:prSet presAssocID="{9A21178D-AC88-4098-B957-D2C4B1CF1022}" presName="parSh" presStyleLbl="node1" presStyleIdx="0" presStyleCnt="5"/>
       <dgm:spPr/>
     </dgm:pt>
-    <dgm:pt modelId="{CE6EE38A-A761-4C4A-9E5F-8F6272EE1785}" type="pres">
-      <dgm:prSet presAssocID="{9A21178D-AC88-4098-B957-D2C4B1CF1022}" presName="desTx" presStyleLbl="fgAcc1" presStyleIdx="0" presStyleCnt="4" custScaleX="74627" custScaleY="43304" custLinFactY="-400000" custLinFactNeighborX="-5422" custLinFactNeighborY="-496446">
+    <dgm:pt modelId="{573F0CBF-1C26-4E1F-8294-A2B85AC34838}" type="pres">
+      <dgm:prSet presAssocID="{9A21178D-AC88-4098-B957-D2C4B1CF1022}" presName="desTx" presStyleLbl="fgAcc1" presStyleIdx="0" presStyleCnt="5">
         <dgm:presLayoutVars>
           <dgm:bulletEnabled val="1"/>
         </dgm:presLayoutVars>
       </dgm:prSet>
       <dgm:spPr/>
     </dgm:pt>
-    <dgm:pt modelId="{D88FD96F-2958-401F-A140-4B731EC13320}" type="pres">
-      <dgm:prSet presAssocID="{BF3B6EAC-3A17-45FF-86E0-CC01BF1CB1C5}" presName="sibTrans" presStyleLbl="sibTrans2D1" presStyleIdx="0" presStyleCnt="3"/>
+    <dgm:pt modelId="{876BA7C0-5F73-4B1A-8920-6F581B12DEB5}" type="pres">
+      <dgm:prSet presAssocID="{BF3B6EAC-3A17-45FF-86E0-CC01BF1CB1C5}" presName="sibTrans" presStyleLbl="sibTrans2D1" presStyleIdx="0" presStyleCnt="4"/>
       <dgm:spPr/>
     </dgm:pt>
-    <dgm:pt modelId="{6F530FAD-E11F-43F4-A442-AEF499D414E3}" type="pres">
-      <dgm:prSet presAssocID="{BF3B6EAC-3A17-45FF-86E0-CC01BF1CB1C5}" presName="connTx" presStyleLbl="sibTrans2D1" presStyleIdx="0" presStyleCnt="3"/>
+    <dgm:pt modelId="{DA2084B8-72B2-4C66-BAAA-AA697D2FBF8D}" type="pres">
+      <dgm:prSet presAssocID="{BF3B6EAC-3A17-45FF-86E0-CC01BF1CB1C5}" presName="connTx" presStyleLbl="sibTrans2D1" presStyleIdx="0" presStyleCnt="4"/>
       <dgm:spPr/>
     </dgm:pt>
-    <dgm:pt modelId="{9533C26A-8593-4FA7-A678-77305934F0F1}" type="pres">
+    <dgm:pt modelId="{AF02F648-DC6D-475B-9782-86AAD1DE9B34}" type="pres">
       <dgm:prSet presAssocID="{EF9078FB-C31D-417E-A5E3-67AFE5A4252A}" presName="composite" presStyleCnt="0"/>
       <dgm:spPr/>
     </dgm:pt>
-    <dgm:pt modelId="{E363C0E2-9AA5-4DA5-9CCA-26E7682D19BB}" type="pres">
-      <dgm:prSet presAssocID="{EF9078FB-C31D-417E-A5E3-67AFE5A4252A}" presName="parTx" presStyleLbl="node1" presStyleIdx="0" presStyleCnt="4">
+    <dgm:pt modelId="{8B2D5C39-6FAF-418A-94C9-068C4A431221}" type="pres">
+      <dgm:prSet presAssocID="{EF9078FB-C31D-417E-A5E3-67AFE5A4252A}" presName="parTx" presStyleLbl="node1" presStyleIdx="0" presStyleCnt="5">
         <dgm:presLayoutVars>
           <dgm:chMax val="0"/>
           <dgm:chPref val="0"/>
@@ -3410,32 +3678,32 @@
       </dgm:prSet>
       <dgm:spPr/>
     </dgm:pt>
-    <dgm:pt modelId="{D863096F-BBDD-4946-85A9-D40F6BB6CD1B}" type="pres">
-      <dgm:prSet presAssocID="{EF9078FB-C31D-417E-A5E3-67AFE5A4252A}" presName="parSh" presStyleLbl="node1" presStyleIdx="1" presStyleCnt="4" custLinFactNeighborX="-2084" custLinFactNeighborY="-3721"/>
+    <dgm:pt modelId="{C9CAD131-FA7E-4A81-B0D3-0FB21028038F}" type="pres">
+      <dgm:prSet presAssocID="{EF9078FB-C31D-417E-A5E3-67AFE5A4252A}" presName="parSh" presStyleLbl="node1" presStyleIdx="1" presStyleCnt="5"/>
       <dgm:spPr/>
     </dgm:pt>
-    <dgm:pt modelId="{FD3F85A9-0726-46F7-9694-4615A8D509AD}" type="pres">
-      <dgm:prSet presAssocID="{EF9078FB-C31D-417E-A5E3-67AFE5A4252A}" presName="desTx" presStyleLbl="fgAcc1" presStyleIdx="1" presStyleCnt="4" custScaleX="90881" custScaleY="46468" custLinFactY="-400000" custLinFactNeighborX="-9146" custLinFactNeighborY="-458885">
+    <dgm:pt modelId="{4DD538D5-C637-4446-9E3C-AF24BE89D686}" type="pres">
+      <dgm:prSet presAssocID="{EF9078FB-C31D-417E-A5E3-67AFE5A4252A}" presName="desTx" presStyleLbl="fgAcc1" presStyleIdx="1" presStyleCnt="5">
         <dgm:presLayoutVars>
           <dgm:bulletEnabled val="1"/>
         </dgm:presLayoutVars>
       </dgm:prSet>
       <dgm:spPr/>
     </dgm:pt>
-    <dgm:pt modelId="{2612C595-4F82-4CB5-91FA-B9E1C1328B8F}" type="pres">
-      <dgm:prSet presAssocID="{537B4242-097A-4722-BA4B-DF7A6B358ECD}" presName="sibTrans" presStyleLbl="sibTrans2D1" presStyleIdx="1" presStyleCnt="3" custLinFactNeighborX="7965"/>
+    <dgm:pt modelId="{E6860BEC-E23F-44E1-9DDF-E1BC5CBD02A2}" type="pres">
+      <dgm:prSet presAssocID="{537B4242-097A-4722-BA4B-DF7A6B358ECD}" presName="sibTrans" presStyleLbl="sibTrans2D1" presStyleIdx="1" presStyleCnt="4"/>
       <dgm:spPr/>
     </dgm:pt>
-    <dgm:pt modelId="{70485361-0B2C-42FF-858E-2FC73CB12082}" type="pres">
-      <dgm:prSet presAssocID="{537B4242-097A-4722-BA4B-DF7A6B358ECD}" presName="connTx" presStyleLbl="sibTrans2D1" presStyleIdx="1" presStyleCnt="3"/>
+    <dgm:pt modelId="{61132F4F-75B0-474B-BE3E-038817EC1FD6}" type="pres">
+      <dgm:prSet presAssocID="{537B4242-097A-4722-BA4B-DF7A6B358ECD}" presName="connTx" presStyleLbl="sibTrans2D1" presStyleIdx="1" presStyleCnt="4"/>
       <dgm:spPr/>
     </dgm:pt>
-    <dgm:pt modelId="{42B18C3E-6453-442A-8577-06D5173F583F}" type="pres">
-      <dgm:prSet presAssocID="{346EE75A-E63C-42FB-8BAA-32D43D51C5DE}" presName="composite" presStyleCnt="0"/>
+    <dgm:pt modelId="{FBA50071-90D1-4020-A250-524106779942}" type="pres">
+      <dgm:prSet presAssocID="{B492FAD3-E307-4FCE-9283-054C3DAD547D}" presName="composite" presStyleCnt="0"/>
       <dgm:spPr/>
     </dgm:pt>
-    <dgm:pt modelId="{5C711E87-EBEB-431C-BE58-74190E4DACAE}" type="pres">
-      <dgm:prSet presAssocID="{346EE75A-E63C-42FB-8BAA-32D43D51C5DE}" presName="parTx" presStyleLbl="node1" presStyleIdx="1" presStyleCnt="4">
+    <dgm:pt modelId="{7AFD45F7-7D3D-4712-8405-04577E07F5BD}" type="pres">
+      <dgm:prSet presAssocID="{B492FAD3-E307-4FCE-9283-054C3DAD547D}" presName="parTx" presStyleLbl="node1" presStyleIdx="1" presStyleCnt="5">
         <dgm:presLayoutVars>
           <dgm:chMax val="0"/>
           <dgm:chPref val="0"/>
@@ -3444,32 +3712,32 @@
       </dgm:prSet>
       <dgm:spPr/>
     </dgm:pt>
-    <dgm:pt modelId="{E50C9775-5B15-441B-8828-1F893A0EF9AE}" type="pres">
-      <dgm:prSet presAssocID="{346EE75A-E63C-42FB-8BAA-32D43D51C5DE}" presName="parSh" presStyleLbl="node1" presStyleIdx="2" presStyleCnt="4" custLinFactNeighborX="-1220" custLinFactNeighborY="17640"/>
+    <dgm:pt modelId="{8D229FD6-C9DD-4117-B944-DA86B6EA6303}" type="pres">
+      <dgm:prSet presAssocID="{B492FAD3-E307-4FCE-9283-054C3DAD547D}" presName="parSh" presStyleLbl="node1" presStyleIdx="2" presStyleCnt="5"/>
       <dgm:spPr/>
     </dgm:pt>
-    <dgm:pt modelId="{8AD1995F-6F3F-468F-AA58-6A971E3DE13E}" type="pres">
-      <dgm:prSet presAssocID="{346EE75A-E63C-42FB-8BAA-32D43D51C5DE}" presName="desTx" presStyleLbl="fgAcc1" presStyleIdx="2" presStyleCnt="4" custScaleX="87271" custScaleY="70666" custLinFactNeighborX="-10020" custLinFactNeighborY="-15068">
+    <dgm:pt modelId="{2A265C72-E999-4EA5-902D-D7EA82D446C9}" type="pres">
+      <dgm:prSet presAssocID="{B492FAD3-E307-4FCE-9283-054C3DAD547D}" presName="desTx" presStyleLbl="fgAcc1" presStyleIdx="2" presStyleCnt="5">
         <dgm:presLayoutVars>
           <dgm:bulletEnabled val="1"/>
         </dgm:presLayoutVars>
       </dgm:prSet>
       <dgm:spPr/>
     </dgm:pt>
-    <dgm:pt modelId="{9D177503-42B5-4264-9B51-2835404F9A9D}" type="pres">
-      <dgm:prSet presAssocID="{9BC1B03A-2129-46E4-9E5F-BD54E7DF45E5}" presName="sibTrans" presStyleLbl="sibTrans2D1" presStyleIdx="2" presStyleCnt="3"/>
+    <dgm:pt modelId="{21EC0280-EE91-44EE-902D-C5F216B63364}" type="pres">
+      <dgm:prSet presAssocID="{0E618C2F-803A-4E81-914B-2D46DD1EAAD0}" presName="sibTrans" presStyleLbl="sibTrans2D1" presStyleIdx="2" presStyleCnt="4"/>
       <dgm:spPr/>
     </dgm:pt>
-    <dgm:pt modelId="{FEDF0031-67BB-434C-AFB2-0DD44D12AE5C}" type="pres">
-      <dgm:prSet presAssocID="{9BC1B03A-2129-46E4-9E5F-BD54E7DF45E5}" presName="connTx" presStyleLbl="sibTrans2D1" presStyleIdx="2" presStyleCnt="3"/>
+    <dgm:pt modelId="{E828C448-3A7F-44C0-8024-6DC31A13A048}" type="pres">
+      <dgm:prSet presAssocID="{0E618C2F-803A-4E81-914B-2D46DD1EAAD0}" presName="connTx" presStyleLbl="sibTrans2D1" presStyleIdx="2" presStyleCnt="4"/>
       <dgm:spPr/>
     </dgm:pt>
-    <dgm:pt modelId="{CCC6F2B6-1492-4A87-9E41-D313C75D7C75}" type="pres">
-      <dgm:prSet presAssocID="{62266C16-57A0-44DD-90BF-E30762F24CD1}" presName="composite" presStyleCnt="0"/>
+    <dgm:pt modelId="{76D6B37E-BB37-4395-B652-B4436F1AFCB7}" type="pres">
+      <dgm:prSet presAssocID="{346EE75A-E63C-42FB-8BAA-32D43D51C5DE}" presName="composite" presStyleCnt="0"/>
       <dgm:spPr/>
     </dgm:pt>
-    <dgm:pt modelId="{D256854E-7D62-4051-80AC-9AC9EA334B28}" type="pres">
-      <dgm:prSet presAssocID="{62266C16-57A0-44DD-90BF-E30762F24CD1}" presName="parTx" presStyleLbl="node1" presStyleIdx="2" presStyleCnt="4">
+    <dgm:pt modelId="{1D1F76B9-B4B1-43B0-BF79-EE783311C4F7}" type="pres">
+      <dgm:prSet presAssocID="{346EE75A-E63C-42FB-8BAA-32D43D51C5DE}" presName="parTx" presStyleLbl="node1" presStyleIdx="2" presStyleCnt="5">
         <dgm:presLayoutVars>
           <dgm:chMax val="0"/>
           <dgm:chPref val="0"/>
@@ -3478,12 +3746,46 @@
       </dgm:prSet>
       <dgm:spPr/>
     </dgm:pt>
-    <dgm:pt modelId="{B1082B3D-2794-4BEB-9983-E876BF7A4258}" type="pres">
-      <dgm:prSet presAssocID="{62266C16-57A0-44DD-90BF-E30762F24CD1}" presName="parSh" presStyleLbl="node1" presStyleIdx="3" presStyleCnt="4" custLinFactNeighborX="-7561" custLinFactNeighborY="19406"/>
+    <dgm:pt modelId="{A1880456-58A6-412B-8B0D-68199E27D7BC}" type="pres">
+      <dgm:prSet presAssocID="{346EE75A-E63C-42FB-8BAA-32D43D51C5DE}" presName="parSh" presStyleLbl="node1" presStyleIdx="3" presStyleCnt="5"/>
       <dgm:spPr/>
     </dgm:pt>
-    <dgm:pt modelId="{AFB01717-DFC9-42B3-BF2D-B5767E52C782}" type="pres">
-      <dgm:prSet presAssocID="{62266C16-57A0-44DD-90BF-E30762F24CD1}" presName="desTx" presStyleLbl="fgAcc1" presStyleIdx="3" presStyleCnt="4" custScaleX="102731" custScaleY="73320" custLinFactY="-170155" custLinFactNeighborX="-11676" custLinFactNeighborY="-200000">
+    <dgm:pt modelId="{D715E3BC-C063-4D65-ACFF-2BE42BF20756}" type="pres">
+      <dgm:prSet presAssocID="{346EE75A-E63C-42FB-8BAA-32D43D51C5DE}" presName="desTx" presStyleLbl="fgAcc1" presStyleIdx="3" presStyleCnt="5">
+        <dgm:presLayoutVars>
+          <dgm:bulletEnabled val="1"/>
+        </dgm:presLayoutVars>
+      </dgm:prSet>
+      <dgm:spPr/>
+    </dgm:pt>
+    <dgm:pt modelId="{0DF93611-4CF0-4F74-984C-6E6FE4FBE107}" type="pres">
+      <dgm:prSet presAssocID="{9BC1B03A-2129-46E4-9E5F-BD54E7DF45E5}" presName="sibTrans" presStyleLbl="sibTrans2D1" presStyleIdx="3" presStyleCnt="4"/>
+      <dgm:spPr/>
+    </dgm:pt>
+    <dgm:pt modelId="{C0C5F94A-07C7-45D1-B6A4-3FE8B832E1F3}" type="pres">
+      <dgm:prSet presAssocID="{9BC1B03A-2129-46E4-9E5F-BD54E7DF45E5}" presName="connTx" presStyleLbl="sibTrans2D1" presStyleIdx="3" presStyleCnt="4"/>
+      <dgm:spPr/>
+    </dgm:pt>
+    <dgm:pt modelId="{F802F69D-40BB-4FF0-BC99-24310A904356}" type="pres">
+      <dgm:prSet presAssocID="{62266C16-57A0-44DD-90BF-E30762F24CD1}" presName="composite" presStyleCnt="0"/>
+      <dgm:spPr/>
+    </dgm:pt>
+    <dgm:pt modelId="{3257C4BE-88E7-4E02-8F9A-3436EEDBA1A0}" type="pres">
+      <dgm:prSet presAssocID="{62266C16-57A0-44DD-90BF-E30762F24CD1}" presName="parTx" presStyleLbl="node1" presStyleIdx="3" presStyleCnt="5">
+        <dgm:presLayoutVars>
+          <dgm:chMax val="0"/>
+          <dgm:chPref val="0"/>
+          <dgm:bulletEnabled val="1"/>
+        </dgm:presLayoutVars>
+      </dgm:prSet>
+      <dgm:spPr/>
+    </dgm:pt>
+    <dgm:pt modelId="{333D2A51-77A3-47BA-AC41-9AD900C02E78}" type="pres">
+      <dgm:prSet presAssocID="{62266C16-57A0-44DD-90BF-E30762F24CD1}" presName="parSh" presStyleLbl="node1" presStyleIdx="4" presStyleCnt="5"/>
+      <dgm:spPr/>
+    </dgm:pt>
+    <dgm:pt modelId="{88DAAE15-C22C-460E-B5EE-6A68FE242F7F}" type="pres">
+      <dgm:prSet presAssocID="{62266C16-57A0-44DD-90BF-E30762F24CD1}" presName="desTx" presStyleLbl="fgAcc1" presStyleIdx="4" presStyleCnt="5">
         <dgm:presLayoutVars>
           <dgm:bulletEnabled val="1"/>
         </dgm:presLayoutVars>
@@ -3492,63 +3794,84 @@
     </dgm:pt>
   </dgm:ptLst>
   <dgm:cxnLst>
-    <dgm:cxn modelId="{BF4EB800-FDB0-47B4-BE9E-A646498A46E3}" srcId="{75FCF811-E5CC-448B-8A1D-76CF11C6F0E7}" destId="{62266C16-57A0-44DD-90BF-E30762F24CD1}" srcOrd="3" destOrd="0" parTransId="{C12C4C60-F4CF-4E82-8B9A-237D9992B099}" sibTransId="{FE53A692-BCF1-48E5-AF1A-F5CF3F911555}"/>
-    <dgm:cxn modelId="{ABCBDA03-1FDA-4999-8A64-BF4DA9282B64}" type="presOf" srcId="{75FCF811-E5CC-448B-8A1D-76CF11C6F0E7}" destId="{340603CD-7294-402D-8237-017F774EBDCF}" srcOrd="0" destOrd="0" presId="urn:microsoft.com/office/officeart/2005/8/layout/process3"/>
-    <dgm:cxn modelId="{DD35CA09-D2D1-4A95-903B-4A4A63D35F58}" type="presOf" srcId="{03E7FDC3-54FA-443E-95F3-A82B9D92573A}" destId="{CE6EE38A-A761-4C4A-9E5F-8F6272EE1785}" srcOrd="0" destOrd="1" presId="urn:microsoft.com/office/officeart/2005/8/layout/process3"/>
-    <dgm:cxn modelId="{AD674C0C-A8D8-4663-8EC0-8F714D8FAF44}" type="presOf" srcId="{346EE75A-E63C-42FB-8BAA-32D43D51C5DE}" destId="{E50C9775-5B15-441B-8828-1F893A0EF9AE}" srcOrd="1" destOrd="0" presId="urn:microsoft.com/office/officeart/2005/8/layout/process3"/>
-    <dgm:cxn modelId="{BD805516-D37B-414C-B6EF-12E700B16BB8}" type="presOf" srcId="{62266C16-57A0-44DD-90BF-E30762F24CD1}" destId="{D256854E-7D62-4051-80AC-9AC9EA334B28}" srcOrd="0" destOrd="0" presId="urn:microsoft.com/office/officeart/2005/8/layout/process3"/>
+    <dgm:cxn modelId="{BF4EB800-FDB0-47B4-BE9E-A646498A46E3}" srcId="{75FCF811-E5CC-448B-8A1D-76CF11C6F0E7}" destId="{62266C16-57A0-44DD-90BF-E30762F24CD1}" srcOrd="4" destOrd="0" parTransId="{C12C4C60-F4CF-4E82-8B9A-237D9992B099}" sibTransId="{FE53A692-BCF1-48E5-AF1A-F5CF3F911555}"/>
+    <dgm:cxn modelId="{1664F40B-CC37-4A85-8531-1D319BC1E1E3}" srcId="{9A21178D-AC88-4098-B957-D2C4B1CF1022}" destId="{5BF89393-C1EE-439D-9349-B20C438A71B1}" srcOrd="2" destOrd="0" parTransId="{19168305-D18D-4B47-8BDB-0893A52A93AA}" sibTransId="{273786ED-D42F-43FE-8DB3-D5DA65E9E0F7}"/>
+    <dgm:cxn modelId="{7E88D80F-EF91-4E91-8DDF-3AD38D773001}" type="presOf" srcId="{BFEFC78C-409D-414E-AA01-ABB86C11B865}" destId="{D715E3BC-C063-4D65-ACFF-2BE42BF20756}" srcOrd="0" destOrd="0" presId="urn:microsoft.com/office/officeart/2005/8/layout/process3"/>
+    <dgm:cxn modelId="{53F32710-169E-44C3-B713-20864B4331CE}" type="presOf" srcId="{BF3B6EAC-3A17-45FF-86E0-CC01BF1CB1C5}" destId="{DA2084B8-72B2-4C66-BAAA-AA697D2FBF8D}" srcOrd="1" destOrd="0" presId="urn:microsoft.com/office/officeart/2005/8/layout/process3"/>
+    <dgm:cxn modelId="{9DC39812-6C27-4AF8-941C-C00AEF5962B8}" type="presOf" srcId="{0E618C2F-803A-4E81-914B-2D46DD1EAAD0}" destId="{21EC0280-EE91-44EE-902D-C5F216B63364}" srcOrd="0" destOrd="0" presId="urn:microsoft.com/office/officeart/2005/8/layout/process3"/>
+    <dgm:cxn modelId="{5390E21D-4FC3-46E3-AAB7-643836082D55}" type="presOf" srcId="{912B247B-1954-4101-B640-958997BEDE94}" destId="{88DAAE15-C22C-460E-B5EE-6A68FE242F7F}" srcOrd="0" destOrd="2" presId="urn:microsoft.com/office/officeart/2005/8/layout/process3"/>
     <dgm:cxn modelId="{A776031E-B06F-4058-BFE3-81C75D0C31B6}" srcId="{EF9078FB-C31D-417E-A5E3-67AFE5A4252A}" destId="{C1ED88BF-9F86-4464-A897-D44AE2BA28A8}" srcOrd="0" destOrd="0" parTransId="{6D782ADD-3F4A-4B75-8DC2-49485A57F86D}" sibTransId="{980C0857-9FD7-4EA1-83EC-8F4A772CED4C}"/>
-    <dgm:cxn modelId="{8D0D5C20-94C0-4916-B914-9DA67010E239}" srcId="{62266C16-57A0-44DD-90BF-E30762F24CD1}" destId="{DAA426B2-C894-42F0-A86A-A1D611FD9382}" srcOrd="1" destOrd="0" parTransId="{C63CF70D-2D33-41CA-860A-0AC1FD5E66A4}" sibTransId="{E7B60342-27D7-43BB-B2C8-540F8BEE4226}"/>
-    <dgm:cxn modelId="{229A7D27-5782-4E29-AA98-53A24BFA764F}" type="presOf" srcId="{DAA426B2-C894-42F0-A86A-A1D611FD9382}" destId="{AFB01717-DFC9-42B3-BF2D-B5767E52C782}" srcOrd="0" destOrd="1" presId="urn:microsoft.com/office/officeart/2005/8/layout/process3"/>
-    <dgm:cxn modelId="{C786CD28-538B-466D-8496-F47F02D3913B}" type="presOf" srcId="{537B4242-097A-4722-BA4B-DF7A6B358ECD}" destId="{2612C595-4F82-4CB5-91FA-B9E1C1328B8F}" srcOrd="0" destOrd="0" presId="urn:microsoft.com/office/officeart/2005/8/layout/process3"/>
-    <dgm:cxn modelId="{CDC40129-658E-4C80-A530-5CD9A684F431}" type="presOf" srcId="{BFEFC78C-409D-414E-AA01-ABB86C11B865}" destId="{8AD1995F-6F3F-468F-AA58-6A971E3DE13E}" srcOrd="0" destOrd="0" presId="urn:microsoft.com/office/officeart/2005/8/layout/process3"/>
-    <dgm:cxn modelId="{EADE2C29-FFE8-4200-B20D-592E5B22DA83}" type="presOf" srcId="{BF3B6EAC-3A17-45FF-86E0-CC01BF1CB1C5}" destId="{6F530FAD-E11F-43F4-A442-AEF499D414E3}" srcOrd="1" destOrd="0" presId="urn:microsoft.com/office/officeart/2005/8/layout/process3"/>
-    <dgm:cxn modelId="{FF75792A-1A65-48B3-A8BC-515EEC3973E8}" type="presOf" srcId="{6D09E750-06B3-47E2-B59A-C668282FBFE3}" destId="{CE6EE38A-A761-4C4A-9E5F-8F6272EE1785}" srcOrd="0" destOrd="0" presId="urn:microsoft.com/office/officeart/2005/8/layout/process3"/>
+    <dgm:cxn modelId="{8D0D5C20-94C0-4916-B914-9DA67010E239}" srcId="{62266C16-57A0-44DD-90BF-E30762F24CD1}" destId="{DAA426B2-C894-42F0-A86A-A1D611FD9382}" srcOrd="0" destOrd="0" parTransId="{C63CF70D-2D33-41CA-860A-0AC1FD5E66A4}" sibTransId="{E7B60342-27D7-43BB-B2C8-540F8BEE4226}"/>
+    <dgm:cxn modelId="{18DDF126-5719-4AAC-9283-7B6EB49A7BFB}" srcId="{62266C16-57A0-44DD-90BF-E30762F24CD1}" destId="{912B247B-1954-4101-B640-958997BEDE94}" srcOrd="2" destOrd="0" parTransId="{E0516F81-7768-4864-BBA7-F89752601875}" sibTransId="{6BD37F07-7BC1-4788-8981-B377A858E03D}"/>
+    <dgm:cxn modelId="{715ECC27-B148-4748-910F-FD563EFD716D}" type="presOf" srcId="{FF401D7E-4325-4AEB-9A29-6A6086F0F4C5}" destId="{4DD538D5-C637-4446-9E3C-AF24BE89D686}" srcOrd="0" destOrd="1" presId="urn:microsoft.com/office/officeart/2005/8/layout/process3"/>
     <dgm:cxn modelId="{CE315F30-1ED6-42BD-A97F-5A151436878D}" srcId="{9A21178D-AC88-4098-B957-D2C4B1CF1022}" destId="{6D09E750-06B3-47E2-B59A-C668282FBFE3}" srcOrd="0" destOrd="0" parTransId="{F39B27AC-4340-42FE-9500-811525A239A1}" sibTransId="{E3492DD2-1BA6-49FF-9D14-0038400BF69C}"/>
     <dgm:cxn modelId="{CB1AEE31-183D-4CD5-809D-526C3758A130}" srcId="{346EE75A-E63C-42FB-8BAA-32D43D51C5DE}" destId="{BFEFC78C-409D-414E-AA01-ABB86C11B865}" srcOrd="0" destOrd="0" parTransId="{04F21F95-0221-428C-B06B-8B973A6B593B}" sibTransId="{AA78B30D-7C37-4D53-83C5-616457C212B1}"/>
+    <dgm:cxn modelId="{78B24734-BEA1-4840-9DB6-EB7FFB300DEF}" type="presOf" srcId="{EF9078FB-C31D-417E-A5E3-67AFE5A4252A}" destId="{8B2D5C39-6FAF-418A-94C9-068C4A431221}" srcOrd="0" destOrd="0" presId="urn:microsoft.com/office/officeart/2005/8/layout/process3"/>
+    <dgm:cxn modelId="{B272B234-6323-4D68-AA11-4EB27209E1D1}" type="presOf" srcId="{515EA69E-9BB5-4BDD-89F5-F2C1FC097A08}" destId="{D715E3BC-C063-4D65-ACFF-2BE42BF20756}" srcOrd="0" destOrd="1" presId="urn:microsoft.com/office/officeart/2005/8/layout/process3"/>
+    <dgm:cxn modelId="{FE0FD034-A45F-4AF5-9EDD-5D2F0122B824}" type="presOf" srcId="{19A41FF4-F217-46D9-ACA9-04A818F851D9}" destId="{D715E3BC-C063-4D65-ACFF-2BE42BF20756}" srcOrd="0" destOrd="2" presId="urn:microsoft.com/office/officeart/2005/8/layout/process3"/>
     <dgm:cxn modelId="{ACFC2C38-0351-43BB-B428-B1BCEA4FCF87}" srcId="{75FCF811-E5CC-448B-8A1D-76CF11C6F0E7}" destId="{EF9078FB-C31D-417E-A5E3-67AFE5A4252A}" srcOrd="1" destOrd="0" parTransId="{74BFEA63-F381-4B46-80DB-901D39D74CB9}" sibTransId="{537B4242-097A-4722-BA4B-DF7A6B358ECD}"/>
-    <dgm:cxn modelId="{A4D1633B-A0C5-4BE8-BB34-BA9F8CDB9784}" type="presOf" srcId="{FF401D7E-4325-4AEB-9A29-6A6086F0F4C5}" destId="{FD3F85A9-0726-46F7-9694-4615A8D509AD}" srcOrd="0" destOrd="1" presId="urn:microsoft.com/office/officeart/2005/8/layout/process3"/>
+    <dgm:cxn modelId="{EDFC8039-E828-48A0-83DF-BA3100024D66}" srcId="{B492FAD3-E307-4FCE-9283-054C3DAD547D}" destId="{6A73E702-E6CD-454B-B2BA-A19BA9D7DE84}" srcOrd="0" destOrd="0" parTransId="{1A338EAB-6F28-4AEE-8BE5-43AF2ED6C2FE}" sibTransId="{B4AD1346-7074-4BFB-9C8F-FADA764D4E7D}"/>
     <dgm:cxn modelId="{70824E3B-7513-478A-8434-B500FA4DCA8A}" srcId="{EF9078FB-C31D-417E-A5E3-67AFE5A4252A}" destId="{FF401D7E-4325-4AEB-9A29-6A6086F0F4C5}" srcOrd="1" destOrd="0" parTransId="{AF197089-A0FC-4B64-8BA5-EF1FB892946F}" sibTransId="{76089B61-A12F-46C3-875B-C2E94E87D81B}"/>
-    <dgm:cxn modelId="{F07A913F-CEB9-4E33-A718-3C978C3FA8A1}" type="presOf" srcId="{C1ED88BF-9F86-4464-A897-D44AE2BA28A8}" destId="{FD3F85A9-0726-46F7-9694-4615A8D509AD}" srcOrd="0" destOrd="0" presId="urn:microsoft.com/office/officeart/2005/8/layout/process3"/>
+    <dgm:cxn modelId="{1801613C-169B-4D96-8036-6C23CEE886EB}" type="presOf" srcId="{5BF89393-C1EE-439D-9349-B20C438A71B1}" destId="{573F0CBF-1C26-4E1F-8294-A2B85AC34838}" srcOrd="0" destOrd="2" presId="urn:microsoft.com/office/officeart/2005/8/layout/process3"/>
+    <dgm:cxn modelId="{C8BF5440-EF80-4F5C-98FD-21C412D5E33B}" type="presOf" srcId="{537B4242-097A-4722-BA4B-DF7A6B358ECD}" destId="{61132F4F-75B0-474B-BE3E-038817EC1FD6}" srcOrd="1" destOrd="0" presId="urn:microsoft.com/office/officeart/2005/8/layout/process3"/>
     <dgm:cxn modelId="{757B375D-F25A-4EEA-8D1C-61E17D7CBD89}" srcId="{75FCF811-E5CC-448B-8A1D-76CF11C6F0E7}" destId="{9A21178D-AC88-4098-B957-D2C4B1CF1022}" srcOrd="0" destOrd="0" parTransId="{458ED8C3-846A-4B72-86A6-89B134D57B7D}" sibTransId="{BF3B6EAC-3A17-45FF-86E0-CC01BF1CB1C5}"/>
-    <dgm:cxn modelId="{BD26A45D-BF50-4DED-8E20-41497C25F5CC}" type="presOf" srcId="{EF9078FB-C31D-417E-A5E3-67AFE5A4252A}" destId="{E363C0E2-9AA5-4DA5-9CCA-26E7682D19BB}" srcOrd="0" destOrd="0" presId="urn:microsoft.com/office/officeart/2005/8/layout/process3"/>
+    <dgm:cxn modelId="{9E0A8A60-3CB6-4F34-9B98-8D76804476C4}" type="presOf" srcId="{346EE75A-E63C-42FB-8BAA-32D43D51C5DE}" destId="{A1880456-58A6-412B-8B0D-68199E27D7BC}" srcOrd="1" destOrd="0" presId="urn:microsoft.com/office/officeart/2005/8/layout/process3"/>
     <dgm:cxn modelId="{134E1C61-B17A-479B-A78D-3340893BB1E7}" srcId="{9A21178D-AC88-4098-B957-D2C4B1CF1022}" destId="{03E7FDC3-54FA-443E-95F3-A82B9D92573A}" srcOrd="1" destOrd="0" parTransId="{D0C041ED-A533-44D9-956F-2D98A1612643}" sibTransId="{3BB55F09-4074-45B0-9150-6CFF034158BB}"/>
-    <dgm:cxn modelId="{BEFD604B-37C7-443E-8838-D10B572F77B5}" type="presOf" srcId="{9A21178D-AC88-4098-B957-D2C4B1CF1022}" destId="{9C8276B4-E89B-45EC-B5B4-F960062ADAAF}" srcOrd="1" destOrd="0" presId="urn:microsoft.com/office/officeart/2005/8/layout/process3"/>
-    <dgm:cxn modelId="{C4ECD390-BB06-497A-ADEF-DE1758A4245B}" type="presOf" srcId="{BF3B6EAC-3A17-45FF-86E0-CC01BF1CB1C5}" destId="{D88FD96F-2958-401F-A140-4B731EC13320}" srcOrd="0" destOrd="0" presId="urn:microsoft.com/office/officeart/2005/8/layout/process3"/>
-    <dgm:cxn modelId="{FB6896AD-EA3D-4925-94E2-0BEC45E997BE}" type="presOf" srcId="{346EE75A-E63C-42FB-8BAA-32D43D51C5DE}" destId="{5C711E87-EBEB-431C-BE58-74190E4DACAE}" srcOrd="0" destOrd="0" presId="urn:microsoft.com/office/officeart/2005/8/layout/process3"/>
-    <dgm:cxn modelId="{401F92AE-47EF-449B-A1D0-E45416DB88A4}" type="presOf" srcId="{9A21178D-AC88-4098-B957-D2C4B1CF1022}" destId="{B80D835A-96F3-41BD-A647-A0E109BF461D}" srcOrd="0" destOrd="0" presId="urn:microsoft.com/office/officeart/2005/8/layout/process3"/>
-    <dgm:cxn modelId="{DE7661AF-7B16-43E3-8109-7C68D894BDCA}" type="presOf" srcId="{B27692D0-8A89-45D3-ACAC-BFFA142B9731}" destId="{AFB01717-DFC9-42B3-BF2D-B5767E52C782}" srcOrd="0" destOrd="0" presId="urn:microsoft.com/office/officeart/2005/8/layout/process3"/>
-    <dgm:cxn modelId="{CF7078C7-C29B-4211-ACBC-7C519B8C6A6E}" type="presOf" srcId="{537B4242-097A-4722-BA4B-DF7A6B358ECD}" destId="{70485361-0B2C-42FF-858E-2FC73CB12082}" srcOrd="1" destOrd="0" presId="urn:microsoft.com/office/officeart/2005/8/layout/process3"/>
-    <dgm:cxn modelId="{8DE81FCB-FE31-4056-BD9B-902DB54AF694}" type="presOf" srcId="{62266C16-57A0-44DD-90BF-E30762F24CD1}" destId="{B1082B3D-2794-4BEB-9983-E876BF7A4258}" srcOrd="1" destOrd="0" presId="urn:microsoft.com/office/officeart/2005/8/layout/process3"/>
-    <dgm:cxn modelId="{8F3132CB-8253-4A18-9808-AA5F84A4AE6C}" type="presOf" srcId="{EF9078FB-C31D-417E-A5E3-67AFE5A4252A}" destId="{D863096F-BBDD-4946-85A9-D40F6BB6CD1B}" srcOrd="1" destOrd="0" presId="urn:microsoft.com/office/officeart/2005/8/layout/process3"/>
-    <dgm:cxn modelId="{98DB09D7-8344-47D2-BCA5-916B7B7AC0D2}" srcId="{62266C16-57A0-44DD-90BF-E30762F24CD1}" destId="{B27692D0-8A89-45D3-ACAC-BFFA142B9731}" srcOrd="0" destOrd="0" parTransId="{3D49A824-4465-43B9-A017-3C8CBBC08A1D}" sibTransId="{FA95530E-7A16-47B0-8CDD-6458568886C9}"/>
-    <dgm:cxn modelId="{116AF2DF-DFCF-4B53-8764-31B3A4C4E40D}" srcId="{75FCF811-E5CC-448B-8A1D-76CF11C6F0E7}" destId="{346EE75A-E63C-42FB-8BAA-32D43D51C5DE}" srcOrd="2" destOrd="0" parTransId="{C33A45C1-DBAC-40D1-95F0-EBB0E1D3DDD4}" sibTransId="{9BC1B03A-2129-46E4-9E5F-BD54E7DF45E5}"/>
-    <dgm:cxn modelId="{4164F1E4-A540-4420-B870-B7D1CA084AE8}" type="presOf" srcId="{9BC1B03A-2129-46E4-9E5F-BD54E7DF45E5}" destId="{9D177503-42B5-4264-9B51-2835404F9A9D}" srcOrd="0" destOrd="0" presId="urn:microsoft.com/office/officeart/2005/8/layout/process3"/>
-    <dgm:cxn modelId="{250A21E6-6DB2-485D-998C-51CC57FA224F}" type="presOf" srcId="{9BC1B03A-2129-46E4-9E5F-BD54E7DF45E5}" destId="{FEDF0031-67BB-434C-AFB2-0DD44D12AE5C}" srcOrd="1" destOrd="0" presId="urn:microsoft.com/office/officeart/2005/8/layout/process3"/>
-    <dgm:cxn modelId="{0E1138EA-3BC7-456B-828A-6137C7C17E66}" srcId="{346EE75A-E63C-42FB-8BAA-32D43D51C5DE}" destId="{19A41FF4-F217-46D9-ACA9-04A818F851D9}" srcOrd="1" destOrd="0" parTransId="{6165EEEA-905D-4001-8EDB-ED1D08472F5B}" sibTransId="{881964C7-78D1-43B3-BEF8-1A7422CB1F6B}"/>
-    <dgm:cxn modelId="{846F16EC-4207-491D-A0B2-81E85622300E}" type="presOf" srcId="{19A41FF4-F217-46D9-ACA9-04A818F851D9}" destId="{8AD1995F-6F3F-468F-AA58-6A971E3DE13E}" srcOrd="0" destOrd="1" presId="urn:microsoft.com/office/officeart/2005/8/layout/process3"/>
-    <dgm:cxn modelId="{7E6EF640-B542-4402-8E9B-7D1E1E4A0721}" type="presParOf" srcId="{340603CD-7294-402D-8237-017F774EBDCF}" destId="{3910B519-9BA7-4FCD-A687-7B4B43616B1A}" srcOrd="0" destOrd="0" presId="urn:microsoft.com/office/officeart/2005/8/layout/process3"/>
-    <dgm:cxn modelId="{95401714-D63B-4128-8D85-C1C63E67B843}" type="presParOf" srcId="{3910B519-9BA7-4FCD-A687-7B4B43616B1A}" destId="{B80D835A-96F3-41BD-A647-A0E109BF461D}" srcOrd="0" destOrd="0" presId="urn:microsoft.com/office/officeart/2005/8/layout/process3"/>
-    <dgm:cxn modelId="{1C19DFA7-5D64-4574-B3E5-E3DDA29925CF}" type="presParOf" srcId="{3910B519-9BA7-4FCD-A687-7B4B43616B1A}" destId="{9C8276B4-E89B-45EC-B5B4-F960062ADAAF}" srcOrd="1" destOrd="0" presId="urn:microsoft.com/office/officeart/2005/8/layout/process3"/>
-    <dgm:cxn modelId="{233A0E67-A98A-4026-BDEE-1C58F5577264}" type="presParOf" srcId="{3910B519-9BA7-4FCD-A687-7B4B43616B1A}" destId="{CE6EE38A-A761-4C4A-9E5F-8F6272EE1785}" srcOrd="2" destOrd="0" presId="urn:microsoft.com/office/officeart/2005/8/layout/process3"/>
-    <dgm:cxn modelId="{35E7BC5A-7EF1-425C-BC0E-96D1D02E1A24}" type="presParOf" srcId="{340603CD-7294-402D-8237-017F774EBDCF}" destId="{D88FD96F-2958-401F-A140-4B731EC13320}" srcOrd="1" destOrd="0" presId="urn:microsoft.com/office/officeart/2005/8/layout/process3"/>
-    <dgm:cxn modelId="{E76D9259-E836-43DE-BF76-4742744417DB}" type="presParOf" srcId="{D88FD96F-2958-401F-A140-4B731EC13320}" destId="{6F530FAD-E11F-43F4-A442-AEF499D414E3}" srcOrd="0" destOrd="0" presId="urn:microsoft.com/office/officeart/2005/8/layout/process3"/>
-    <dgm:cxn modelId="{D48C53A4-7914-4259-AB0C-CC745D3D8F73}" type="presParOf" srcId="{340603CD-7294-402D-8237-017F774EBDCF}" destId="{9533C26A-8593-4FA7-A678-77305934F0F1}" srcOrd="2" destOrd="0" presId="urn:microsoft.com/office/officeart/2005/8/layout/process3"/>
-    <dgm:cxn modelId="{5ABFC378-BA59-4C2F-A614-EB07C8713086}" type="presParOf" srcId="{9533C26A-8593-4FA7-A678-77305934F0F1}" destId="{E363C0E2-9AA5-4DA5-9CCA-26E7682D19BB}" srcOrd="0" destOrd="0" presId="urn:microsoft.com/office/officeart/2005/8/layout/process3"/>
-    <dgm:cxn modelId="{6D254F68-5584-40D4-8478-22BA25D35F42}" type="presParOf" srcId="{9533C26A-8593-4FA7-A678-77305934F0F1}" destId="{D863096F-BBDD-4946-85A9-D40F6BB6CD1B}" srcOrd="1" destOrd="0" presId="urn:microsoft.com/office/officeart/2005/8/layout/process3"/>
-    <dgm:cxn modelId="{7409CBAF-4E92-4468-B994-D0111A8E9E19}" type="presParOf" srcId="{9533C26A-8593-4FA7-A678-77305934F0F1}" destId="{FD3F85A9-0726-46F7-9694-4615A8D509AD}" srcOrd="2" destOrd="0" presId="urn:microsoft.com/office/officeart/2005/8/layout/process3"/>
-    <dgm:cxn modelId="{EF9949F6-A2CD-4DC1-AF9C-F87CF8EC3AD6}" type="presParOf" srcId="{340603CD-7294-402D-8237-017F774EBDCF}" destId="{2612C595-4F82-4CB5-91FA-B9E1C1328B8F}" srcOrd="3" destOrd="0" presId="urn:microsoft.com/office/officeart/2005/8/layout/process3"/>
-    <dgm:cxn modelId="{2DB70C19-8545-405A-A8E9-123FA46F68C0}" type="presParOf" srcId="{2612C595-4F82-4CB5-91FA-B9E1C1328B8F}" destId="{70485361-0B2C-42FF-858E-2FC73CB12082}" srcOrd="0" destOrd="0" presId="urn:microsoft.com/office/officeart/2005/8/layout/process3"/>
-    <dgm:cxn modelId="{3C5D2D91-8068-49D2-B38E-77CCA4B36BFD}" type="presParOf" srcId="{340603CD-7294-402D-8237-017F774EBDCF}" destId="{42B18C3E-6453-442A-8577-06D5173F583F}" srcOrd="4" destOrd="0" presId="urn:microsoft.com/office/officeart/2005/8/layout/process3"/>
-    <dgm:cxn modelId="{DCCED79F-0D3F-4203-90FF-B6FD93D632ED}" type="presParOf" srcId="{42B18C3E-6453-442A-8577-06D5173F583F}" destId="{5C711E87-EBEB-431C-BE58-74190E4DACAE}" srcOrd="0" destOrd="0" presId="urn:microsoft.com/office/officeart/2005/8/layout/process3"/>
-    <dgm:cxn modelId="{69C75CE5-35D1-40BE-A948-6C7168BDACA1}" type="presParOf" srcId="{42B18C3E-6453-442A-8577-06D5173F583F}" destId="{E50C9775-5B15-441B-8828-1F893A0EF9AE}" srcOrd="1" destOrd="0" presId="urn:microsoft.com/office/officeart/2005/8/layout/process3"/>
-    <dgm:cxn modelId="{A982B619-3ABB-4188-B8BD-28BFF326391C}" type="presParOf" srcId="{42B18C3E-6453-442A-8577-06D5173F583F}" destId="{8AD1995F-6F3F-468F-AA58-6A971E3DE13E}" srcOrd="2" destOrd="0" presId="urn:microsoft.com/office/officeart/2005/8/layout/process3"/>
-    <dgm:cxn modelId="{CCDD2113-A88D-4A15-859D-91DA28BC5C07}" type="presParOf" srcId="{340603CD-7294-402D-8237-017F774EBDCF}" destId="{9D177503-42B5-4264-9B51-2835404F9A9D}" srcOrd="5" destOrd="0" presId="urn:microsoft.com/office/officeart/2005/8/layout/process3"/>
-    <dgm:cxn modelId="{7E23308D-A9C1-4F7F-B3A1-073F08F7654D}" type="presParOf" srcId="{9D177503-42B5-4264-9B51-2835404F9A9D}" destId="{FEDF0031-67BB-434C-AFB2-0DD44D12AE5C}" srcOrd="0" destOrd="0" presId="urn:microsoft.com/office/officeart/2005/8/layout/process3"/>
-    <dgm:cxn modelId="{2DCBF838-0B42-425E-8D16-0979839684CD}" type="presParOf" srcId="{340603CD-7294-402D-8237-017F774EBDCF}" destId="{CCC6F2B6-1492-4A87-9E41-D313C75D7C75}" srcOrd="6" destOrd="0" presId="urn:microsoft.com/office/officeart/2005/8/layout/process3"/>
-    <dgm:cxn modelId="{790FCD8E-D174-4CE6-BA1B-B3050C775D36}" type="presParOf" srcId="{CCC6F2B6-1492-4A87-9E41-D313C75D7C75}" destId="{D256854E-7D62-4051-80AC-9AC9EA334B28}" srcOrd="0" destOrd="0" presId="urn:microsoft.com/office/officeart/2005/8/layout/process3"/>
-    <dgm:cxn modelId="{7712734F-364F-4106-ABDD-2E7421B6B9F2}" type="presParOf" srcId="{CCC6F2B6-1492-4A87-9E41-D313C75D7C75}" destId="{B1082B3D-2794-4BEB-9983-E876BF7A4258}" srcOrd="1" destOrd="0" presId="urn:microsoft.com/office/officeart/2005/8/layout/process3"/>
-    <dgm:cxn modelId="{730BE277-4C49-49C2-820F-DBC80B8C42FB}" type="presParOf" srcId="{CCC6F2B6-1492-4A87-9E41-D313C75D7C75}" destId="{AFB01717-DFC9-42B3-BF2D-B5767E52C782}" srcOrd="2" destOrd="0" presId="urn:microsoft.com/office/officeart/2005/8/layout/process3"/>
+    <dgm:cxn modelId="{788BC762-D6CB-4EF0-9C00-E757E85A0812}" type="presOf" srcId="{9A533604-2AFF-4EFE-AA85-9FD95755B96E}" destId="{2A265C72-E999-4EA5-902D-D7EA82D446C9}" srcOrd="0" destOrd="1" presId="urn:microsoft.com/office/officeart/2005/8/layout/process3"/>
+    <dgm:cxn modelId="{D6CE154E-2A21-4B0C-811F-0CF262203E21}" type="presOf" srcId="{537B4242-097A-4722-BA4B-DF7A6B358ECD}" destId="{E6860BEC-E23F-44E1-9DDF-E1BC5CBD02A2}" srcOrd="0" destOrd="0" presId="urn:microsoft.com/office/officeart/2005/8/layout/process3"/>
+    <dgm:cxn modelId="{E386554F-915D-4B7F-8CF4-094EC6245CF1}" type="presOf" srcId="{DAA426B2-C894-42F0-A86A-A1D611FD9382}" destId="{88DAAE15-C22C-460E-B5EE-6A68FE242F7F}" srcOrd="0" destOrd="0" presId="urn:microsoft.com/office/officeart/2005/8/layout/process3"/>
+    <dgm:cxn modelId="{D32CFC7C-AE67-4BC1-B9E5-AB4576C138B4}" type="presOf" srcId="{62266C16-57A0-44DD-90BF-E30762F24CD1}" destId="{333D2A51-77A3-47BA-AC41-9AD900C02E78}" srcOrd="1" destOrd="0" presId="urn:microsoft.com/office/officeart/2005/8/layout/process3"/>
+    <dgm:cxn modelId="{148E2681-562B-4E7B-ABA9-3D99A00A7404}" type="presOf" srcId="{03E7FDC3-54FA-443E-95F3-A82B9D92573A}" destId="{573F0CBF-1C26-4E1F-8294-A2B85AC34838}" srcOrd="0" destOrd="1" presId="urn:microsoft.com/office/officeart/2005/8/layout/process3"/>
+    <dgm:cxn modelId="{D09EF48A-AE9D-486B-AD9B-415E96B1E3AC}" type="presOf" srcId="{C1ED88BF-9F86-4464-A897-D44AE2BA28A8}" destId="{4DD538D5-C637-4446-9E3C-AF24BE89D686}" srcOrd="0" destOrd="0" presId="urn:microsoft.com/office/officeart/2005/8/layout/process3"/>
+    <dgm:cxn modelId="{1B43148F-9FAB-4906-BA87-28EEA4D239F1}" srcId="{75FCF811-E5CC-448B-8A1D-76CF11C6F0E7}" destId="{B492FAD3-E307-4FCE-9283-054C3DAD547D}" srcOrd="2" destOrd="0" parTransId="{E93D9F53-F1B1-4A0F-9646-6859A5F6EAA5}" sibTransId="{0E618C2F-803A-4E81-914B-2D46DD1EAAD0}"/>
+    <dgm:cxn modelId="{F1598596-BD9A-4069-BFA8-5C6F66271401}" type="presOf" srcId="{9A21178D-AC88-4098-B957-D2C4B1CF1022}" destId="{B9024841-33B3-483A-BB5F-C62E3CFDB50A}" srcOrd="0" destOrd="0" presId="urn:microsoft.com/office/officeart/2005/8/layout/process3"/>
+    <dgm:cxn modelId="{2E7D309B-6B21-49B2-A8E3-E1317D5E75F4}" type="presOf" srcId="{B492FAD3-E307-4FCE-9283-054C3DAD547D}" destId="{7AFD45F7-7D3D-4712-8405-04577E07F5BD}" srcOrd="0" destOrd="0" presId="urn:microsoft.com/office/officeart/2005/8/layout/process3"/>
+    <dgm:cxn modelId="{6AF1F5A2-4748-40B3-A702-1066DFEE5E58}" type="presOf" srcId="{B492FAD3-E307-4FCE-9283-054C3DAD547D}" destId="{8D229FD6-C9DD-4117-B944-DA86B6EA6303}" srcOrd="1" destOrd="0" presId="urn:microsoft.com/office/officeart/2005/8/layout/process3"/>
+    <dgm:cxn modelId="{2E97FFA9-BDF0-4066-9BB5-7705468C0490}" srcId="{62266C16-57A0-44DD-90BF-E30762F24CD1}" destId="{0546C1A0-A4DF-42EB-A79E-F22184E7D187}" srcOrd="1" destOrd="0" parTransId="{ACA9FA7C-AFEC-47D4-ACA2-BEB964AF6AAB}" sibTransId="{C979EE71-6719-4E4A-A667-C23096702555}"/>
+    <dgm:cxn modelId="{4042CFB5-7963-4ADE-AF1F-DC306B094E96}" type="presOf" srcId="{75FCF811-E5CC-448B-8A1D-76CF11C6F0E7}" destId="{8886C787-26DD-44F1-ABB8-B5E5A526A061}" srcOrd="0" destOrd="0" presId="urn:microsoft.com/office/officeart/2005/8/layout/process3"/>
+    <dgm:cxn modelId="{D95DEDB7-D2A6-4B2C-8ACD-2E307A483032}" type="presOf" srcId="{9BC1B03A-2129-46E4-9E5F-BD54E7DF45E5}" destId="{0DF93611-4CF0-4F74-984C-6E6FE4FBE107}" srcOrd="0" destOrd="0" presId="urn:microsoft.com/office/officeart/2005/8/layout/process3"/>
+    <dgm:cxn modelId="{B8BC9DB9-4F37-448D-A727-193F8AE5CC9A}" type="presOf" srcId="{0546C1A0-A4DF-42EB-A79E-F22184E7D187}" destId="{88DAAE15-C22C-460E-B5EE-6A68FE242F7F}" srcOrd="0" destOrd="1" presId="urn:microsoft.com/office/officeart/2005/8/layout/process3"/>
+    <dgm:cxn modelId="{514383BC-A6A0-4D7C-BD2B-AE0A86B81BD4}" type="presOf" srcId="{EF9078FB-C31D-417E-A5E3-67AFE5A4252A}" destId="{C9CAD131-FA7E-4A81-B0D3-0FB21028038F}" srcOrd="1" destOrd="0" presId="urn:microsoft.com/office/officeart/2005/8/layout/process3"/>
+    <dgm:cxn modelId="{CE6695C2-C286-466A-8854-1BD225B6DD64}" type="presOf" srcId="{9BC1B03A-2129-46E4-9E5F-BD54E7DF45E5}" destId="{C0C5F94A-07C7-45D1-B6A4-3FE8B832E1F3}" srcOrd="1" destOrd="0" presId="urn:microsoft.com/office/officeart/2005/8/layout/process3"/>
+    <dgm:cxn modelId="{A69B76C8-F5DE-4DC2-A2D8-465E6F115F82}" srcId="{346EE75A-E63C-42FB-8BAA-32D43D51C5DE}" destId="{515EA69E-9BB5-4BDD-89F5-F2C1FC097A08}" srcOrd="1" destOrd="0" parTransId="{8D9F875C-1D18-4AB3-BF8A-4EE64B312EED}" sibTransId="{B88F0F3D-206B-4EE4-A247-66540E66C68A}"/>
+    <dgm:cxn modelId="{09CD51CA-02D7-4373-A314-9BD7A4AA3B40}" type="presOf" srcId="{62266C16-57A0-44DD-90BF-E30762F24CD1}" destId="{3257C4BE-88E7-4E02-8F9A-3436EEDBA1A0}" srcOrd="0" destOrd="0" presId="urn:microsoft.com/office/officeart/2005/8/layout/process3"/>
+    <dgm:cxn modelId="{C9199BCB-E5AD-49E2-899F-8BE4C2970AAB}" type="presOf" srcId="{346EE75A-E63C-42FB-8BAA-32D43D51C5DE}" destId="{1D1F76B9-B4B1-43B0-BF79-EE783311C4F7}" srcOrd="0" destOrd="0" presId="urn:microsoft.com/office/officeart/2005/8/layout/process3"/>
+    <dgm:cxn modelId="{617D0CD9-3991-445A-A8A6-5A75CCB248CE}" type="presOf" srcId="{9A21178D-AC88-4098-B957-D2C4B1CF1022}" destId="{52288999-D86A-497F-AA0E-73D0893475A2}" srcOrd="1" destOrd="0" presId="urn:microsoft.com/office/officeart/2005/8/layout/process3"/>
+    <dgm:cxn modelId="{CF976FD9-F483-4A13-9F92-995C381E6F9D}" type="presOf" srcId="{6D09E750-06B3-47E2-B59A-C668282FBFE3}" destId="{573F0CBF-1C26-4E1F-8294-A2B85AC34838}" srcOrd="0" destOrd="0" presId="urn:microsoft.com/office/officeart/2005/8/layout/process3"/>
+    <dgm:cxn modelId="{3E5207DA-01BF-4E64-93DC-57D534394834}" type="presOf" srcId="{BF3B6EAC-3A17-45FF-86E0-CC01BF1CB1C5}" destId="{876BA7C0-5F73-4B1A-8920-6F581B12DEB5}" srcOrd="0" destOrd="0" presId="urn:microsoft.com/office/officeart/2005/8/layout/process3"/>
+    <dgm:cxn modelId="{116AF2DF-DFCF-4B53-8764-31B3A4C4E40D}" srcId="{75FCF811-E5CC-448B-8A1D-76CF11C6F0E7}" destId="{346EE75A-E63C-42FB-8BAA-32D43D51C5DE}" srcOrd="3" destOrd="0" parTransId="{C33A45C1-DBAC-40D1-95F0-EBB0E1D3DDD4}" sibTransId="{9BC1B03A-2129-46E4-9E5F-BD54E7DF45E5}"/>
+    <dgm:cxn modelId="{6D86F5E2-E4B0-4472-91A7-C86E83DFF972}" type="presOf" srcId="{0E618C2F-803A-4E81-914B-2D46DD1EAAD0}" destId="{E828C448-3A7F-44C0-8024-6DC31A13A048}" srcOrd="1" destOrd="0" presId="urn:microsoft.com/office/officeart/2005/8/layout/process3"/>
+    <dgm:cxn modelId="{0E1138EA-3BC7-456B-828A-6137C7C17E66}" srcId="{346EE75A-E63C-42FB-8BAA-32D43D51C5DE}" destId="{19A41FF4-F217-46D9-ACA9-04A818F851D9}" srcOrd="2" destOrd="0" parTransId="{6165EEEA-905D-4001-8EDB-ED1D08472F5B}" sibTransId="{881964C7-78D1-43B3-BEF8-1A7422CB1F6B}"/>
+    <dgm:cxn modelId="{958CA5FE-1FC2-4852-874D-4909ED6A21D0}" srcId="{B492FAD3-E307-4FCE-9283-054C3DAD547D}" destId="{9A533604-2AFF-4EFE-AA85-9FD95755B96E}" srcOrd="1" destOrd="0" parTransId="{0DDA5E69-F53C-4276-B30D-5A730A8A288F}" sibTransId="{A128DBB4-49B3-42ED-B728-308A637264DA}"/>
+    <dgm:cxn modelId="{D23C53FF-512C-4B5F-BDE2-997E0AB69021}" type="presOf" srcId="{6A73E702-E6CD-454B-B2BA-A19BA9D7DE84}" destId="{2A265C72-E999-4EA5-902D-D7EA82D446C9}" srcOrd="0" destOrd="0" presId="urn:microsoft.com/office/officeart/2005/8/layout/process3"/>
+    <dgm:cxn modelId="{97FCDE2C-3690-4085-8F28-EB3EFCA58F9C}" type="presParOf" srcId="{8886C787-26DD-44F1-ABB8-B5E5A526A061}" destId="{C70B5D1D-1738-45D6-B24E-AB93B61F74B5}" srcOrd="0" destOrd="0" presId="urn:microsoft.com/office/officeart/2005/8/layout/process3"/>
+    <dgm:cxn modelId="{9B3B3D8E-DBDA-4077-96D9-7FFFA12408D4}" type="presParOf" srcId="{C70B5D1D-1738-45D6-B24E-AB93B61F74B5}" destId="{B9024841-33B3-483A-BB5F-C62E3CFDB50A}" srcOrd="0" destOrd="0" presId="urn:microsoft.com/office/officeart/2005/8/layout/process3"/>
+    <dgm:cxn modelId="{08D016D8-59B5-4BCC-9DC5-604F596C2F1A}" type="presParOf" srcId="{C70B5D1D-1738-45D6-B24E-AB93B61F74B5}" destId="{52288999-D86A-497F-AA0E-73D0893475A2}" srcOrd="1" destOrd="0" presId="urn:microsoft.com/office/officeart/2005/8/layout/process3"/>
+    <dgm:cxn modelId="{4C6C43E2-2861-4F4F-AC12-5CA598120BE5}" type="presParOf" srcId="{C70B5D1D-1738-45D6-B24E-AB93B61F74B5}" destId="{573F0CBF-1C26-4E1F-8294-A2B85AC34838}" srcOrd="2" destOrd="0" presId="urn:microsoft.com/office/officeart/2005/8/layout/process3"/>
+    <dgm:cxn modelId="{2C650FE1-F687-4EC7-ABDC-174DFA946DDA}" type="presParOf" srcId="{8886C787-26DD-44F1-ABB8-B5E5A526A061}" destId="{876BA7C0-5F73-4B1A-8920-6F581B12DEB5}" srcOrd="1" destOrd="0" presId="urn:microsoft.com/office/officeart/2005/8/layout/process3"/>
+    <dgm:cxn modelId="{968FF105-41E1-4EF8-A912-8DD6DC6CD637}" type="presParOf" srcId="{876BA7C0-5F73-4B1A-8920-6F581B12DEB5}" destId="{DA2084B8-72B2-4C66-BAAA-AA697D2FBF8D}" srcOrd="0" destOrd="0" presId="urn:microsoft.com/office/officeart/2005/8/layout/process3"/>
+    <dgm:cxn modelId="{91D8D82A-401B-410B-902C-5E88254899DB}" type="presParOf" srcId="{8886C787-26DD-44F1-ABB8-B5E5A526A061}" destId="{AF02F648-DC6D-475B-9782-86AAD1DE9B34}" srcOrd="2" destOrd="0" presId="urn:microsoft.com/office/officeart/2005/8/layout/process3"/>
+    <dgm:cxn modelId="{FE0FFC7B-B23C-4AFE-AD66-6E8263A100A7}" type="presParOf" srcId="{AF02F648-DC6D-475B-9782-86AAD1DE9B34}" destId="{8B2D5C39-6FAF-418A-94C9-068C4A431221}" srcOrd="0" destOrd="0" presId="urn:microsoft.com/office/officeart/2005/8/layout/process3"/>
+    <dgm:cxn modelId="{0CB4E356-FD3C-41B9-9847-BDEA2C3E737E}" type="presParOf" srcId="{AF02F648-DC6D-475B-9782-86AAD1DE9B34}" destId="{C9CAD131-FA7E-4A81-B0D3-0FB21028038F}" srcOrd="1" destOrd="0" presId="urn:microsoft.com/office/officeart/2005/8/layout/process3"/>
+    <dgm:cxn modelId="{CEED8679-585A-4BBE-AF59-8A746A5AD187}" type="presParOf" srcId="{AF02F648-DC6D-475B-9782-86AAD1DE9B34}" destId="{4DD538D5-C637-4446-9E3C-AF24BE89D686}" srcOrd="2" destOrd="0" presId="urn:microsoft.com/office/officeart/2005/8/layout/process3"/>
+    <dgm:cxn modelId="{3717B54A-21D9-40DB-A186-A5426EC09251}" type="presParOf" srcId="{8886C787-26DD-44F1-ABB8-B5E5A526A061}" destId="{E6860BEC-E23F-44E1-9DDF-E1BC5CBD02A2}" srcOrd="3" destOrd="0" presId="urn:microsoft.com/office/officeart/2005/8/layout/process3"/>
+    <dgm:cxn modelId="{5E254E36-AB1D-4B6D-9F93-AFDE9EF424CA}" type="presParOf" srcId="{E6860BEC-E23F-44E1-9DDF-E1BC5CBD02A2}" destId="{61132F4F-75B0-474B-BE3E-038817EC1FD6}" srcOrd="0" destOrd="0" presId="urn:microsoft.com/office/officeart/2005/8/layout/process3"/>
+    <dgm:cxn modelId="{A6E0D7FC-782F-4F01-864D-E55EE642F2F1}" type="presParOf" srcId="{8886C787-26DD-44F1-ABB8-B5E5A526A061}" destId="{FBA50071-90D1-4020-A250-524106779942}" srcOrd="4" destOrd="0" presId="urn:microsoft.com/office/officeart/2005/8/layout/process3"/>
+    <dgm:cxn modelId="{B85D65F8-6F88-4CFF-A0BD-D57BFA37222B}" type="presParOf" srcId="{FBA50071-90D1-4020-A250-524106779942}" destId="{7AFD45F7-7D3D-4712-8405-04577E07F5BD}" srcOrd="0" destOrd="0" presId="urn:microsoft.com/office/officeart/2005/8/layout/process3"/>
+    <dgm:cxn modelId="{46F73144-9704-4A85-ABDF-3AEA4BC901C1}" type="presParOf" srcId="{FBA50071-90D1-4020-A250-524106779942}" destId="{8D229FD6-C9DD-4117-B944-DA86B6EA6303}" srcOrd="1" destOrd="0" presId="urn:microsoft.com/office/officeart/2005/8/layout/process3"/>
+    <dgm:cxn modelId="{29B04391-BE5F-46FC-851E-E1A09147382E}" type="presParOf" srcId="{FBA50071-90D1-4020-A250-524106779942}" destId="{2A265C72-E999-4EA5-902D-D7EA82D446C9}" srcOrd="2" destOrd="0" presId="urn:microsoft.com/office/officeart/2005/8/layout/process3"/>
+    <dgm:cxn modelId="{DACBBA13-1D8B-48A1-9719-643A2C1762CB}" type="presParOf" srcId="{8886C787-26DD-44F1-ABB8-B5E5A526A061}" destId="{21EC0280-EE91-44EE-902D-C5F216B63364}" srcOrd="5" destOrd="0" presId="urn:microsoft.com/office/officeart/2005/8/layout/process3"/>
+    <dgm:cxn modelId="{0F435842-4CF8-47AB-8475-E4BF22F6793E}" type="presParOf" srcId="{21EC0280-EE91-44EE-902D-C5F216B63364}" destId="{E828C448-3A7F-44C0-8024-6DC31A13A048}" srcOrd="0" destOrd="0" presId="urn:microsoft.com/office/officeart/2005/8/layout/process3"/>
+    <dgm:cxn modelId="{65F8FB31-C189-496C-ABCD-889465D3DAC7}" type="presParOf" srcId="{8886C787-26DD-44F1-ABB8-B5E5A526A061}" destId="{76D6B37E-BB37-4395-B652-B4436F1AFCB7}" srcOrd="6" destOrd="0" presId="urn:microsoft.com/office/officeart/2005/8/layout/process3"/>
+    <dgm:cxn modelId="{5F9EFBB0-9F5A-46A7-97F8-11E8DEF4EEF8}" type="presParOf" srcId="{76D6B37E-BB37-4395-B652-B4436F1AFCB7}" destId="{1D1F76B9-B4B1-43B0-BF79-EE783311C4F7}" srcOrd="0" destOrd="0" presId="urn:microsoft.com/office/officeart/2005/8/layout/process3"/>
+    <dgm:cxn modelId="{D059D668-C1A0-4AC9-9C10-E73CE11A650D}" type="presParOf" srcId="{76D6B37E-BB37-4395-B652-B4436F1AFCB7}" destId="{A1880456-58A6-412B-8B0D-68199E27D7BC}" srcOrd="1" destOrd="0" presId="urn:microsoft.com/office/officeart/2005/8/layout/process3"/>
+    <dgm:cxn modelId="{D26354F1-91ED-469A-B8FB-BAF3B90ED6B3}" type="presParOf" srcId="{76D6B37E-BB37-4395-B652-B4436F1AFCB7}" destId="{D715E3BC-C063-4D65-ACFF-2BE42BF20756}" srcOrd="2" destOrd="0" presId="urn:microsoft.com/office/officeart/2005/8/layout/process3"/>
+    <dgm:cxn modelId="{BAE9E530-F767-477E-9931-BD17FD9D5DAE}" type="presParOf" srcId="{8886C787-26DD-44F1-ABB8-B5E5A526A061}" destId="{0DF93611-4CF0-4F74-984C-6E6FE4FBE107}" srcOrd="7" destOrd="0" presId="urn:microsoft.com/office/officeart/2005/8/layout/process3"/>
+    <dgm:cxn modelId="{5AAD2DE6-D6D5-4BCE-8019-B3706D856CB1}" type="presParOf" srcId="{0DF93611-4CF0-4F74-984C-6E6FE4FBE107}" destId="{C0C5F94A-07C7-45D1-B6A4-3FE8B832E1F3}" srcOrd="0" destOrd="0" presId="urn:microsoft.com/office/officeart/2005/8/layout/process3"/>
+    <dgm:cxn modelId="{47CFB263-6FFF-49C8-BD7D-98F7DA8E81D8}" type="presParOf" srcId="{8886C787-26DD-44F1-ABB8-B5E5A526A061}" destId="{F802F69D-40BB-4FF0-BC99-24310A904356}" srcOrd="8" destOrd="0" presId="urn:microsoft.com/office/officeart/2005/8/layout/process3"/>
+    <dgm:cxn modelId="{D3261A67-45A0-4B3E-95C8-36D7F62A61AE}" type="presParOf" srcId="{F802F69D-40BB-4FF0-BC99-24310A904356}" destId="{3257C4BE-88E7-4E02-8F9A-3436EEDBA1A0}" srcOrd="0" destOrd="0" presId="urn:microsoft.com/office/officeart/2005/8/layout/process3"/>
+    <dgm:cxn modelId="{C2EB5FCC-757C-4967-A539-B5614C082E5B}" type="presParOf" srcId="{F802F69D-40BB-4FF0-BC99-24310A904356}" destId="{333D2A51-77A3-47BA-AC41-9AD900C02E78}" srcOrd="1" destOrd="0" presId="urn:microsoft.com/office/officeart/2005/8/layout/process3"/>
+    <dgm:cxn modelId="{8815C48A-B9DA-471B-A638-614D175FEF3B}" type="presParOf" srcId="{F802F69D-40BB-4FF0-BC99-24310A904356}" destId="{88DAAE15-C22C-460E-B5EE-6A68FE242F7F}" srcOrd="2" destOrd="0" presId="urn:microsoft.com/office/officeart/2005/8/layout/process3"/>
   </dgm:cxnLst>
   <dgm:bg/>
   <dgm:whole/>
@@ -3648,7 +3971,7 @@
         <a:p>
           <a:r>
             <a:rPr lang="de-DE" dirty="0"/>
-            <a:t>23. September 2021</a:t>
+            <a:t>29. September 2021</a:t>
           </a:r>
         </a:p>
       </dgm:t>
@@ -3875,7 +4198,7 @@
         </a:p>
       </dgm:t>
     </dgm:pt>
-    <dgm:pt modelId="{340603CD-7294-402D-8237-017F774EBDCF}" type="pres">
+    <dgm:pt modelId="{D062BA49-5F62-4BEE-B18F-9106407663B6}" type="pres">
       <dgm:prSet presAssocID="{75FCF811-E5CC-448B-8A1D-76CF11C6F0E7}" presName="linearFlow" presStyleCnt="0">
         <dgm:presLayoutVars>
           <dgm:dir/>
@@ -3885,11 +4208,11 @@
       </dgm:prSet>
       <dgm:spPr/>
     </dgm:pt>
-    <dgm:pt modelId="{CF29EA4B-EE34-46B5-B4BD-B9BD0DB9CD91}" type="pres">
+    <dgm:pt modelId="{861A6791-779B-4189-963B-489B90E95523}" type="pres">
       <dgm:prSet presAssocID="{1E64AECA-0F00-4E4F-997F-019E929EE783}" presName="composite" presStyleCnt="0"/>
       <dgm:spPr/>
     </dgm:pt>
-    <dgm:pt modelId="{3F53CB32-2106-4454-AE70-83A064A71E83}" type="pres">
+    <dgm:pt modelId="{16DC5E2C-AA0C-4D3D-A814-6BB76C198A14}" type="pres">
       <dgm:prSet presAssocID="{1E64AECA-0F00-4E4F-997F-019E929EE783}" presName="parTx" presStyleLbl="node1" presStyleIdx="0" presStyleCnt="4">
         <dgm:presLayoutVars>
           <dgm:chMax val="0"/>
@@ -3899,31 +4222,31 @@
       </dgm:prSet>
       <dgm:spPr/>
     </dgm:pt>
-    <dgm:pt modelId="{CB4844E4-F41A-4CAA-B75C-8F729BF021D0}" type="pres">
-      <dgm:prSet presAssocID="{1E64AECA-0F00-4E4F-997F-019E929EE783}" presName="parSh" presStyleLbl="node1" presStyleIdx="0" presStyleCnt="4" custScaleY="90278" custLinFactNeighborX="11163" custLinFactNeighborY="-37690"/>
+    <dgm:pt modelId="{A00B0E3B-5E2C-416E-9FF9-AE3C40FF75E5}" type="pres">
+      <dgm:prSet presAssocID="{1E64AECA-0F00-4E4F-997F-019E929EE783}" presName="parSh" presStyleLbl="node1" presStyleIdx="0" presStyleCnt="4"/>
       <dgm:spPr/>
     </dgm:pt>
-    <dgm:pt modelId="{5C72899B-EAA1-460E-98A2-2D77B1F7DE5A}" type="pres">
-      <dgm:prSet presAssocID="{1E64AECA-0F00-4E4F-997F-019E929EE783}" presName="desTx" presStyleLbl="fgAcc1" presStyleIdx="0" presStyleCnt="4" custScaleY="51216" custLinFactNeighborX="-631" custLinFactNeighborY="-41281">
+    <dgm:pt modelId="{C4953700-2CDA-4741-BE66-B27721F8A343}" type="pres">
+      <dgm:prSet presAssocID="{1E64AECA-0F00-4E4F-997F-019E929EE783}" presName="desTx" presStyleLbl="fgAcc1" presStyleIdx="0" presStyleCnt="4">
         <dgm:presLayoutVars>
           <dgm:bulletEnabled val="1"/>
         </dgm:presLayoutVars>
       </dgm:prSet>
       <dgm:spPr/>
     </dgm:pt>
-    <dgm:pt modelId="{D974A36B-4FE7-4975-A06D-E5E693AF4145}" type="pres">
+    <dgm:pt modelId="{BC932515-20E1-4C4C-A42B-79470B323F50}" type="pres">
       <dgm:prSet presAssocID="{D96CEA08-AD2E-4189-A8EA-A4DBC841CF9C}" presName="sibTrans" presStyleLbl="sibTrans2D1" presStyleIdx="0" presStyleCnt="3"/>
       <dgm:spPr/>
     </dgm:pt>
-    <dgm:pt modelId="{D2B3CDAD-0E29-4DF1-AB33-66B3AC5B92AE}" type="pres">
+    <dgm:pt modelId="{48EA79C0-66B0-4245-8712-3F81C1283320}" type="pres">
       <dgm:prSet presAssocID="{D96CEA08-AD2E-4189-A8EA-A4DBC841CF9C}" presName="connTx" presStyleLbl="sibTrans2D1" presStyleIdx="0" presStyleCnt="3"/>
       <dgm:spPr/>
     </dgm:pt>
-    <dgm:pt modelId="{E395AA49-FBF2-4913-AFFF-406162C81505}" type="pres">
+    <dgm:pt modelId="{9D3BE9EB-F250-42B2-817F-A4A70E8AE6FE}" type="pres">
       <dgm:prSet presAssocID="{E03D556B-4C85-4195-818F-741D1AD0BDCB}" presName="composite" presStyleCnt="0"/>
       <dgm:spPr/>
     </dgm:pt>
-    <dgm:pt modelId="{036BC2B8-C49E-40A5-9088-8F4CEE5FC608}" type="pres">
+    <dgm:pt modelId="{535B861B-BCD8-40C9-8639-3C55CC41F2D6}" type="pres">
       <dgm:prSet presAssocID="{E03D556B-4C85-4195-818F-741D1AD0BDCB}" presName="parTx" presStyleLbl="node1" presStyleIdx="0" presStyleCnt="4">
         <dgm:presLayoutVars>
           <dgm:chMax val="0"/>
@@ -3933,31 +4256,31 @@
       </dgm:prSet>
       <dgm:spPr/>
     </dgm:pt>
-    <dgm:pt modelId="{9AF1ADA5-4794-4F07-8C95-0D4A5F4A1147}" type="pres">
-      <dgm:prSet presAssocID="{E03D556B-4C85-4195-818F-741D1AD0BDCB}" presName="parSh" presStyleLbl="node1" presStyleIdx="1" presStyleCnt="4" custScaleY="90278" custLinFactNeighborX="3153" custLinFactNeighborY="-32224"/>
+    <dgm:pt modelId="{A5CA91A6-48E7-42EC-946D-465DAF20965B}" type="pres">
+      <dgm:prSet presAssocID="{E03D556B-4C85-4195-818F-741D1AD0BDCB}" presName="parSh" presStyleLbl="node1" presStyleIdx="1" presStyleCnt="4"/>
       <dgm:spPr/>
     </dgm:pt>
-    <dgm:pt modelId="{635D666C-5B93-40C7-9AE5-88873B0F1E8B}" type="pres">
-      <dgm:prSet presAssocID="{E03D556B-4C85-4195-818F-741D1AD0BDCB}" presName="desTx" presStyleLbl="fgAcc1" presStyleIdx="1" presStyleCnt="4" custScaleY="55556" custLinFactNeighborX="-6938" custLinFactNeighborY="-40477">
+    <dgm:pt modelId="{4E4C1063-FC8F-4D02-9102-4DA923F05145}" type="pres">
+      <dgm:prSet presAssocID="{E03D556B-4C85-4195-818F-741D1AD0BDCB}" presName="desTx" presStyleLbl="fgAcc1" presStyleIdx="1" presStyleCnt="4">
         <dgm:presLayoutVars>
           <dgm:bulletEnabled val="1"/>
         </dgm:presLayoutVars>
       </dgm:prSet>
       <dgm:spPr/>
     </dgm:pt>
-    <dgm:pt modelId="{9AC86107-662A-4672-9265-984D471DA932}" type="pres">
+    <dgm:pt modelId="{8D875F74-6395-46EE-A296-9705C7E2BA2C}" type="pres">
       <dgm:prSet presAssocID="{123ABBA2-436D-4612-BB0E-BE6B40F444F8}" presName="sibTrans" presStyleLbl="sibTrans2D1" presStyleIdx="1" presStyleCnt="3"/>
       <dgm:spPr/>
     </dgm:pt>
-    <dgm:pt modelId="{AB457E41-2002-467C-9537-2F03F3262AD0}" type="pres">
+    <dgm:pt modelId="{D8D1A81D-16BC-4B73-BF05-308D49D162EE}" type="pres">
       <dgm:prSet presAssocID="{123ABBA2-436D-4612-BB0E-BE6B40F444F8}" presName="connTx" presStyleLbl="sibTrans2D1" presStyleIdx="1" presStyleCnt="3"/>
       <dgm:spPr/>
     </dgm:pt>
-    <dgm:pt modelId="{CCC6F2B6-1492-4A87-9E41-D313C75D7C75}" type="pres">
+    <dgm:pt modelId="{B6F59B10-D7D3-432C-BC52-D7C3FC707925}" type="pres">
       <dgm:prSet presAssocID="{62266C16-57A0-44DD-90BF-E30762F24CD1}" presName="composite" presStyleCnt="0"/>
       <dgm:spPr/>
     </dgm:pt>
-    <dgm:pt modelId="{D256854E-7D62-4051-80AC-9AC9EA334B28}" type="pres">
+    <dgm:pt modelId="{0B4321C8-7D4A-48F1-BF58-3BD9AA71FA51}" type="pres">
       <dgm:prSet presAssocID="{62266C16-57A0-44DD-90BF-E30762F24CD1}" presName="parTx" presStyleLbl="node1" presStyleIdx="1" presStyleCnt="4">
         <dgm:presLayoutVars>
           <dgm:chMax val="0"/>
@@ -3967,31 +4290,31 @@
       </dgm:prSet>
       <dgm:spPr/>
     </dgm:pt>
-    <dgm:pt modelId="{B1082B3D-2794-4BEB-9983-E876BF7A4258}" type="pres">
-      <dgm:prSet presAssocID="{62266C16-57A0-44DD-90BF-E30762F24CD1}" presName="parSh" presStyleLbl="node1" presStyleIdx="2" presStyleCnt="4" custScaleY="90278" custLinFactNeighborX="6307" custLinFactNeighborY="-37690"/>
+    <dgm:pt modelId="{5CA96D4A-B868-4B82-8BB2-4B9EAA495112}" type="pres">
+      <dgm:prSet presAssocID="{62266C16-57A0-44DD-90BF-E30762F24CD1}" presName="parSh" presStyleLbl="node1" presStyleIdx="2" presStyleCnt="4"/>
       <dgm:spPr/>
     </dgm:pt>
-    <dgm:pt modelId="{AFB01717-DFC9-42B3-BF2D-B5767E52C782}" type="pres">
-      <dgm:prSet presAssocID="{62266C16-57A0-44DD-90BF-E30762F24CD1}" presName="desTx" presStyleLbl="fgAcc1" presStyleIdx="2" presStyleCnt="4" custScaleY="55556" custLinFactNeighborX="-3153" custLinFactNeighborY="-41281">
+    <dgm:pt modelId="{D886A8C2-D23A-44F0-8363-A75D4AD79FCA}" type="pres">
+      <dgm:prSet presAssocID="{62266C16-57A0-44DD-90BF-E30762F24CD1}" presName="desTx" presStyleLbl="fgAcc1" presStyleIdx="2" presStyleCnt="4">
         <dgm:presLayoutVars>
           <dgm:bulletEnabled val="1"/>
         </dgm:presLayoutVars>
       </dgm:prSet>
       <dgm:spPr/>
     </dgm:pt>
-    <dgm:pt modelId="{41242784-9482-4503-9F63-3D5223EFAC32}" type="pres">
+    <dgm:pt modelId="{EED57C99-D624-4731-B17C-915AC565453D}" type="pres">
       <dgm:prSet presAssocID="{FE53A692-BCF1-48E5-AF1A-F5CF3F911555}" presName="sibTrans" presStyleLbl="sibTrans2D1" presStyleIdx="2" presStyleCnt="3"/>
       <dgm:spPr/>
     </dgm:pt>
-    <dgm:pt modelId="{F74BC2A0-3604-4026-990A-F551C64B1388}" type="pres">
+    <dgm:pt modelId="{A2491158-8C6C-4DF5-85C0-84AD876C2C7F}" type="pres">
       <dgm:prSet presAssocID="{FE53A692-BCF1-48E5-AF1A-F5CF3F911555}" presName="connTx" presStyleLbl="sibTrans2D1" presStyleIdx="2" presStyleCnt="3"/>
       <dgm:spPr/>
     </dgm:pt>
-    <dgm:pt modelId="{7815478F-7C8E-4FBE-A831-EA7B4F0054F9}" type="pres">
+    <dgm:pt modelId="{28C905E4-5636-44A1-8A75-BE09CF19E94D}" type="pres">
       <dgm:prSet presAssocID="{0BEAEBD2-0191-4674-90F0-D1FF72C29A9C}" presName="composite" presStyleCnt="0"/>
       <dgm:spPr/>
     </dgm:pt>
-    <dgm:pt modelId="{F81374A1-A5AA-46CD-ACBF-45AACEF788B5}" type="pres">
+    <dgm:pt modelId="{7479527A-9A09-4B84-A6F8-2E9D7314D108}" type="pres">
       <dgm:prSet presAssocID="{0BEAEBD2-0191-4674-90F0-D1FF72C29A9C}" presName="parTx" presStyleLbl="node1" presStyleIdx="2" presStyleCnt="4">
         <dgm:presLayoutVars>
           <dgm:chMax val="0"/>
@@ -4001,12 +4324,12 @@
       </dgm:prSet>
       <dgm:spPr/>
     </dgm:pt>
-    <dgm:pt modelId="{65EB5E1A-92A7-4A17-B088-73B4A56116BA}" type="pres">
-      <dgm:prSet presAssocID="{0BEAEBD2-0191-4674-90F0-D1FF72C29A9C}" presName="parSh" presStyleLbl="node1" presStyleIdx="3" presStyleCnt="4" custScaleX="99878" custScaleY="74418" custLinFactNeighborX="181" custLinFactNeighborY="-41717"/>
+    <dgm:pt modelId="{5F922B69-9361-49C1-8CAE-56AD6F5ABFFE}" type="pres">
+      <dgm:prSet presAssocID="{0BEAEBD2-0191-4674-90F0-D1FF72C29A9C}" presName="parSh" presStyleLbl="node1" presStyleIdx="3" presStyleCnt="4"/>
       <dgm:spPr/>
     </dgm:pt>
-    <dgm:pt modelId="{27CF7F06-ACC8-4A33-B523-665EB7C51696}" type="pres">
-      <dgm:prSet presAssocID="{0BEAEBD2-0191-4674-90F0-D1FF72C29A9C}" presName="desTx" presStyleLbl="fgAcc1" presStyleIdx="3" presStyleCnt="4" custScaleY="55556" custLinFactNeighborX="-7230" custLinFactNeighborY="-41599">
+    <dgm:pt modelId="{DA5D23C2-B76B-4B6D-8D56-F691542B4211}" type="pres">
+      <dgm:prSet presAssocID="{0BEAEBD2-0191-4674-90F0-D1FF72C29A9C}" presName="desTx" presStyleLbl="fgAcc1" presStyleIdx="3" presStyleCnt="4">
         <dgm:presLayoutVars>
           <dgm:bulletEnabled val="1"/>
         </dgm:presLayoutVars>
@@ -4016,54 +4339,54 @@
   </dgm:ptLst>
   <dgm:cxnLst>
     <dgm:cxn modelId="{BF4EB800-FDB0-47B4-BE9E-A646498A46E3}" srcId="{75FCF811-E5CC-448B-8A1D-76CF11C6F0E7}" destId="{62266C16-57A0-44DD-90BF-E30762F24CD1}" srcOrd="2" destOrd="0" parTransId="{C12C4C60-F4CF-4E82-8B9A-237D9992B099}" sibTransId="{FE53A692-BCF1-48E5-AF1A-F5CF3F911555}"/>
-    <dgm:cxn modelId="{ABCBDA03-1FDA-4999-8A64-BF4DA9282B64}" type="presOf" srcId="{75FCF811-E5CC-448B-8A1D-76CF11C6F0E7}" destId="{340603CD-7294-402D-8237-017F774EBDCF}" srcOrd="0" destOrd="0" presId="urn:microsoft.com/office/officeart/2005/8/layout/process3"/>
+    <dgm:cxn modelId="{04484303-4E1B-4BB6-B908-4982C5447EEA}" type="presOf" srcId="{62266C16-57A0-44DD-90BF-E30762F24CD1}" destId="{5CA96D4A-B868-4B82-8BB2-4B9EAA495112}" srcOrd="1" destOrd="0" presId="urn:microsoft.com/office/officeart/2005/8/layout/process3"/>
     <dgm:cxn modelId="{577DA109-64E1-4546-B0EC-D9F7CA6D585C}" srcId="{75FCF811-E5CC-448B-8A1D-76CF11C6F0E7}" destId="{E03D556B-4C85-4195-818F-741D1AD0BDCB}" srcOrd="1" destOrd="0" parTransId="{21F39E1F-2CFB-4DEE-BE15-E8D06C6D23B5}" sibTransId="{123ABBA2-436D-4612-BB0E-BE6B40F444F8}"/>
-    <dgm:cxn modelId="{6A92980B-7300-43F5-9D2E-7E005EA71B7E}" type="presOf" srcId="{3DA1FA31-A5BA-41A4-A600-F88948F9BFE4}" destId="{27CF7F06-ACC8-4A33-B523-665EB7C51696}" srcOrd="0" destOrd="0" presId="urn:microsoft.com/office/officeart/2005/8/layout/process3"/>
-    <dgm:cxn modelId="{06CC0E15-66DA-47BF-9477-96CC6BB336D5}" type="presOf" srcId="{0BEAEBD2-0191-4674-90F0-D1FF72C29A9C}" destId="{65EB5E1A-92A7-4A17-B088-73B4A56116BA}" srcOrd="1" destOrd="0" presId="urn:microsoft.com/office/officeart/2005/8/layout/process3"/>
-    <dgm:cxn modelId="{BD805516-D37B-414C-B6EF-12E700B16BB8}" type="presOf" srcId="{62266C16-57A0-44DD-90BF-E30762F24CD1}" destId="{D256854E-7D62-4051-80AC-9AC9EA334B28}" srcOrd="0" destOrd="0" presId="urn:microsoft.com/office/officeart/2005/8/layout/process3"/>
-    <dgm:cxn modelId="{7FB2C01C-072A-4CD3-84E5-B6419A961046}" type="presOf" srcId="{1E64AECA-0F00-4E4F-997F-019E929EE783}" destId="{CB4844E4-F41A-4CAA-B75C-8F729BF021D0}" srcOrd="1" destOrd="0" presId="urn:microsoft.com/office/officeart/2005/8/layout/process3"/>
+    <dgm:cxn modelId="{601B5910-5B1C-4AB3-9ED8-27E9C0FD8597}" type="presOf" srcId="{0ED5E2D3-8382-4961-ACD5-48D4FFF3F98D}" destId="{D886A8C2-D23A-44F0-8363-A75D4AD79FCA}" srcOrd="0" destOrd="0" presId="urn:microsoft.com/office/officeart/2005/8/layout/process3"/>
+    <dgm:cxn modelId="{845D291A-9CE2-4BF2-AB50-62784687C4CB}" type="presOf" srcId="{9A21178D-AC88-4098-B957-D2C4B1CF1022}" destId="{C4953700-2CDA-4741-BE66-B27721F8A343}" srcOrd="0" destOrd="0" presId="urn:microsoft.com/office/officeart/2005/8/layout/process3"/>
+    <dgm:cxn modelId="{B6A94C21-B086-44B3-B55B-77C121D04A98}" type="presOf" srcId="{1E64AECA-0F00-4E4F-997F-019E929EE783}" destId="{A00B0E3B-5E2C-416E-9FF9-AE3C40FF75E5}" srcOrd="1" destOrd="0" presId="urn:microsoft.com/office/officeart/2005/8/layout/process3"/>
+    <dgm:cxn modelId="{4D680023-7E53-4AF8-9899-A81729C8CE91}" type="presOf" srcId="{62266C16-57A0-44DD-90BF-E30762F24CD1}" destId="{0B4321C8-7D4A-48F1-BF58-3BD9AA71FA51}" srcOrd="0" destOrd="0" presId="urn:microsoft.com/office/officeart/2005/8/layout/process3"/>
+    <dgm:cxn modelId="{2C0A4D23-9701-416F-9B50-D68CFEAF41CB}" type="presOf" srcId="{123ABBA2-436D-4612-BB0E-BE6B40F444F8}" destId="{8D875F74-6395-46EE-A296-9705C7E2BA2C}" srcOrd="0" destOrd="0" presId="urn:microsoft.com/office/officeart/2005/8/layout/process3"/>
+    <dgm:cxn modelId="{39903426-C0EF-40C4-B4C7-EA5E2D1DEFD8}" type="presOf" srcId="{1E64AECA-0F00-4E4F-997F-019E929EE783}" destId="{16DC5E2C-AA0C-4D3D-A814-6BB76C198A14}" srcOrd="0" destOrd="0" presId="urn:microsoft.com/office/officeart/2005/8/layout/process3"/>
+    <dgm:cxn modelId="{AD8CAC32-5914-4B90-AF1E-7C6ED684BA75}" type="presOf" srcId="{3DA1FA31-A5BA-41A4-A600-F88948F9BFE4}" destId="{DA5D23C2-B76B-4B6D-8D56-F691542B4211}" srcOrd="0" destOrd="0" presId="urn:microsoft.com/office/officeart/2005/8/layout/process3"/>
     <dgm:cxn modelId="{17D4973A-32B4-4116-B9E6-E8A13E4498BA}" srcId="{75FCF811-E5CC-448B-8A1D-76CF11C6F0E7}" destId="{1E64AECA-0F00-4E4F-997F-019E929EE783}" srcOrd="0" destOrd="0" parTransId="{5BADA7C0-F36E-48B0-9692-7ED00EA74347}" sibTransId="{D96CEA08-AD2E-4189-A8EA-A4DBC841CF9C}"/>
+    <dgm:cxn modelId="{C7C3A43B-EF47-4A2D-8BF3-539B06F4A702}" type="presOf" srcId="{D96CEA08-AD2E-4189-A8EA-A4DBC841CF9C}" destId="{48EA79C0-66B0-4245-8712-3F81C1283320}" srcOrd="1" destOrd="0" presId="urn:microsoft.com/office/officeart/2005/8/layout/process3"/>
+    <dgm:cxn modelId="{81DD1E3C-A513-4BED-AA9E-18249153F3FA}" type="presOf" srcId="{FE53A692-BCF1-48E5-AF1A-F5CF3F911555}" destId="{EED57C99-D624-4731-B17C-915AC565453D}" srcOrd="0" destOrd="0" presId="urn:microsoft.com/office/officeart/2005/8/layout/process3"/>
+    <dgm:cxn modelId="{83583C40-32E5-4A25-93F8-19CB82F946C7}" type="presOf" srcId="{75FCF811-E5CC-448B-8A1D-76CF11C6F0E7}" destId="{D062BA49-5F62-4BEE-B18F-9106407663B6}" srcOrd="0" destOrd="0" presId="urn:microsoft.com/office/officeart/2005/8/layout/process3"/>
     <dgm:cxn modelId="{9812255D-6104-4EEC-B5AF-E6DF7A41887A}" srcId="{0BEAEBD2-0191-4674-90F0-D1FF72C29A9C}" destId="{3DA1FA31-A5BA-41A4-A600-F88948F9BFE4}" srcOrd="0" destOrd="0" parTransId="{0E08A63F-1F08-4728-A590-F0432DFE9032}" sibTransId="{690B6750-08A7-4FB4-ABD8-7C7EE530C3E5}"/>
     <dgm:cxn modelId="{757B375D-F25A-4EEA-8D1C-61E17D7CBD89}" srcId="{1E64AECA-0F00-4E4F-997F-019E929EE783}" destId="{9A21178D-AC88-4098-B957-D2C4B1CF1022}" srcOrd="0" destOrd="0" parTransId="{458ED8C3-846A-4B72-86A6-89B134D57B7D}" sibTransId="{BF3B6EAC-3A17-45FF-86E0-CC01BF1CB1C5}"/>
-    <dgm:cxn modelId="{17D25762-DB6E-4E45-B7F1-56ABEE218917}" type="presOf" srcId="{9A21178D-AC88-4098-B957-D2C4B1CF1022}" destId="{5C72899B-EAA1-460E-98A2-2D77B1F7DE5A}" srcOrd="0" destOrd="0" presId="urn:microsoft.com/office/officeart/2005/8/layout/process3"/>
-    <dgm:cxn modelId="{413F3D44-71D5-46D7-8B24-5000810F8264}" type="presOf" srcId="{D96CEA08-AD2E-4189-A8EA-A4DBC841CF9C}" destId="{D2B3CDAD-0E29-4DF1-AB33-66B3AC5B92AE}" srcOrd="1" destOrd="0" presId="urn:microsoft.com/office/officeart/2005/8/layout/process3"/>
+    <dgm:cxn modelId="{4ECE5B4A-7249-44EF-88A6-6946A53D1D2E}" type="presOf" srcId="{E03D556B-4C85-4195-818F-741D1AD0BDCB}" destId="{535B861B-BCD8-40C9-8639-3C55CC41F2D6}" srcOrd="0" destOrd="0" presId="urn:microsoft.com/office/officeart/2005/8/layout/process3"/>
+    <dgm:cxn modelId="{F6C7D46B-60A1-4727-A8CA-028907B65B32}" type="presOf" srcId="{E03D556B-4C85-4195-818F-741D1AD0BDCB}" destId="{A5CA91A6-48E7-42EC-946D-465DAF20965B}" srcOrd="1" destOrd="0" presId="urn:microsoft.com/office/officeart/2005/8/layout/process3"/>
+    <dgm:cxn modelId="{8C5FFE6B-C981-43EA-9AAD-6B04CA6D600F}" type="presOf" srcId="{0BEAEBD2-0191-4674-90F0-D1FF72C29A9C}" destId="{7479527A-9A09-4B84-A6F8-2E9D7314D108}" srcOrd="0" destOrd="0" presId="urn:microsoft.com/office/officeart/2005/8/layout/process3"/>
     <dgm:cxn modelId="{BC410A6C-382E-4A30-A5A8-6C0204455EE7}" srcId="{75FCF811-E5CC-448B-8A1D-76CF11C6F0E7}" destId="{0BEAEBD2-0191-4674-90F0-D1FF72C29A9C}" srcOrd="3" destOrd="0" parTransId="{77574455-AD8C-43C8-94C5-C55C51C542DB}" sibTransId="{BC70C909-6CA7-4B29-9970-A1CB8CC2DF04}"/>
-    <dgm:cxn modelId="{06072A6E-CAD8-49E3-9C91-D3A0B950528A}" type="presOf" srcId="{D96CEA08-AD2E-4189-A8EA-A4DBC841CF9C}" destId="{D974A36B-4FE7-4975-A06D-E5E693AF4145}" srcOrd="0" destOrd="0" presId="urn:microsoft.com/office/officeart/2005/8/layout/process3"/>
     <dgm:cxn modelId="{4B34894F-3013-41DA-8450-203FA98ED5D5}" srcId="{E03D556B-4C85-4195-818F-741D1AD0BDCB}" destId="{5A7CC457-934B-459D-9617-D5E9DC96E7E2}" srcOrd="0" destOrd="0" parTransId="{888012AE-0BCA-4CA7-8721-555F25BA86DB}" sibTransId="{5E64A422-9B40-47EC-92E6-356CBBE2DBF3}"/>
     <dgm:cxn modelId="{6B74F356-6452-48C6-951E-CFC7D50F8A7C}" srcId="{62266C16-57A0-44DD-90BF-E30762F24CD1}" destId="{0ED5E2D3-8382-4961-ACD5-48D4FFF3F98D}" srcOrd="0" destOrd="0" parTransId="{470ED222-E1E6-48D7-885B-FB0393FA4D87}" sibTransId="{9DD67618-E59E-472A-9081-0AE61866C5A1}"/>
-    <dgm:cxn modelId="{0B188959-C0CA-437D-AAF1-1D635474824A}" type="presOf" srcId="{0ED5E2D3-8382-4961-ACD5-48D4FFF3F98D}" destId="{AFB01717-DFC9-42B3-BF2D-B5767E52C782}" srcOrd="0" destOrd="0" presId="urn:microsoft.com/office/officeart/2005/8/layout/process3"/>
-    <dgm:cxn modelId="{AD4B2C90-D5F3-4474-BD53-B0120164C221}" type="presOf" srcId="{FE53A692-BCF1-48E5-AF1A-F5CF3F911555}" destId="{41242784-9482-4503-9F63-3D5223EFAC32}" srcOrd="0" destOrd="0" presId="urn:microsoft.com/office/officeart/2005/8/layout/process3"/>
-    <dgm:cxn modelId="{F7B43495-0646-4D6A-AACC-7E4D059FB4F1}" type="presOf" srcId="{E03D556B-4C85-4195-818F-741D1AD0BDCB}" destId="{036BC2B8-C49E-40A5-9088-8F4CEE5FC608}" srcOrd="0" destOrd="0" presId="urn:microsoft.com/office/officeart/2005/8/layout/process3"/>
-    <dgm:cxn modelId="{91C3D2A6-C567-4A93-AE0E-2D9FD9F113D5}" type="presOf" srcId="{5A7CC457-934B-459D-9617-D5E9DC96E7E2}" destId="{635D666C-5B93-40C7-9AE5-88873B0F1E8B}" srcOrd="0" destOrd="0" presId="urn:microsoft.com/office/officeart/2005/8/layout/process3"/>
-    <dgm:cxn modelId="{4796BCBD-713A-4068-A565-6D33BC05FBD0}" type="presOf" srcId="{123ABBA2-436D-4612-BB0E-BE6B40F444F8}" destId="{9AC86107-662A-4672-9265-984D471DA932}" srcOrd="0" destOrd="0" presId="urn:microsoft.com/office/officeart/2005/8/layout/process3"/>
-    <dgm:cxn modelId="{4D657EC6-1A74-4125-9D40-7B2F36C2D182}" type="presOf" srcId="{FE53A692-BCF1-48E5-AF1A-F5CF3F911555}" destId="{F74BC2A0-3604-4026-990A-F551C64B1388}" srcOrd="1" destOrd="0" presId="urn:microsoft.com/office/officeart/2005/8/layout/process3"/>
-    <dgm:cxn modelId="{8DE81FCB-FE31-4056-BD9B-902DB54AF694}" type="presOf" srcId="{62266C16-57A0-44DD-90BF-E30762F24CD1}" destId="{B1082B3D-2794-4BEB-9983-E876BF7A4258}" srcOrd="1" destOrd="0" presId="urn:microsoft.com/office/officeart/2005/8/layout/process3"/>
-    <dgm:cxn modelId="{B4C670D8-5001-429E-B101-B5AEF279DBA3}" type="presOf" srcId="{1E64AECA-0F00-4E4F-997F-019E929EE783}" destId="{3F53CB32-2106-4454-AE70-83A064A71E83}" srcOrd="0" destOrd="0" presId="urn:microsoft.com/office/officeart/2005/8/layout/process3"/>
-    <dgm:cxn modelId="{97ED34E5-89EA-48D0-B42A-5731AFB01F4B}" type="presOf" srcId="{E03D556B-4C85-4195-818F-741D1AD0BDCB}" destId="{9AF1ADA5-4794-4F07-8C95-0D4A5F4A1147}" srcOrd="1" destOrd="0" presId="urn:microsoft.com/office/officeart/2005/8/layout/process3"/>
-    <dgm:cxn modelId="{FABD36F5-98C7-4100-B6CC-2919AA51DB64}" type="presOf" srcId="{0BEAEBD2-0191-4674-90F0-D1FF72C29A9C}" destId="{F81374A1-A5AA-46CD-ACBF-45AACEF788B5}" srcOrd="0" destOrd="0" presId="urn:microsoft.com/office/officeart/2005/8/layout/process3"/>
-    <dgm:cxn modelId="{0D5D94FD-497E-459C-8D69-ECBB5287EBB8}" type="presOf" srcId="{123ABBA2-436D-4612-BB0E-BE6B40F444F8}" destId="{AB457E41-2002-467C-9537-2F03F3262AD0}" srcOrd="1" destOrd="0" presId="urn:microsoft.com/office/officeart/2005/8/layout/process3"/>
-    <dgm:cxn modelId="{255836DB-5194-4121-B471-3CFC1C9B9E65}" type="presParOf" srcId="{340603CD-7294-402D-8237-017F774EBDCF}" destId="{CF29EA4B-EE34-46B5-B4BD-B9BD0DB9CD91}" srcOrd="0" destOrd="0" presId="urn:microsoft.com/office/officeart/2005/8/layout/process3"/>
-    <dgm:cxn modelId="{6FD1CADE-6C7D-4072-81D3-4EBDCD7804D2}" type="presParOf" srcId="{CF29EA4B-EE34-46B5-B4BD-B9BD0DB9CD91}" destId="{3F53CB32-2106-4454-AE70-83A064A71E83}" srcOrd="0" destOrd="0" presId="urn:microsoft.com/office/officeart/2005/8/layout/process3"/>
-    <dgm:cxn modelId="{1FBDCDFD-4CB9-4C8A-8C4D-568CBD61B68B}" type="presParOf" srcId="{CF29EA4B-EE34-46B5-B4BD-B9BD0DB9CD91}" destId="{CB4844E4-F41A-4CAA-B75C-8F729BF021D0}" srcOrd="1" destOrd="0" presId="urn:microsoft.com/office/officeart/2005/8/layout/process3"/>
-    <dgm:cxn modelId="{E7AD407D-F720-4D8D-A764-7D06EF4B65A8}" type="presParOf" srcId="{CF29EA4B-EE34-46B5-B4BD-B9BD0DB9CD91}" destId="{5C72899B-EAA1-460E-98A2-2D77B1F7DE5A}" srcOrd="2" destOrd="0" presId="urn:microsoft.com/office/officeart/2005/8/layout/process3"/>
-    <dgm:cxn modelId="{10CB7AB5-21C6-4DBB-B954-3CC9F8D89971}" type="presParOf" srcId="{340603CD-7294-402D-8237-017F774EBDCF}" destId="{D974A36B-4FE7-4975-A06D-E5E693AF4145}" srcOrd="1" destOrd="0" presId="urn:microsoft.com/office/officeart/2005/8/layout/process3"/>
-    <dgm:cxn modelId="{41F4A3E7-6CCE-4EC9-90D8-B14ABE47CFE0}" type="presParOf" srcId="{D974A36B-4FE7-4975-A06D-E5E693AF4145}" destId="{D2B3CDAD-0E29-4DF1-AB33-66B3AC5B92AE}" srcOrd="0" destOrd="0" presId="urn:microsoft.com/office/officeart/2005/8/layout/process3"/>
-    <dgm:cxn modelId="{56A7D41E-FE9D-4960-9C2A-DB7E7FF3E60C}" type="presParOf" srcId="{340603CD-7294-402D-8237-017F774EBDCF}" destId="{E395AA49-FBF2-4913-AFFF-406162C81505}" srcOrd="2" destOrd="0" presId="urn:microsoft.com/office/officeart/2005/8/layout/process3"/>
-    <dgm:cxn modelId="{82123E8E-EF1D-4DD3-8839-2E388103CC51}" type="presParOf" srcId="{E395AA49-FBF2-4913-AFFF-406162C81505}" destId="{036BC2B8-C49E-40A5-9088-8F4CEE5FC608}" srcOrd="0" destOrd="0" presId="urn:microsoft.com/office/officeart/2005/8/layout/process3"/>
-    <dgm:cxn modelId="{5D2252A4-5CF5-4D45-8C3F-80A3C76733C8}" type="presParOf" srcId="{E395AA49-FBF2-4913-AFFF-406162C81505}" destId="{9AF1ADA5-4794-4F07-8C95-0D4A5F4A1147}" srcOrd="1" destOrd="0" presId="urn:microsoft.com/office/officeart/2005/8/layout/process3"/>
-    <dgm:cxn modelId="{1BFFF16B-5153-4508-A95B-07B9F7FC4438}" type="presParOf" srcId="{E395AA49-FBF2-4913-AFFF-406162C81505}" destId="{635D666C-5B93-40C7-9AE5-88873B0F1E8B}" srcOrd="2" destOrd="0" presId="urn:microsoft.com/office/officeart/2005/8/layout/process3"/>
-    <dgm:cxn modelId="{C2E49650-65D5-4608-A52D-1FFB1487E265}" type="presParOf" srcId="{340603CD-7294-402D-8237-017F774EBDCF}" destId="{9AC86107-662A-4672-9265-984D471DA932}" srcOrd="3" destOrd="0" presId="urn:microsoft.com/office/officeart/2005/8/layout/process3"/>
-    <dgm:cxn modelId="{086089B9-560B-4E91-96A8-AD80E1553899}" type="presParOf" srcId="{9AC86107-662A-4672-9265-984D471DA932}" destId="{AB457E41-2002-467C-9537-2F03F3262AD0}" srcOrd="0" destOrd="0" presId="urn:microsoft.com/office/officeart/2005/8/layout/process3"/>
-    <dgm:cxn modelId="{2DCBF838-0B42-425E-8D16-0979839684CD}" type="presParOf" srcId="{340603CD-7294-402D-8237-017F774EBDCF}" destId="{CCC6F2B6-1492-4A87-9E41-D313C75D7C75}" srcOrd="4" destOrd="0" presId="urn:microsoft.com/office/officeart/2005/8/layout/process3"/>
-    <dgm:cxn modelId="{790FCD8E-D174-4CE6-BA1B-B3050C775D36}" type="presParOf" srcId="{CCC6F2B6-1492-4A87-9E41-D313C75D7C75}" destId="{D256854E-7D62-4051-80AC-9AC9EA334B28}" srcOrd="0" destOrd="0" presId="urn:microsoft.com/office/officeart/2005/8/layout/process3"/>
-    <dgm:cxn modelId="{7712734F-364F-4106-ABDD-2E7421B6B9F2}" type="presParOf" srcId="{CCC6F2B6-1492-4A87-9E41-D313C75D7C75}" destId="{B1082B3D-2794-4BEB-9983-E876BF7A4258}" srcOrd="1" destOrd="0" presId="urn:microsoft.com/office/officeart/2005/8/layout/process3"/>
-    <dgm:cxn modelId="{730BE277-4C49-49C2-820F-DBC80B8C42FB}" type="presParOf" srcId="{CCC6F2B6-1492-4A87-9E41-D313C75D7C75}" destId="{AFB01717-DFC9-42B3-BF2D-B5767E52C782}" srcOrd="2" destOrd="0" presId="urn:microsoft.com/office/officeart/2005/8/layout/process3"/>
-    <dgm:cxn modelId="{E850C6CE-4266-4A3F-85BB-151327A5ABA5}" type="presParOf" srcId="{340603CD-7294-402D-8237-017F774EBDCF}" destId="{41242784-9482-4503-9F63-3D5223EFAC32}" srcOrd="5" destOrd="0" presId="urn:microsoft.com/office/officeart/2005/8/layout/process3"/>
-    <dgm:cxn modelId="{FF2490D0-E62B-4452-AE6B-81F74CD1F6F2}" type="presParOf" srcId="{41242784-9482-4503-9F63-3D5223EFAC32}" destId="{F74BC2A0-3604-4026-990A-F551C64B1388}" srcOrd="0" destOrd="0" presId="urn:microsoft.com/office/officeart/2005/8/layout/process3"/>
-    <dgm:cxn modelId="{8D2AD757-72AD-4A00-B9A6-324E98775594}" type="presParOf" srcId="{340603CD-7294-402D-8237-017F774EBDCF}" destId="{7815478F-7C8E-4FBE-A831-EA7B4F0054F9}" srcOrd="6" destOrd="0" presId="urn:microsoft.com/office/officeart/2005/8/layout/process3"/>
-    <dgm:cxn modelId="{66F038D5-39D0-4AA7-8CD1-8F6FB6477003}" type="presParOf" srcId="{7815478F-7C8E-4FBE-A831-EA7B4F0054F9}" destId="{F81374A1-A5AA-46CD-ACBF-45AACEF788B5}" srcOrd="0" destOrd="0" presId="urn:microsoft.com/office/officeart/2005/8/layout/process3"/>
-    <dgm:cxn modelId="{A510ACE0-5581-4A26-BBE6-BF50D76CD7CE}" type="presParOf" srcId="{7815478F-7C8E-4FBE-A831-EA7B4F0054F9}" destId="{65EB5E1A-92A7-4A17-B088-73B4A56116BA}" srcOrd="1" destOrd="0" presId="urn:microsoft.com/office/officeart/2005/8/layout/process3"/>
-    <dgm:cxn modelId="{9ECAEDA7-46EE-43AA-815B-D85D5803A3C3}" type="presParOf" srcId="{7815478F-7C8E-4FBE-A831-EA7B4F0054F9}" destId="{27CF7F06-ACC8-4A33-B523-665EB7C51696}" srcOrd="2" destOrd="0" presId="urn:microsoft.com/office/officeart/2005/8/layout/process3"/>
+    <dgm:cxn modelId="{64A5857B-1D0E-4624-9A4B-AF4E5973C9B6}" type="presOf" srcId="{5A7CC457-934B-459D-9617-D5E9DC96E7E2}" destId="{4E4C1063-FC8F-4D02-9102-4DA923F05145}" srcOrd="0" destOrd="0" presId="urn:microsoft.com/office/officeart/2005/8/layout/process3"/>
+    <dgm:cxn modelId="{E12B6B87-CB49-4EB3-B8EA-C214122F58A0}" type="presOf" srcId="{FE53A692-BCF1-48E5-AF1A-F5CF3F911555}" destId="{A2491158-8C6C-4DF5-85C0-84AD876C2C7F}" srcOrd="1" destOrd="0" presId="urn:microsoft.com/office/officeart/2005/8/layout/process3"/>
+    <dgm:cxn modelId="{7B49B987-4609-47C2-ACED-2BA8C940AFDD}" type="presOf" srcId="{D96CEA08-AD2E-4189-A8EA-A4DBC841CF9C}" destId="{BC932515-20E1-4C4C-A42B-79470B323F50}" srcOrd="0" destOrd="0" presId="urn:microsoft.com/office/officeart/2005/8/layout/process3"/>
+    <dgm:cxn modelId="{03D609C3-825F-46BF-93CD-27874BB62282}" type="presOf" srcId="{123ABBA2-436D-4612-BB0E-BE6B40F444F8}" destId="{D8D1A81D-16BC-4B73-BF05-308D49D162EE}" srcOrd="1" destOrd="0" presId="urn:microsoft.com/office/officeart/2005/8/layout/process3"/>
+    <dgm:cxn modelId="{2E0084FC-FD1E-40C2-B789-DEDFC4173C9C}" type="presOf" srcId="{0BEAEBD2-0191-4674-90F0-D1FF72C29A9C}" destId="{5F922B69-9361-49C1-8CAE-56AD6F5ABFFE}" srcOrd="1" destOrd="0" presId="urn:microsoft.com/office/officeart/2005/8/layout/process3"/>
+    <dgm:cxn modelId="{4400AA1F-15CC-4AB8-BA12-271405932C5A}" type="presParOf" srcId="{D062BA49-5F62-4BEE-B18F-9106407663B6}" destId="{861A6791-779B-4189-963B-489B90E95523}" srcOrd="0" destOrd="0" presId="urn:microsoft.com/office/officeart/2005/8/layout/process3"/>
+    <dgm:cxn modelId="{19F9BD2A-77C4-4B7C-A54A-6E85D9FCC6E7}" type="presParOf" srcId="{861A6791-779B-4189-963B-489B90E95523}" destId="{16DC5E2C-AA0C-4D3D-A814-6BB76C198A14}" srcOrd="0" destOrd="0" presId="urn:microsoft.com/office/officeart/2005/8/layout/process3"/>
+    <dgm:cxn modelId="{E1C9E275-B8C8-4153-8B09-154BEF6754D2}" type="presParOf" srcId="{861A6791-779B-4189-963B-489B90E95523}" destId="{A00B0E3B-5E2C-416E-9FF9-AE3C40FF75E5}" srcOrd="1" destOrd="0" presId="urn:microsoft.com/office/officeart/2005/8/layout/process3"/>
+    <dgm:cxn modelId="{8E03DF39-B3EF-470E-B88A-388ED7B16992}" type="presParOf" srcId="{861A6791-779B-4189-963B-489B90E95523}" destId="{C4953700-2CDA-4741-BE66-B27721F8A343}" srcOrd="2" destOrd="0" presId="urn:microsoft.com/office/officeart/2005/8/layout/process3"/>
+    <dgm:cxn modelId="{7994BC7B-7A61-4618-9B4F-03AFC86EE9BB}" type="presParOf" srcId="{D062BA49-5F62-4BEE-B18F-9106407663B6}" destId="{BC932515-20E1-4C4C-A42B-79470B323F50}" srcOrd="1" destOrd="0" presId="urn:microsoft.com/office/officeart/2005/8/layout/process3"/>
+    <dgm:cxn modelId="{DE632D58-0793-4C8B-B46E-6DE1E1FB2699}" type="presParOf" srcId="{BC932515-20E1-4C4C-A42B-79470B323F50}" destId="{48EA79C0-66B0-4245-8712-3F81C1283320}" srcOrd="0" destOrd="0" presId="urn:microsoft.com/office/officeart/2005/8/layout/process3"/>
+    <dgm:cxn modelId="{C085677F-4948-4E4E-B239-B14AAD3EBE47}" type="presParOf" srcId="{D062BA49-5F62-4BEE-B18F-9106407663B6}" destId="{9D3BE9EB-F250-42B2-817F-A4A70E8AE6FE}" srcOrd="2" destOrd="0" presId="urn:microsoft.com/office/officeart/2005/8/layout/process3"/>
+    <dgm:cxn modelId="{9103EEB3-55BC-44C5-A8F8-E8226A64DA8D}" type="presParOf" srcId="{9D3BE9EB-F250-42B2-817F-A4A70E8AE6FE}" destId="{535B861B-BCD8-40C9-8639-3C55CC41F2D6}" srcOrd="0" destOrd="0" presId="urn:microsoft.com/office/officeart/2005/8/layout/process3"/>
+    <dgm:cxn modelId="{266D6FFF-9FE3-40EE-8830-A714ADAF4C28}" type="presParOf" srcId="{9D3BE9EB-F250-42B2-817F-A4A70E8AE6FE}" destId="{A5CA91A6-48E7-42EC-946D-465DAF20965B}" srcOrd="1" destOrd="0" presId="urn:microsoft.com/office/officeart/2005/8/layout/process3"/>
+    <dgm:cxn modelId="{B6A95009-5D44-43C9-8346-3F950D10B2A6}" type="presParOf" srcId="{9D3BE9EB-F250-42B2-817F-A4A70E8AE6FE}" destId="{4E4C1063-FC8F-4D02-9102-4DA923F05145}" srcOrd="2" destOrd="0" presId="urn:microsoft.com/office/officeart/2005/8/layout/process3"/>
+    <dgm:cxn modelId="{BB9C9585-05B7-4C96-B934-A3B264A93D51}" type="presParOf" srcId="{D062BA49-5F62-4BEE-B18F-9106407663B6}" destId="{8D875F74-6395-46EE-A296-9705C7E2BA2C}" srcOrd="3" destOrd="0" presId="urn:microsoft.com/office/officeart/2005/8/layout/process3"/>
+    <dgm:cxn modelId="{7774F594-17F1-42A2-B829-3FCCDB1026EB}" type="presParOf" srcId="{8D875F74-6395-46EE-A296-9705C7E2BA2C}" destId="{D8D1A81D-16BC-4B73-BF05-308D49D162EE}" srcOrd="0" destOrd="0" presId="urn:microsoft.com/office/officeart/2005/8/layout/process3"/>
+    <dgm:cxn modelId="{11FF1580-DB09-4E17-87D3-CF28035A4604}" type="presParOf" srcId="{D062BA49-5F62-4BEE-B18F-9106407663B6}" destId="{B6F59B10-D7D3-432C-BC52-D7C3FC707925}" srcOrd="4" destOrd="0" presId="urn:microsoft.com/office/officeart/2005/8/layout/process3"/>
+    <dgm:cxn modelId="{F9561BA1-006C-4EA4-BC6C-B3449C7845E1}" type="presParOf" srcId="{B6F59B10-D7D3-432C-BC52-D7C3FC707925}" destId="{0B4321C8-7D4A-48F1-BF58-3BD9AA71FA51}" srcOrd="0" destOrd="0" presId="urn:microsoft.com/office/officeart/2005/8/layout/process3"/>
+    <dgm:cxn modelId="{01D651E4-0DAC-4229-B4DB-315A93CFEAE3}" type="presParOf" srcId="{B6F59B10-D7D3-432C-BC52-D7C3FC707925}" destId="{5CA96D4A-B868-4B82-8BB2-4B9EAA495112}" srcOrd="1" destOrd="0" presId="urn:microsoft.com/office/officeart/2005/8/layout/process3"/>
+    <dgm:cxn modelId="{0DE8EC31-E6C1-4A79-A0FD-C1F47CA06005}" type="presParOf" srcId="{B6F59B10-D7D3-432C-BC52-D7C3FC707925}" destId="{D886A8C2-D23A-44F0-8363-A75D4AD79FCA}" srcOrd="2" destOrd="0" presId="urn:microsoft.com/office/officeart/2005/8/layout/process3"/>
+    <dgm:cxn modelId="{B878EC60-E95B-4F00-B91B-D2D1D98387EF}" type="presParOf" srcId="{D062BA49-5F62-4BEE-B18F-9106407663B6}" destId="{EED57C99-D624-4731-B17C-915AC565453D}" srcOrd="5" destOrd="0" presId="urn:microsoft.com/office/officeart/2005/8/layout/process3"/>
+    <dgm:cxn modelId="{08CE023E-F753-4789-876A-EE966308B9F1}" type="presParOf" srcId="{EED57C99-D624-4731-B17C-915AC565453D}" destId="{A2491158-8C6C-4DF5-85C0-84AD876C2C7F}" srcOrd="0" destOrd="0" presId="urn:microsoft.com/office/officeart/2005/8/layout/process3"/>
+    <dgm:cxn modelId="{1274986C-73ED-458C-B367-B7265D127C70}" type="presParOf" srcId="{D062BA49-5F62-4BEE-B18F-9106407663B6}" destId="{28C905E4-5636-44A1-8A75-BE09CF19E94D}" srcOrd="6" destOrd="0" presId="urn:microsoft.com/office/officeart/2005/8/layout/process3"/>
+    <dgm:cxn modelId="{1E9AB9D5-60BA-485D-ABC4-27EFDA533F5F}" type="presParOf" srcId="{28C905E4-5636-44A1-8A75-BE09CF19E94D}" destId="{7479527A-9A09-4B84-A6F8-2E9D7314D108}" srcOrd="0" destOrd="0" presId="urn:microsoft.com/office/officeart/2005/8/layout/process3"/>
+    <dgm:cxn modelId="{9A9BB24C-0CAD-4260-A087-89B7178AC11A}" type="presParOf" srcId="{28C905E4-5636-44A1-8A75-BE09CF19E94D}" destId="{5F922B69-9361-49C1-8CAE-56AD6F5ABFFE}" srcOrd="1" destOrd="0" presId="urn:microsoft.com/office/officeart/2005/8/layout/process3"/>
+    <dgm:cxn modelId="{440642D2-9ACB-4BCD-9D32-2ABC8A776EA4}" type="presParOf" srcId="{28C905E4-5636-44A1-8A75-BE09CF19E94D}" destId="{DA5D23C2-B76B-4B6D-8D56-F691542B4211}" srcOrd="2" destOrd="0" presId="urn:microsoft.com/office/officeart/2005/8/layout/process3"/>
   </dgm:cxnLst>
   <dgm:bg/>
   <dgm:whole/>
@@ -4974,15 +5297,15 @@
       <dsp:cNvGrpSpPr/>
     </dsp:nvGrpSpPr>
     <dsp:grpSpPr/>
-    <dsp:sp modelId="{9C8276B4-E89B-45EC-B5B4-F960062ADAAF}">
+    <dsp:sp modelId="{52288999-D86A-497F-AA0E-73D0893475A2}">
       <dsp:nvSpPr>
         <dsp:cNvPr id="0" name=""/>
         <dsp:cNvSpPr/>
       </dsp:nvSpPr>
       <dsp:spPr>
         <a:xfrm>
-          <a:off x="126511" y="539115"/>
-          <a:ext cx="1858468" cy="475200"/>
+          <a:off x="6157" y="269214"/>
+          <a:ext cx="1389263" cy="432000"/>
         </a:xfrm>
         <a:prstGeom prst="roundRect">
           <a:avLst>
@@ -5025,12 +5348,12 @@
         </a:fontRef>
       </dsp:style>
       <dsp:txBody>
-        <a:bodyPr spcFirstLastPara="0" vert="horz" wrap="square" lIns="49784" tIns="49784" rIns="49784" bIns="26670" numCol="1" spcCol="1270" anchor="t" anchorCtr="0">
+        <a:bodyPr spcFirstLastPara="0" vert="horz" wrap="square" lIns="71120" tIns="71120" rIns="71120" bIns="38100" numCol="1" spcCol="1270" anchor="t" anchorCtr="0">
           <a:noAutofit/>
         </a:bodyPr>
         <a:lstStyle/>
         <a:p>
-          <a:pPr marL="0" lvl="0" indent="0" algn="l" defTabSz="311150">
+          <a:pPr marL="0" lvl="0" indent="0" algn="l" defTabSz="444500">
             <a:lnSpc>
               <a:spcPct val="90000"/>
             </a:lnSpc>
@@ -5043,25 +5366,25 @@
             <a:buNone/>
           </a:pPr>
           <a:r>
-            <a:rPr lang="de-DE" sz="700" kern="1200" dirty="0"/>
-            <a:t>22. Juni 2021</a:t>
+            <a:rPr lang="de-DE" sz="1000" kern="1200" dirty="0"/>
+            <a:t>29. Juni 2021</a:t>
           </a:r>
         </a:p>
       </dsp:txBody>
       <dsp:txXfrm>
-        <a:off x="126511" y="539115"/>
-        <a:ext cx="1858468" cy="316800"/>
+        <a:off x="6157" y="269214"/>
+        <a:ext cx="1389263" cy="288000"/>
       </dsp:txXfrm>
     </dsp:sp>
-    <dsp:sp modelId="{CE6EE38A-A761-4C4A-9E5F-8F6272EE1785}">
+    <dsp:sp modelId="{573F0CBF-1C26-4E1F-8294-A2B85AC34838}">
       <dsp:nvSpPr>
         <dsp:cNvPr id="0" name=""/>
         <dsp:cNvSpPr/>
       </dsp:nvSpPr>
       <dsp:spPr>
         <a:xfrm>
-          <a:off x="519641" y="801477"/>
-          <a:ext cx="1386919" cy="397092"/>
+          <a:off x="290705" y="557214"/>
+          <a:ext cx="1389263" cy="1224000"/>
         </a:xfrm>
         <a:prstGeom prst="roundRect">
           <a:avLst>
@@ -5103,12 +5426,12 @@
         <a:fontRef idx="minor"/>
       </dsp:style>
       <dsp:txBody>
-        <a:bodyPr spcFirstLastPara="0" vert="horz" wrap="square" lIns="49784" tIns="49784" rIns="49784" bIns="49784" numCol="1" spcCol="1270" anchor="t" anchorCtr="0">
+        <a:bodyPr spcFirstLastPara="0" vert="horz" wrap="square" lIns="71120" tIns="71120" rIns="71120" bIns="71120" numCol="1" spcCol="1270" anchor="t" anchorCtr="0">
           <a:noAutofit/>
         </a:bodyPr>
         <a:lstStyle/>
         <a:p>
-          <a:pPr marL="57150" lvl="1" indent="-57150" algn="l" defTabSz="311150">
+          <a:pPr marL="57150" lvl="1" indent="-57150" algn="l" defTabSz="444500">
             <a:lnSpc>
               <a:spcPct val="90000"/>
             </a:lnSpc>
@@ -5122,12 +5445,12 @@
             <a:buChar char="ü"/>
           </a:pPr>
           <a:r>
-            <a:rPr lang="de-DE" sz="700" kern="1200" dirty="0"/>
+            <a:rPr lang="de-DE" sz="1000" kern="1200" dirty="0"/>
             <a:t>Proposal-Vortrag</a:t>
           </a:r>
         </a:p>
         <a:p>
-          <a:pPr marL="57150" lvl="1" indent="-57150" algn="l" defTabSz="311150">
+          <a:pPr marL="57150" lvl="1" indent="-57150" algn="l" defTabSz="444500">
             <a:lnSpc>
               <a:spcPct val="90000"/>
             </a:lnSpc>
@@ -5141,25 +5464,52 @@
             <a:buChar char="ü"/>
           </a:pPr>
           <a:r>
-            <a:rPr lang="de-DE" sz="700" kern="1200" dirty="0"/>
+            <a:rPr lang="de-DE" sz="1000" kern="1200" dirty="0"/>
             <a:t>Anmeldung der Arbeit</a:t>
+          </a:r>
+        </a:p>
+        <a:p>
+          <a:pPr marL="57150" lvl="1" indent="-57150" algn="l" defTabSz="444500">
+            <a:lnSpc>
+              <a:spcPct val="90000"/>
+            </a:lnSpc>
+            <a:spcBef>
+              <a:spcPct val="0"/>
+            </a:spcBef>
+            <a:spcAft>
+              <a:spcPct val="15000"/>
+            </a:spcAft>
+            <a:buFont typeface="Wingdings" panose="05000000000000000000" pitchFamily="2" charset="2"/>
+            <a:buChar char="ü"/>
+          </a:pPr>
+          <a:r>
+            <a:rPr lang="de-DE" sz="1000" kern="1200" dirty="0"/>
+            <a:t>Festlegen </a:t>
+          </a:r>
+          <a:r>
+            <a:rPr lang="de-DE" sz="1000" kern="1200" dirty="0" err="1"/>
+            <a:t>wl</a:t>
+          </a:r>
+          <a:r>
+            <a:rPr lang="de-DE" sz="1000" kern="1200" dirty="0"/>
+            <a:t>. Treffen mit Betreuer</a:t>
           </a:r>
         </a:p>
       </dsp:txBody>
       <dsp:txXfrm>
-        <a:off x="531271" y="813107"/>
-        <a:ext cx="1363659" cy="373832"/>
+        <a:off x="326555" y="593064"/>
+        <a:ext cx="1317563" cy="1152300"/>
       </dsp:txXfrm>
     </dsp:sp>
-    <dsp:sp modelId="{D88FD96F-2958-401F-A140-4B731EC13320}">
+    <dsp:sp modelId="{876BA7C0-5F73-4B1A-8920-6F581B12DEB5}">
       <dsp:nvSpPr>
         <dsp:cNvPr id="0" name=""/>
         <dsp:cNvSpPr/>
       </dsp:nvSpPr>
       <dsp:spPr>
-        <a:xfrm rot="21577952">
-          <a:off x="2167454" y="457792"/>
-          <a:ext cx="386862" cy="462705"/>
+        <a:xfrm>
+          <a:off x="1606027" y="240271"/>
+          <a:ext cx="446487" cy="345886"/>
         </a:xfrm>
         <a:prstGeom prst="rightArrow">
           <a:avLst>
@@ -5201,7 +5551,7 @@
         </a:bodyPr>
         <a:lstStyle/>
         <a:p>
-          <a:pPr marL="0" lvl="0" indent="0" algn="ctr" defTabSz="266700">
+          <a:pPr marL="0" lvl="0" indent="0" algn="ctr" defTabSz="355600">
             <a:lnSpc>
               <a:spcPct val="90000"/>
             </a:lnSpc>
@@ -5213,23 +5563,23 @@
             </a:spcAft>
             <a:buNone/>
           </a:pPr>
-          <a:endParaRPr lang="de-DE" sz="600" kern="1200"/>
+          <a:endParaRPr lang="de-DE" sz="800" kern="1200"/>
         </a:p>
       </dsp:txBody>
       <dsp:txXfrm>
-        <a:off x="2167455" y="550705"/>
-        <a:ext cx="270803" cy="277623"/>
+        <a:off x="1606027" y="309448"/>
+        <a:ext cx="342721" cy="207532"/>
       </dsp:txXfrm>
     </dsp:sp>
-    <dsp:sp modelId="{D863096F-BBDD-4946-85A9-D40F6BB6CD1B}">
+    <dsp:sp modelId="{C9CAD131-FA7E-4A81-B0D3-0FB21028038F}">
       <dsp:nvSpPr>
         <dsp:cNvPr id="0" name=""/>
         <dsp:cNvSpPr/>
       </dsp:nvSpPr>
       <dsp:spPr>
         <a:xfrm>
-          <a:off x="2714894" y="522514"/>
-          <a:ext cx="1858468" cy="475200"/>
+          <a:off x="2237849" y="269214"/>
+          <a:ext cx="1389263" cy="432000"/>
         </a:xfrm>
         <a:prstGeom prst="roundRect">
           <a:avLst>
@@ -5272,12 +5622,12 @@
         </a:fontRef>
       </dsp:style>
       <dsp:txBody>
-        <a:bodyPr spcFirstLastPara="0" vert="horz" wrap="square" lIns="49784" tIns="49784" rIns="49784" bIns="26670" numCol="1" spcCol="1270" anchor="t" anchorCtr="0">
+        <a:bodyPr spcFirstLastPara="0" vert="horz" wrap="square" lIns="71120" tIns="71120" rIns="71120" bIns="38100" numCol="1" spcCol="1270" anchor="t" anchorCtr="0">
           <a:noAutofit/>
         </a:bodyPr>
         <a:lstStyle/>
         <a:p>
-          <a:pPr marL="0" lvl="0" indent="0" algn="l" defTabSz="311150">
+          <a:pPr marL="0" lvl="0" indent="0" algn="l" defTabSz="444500">
             <a:lnSpc>
               <a:spcPct val="90000"/>
             </a:lnSpc>
@@ -5290,25 +5640,25 @@
             <a:buNone/>
           </a:pPr>
           <a:r>
-            <a:rPr lang="de-DE" sz="700" kern="1200" dirty="0"/>
+            <a:rPr lang="de-DE" sz="1000" kern="1200" dirty="0"/>
             <a:t>Bis 02. Juli 2021</a:t>
           </a:r>
         </a:p>
       </dsp:txBody>
       <dsp:txXfrm>
-        <a:off x="2714894" y="522514"/>
-        <a:ext cx="1858468" cy="316800"/>
+        <a:off x="2237849" y="269214"/>
+        <a:ext cx="1389263" cy="288000"/>
       </dsp:txXfrm>
     </dsp:sp>
-    <dsp:sp modelId="{FD3F85A9-0726-46F7-9694-4615A8D509AD}">
+    <dsp:sp modelId="{4DD538D5-C637-4446-9E3C-AF24BE89D686}">
       <dsp:nvSpPr>
         <dsp:cNvPr id="0" name=""/>
         <dsp:cNvSpPr/>
       </dsp:nvSpPr>
       <dsp:spPr>
         <a:xfrm>
-          <a:off x="3049036" y="793239"/>
-          <a:ext cx="1688995" cy="426105"/>
+          <a:off x="2522397" y="557214"/>
+          <a:ext cx="1389263" cy="1224000"/>
         </a:xfrm>
         <a:prstGeom prst="roundRect">
           <a:avLst>
@@ -5350,12 +5700,12 @@
         <a:fontRef idx="minor"/>
       </dsp:style>
       <dsp:txBody>
-        <a:bodyPr spcFirstLastPara="0" vert="horz" wrap="square" lIns="49784" tIns="49784" rIns="49784" bIns="49784" numCol="1" spcCol="1270" anchor="t" anchorCtr="0">
+        <a:bodyPr spcFirstLastPara="0" vert="horz" wrap="square" lIns="71120" tIns="71120" rIns="71120" bIns="71120" numCol="1" spcCol="1270" anchor="t" anchorCtr="0">
           <a:noAutofit/>
         </a:bodyPr>
         <a:lstStyle/>
         <a:p>
-          <a:pPr marL="57150" lvl="1" indent="-57150" algn="l" defTabSz="311150">
+          <a:pPr marL="57150" lvl="1" indent="-57150" algn="l" defTabSz="444500">
             <a:lnSpc>
               <a:spcPct val="90000"/>
             </a:lnSpc>
@@ -5369,12 +5719,12 @@
             <a:buChar char="ü"/>
           </a:pPr>
           <a:r>
-            <a:rPr lang="de-DE" sz="700" kern="1200" dirty="0"/>
+            <a:rPr lang="de-DE" sz="1000" kern="1200" dirty="0"/>
             <a:t>Endgültige Gliederung</a:t>
           </a:r>
         </a:p>
         <a:p>
-          <a:pPr marL="57150" lvl="1" indent="-57150" algn="l" defTabSz="311150">
+          <a:pPr marL="57150" lvl="1" indent="-57150" algn="l" defTabSz="444500">
             <a:lnSpc>
               <a:spcPct val="90000"/>
             </a:lnSpc>
@@ -5388,25 +5738,25 @@
             <a:buChar char="ü"/>
           </a:pPr>
           <a:r>
-            <a:rPr lang="de-DE" sz="700" kern="1200" dirty="0"/>
+            <a:rPr lang="de-DE" sz="1000" kern="1200" dirty="0"/>
             <a:t>Fertigstellung des Metamodells</a:t>
           </a:r>
         </a:p>
       </dsp:txBody>
       <dsp:txXfrm>
-        <a:off x="3061516" y="805719"/>
-        <a:ext cx="1664035" cy="401145"/>
+        <a:off x="2558247" y="593064"/>
+        <a:ext cx="1317563" cy="1152300"/>
       </dsp:txXfrm>
     </dsp:sp>
-    <dsp:sp modelId="{2612C595-4F82-4CB5-91FA-B9E1C1328B8F}">
+    <dsp:sp modelId="{E6860BEC-E23F-44E1-9DDF-E1BC5CBD02A2}">
       <dsp:nvSpPr>
         <dsp:cNvPr id="0" name=""/>
         <dsp:cNvSpPr/>
       </dsp:nvSpPr>
       <dsp:spPr>
-        <a:xfrm rot="54253">
-          <a:off x="4882575" y="472830"/>
-          <a:ext cx="560952" cy="462705"/>
+        <a:xfrm>
+          <a:off x="3837720" y="240271"/>
+          <a:ext cx="446487" cy="345886"/>
         </a:xfrm>
         <a:prstGeom prst="rightArrow">
           <a:avLst>
@@ -5448,7 +5798,7 @@
         </a:bodyPr>
         <a:lstStyle/>
         <a:p>
-          <a:pPr marL="0" lvl="0" indent="0" algn="ctr" defTabSz="266700">
+          <a:pPr marL="0" lvl="0" indent="0" algn="ctr" defTabSz="355600">
             <a:lnSpc>
               <a:spcPct val="90000"/>
             </a:lnSpc>
@@ -5460,23 +5810,23 @@
             </a:spcAft>
             <a:buNone/>
           </a:pPr>
-          <a:endParaRPr lang="de-DE" sz="600" kern="1200"/>
+          <a:endParaRPr lang="de-DE" sz="800" kern="1200"/>
         </a:p>
       </dsp:txBody>
       <dsp:txXfrm>
-        <a:off x="4882584" y="564276"/>
-        <a:ext cx="422141" cy="277623"/>
+        <a:off x="3837720" y="309448"/>
+        <a:ext cx="342721" cy="207532"/>
       </dsp:txXfrm>
     </dsp:sp>
-    <dsp:sp modelId="{E50C9775-5B15-441B-8828-1F893A0EF9AE}">
+    <dsp:sp modelId="{8D229FD6-C9DD-4117-B944-DA86B6EA6303}">
       <dsp:nvSpPr>
         <dsp:cNvPr id="0" name=""/>
         <dsp:cNvSpPr/>
       </dsp:nvSpPr>
       <dsp:spPr>
         <a:xfrm>
-          <a:off x="5631632" y="568549"/>
-          <a:ext cx="1858468" cy="475200"/>
+          <a:off x="4469541" y="269214"/>
+          <a:ext cx="1389263" cy="432000"/>
         </a:xfrm>
         <a:prstGeom prst="roundRect">
           <a:avLst>
@@ -5519,12 +5869,12 @@
         </a:fontRef>
       </dsp:style>
       <dsp:txBody>
-        <a:bodyPr spcFirstLastPara="0" vert="horz" wrap="square" lIns="49784" tIns="49784" rIns="49784" bIns="26670" numCol="1" spcCol="1270" anchor="t" anchorCtr="0">
+        <a:bodyPr spcFirstLastPara="0" vert="horz" wrap="square" lIns="71120" tIns="71120" rIns="71120" bIns="38100" numCol="1" spcCol="1270" anchor="t" anchorCtr="0">
           <a:noAutofit/>
         </a:bodyPr>
         <a:lstStyle/>
         <a:p>
-          <a:pPr marL="0" lvl="0" indent="0" algn="l" defTabSz="311150">
+          <a:pPr marL="0" lvl="0" indent="0" algn="l" defTabSz="444500">
             <a:lnSpc>
               <a:spcPct val="90000"/>
             </a:lnSpc>
@@ -5534,28 +5884,29 @@
             <a:spcAft>
               <a:spcPct val="35000"/>
             </a:spcAft>
+            <a:buFont typeface="Wingdings" panose="05000000000000000000" pitchFamily="2" charset="2"/>
             <a:buNone/>
           </a:pPr>
           <a:r>
-            <a:rPr lang="de-DE" sz="700" kern="1200" dirty="0"/>
-            <a:t>Bis 31. August</a:t>
+            <a:rPr lang="de-DE" sz="1000" kern="1200" dirty="0"/>
+            <a:t>Bis 30. Juli</a:t>
           </a:r>
         </a:p>
       </dsp:txBody>
       <dsp:txXfrm>
-        <a:off x="5631632" y="568549"/>
-        <a:ext cx="1858468" cy="316800"/>
+        <a:off x="4469541" y="269214"/>
+        <a:ext cx="1389263" cy="288000"/>
       </dsp:txXfrm>
     </dsp:sp>
-    <dsp:sp modelId="{8AD1995F-6F3F-468F-AA58-6A971E3DE13E}">
+    <dsp:sp modelId="{2A265C72-E999-4EA5-902D-D7EA82D446C9}">
       <dsp:nvSpPr>
         <dsp:cNvPr id="0" name=""/>
         <dsp:cNvSpPr/>
       </dsp:nvSpPr>
       <dsp:spPr>
         <a:xfrm>
-          <a:off x="5967019" y="797846"/>
-          <a:ext cx="1621904" cy="647998"/>
+          <a:off x="4754089" y="557214"/>
+          <a:ext cx="1389263" cy="1224000"/>
         </a:xfrm>
         <a:prstGeom prst="roundRect">
           <a:avLst>
@@ -5597,12 +5948,12 @@
         <a:fontRef idx="minor"/>
       </dsp:style>
       <dsp:txBody>
-        <a:bodyPr spcFirstLastPara="0" vert="horz" wrap="square" lIns="49784" tIns="49784" rIns="49784" bIns="49784" numCol="1" spcCol="1270" anchor="t" anchorCtr="0">
+        <a:bodyPr spcFirstLastPara="0" vert="horz" wrap="square" lIns="71120" tIns="71120" rIns="71120" bIns="71120" numCol="1" spcCol="1270" anchor="t" anchorCtr="0">
           <a:noAutofit/>
         </a:bodyPr>
         <a:lstStyle/>
         <a:p>
-          <a:pPr marL="57150" lvl="1" indent="-57150" algn="l" defTabSz="311150">
+          <a:pPr marL="57150" lvl="1" indent="-57150" algn="l" defTabSz="444500">
             <a:lnSpc>
               <a:spcPct val="90000"/>
             </a:lnSpc>
@@ -5616,12 +5967,16 @@
             <a:buChar char="ü"/>
           </a:pPr>
           <a:r>
-            <a:rPr lang="de-DE" sz="700" kern="1200" dirty="0"/>
-            <a:t>Modellierungsplattform implementieren</a:t>
+            <a:rPr lang="de-DE" sz="1000" kern="1200" dirty="0" err="1"/>
+            <a:t>Build</a:t>
+          </a:r>
+          <a:r>
+            <a:rPr lang="de-DE" sz="1000" kern="1200" dirty="0"/>
+            <a:t>-fähiges Maven-Projekt erstellen</a:t>
           </a:r>
         </a:p>
         <a:p>
-          <a:pPr marL="57150" lvl="1" indent="-57150" algn="l" defTabSz="311150">
+          <a:pPr marL="57150" lvl="1" indent="-57150" algn="l" defTabSz="444500">
             <a:lnSpc>
               <a:spcPct val="90000"/>
             </a:lnSpc>
@@ -5635,25 +5990,25 @@
             <a:buChar char="ü"/>
           </a:pPr>
           <a:r>
-            <a:rPr lang="de-DE" sz="700" kern="1200" dirty="0"/>
-            <a:t>Tests durchführen</a:t>
+            <a:rPr lang="de-DE" sz="1000" kern="1200" dirty="0"/>
+            <a:t>Generierung modellabhängiger Java-Klassen</a:t>
           </a:r>
         </a:p>
       </dsp:txBody>
       <dsp:txXfrm>
-        <a:off x="5985998" y="816825"/>
-        <a:ext cx="1583946" cy="610040"/>
+        <a:off x="4789939" y="593064"/>
+        <a:ext cx="1317563" cy="1152300"/>
       </dsp:txXfrm>
     </dsp:sp>
-    <dsp:sp modelId="{9D177503-42B5-4264-9B51-2835404F9A9D}">
+    <dsp:sp modelId="{21EC0280-EE91-44EE-902D-C5F216B63364}">
       <dsp:nvSpPr>
         <dsp:cNvPr id="0" name=""/>
         <dsp:cNvSpPr/>
       </dsp:nvSpPr>
       <dsp:spPr>
-        <a:xfrm rot="2886">
-          <a:off x="7712806" y="496761"/>
-          <a:ext cx="472135" cy="462705"/>
+        <a:xfrm>
+          <a:off x="6069412" y="240271"/>
+          <a:ext cx="446487" cy="345886"/>
         </a:xfrm>
         <a:prstGeom prst="rightArrow">
           <a:avLst>
@@ -5695,7 +6050,7 @@
         </a:bodyPr>
         <a:lstStyle/>
         <a:p>
-          <a:pPr marL="0" lvl="0" indent="0" algn="ctr" defTabSz="266700">
+          <a:pPr marL="0" lvl="0" indent="0" algn="ctr" defTabSz="355600">
             <a:lnSpc>
               <a:spcPct val="90000"/>
             </a:lnSpc>
@@ -5707,23 +6062,23 @@
             </a:spcAft>
             <a:buNone/>
           </a:pPr>
-          <a:endParaRPr lang="de-DE" sz="600" kern="1200"/>
+          <a:endParaRPr lang="de-DE" sz="800" kern="1200"/>
         </a:p>
       </dsp:txBody>
       <dsp:txXfrm>
-        <a:off x="7712806" y="589244"/>
-        <a:ext cx="333324" cy="277623"/>
+        <a:off x="6069412" y="309448"/>
+        <a:ext cx="342721" cy="207532"/>
       </dsp:txXfrm>
     </dsp:sp>
-    <dsp:sp modelId="{B1082B3D-2794-4BEB-9983-E876BF7A4258}">
+    <dsp:sp modelId="{A1880456-58A6-412B-8B0D-68199E27D7BC}">
       <dsp:nvSpPr>
         <dsp:cNvPr id="0" name=""/>
         <dsp:cNvSpPr/>
       </dsp:nvSpPr>
       <dsp:spPr>
         <a:xfrm>
-          <a:off x="8380922" y="570857"/>
-          <a:ext cx="1858468" cy="475200"/>
+          <a:off x="6701234" y="269214"/>
+          <a:ext cx="1389263" cy="432000"/>
         </a:xfrm>
         <a:prstGeom prst="roundRect">
           <a:avLst>
@@ -5766,12 +6121,12 @@
         </a:fontRef>
       </dsp:style>
       <dsp:txBody>
-        <a:bodyPr spcFirstLastPara="0" vert="horz" wrap="square" lIns="49784" tIns="49784" rIns="49784" bIns="26670" numCol="1" spcCol="1270" anchor="t" anchorCtr="0">
+        <a:bodyPr spcFirstLastPara="0" vert="horz" wrap="square" lIns="71120" tIns="71120" rIns="71120" bIns="38100" numCol="1" spcCol="1270" anchor="t" anchorCtr="0">
           <a:noAutofit/>
         </a:bodyPr>
         <a:lstStyle/>
         <a:p>
-          <a:pPr marL="0" lvl="0" indent="0" algn="l" defTabSz="311150">
+          <a:pPr marL="0" lvl="0" indent="0" algn="l" defTabSz="444500">
             <a:lnSpc>
               <a:spcPct val="90000"/>
             </a:lnSpc>
@@ -5784,25 +6139,25 @@
             <a:buNone/>
           </a:pPr>
           <a:r>
-            <a:rPr lang="de-DE" sz="700" kern="1200" dirty="0"/>
-            <a:t>Anfang September</a:t>
+            <a:rPr lang="de-DE" sz="1000" kern="1200" dirty="0"/>
+            <a:t>Bis 31. August</a:t>
           </a:r>
         </a:p>
       </dsp:txBody>
       <dsp:txXfrm>
-        <a:off x="8380922" y="570857"/>
-        <a:ext cx="1858468" cy="316800"/>
+        <a:off x="6701234" y="269214"/>
+        <a:ext cx="1389263" cy="288000"/>
       </dsp:txXfrm>
     </dsp:sp>
-    <dsp:sp modelId="{AFB01717-DFC9-42B3-BF2D-B5767E52C782}">
+    <dsp:sp modelId="{D715E3BC-C063-4D65-ACFF-2BE42BF20756}">
       <dsp:nvSpPr>
         <dsp:cNvPr id="0" name=""/>
         <dsp:cNvSpPr/>
       </dsp:nvSpPr>
       <dsp:spPr>
         <a:xfrm>
-          <a:off x="8659719" y="784510"/>
-          <a:ext cx="1909223" cy="672335"/>
+          <a:off x="6985782" y="557214"/>
+          <a:ext cx="1389263" cy="1224000"/>
         </a:xfrm>
         <a:prstGeom prst="roundRect">
           <a:avLst>
@@ -5844,12 +6199,12 @@
         <a:fontRef idx="minor"/>
       </dsp:style>
       <dsp:txBody>
-        <a:bodyPr spcFirstLastPara="0" vert="horz" wrap="square" lIns="49784" tIns="49784" rIns="49784" bIns="49784" numCol="1" spcCol="1270" anchor="t" anchorCtr="0">
+        <a:bodyPr spcFirstLastPara="0" vert="horz" wrap="square" lIns="71120" tIns="71120" rIns="71120" bIns="71120" numCol="1" spcCol="1270" anchor="t" anchorCtr="0">
           <a:noAutofit/>
         </a:bodyPr>
         <a:lstStyle/>
         <a:p>
-          <a:pPr marL="57150" lvl="1" indent="-57150" algn="l" defTabSz="311150">
+          <a:pPr marL="57150" lvl="1" indent="-57150" algn="l" defTabSz="444500">
             <a:lnSpc>
               <a:spcPct val="90000"/>
             </a:lnSpc>
@@ -5863,12 +6218,12 @@
             <a:buChar char="ü"/>
           </a:pPr>
           <a:r>
-            <a:rPr lang="de-DE" sz="700" kern="1200" dirty="0"/>
-            <a:t>Bugfix und evtl. Features</a:t>
+            <a:rPr lang="de-DE" sz="1000" kern="1200" dirty="0"/>
+            <a:t>Generierung v. Screenshots mit Selenium</a:t>
           </a:r>
         </a:p>
         <a:p>
-          <a:pPr marL="57150" lvl="1" indent="-57150" algn="l" defTabSz="311150">
+          <a:pPr marL="57150" lvl="1" indent="-57150" algn="l" defTabSz="444500">
             <a:lnSpc>
               <a:spcPct val="90000"/>
             </a:lnSpc>
@@ -5882,37 +6237,114 @@
             <a:buChar char="ü"/>
           </a:pPr>
           <a:r>
-            <a:rPr lang="de-DE" sz="700" kern="1200" dirty="0"/>
-            <a:t>Funktionierendes Maven-Projekt</a:t>
+            <a:rPr lang="de-DE" sz="1000" kern="1200" dirty="0"/>
+            <a:t>Generierung der Markdown-Dateien</a:t>
+          </a:r>
+        </a:p>
+        <a:p>
+          <a:pPr marL="57150" lvl="1" indent="-57150" algn="l" defTabSz="444500">
+            <a:lnSpc>
+              <a:spcPct val="90000"/>
+            </a:lnSpc>
+            <a:spcBef>
+              <a:spcPct val="0"/>
+            </a:spcBef>
+            <a:spcAft>
+              <a:spcPct val="15000"/>
+            </a:spcAft>
+            <a:buFont typeface="Wingdings" panose="05000000000000000000" pitchFamily="2" charset="2"/>
+            <a:buChar char="ü"/>
+          </a:pPr>
+          <a:r>
+            <a:rPr lang="de-DE" sz="1000" kern="1200" dirty="0"/>
+            <a:t>Tests durchführen</a:t>
           </a:r>
         </a:p>
       </dsp:txBody>
       <dsp:txXfrm>
-        <a:off x="8679411" y="804202"/>
-        <a:ext cx="1869839" cy="632951"/>
+        <a:off x="7021632" y="593064"/>
+        <a:ext cx="1317563" cy="1152300"/>
       </dsp:txXfrm>
     </dsp:sp>
-  </dsp:spTree>
-</dsp:drawing>
-</file>
-
-<file path=ppt/diagrams/drawing3.xml><?xml version="1.0" encoding="utf-8"?>
-<dsp:drawing xmlns:dgm="http://schemas.openxmlformats.org/drawingml/2006/diagram" xmlns:dsp="http://schemas.microsoft.com/office/drawing/2008/diagram" xmlns:a="http://schemas.openxmlformats.org/drawingml/2006/main">
-  <dsp:spTree>
-    <dsp:nvGrpSpPr>
-      <dsp:cNvPr id="0" name=""/>
-      <dsp:cNvGrpSpPr/>
-    </dsp:nvGrpSpPr>
-    <dsp:grpSpPr/>
-    <dsp:sp modelId="{CB4844E4-F41A-4CAA-B75C-8F729BF021D0}">
+    <dsp:sp modelId="{0DF93611-4CF0-4F74-984C-6E6FE4FBE107}">
       <dsp:nvSpPr>
         <dsp:cNvPr id="0" name=""/>
         <dsp:cNvSpPr/>
       </dsp:nvSpPr>
       <dsp:spPr>
         <a:xfrm>
-          <a:off x="179198" y="0"/>
-          <a:ext cx="1589615" cy="468001"/>
+          <a:off x="8301104" y="240271"/>
+          <a:ext cx="446487" cy="345886"/>
+        </a:xfrm>
+        <a:prstGeom prst="rightArrow">
+          <a:avLst>
+            <a:gd name="adj1" fmla="val 60000"/>
+            <a:gd name="adj2" fmla="val 50000"/>
+          </a:avLst>
+        </a:prstGeom>
+        <a:solidFill>
+          <a:schemeClr val="accent1">
+            <a:tint val="60000"/>
+            <a:hueOff val="0"/>
+            <a:satOff val="0"/>
+            <a:lumOff val="0"/>
+            <a:alphaOff val="0"/>
+          </a:schemeClr>
+        </a:solidFill>
+        <a:ln>
+          <a:noFill/>
+        </a:ln>
+        <a:effectLst/>
+      </dsp:spPr>
+      <dsp:style>
+        <a:lnRef idx="0">
+          <a:scrgbClr r="0" g="0" b="0"/>
+        </a:lnRef>
+        <a:fillRef idx="1">
+          <a:scrgbClr r="0" g="0" b="0"/>
+        </a:fillRef>
+        <a:effectRef idx="0">
+          <a:scrgbClr r="0" g="0" b="0"/>
+        </a:effectRef>
+        <a:fontRef idx="minor">
+          <a:schemeClr val="lt1"/>
+        </a:fontRef>
+      </dsp:style>
+      <dsp:txBody>
+        <a:bodyPr spcFirstLastPara="0" vert="horz" wrap="square" lIns="0" tIns="0" rIns="0" bIns="0" numCol="1" spcCol="1270" anchor="ctr" anchorCtr="0">
+          <a:noAutofit/>
+        </a:bodyPr>
+        <a:lstStyle/>
+        <a:p>
+          <a:pPr marL="0" lvl="0" indent="0" algn="ctr" defTabSz="355600">
+            <a:lnSpc>
+              <a:spcPct val="90000"/>
+            </a:lnSpc>
+            <a:spcBef>
+              <a:spcPct val="0"/>
+            </a:spcBef>
+            <a:spcAft>
+              <a:spcPct val="35000"/>
+            </a:spcAft>
+            <a:buNone/>
+          </a:pPr>
+          <a:endParaRPr lang="de-DE" sz="800" kern="1200"/>
+        </a:p>
+      </dsp:txBody>
+      <dsp:txXfrm>
+        <a:off x="8301104" y="309448"/>
+        <a:ext cx="342721" cy="207532"/>
+      </dsp:txXfrm>
+    </dsp:sp>
+    <dsp:sp modelId="{333D2A51-77A3-47BA-AC41-9AD900C02E78}">
+      <dsp:nvSpPr>
+        <dsp:cNvPr id="0" name=""/>
+        <dsp:cNvSpPr/>
+      </dsp:nvSpPr>
+      <dsp:spPr>
+        <a:xfrm>
+          <a:off x="8932926" y="269214"/>
+          <a:ext cx="1389263" cy="432000"/>
         </a:xfrm>
         <a:prstGeom prst="roundRect">
           <a:avLst>
@@ -5955,12 +6387,12 @@
         </a:fontRef>
       </dsp:style>
       <dsp:txBody>
-        <a:bodyPr spcFirstLastPara="0" vert="horz" wrap="square" lIns="56896" tIns="56896" rIns="56896" bIns="30480" numCol="1" spcCol="1270" anchor="t" anchorCtr="0">
+        <a:bodyPr spcFirstLastPara="0" vert="horz" wrap="square" lIns="71120" tIns="71120" rIns="71120" bIns="38100" numCol="1" spcCol="1270" anchor="t" anchorCtr="0">
           <a:noAutofit/>
         </a:bodyPr>
         <a:lstStyle/>
         <a:p>
-          <a:pPr marL="0" lvl="0" indent="0" algn="l" defTabSz="355600">
+          <a:pPr marL="0" lvl="0" indent="0" algn="l" defTabSz="444500">
             <a:lnSpc>
               <a:spcPct val="90000"/>
             </a:lnSpc>
@@ -5973,25 +6405,25 @@
             <a:buNone/>
           </a:pPr>
           <a:r>
-            <a:rPr lang="de-DE" sz="800" kern="1200" dirty="0"/>
-            <a:t>12. September 2021</a:t>
+            <a:rPr lang="de-DE" sz="1000" kern="1200" dirty="0"/>
+            <a:t>Anfang September</a:t>
           </a:r>
         </a:p>
       </dsp:txBody>
       <dsp:txXfrm>
-        <a:off x="179198" y="0"/>
-        <a:ext cx="1589615" cy="312000"/>
+        <a:off x="8932926" y="269214"/>
+        <a:ext cx="1389263" cy="288000"/>
       </dsp:txXfrm>
     </dsp:sp>
-    <dsp:sp modelId="{5C72899B-EAA1-460E-98A2-2D77B1F7DE5A}">
+    <dsp:sp modelId="{88DAAE15-C22C-460E-B5EE-6A68FE242F7F}">
       <dsp:nvSpPr>
         <dsp:cNvPr id="0" name=""/>
         <dsp:cNvSpPr/>
       </dsp:nvSpPr>
       <dsp:spPr>
         <a:xfrm>
-          <a:off x="317303" y="339828"/>
-          <a:ext cx="1589615" cy="398255"/>
+          <a:off x="9217474" y="557214"/>
+          <a:ext cx="1389263" cy="1224000"/>
         </a:xfrm>
         <a:prstGeom prst="roundRect">
           <a:avLst>
@@ -6033,12 +6465,12 @@
         <a:fontRef idx="minor"/>
       </dsp:style>
       <dsp:txBody>
-        <a:bodyPr spcFirstLastPara="0" vert="horz" wrap="square" lIns="56896" tIns="56896" rIns="56896" bIns="56896" numCol="1" spcCol="1270" anchor="t" anchorCtr="0">
+        <a:bodyPr spcFirstLastPara="0" vert="horz" wrap="square" lIns="71120" tIns="71120" rIns="71120" bIns="71120" numCol="1" spcCol="1270" anchor="t" anchorCtr="0">
           <a:noAutofit/>
         </a:bodyPr>
         <a:lstStyle/>
         <a:p>
-          <a:pPr marL="57150" lvl="1" indent="-57150" algn="l" defTabSz="355600">
+          <a:pPr marL="57150" lvl="1" indent="-57150" algn="l" defTabSz="444500">
             <a:lnSpc>
               <a:spcPct val="90000"/>
             </a:lnSpc>
@@ -6052,67 +6484,20 @@
             <a:buChar char="ü"/>
           </a:pPr>
           <a:r>
-            <a:rPr lang="de-DE" sz="800" kern="1200" dirty="0"/>
-            <a:t>Rohfassung der schriftl. Arbeit</a:t>
+            <a:rPr lang="de-DE" sz="1000" kern="1200" dirty="0"/>
+            <a:t>Erstellung des </a:t>
+          </a:r>
+          <a:r>
+            <a:rPr lang="de-DE" sz="1000" kern="1200" dirty="0" err="1"/>
+            <a:t>VuePress</a:t>
+          </a:r>
+          <a:r>
+            <a:rPr lang="de-DE" sz="1000" kern="1200" dirty="0"/>
+            <a:t>-Projekts</a:t>
           </a:r>
         </a:p>
-      </dsp:txBody>
-      <dsp:txXfrm>
-        <a:off x="328967" y="351492"/>
-        <a:ext cx="1566287" cy="374927"/>
-      </dsp:txXfrm>
-    </dsp:sp>
-    <dsp:sp modelId="{D974A36B-4FE7-4975-A06D-E5E693AF4145}">
-      <dsp:nvSpPr>
-        <dsp:cNvPr id="0" name=""/>
-        <dsp:cNvSpPr/>
-      </dsp:nvSpPr>
-      <dsp:spPr>
-        <a:xfrm rot="12568">
-          <a:off x="1977961" y="-37403"/>
-          <a:ext cx="443396" cy="395768"/>
-        </a:xfrm>
-        <a:prstGeom prst="rightArrow">
-          <a:avLst>
-            <a:gd name="adj1" fmla="val 60000"/>
-            <a:gd name="adj2" fmla="val 50000"/>
-          </a:avLst>
-        </a:prstGeom>
-        <a:solidFill>
-          <a:schemeClr val="accent1">
-            <a:tint val="60000"/>
-            <a:hueOff val="0"/>
-            <a:satOff val="0"/>
-            <a:lumOff val="0"/>
-            <a:alphaOff val="0"/>
-          </a:schemeClr>
-        </a:solidFill>
-        <a:ln>
-          <a:noFill/>
-        </a:ln>
-        <a:effectLst/>
-      </dsp:spPr>
-      <dsp:style>
-        <a:lnRef idx="0">
-          <a:scrgbClr r="0" g="0" b="0"/>
-        </a:lnRef>
-        <a:fillRef idx="1">
-          <a:scrgbClr r="0" g="0" b="0"/>
-        </a:fillRef>
-        <a:effectRef idx="0">
-          <a:scrgbClr r="0" g="0" b="0"/>
-        </a:effectRef>
-        <a:fontRef idx="minor">
-          <a:schemeClr val="lt1"/>
-        </a:fontRef>
-      </dsp:style>
-      <dsp:txBody>
-        <a:bodyPr spcFirstLastPara="0" vert="horz" wrap="square" lIns="0" tIns="0" rIns="0" bIns="0" numCol="1" spcCol="1270" anchor="ctr" anchorCtr="0">
-          <a:noAutofit/>
-        </a:bodyPr>
-        <a:lstStyle/>
         <a:p>
-          <a:pPr marL="0" lvl="0" indent="0" algn="ctr" defTabSz="266700">
+          <a:pPr marL="57150" lvl="1" indent="-57150" algn="l" defTabSz="444500">
             <a:lnSpc>
               <a:spcPct val="90000"/>
             </a:lnSpc>
@@ -6120,27 +6505,70 @@
               <a:spcPct val="0"/>
             </a:spcBef>
             <a:spcAft>
-              <a:spcPct val="35000"/>
+              <a:spcPct val="15000"/>
             </a:spcAft>
-            <a:buNone/>
+            <a:buFont typeface="Wingdings" panose="05000000000000000000" pitchFamily="2" charset="2"/>
+            <a:buChar char="ü"/>
           </a:pPr>
-          <a:endParaRPr lang="de-DE" sz="600" kern="1200"/>
+          <a:r>
+            <a:rPr lang="de-DE" sz="1000" kern="1200" dirty="0"/>
+            <a:t>Bugfix und evtl. Features</a:t>
+          </a:r>
+        </a:p>
+        <a:p>
+          <a:pPr marL="57150" lvl="1" indent="-57150" algn="l" defTabSz="444500">
+            <a:lnSpc>
+              <a:spcPct val="90000"/>
+            </a:lnSpc>
+            <a:spcBef>
+              <a:spcPct val="0"/>
+            </a:spcBef>
+            <a:spcAft>
+              <a:spcPct val="15000"/>
+            </a:spcAft>
+            <a:buFont typeface="Wingdings" panose="05000000000000000000" pitchFamily="2" charset="2"/>
+            <a:buChar char="ü"/>
+          </a:pPr>
+          <a:r>
+            <a:rPr lang="de-DE" sz="1000" kern="1200" dirty="0"/>
+            <a:t>Project </a:t>
+          </a:r>
+          <a:r>
+            <a:rPr lang="de-DE" sz="1000" kern="1200" dirty="0" err="1"/>
+            <a:t>package</a:t>
+          </a:r>
+          <a:r>
+            <a:rPr lang="de-DE" sz="1000" kern="1200" dirty="0"/>
+            <a:t> erstellen</a:t>
+          </a:r>
         </a:p>
       </dsp:txBody>
       <dsp:txXfrm>
-        <a:off x="1977961" y="41534"/>
-        <a:ext cx="324666" cy="237460"/>
+        <a:off x="9253324" y="593064"/>
+        <a:ext cx="1317563" cy="1152300"/>
       </dsp:txXfrm>
     </dsp:sp>
-    <dsp:sp modelId="{9AF1ADA5-4794-4F07-8C95-0D4A5F4A1147}">
+  </dsp:spTree>
+</dsp:drawing>
+</file>
+
+<file path=ppt/diagrams/drawing3.xml><?xml version="1.0" encoding="utf-8"?>
+<dsp:drawing xmlns:dgm="http://schemas.openxmlformats.org/drawingml/2006/diagram" xmlns:dsp="http://schemas.microsoft.com/office/drawing/2008/diagram" xmlns:a="http://schemas.openxmlformats.org/drawingml/2006/main">
+  <dsp:spTree>
+    <dsp:nvGrpSpPr>
+      <dsp:cNvPr id="0" name=""/>
+      <dsp:cNvGrpSpPr/>
+    </dsp:nvGrpSpPr>
+    <dsp:grpSpPr/>
+    <dsp:sp modelId="{A00B0E3B-5E2C-416E-9FF9-AE3C40FF75E5}">
       <dsp:nvSpPr>
         <dsp:cNvPr id="0" name=""/>
         <dsp:cNvSpPr/>
       </dsp:nvSpPr>
       <dsp:spPr>
         <a:xfrm>
-          <a:off x="2605406" y="8869"/>
-          <a:ext cx="1589615" cy="468001"/>
+          <a:off x="1363" y="8230"/>
+          <a:ext cx="1713330" cy="475200"/>
         </a:xfrm>
         <a:prstGeom prst="roundRect">
           <a:avLst>
@@ -6183,12 +6611,12 @@
         </a:fontRef>
       </dsp:style>
       <dsp:txBody>
-        <a:bodyPr spcFirstLastPara="0" vert="horz" wrap="square" lIns="56896" tIns="56896" rIns="56896" bIns="30480" numCol="1" spcCol="1270" anchor="t" anchorCtr="0">
+        <a:bodyPr spcFirstLastPara="0" vert="horz" wrap="square" lIns="78232" tIns="78232" rIns="78232" bIns="41910" numCol="1" spcCol="1270" anchor="t" anchorCtr="0">
           <a:noAutofit/>
         </a:bodyPr>
         <a:lstStyle/>
         <a:p>
-          <a:pPr marL="0" lvl="0" indent="0" algn="l" defTabSz="355600">
+          <a:pPr marL="0" lvl="0" indent="0" algn="l" defTabSz="488950">
             <a:lnSpc>
               <a:spcPct val="90000"/>
             </a:lnSpc>
@@ -6201,25 +6629,25 @@
             <a:buNone/>
           </a:pPr>
           <a:r>
-            <a:rPr lang="de-DE" sz="800" kern="1200" dirty="0"/>
-            <a:t>15. September 2021</a:t>
+            <a:rPr lang="de-DE" sz="1100" kern="1200" dirty="0"/>
+            <a:t>12. September 2021</a:t>
           </a:r>
         </a:p>
       </dsp:txBody>
       <dsp:txXfrm>
-        <a:off x="2605406" y="8869"/>
-        <a:ext cx="1589615" cy="312000"/>
+        <a:off x="1363" y="8230"/>
+        <a:ext cx="1713330" cy="316800"/>
       </dsp:txXfrm>
     </dsp:sp>
-    <dsp:sp modelId="{635D666C-5B93-40C7-9AE5-88873B0F1E8B}">
+    <dsp:sp modelId="{C4953700-2CDA-4741-BE66-B27721F8A343}">
       <dsp:nvSpPr>
         <dsp:cNvPr id="0" name=""/>
         <dsp:cNvSpPr/>
       </dsp:nvSpPr>
       <dsp:spPr>
         <a:xfrm>
-          <a:off x="2770582" y="320769"/>
-          <a:ext cx="1589615" cy="432003"/>
+          <a:off x="352286" y="325030"/>
+          <a:ext cx="1713330" cy="712800"/>
         </a:xfrm>
         <a:prstGeom prst="roundRect">
           <a:avLst>
@@ -6261,12 +6689,12 @@
         <a:fontRef idx="minor"/>
       </dsp:style>
       <dsp:txBody>
-        <a:bodyPr spcFirstLastPara="0" vert="horz" wrap="square" lIns="56896" tIns="56896" rIns="56896" bIns="56896" numCol="1" spcCol="1270" anchor="t" anchorCtr="0">
+        <a:bodyPr spcFirstLastPara="0" vert="horz" wrap="square" lIns="78232" tIns="78232" rIns="78232" bIns="78232" numCol="1" spcCol="1270" anchor="t" anchorCtr="0">
           <a:noAutofit/>
         </a:bodyPr>
         <a:lstStyle/>
         <a:p>
-          <a:pPr marL="57150" lvl="1" indent="-57150" algn="l" defTabSz="355600">
+          <a:pPr marL="57150" lvl="1" indent="-57150" algn="l" defTabSz="488950">
             <a:lnSpc>
               <a:spcPct val="90000"/>
             </a:lnSpc>
@@ -6280,25 +6708,25 @@
             <a:buChar char="ü"/>
           </a:pPr>
           <a:r>
-            <a:rPr lang="de-DE" sz="800" kern="1200" dirty="0"/>
-            <a:t>Lektorat und Verbesserungen einarbeiten</a:t>
+            <a:rPr lang="de-DE" sz="1100" kern="1200" dirty="0"/>
+            <a:t>Rohfassung der schriftl. Arbeit</a:t>
           </a:r>
         </a:p>
       </dsp:txBody>
       <dsp:txXfrm>
-        <a:off x="2783235" y="333422"/>
-        <a:ext cx="1564309" cy="406697"/>
+        <a:off x="373163" y="345907"/>
+        <a:ext cx="1671576" cy="671046"/>
       </dsp:txXfrm>
     </dsp:sp>
-    <dsp:sp modelId="{9AC86107-662A-4672-9265-984D471DA932}">
+    <dsp:sp modelId="{BC932515-20E1-4C4C-A42B-79470B323F50}">
       <dsp:nvSpPr>
         <dsp:cNvPr id="0" name=""/>
         <dsp:cNvSpPr/>
       </dsp:nvSpPr>
       <dsp:spPr>
-        <a:xfrm rot="21588289">
-          <a:off x="4448534" y="-37500"/>
-          <a:ext cx="537453" cy="395768"/>
+        <a:xfrm>
+          <a:off x="1974429" y="-46653"/>
+          <a:ext cx="550637" cy="426569"/>
         </a:xfrm>
         <a:prstGeom prst="rightArrow">
           <a:avLst>
@@ -6340,7 +6768,7 @@
         </a:bodyPr>
         <a:lstStyle/>
         <a:p>
-          <a:pPr marL="0" lvl="0" indent="0" algn="ctr" defTabSz="266700">
+          <a:pPr marL="0" lvl="0" indent="0" algn="ctr" defTabSz="400050">
             <a:lnSpc>
               <a:spcPct val="90000"/>
             </a:lnSpc>
@@ -6352,23 +6780,23 @@
             </a:spcAft>
             <a:buNone/>
           </a:pPr>
-          <a:endParaRPr lang="de-DE" sz="600" kern="1200"/>
+          <a:endParaRPr lang="de-DE" sz="900" kern="1200"/>
         </a:p>
       </dsp:txBody>
       <dsp:txXfrm>
-        <a:off x="4448534" y="41856"/>
-        <a:ext cx="418723" cy="237460"/>
+        <a:off x="1974429" y="38661"/>
+        <a:ext cx="422666" cy="255941"/>
       </dsp:txXfrm>
     </dsp:sp>
-    <dsp:sp modelId="{B1082B3D-2794-4BEB-9983-E876BF7A4258}">
+    <dsp:sp modelId="{A5CA91A6-48E7-42EC-946D-465DAF20965B}">
       <dsp:nvSpPr>
         <dsp:cNvPr id="0" name=""/>
         <dsp:cNvSpPr/>
       </dsp:nvSpPr>
       <dsp:spPr>
         <a:xfrm>
-          <a:off x="5209078" y="0"/>
-          <a:ext cx="1589615" cy="468001"/>
+          <a:off x="2753633" y="8230"/>
+          <a:ext cx="1713330" cy="475200"/>
         </a:xfrm>
         <a:prstGeom prst="roundRect">
           <a:avLst>
@@ -6411,12 +6839,12 @@
         </a:fontRef>
       </dsp:style>
       <dsp:txBody>
-        <a:bodyPr spcFirstLastPara="0" vert="horz" wrap="square" lIns="56896" tIns="56896" rIns="56896" bIns="30480" numCol="1" spcCol="1270" anchor="t" anchorCtr="0">
+        <a:bodyPr spcFirstLastPara="0" vert="horz" wrap="square" lIns="78232" tIns="78232" rIns="78232" bIns="41910" numCol="1" spcCol="1270" anchor="t" anchorCtr="0">
           <a:noAutofit/>
         </a:bodyPr>
         <a:lstStyle/>
         <a:p>
-          <a:pPr marL="0" lvl="0" indent="0" algn="l" defTabSz="355600">
+          <a:pPr marL="0" lvl="0" indent="0" algn="l" defTabSz="488950">
             <a:lnSpc>
               <a:spcPct val="90000"/>
             </a:lnSpc>
@@ -6429,25 +6857,25 @@
             <a:buNone/>
           </a:pPr>
           <a:r>
-            <a:rPr lang="de-DE" sz="800" kern="1200" dirty="0"/>
-            <a:t>23. September 2021</a:t>
+            <a:rPr lang="de-DE" sz="1100" kern="1200" dirty="0"/>
+            <a:t>15. September 2021</a:t>
           </a:r>
         </a:p>
       </dsp:txBody>
       <dsp:txXfrm>
-        <a:off x="5209078" y="0"/>
-        <a:ext cx="1589615" cy="312000"/>
+        <a:off x="2753633" y="8230"/>
+        <a:ext cx="1713330" cy="316800"/>
       </dsp:txXfrm>
     </dsp:sp>
-    <dsp:sp modelId="{AFB01717-DFC9-42B3-BF2D-B5767E52C782}">
+    <dsp:sp modelId="{4E4C1063-FC8F-4D02-9102-4DA923F05145}">
       <dsp:nvSpPr>
         <dsp:cNvPr id="0" name=""/>
         <dsp:cNvSpPr/>
       </dsp:nvSpPr>
       <dsp:spPr>
         <a:xfrm>
-          <a:off x="5384285" y="314517"/>
-          <a:ext cx="1589615" cy="432003"/>
+          <a:off x="3104556" y="325030"/>
+          <a:ext cx="1713330" cy="712800"/>
         </a:xfrm>
         <a:prstGeom prst="roundRect">
           <a:avLst>
@@ -6489,12 +6917,12 @@
         <a:fontRef idx="minor"/>
       </dsp:style>
       <dsp:txBody>
-        <a:bodyPr spcFirstLastPara="0" vert="horz" wrap="square" lIns="56896" tIns="56896" rIns="56896" bIns="56896" numCol="1" spcCol="1270" anchor="t" anchorCtr="0">
+        <a:bodyPr spcFirstLastPara="0" vert="horz" wrap="square" lIns="78232" tIns="78232" rIns="78232" bIns="78232" numCol="1" spcCol="1270" anchor="t" anchorCtr="0">
           <a:noAutofit/>
         </a:bodyPr>
         <a:lstStyle/>
         <a:p>
-          <a:pPr marL="57150" lvl="1" indent="-57150" algn="l" defTabSz="355600">
+          <a:pPr marL="57150" lvl="1" indent="-57150" algn="l" defTabSz="488950">
             <a:lnSpc>
               <a:spcPct val="90000"/>
             </a:lnSpc>
@@ -6508,25 +6936,25 @@
             <a:buChar char="ü"/>
           </a:pPr>
           <a:r>
-            <a:rPr lang="de-DE" sz="800" kern="1200" dirty="0"/>
-            <a:t>Abgabe der Arbeit</a:t>
+            <a:rPr lang="de-DE" sz="1100" kern="1200" dirty="0"/>
+            <a:t>Lektorat und Verbesserungen einarbeiten</a:t>
           </a:r>
         </a:p>
       </dsp:txBody>
       <dsp:txXfrm>
-        <a:off x="5396938" y="327170"/>
-        <a:ext cx="1564309" cy="406697"/>
+        <a:off x="3125433" y="345907"/>
+        <a:ext cx="1671576" cy="671046"/>
       </dsp:txXfrm>
     </dsp:sp>
-    <dsp:sp modelId="{41242784-9482-4503-9F63-3D5223EFAC32}">
+    <dsp:sp modelId="{8D875F74-6395-46EE-A296-9705C7E2BA2C}">
       <dsp:nvSpPr>
         <dsp:cNvPr id="0" name=""/>
         <dsp:cNvSpPr/>
       </dsp:nvSpPr>
       <dsp:spPr>
-        <a:xfrm rot="21572294">
-          <a:off x="7015322" y="-51886"/>
-          <a:ext cx="459281" cy="395768"/>
+        <a:xfrm>
+          <a:off x="4726699" y="-46653"/>
+          <a:ext cx="550637" cy="426569"/>
         </a:xfrm>
         <a:prstGeom prst="rightArrow">
           <a:avLst>
@@ -6568,7 +6996,7 @@
         </a:bodyPr>
         <a:lstStyle/>
         <a:p>
-          <a:pPr marL="0" lvl="0" indent="0" algn="ctr" defTabSz="266700">
+          <a:pPr marL="0" lvl="0" indent="0" algn="ctr" defTabSz="400050">
             <a:lnSpc>
               <a:spcPct val="90000"/>
             </a:lnSpc>
@@ -6580,23 +7008,23 @@
             </a:spcAft>
             <a:buNone/>
           </a:pPr>
-          <a:endParaRPr lang="de-DE" sz="600" kern="1200"/>
+          <a:endParaRPr lang="de-DE" sz="900" kern="1200"/>
         </a:p>
       </dsp:txBody>
       <dsp:txXfrm>
-        <a:off x="7015324" y="27746"/>
-        <a:ext cx="340551" cy="237460"/>
+        <a:off x="4726699" y="38661"/>
+        <a:ext cx="422666" cy="255941"/>
       </dsp:txXfrm>
     </dsp:sp>
-    <dsp:sp modelId="{65EB5E1A-92A7-4A17-B088-73B4A56116BA}">
+    <dsp:sp modelId="{5CA96D4A-B868-4B82-8BB2-4B9EAA495112}">
       <dsp:nvSpPr>
         <dsp:cNvPr id="0" name=""/>
         <dsp:cNvSpPr/>
       </dsp:nvSpPr>
       <dsp:spPr>
         <a:xfrm>
-          <a:off x="7665235" y="7618"/>
-          <a:ext cx="1587676" cy="385782"/>
+          <a:off x="5505903" y="8230"/>
+          <a:ext cx="1713330" cy="475200"/>
         </a:xfrm>
         <a:prstGeom prst="roundRect">
           <a:avLst>
@@ -6639,12 +7067,12 @@
         </a:fontRef>
       </dsp:style>
       <dsp:txBody>
-        <a:bodyPr spcFirstLastPara="0" vert="horz" wrap="square" lIns="56896" tIns="56896" rIns="56896" bIns="30480" numCol="1" spcCol="1270" anchor="t" anchorCtr="0">
+        <a:bodyPr spcFirstLastPara="0" vert="horz" wrap="square" lIns="78232" tIns="78232" rIns="78232" bIns="41910" numCol="1" spcCol="1270" anchor="t" anchorCtr="0">
           <a:noAutofit/>
         </a:bodyPr>
         <a:lstStyle/>
         <a:p>
-          <a:pPr marL="0" lvl="0" indent="0" algn="l" defTabSz="355600">
+          <a:pPr marL="0" lvl="0" indent="0" algn="l" defTabSz="488950">
             <a:lnSpc>
               <a:spcPct val="90000"/>
             </a:lnSpc>
@@ -6657,25 +7085,25 @@
             <a:buNone/>
           </a:pPr>
           <a:r>
-            <a:rPr lang="de-DE" sz="800" kern="1200" dirty="0"/>
-            <a:t>Mitte Oktober 2021</a:t>
+            <a:rPr lang="de-DE" sz="1100" kern="1200" dirty="0"/>
+            <a:t>29. September 2021</a:t>
           </a:r>
         </a:p>
       </dsp:txBody>
       <dsp:txXfrm>
-        <a:off x="7665235" y="7618"/>
-        <a:ext cx="1587676" cy="257188"/>
+        <a:off x="5505903" y="8230"/>
+        <a:ext cx="1713330" cy="316800"/>
       </dsp:txXfrm>
     </dsp:sp>
-    <dsp:sp modelId="{27CF7F06-ACC8-4A33-B523-665EB7C51696}">
+    <dsp:sp modelId="{D886A8C2-D23A-44F0-8363-A75D4AD79FCA}">
       <dsp:nvSpPr>
         <dsp:cNvPr id="0" name=""/>
         <dsp:cNvSpPr/>
       </dsp:nvSpPr>
       <dsp:spPr>
         <a:xfrm>
-          <a:off x="7872043" y="264084"/>
-          <a:ext cx="1589615" cy="432003"/>
+          <a:off x="5856826" y="325030"/>
+          <a:ext cx="1713330" cy="712800"/>
         </a:xfrm>
         <a:prstGeom prst="roundRect">
           <a:avLst>
@@ -6717,12 +7145,240 @@
         <a:fontRef idx="minor"/>
       </dsp:style>
       <dsp:txBody>
-        <a:bodyPr spcFirstLastPara="0" vert="horz" wrap="square" lIns="56896" tIns="56896" rIns="56896" bIns="56896" numCol="1" spcCol="1270" anchor="t" anchorCtr="0">
+        <a:bodyPr spcFirstLastPara="0" vert="horz" wrap="square" lIns="78232" tIns="78232" rIns="78232" bIns="78232" numCol="1" spcCol="1270" anchor="t" anchorCtr="0">
           <a:noAutofit/>
         </a:bodyPr>
         <a:lstStyle/>
         <a:p>
-          <a:pPr marL="57150" lvl="1" indent="-57150" algn="l" defTabSz="355600">
+          <a:pPr marL="57150" lvl="1" indent="-57150" algn="l" defTabSz="488950">
+            <a:lnSpc>
+              <a:spcPct val="90000"/>
+            </a:lnSpc>
+            <a:spcBef>
+              <a:spcPct val="0"/>
+            </a:spcBef>
+            <a:spcAft>
+              <a:spcPct val="15000"/>
+            </a:spcAft>
+            <a:buFont typeface="Wingdings" panose="05000000000000000000" pitchFamily="2" charset="2"/>
+            <a:buChar char="ü"/>
+          </a:pPr>
+          <a:r>
+            <a:rPr lang="de-DE" sz="1100" kern="1200" dirty="0"/>
+            <a:t>Abgabe der Arbeit</a:t>
+          </a:r>
+        </a:p>
+      </dsp:txBody>
+      <dsp:txXfrm>
+        <a:off x="5877703" y="345907"/>
+        <a:ext cx="1671576" cy="671046"/>
+      </dsp:txXfrm>
+    </dsp:sp>
+    <dsp:sp modelId="{EED57C99-D624-4731-B17C-915AC565453D}">
+      <dsp:nvSpPr>
+        <dsp:cNvPr id="0" name=""/>
+        <dsp:cNvSpPr/>
+      </dsp:nvSpPr>
+      <dsp:spPr>
+        <a:xfrm>
+          <a:off x="7478969" y="-46653"/>
+          <a:ext cx="550637" cy="426569"/>
+        </a:xfrm>
+        <a:prstGeom prst="rightArrow">
+          <a:avLst>
+            <a:gd name="adj1" fmla="val 60000"/>
+            <a:gd name="adj2" fmla="val 50000"/>
+          </a:avLst>
+        </a:prstGeom>
+        <a:solidFill>
+          <a:schemeClr val="accent1">
+            <a:tint val="60000"/>
+            <a:hueOff val="0"/>
+            <a:satOff val="0"/>
+            <a:lumOff val="0"/>
+            <a:alphaOff val="0"/>
+          </a:schemeClr>
+        </a:solidFill>
+        <a:ln>
+          <a:noFill/>
+        </a:ln>
+        <a:effectLst/>
+      </dsp:spPr>
+      <dsp:style>
+        <a:lnRef idx="0">
+          <a:scrgbClr r="0" g="0" b="0"/>
+        </a:lnRef>
+        <a:fillRef idx="1">
+          <a:scrgbClr r="0" g="0" b="0"/>
+        </a:fillRef>
+        <a:effectRef idx="0">
+          <a:scrgbClr r="0" g="0" b="0"/>
+        </a:effectRef>
+        <a:fontRef idx="minor">
+          <a:schemeClr val="lt1"/>
+        </a:fontRef>
+      </dsp:style>
+      <dsp:txBody>
+        <a:bodyPr spcFirstLastPara="0" vert="horz" wrap="square" lIns="0" tIns="0" rIns="0" bIns="0" numCol="1" spcCol="1270" anchor="ctr" anchorCtr="0">
+          <a:noAutofit/>
+        </a:bodyPr>
+        <a:lstStyle/>
+        <a:p>
+          <a:pPr marL="0" lvl="0" indent="0" algn="ctr" defTabSz="400050">
+            <a:lnSpc>
+              <a:spcPct val="90000"/>
+            </a:lnSpc>
+            <a:spcBef>
+              <a:spcPct val="0"/>
+            </a:spcBef>
+            <a:spcAft>
+              <a:spcPct val="35000"/>
+            </a:spcAft>
+            <a:buNone/>
+          </a:pPr>
+          <a:endParaRPr lang="de-DE" sz="900" kern="1200"/>
+        </a:p>
+      </dsp:txBody>
+      <dsp:txXfrm>
+        <a:off x="7478969" y="38661"/>
+        <a:ext cx="422666" cy="255941"/>
+      </dsp:txXfrm>
+    </dsp:sp>
+    <dsp:sp modelId="{5F922B69-9361-49C1-8CAE-56AD6F5ABFFE}">
+      <dsp:nvSpPr>
+        <dsp:cNvPr id="0" name=""/>
+        <dsp:cNvSpPr/>
+      </dsp:nvSpPr>
+      <dsp:spPr>
+        <a:xfrm>
+          <a:off x="8258173" y="8230"/>
+          <a:ext cx="1713330" cy="475200"/>
+        </a:xfrm>
+        <a:prstGeom prst="roundRect">
+          <a:avLst>
+            <a:gd name="adj" fmla="val 10000"/>
+          </a:avLst>
+        </a:prstGeom>
+        <a:solidFill>
+          <a:schemeClr val="accent1">
+            <a:hueOff val="0"/>
+            <a:satOff val="0"/>
+            <a:lumOff val="0"/>
+            <a:alphaOff val="0"/>
+          </a:schemeClr>
+        </a:solidFill>
+        <a:ln w="15875" cap="flat" cmpd="sng" algn="ctr">
+          <a:solidFill>
+            <a:schemeClr val="lt1">
+              <a:hueOff val="0"/>
+              <a:satOff val="0"/>
+              <a:lumOff val="0"/>
+              <a:alphaOff val="0"/>
+            </a:schemeClr>
+          </a:solidFill>
+          <a:prstDash val="solid"/>
+        </a:ln>
+        <a:effectLst/>
+      </dsp:spPr>
+      <dsp:style>
+        <a:lnRef idx="2">
+          <a:scrgbClr r="0" g="0" b="0"/>
+        </a:lnRef>
+        <a:fillRef idx="1">
+          <a:scrgbClr r="0" g="0" b="0"/>
+        </a:fillRef>
+        <a:effectRef idx="0">
+          <a:scrgbClr r="0" g="0" b="0"/>
+        </a:effectRef>
+        <a:fontRef idx="minor">
+          <a:schemeClr val="lt1"/>
+        </a:fontRef>
+      </dsp:style>
+      <dsp:txBody>
+        <a:bodyPr spcFirstLastPara="0" vert="horz" wrap="square" lIns="78232" tIns="78232" rIns="78232" bIns="41910" numCol="1" spcCol="1270" anchor="t" anchorCtr="0">
+          <a:noAutofit/>
+        </a:bodyPr>
+        <a:lstStyle/>
+        <a:p>
+          <a:pPr marL="0" lvl="0" indent="0" algn="l" defTabSz="488950">
+            <a:lnSpc>
+              <a:spcPct val="90000"/>
+            </a:lnSpc>
+            <a:spcBef>
+              <a:spcPct val="0"/>
+            </a:spcBef>
+            <a:spcAft>
+              <a:spcPct val="35000"/>
+            </a:spcAft>
+            <a:buNone/>
+          </a:pPr>
+          <a:r>
+            <a:rPr lang="de-DE" sz="1100" kern="1200" dirty="0"/>
+            <a:t>Mitte Oktober 2021</a:t>
+          </a:r>
+        </a:p>
+      </dsp:txBody>
+      <dsp:txXfrm>
+        <a:off x="8258173" y="8230"/>
+        <a:ext cx="1713330" cy="316800"/>
+      </dsp:txXfrm>
+    </dsp:sp>
+    <dsp:sp modelId="{DA5D23C2-B76B-4B6D-8D56-F691542B4211}">
+      <dsp:nvSpPr>
+        <dsp:cNvPr id="0" name=""/>
+        <dsp:cNvSpPr/>
+      </dsp:nvSpPr>
+      <dsp:spPr>
+        <a:xfrm>
+          <a:off x="8609096" y="325030"/>
+          <a:ext cx="1713330" cy="712800"/>
+        </a:xfrm>
+        <a:prstGeom prst="roundRect">
+          <a:avLst>
+            <a:gd name="adj" fmla="val 10000"/>
+          </a:avLst>
+        </a:prstGeom>
+        <a:solidFill>
+          <a:schemeClr val="lt1">
+            <a:alpha val="90000"/>
+            <a:hueOff val="0"/>
+            <a:satOff val="0"/>
+            <a:lumOff val="0"/>
+            <a:alphaOff val="0"/>
+          </a:schemeClr>
+        </a:solidFill>
+        <a:ln w="15875" cap="flat" cmpd="sng" algn="ctr">
+          <a:solidFill>
+            <a:schemeClr val="accent1">
+              <a:hueOff val="0"/>
+              <a:satOff val="0"/>
+              <a:lumOff val="0"/>
+              <a:alphaOff val="0"/>
+            </a:schemeClr>
+          </a:solidFill>
+          <a:prstDash val="solid"/>
+        </a:ln>
+        <a:effectLst/>
+      </dsp:spPr>
+      <dsp:style>
+        <a:lnRef idx="2">
+          <a:scrgbClr r="0" g="0" b="0"/>
+        </a:lnRef>
+        <a:fillRef idx="1">
+          <a:scrgbClr r="0" g="0" b="0"/>
+        </a:fillRef>
+        <a:effectRef idx="0">
+          <a:scrgbClr r="0" g="0" b="0"/>
+        </a:effectRef>
+        <a:fontRef idx="minor"/>
+      </dsp:style>
+      <dsp:txBody>
+        <a:bodyPr spcFirstLastPara="0" vert="horz" wrap="square" lIns="78232" tIns="78232" rIns="78232" bIns="78232" numCol="1" spcCol="1270" anchor="t" anchorCtr="0">
+          <a:noAutofit/>
+        </a:bodyPr>
+        <a:lstStyle/>
+        <a:p>
+          <a:pPr marL="57150" lvl="1" indent="-57150" algn="l" defTabSz="488950">
             <a:lnSpc>
               <a:spcPct val="90000"/>
             </a:lnSpc>
@@ -6737,14 +7393,14 @@
             <a:buChar char="ü"/>
           </a:pPr>
           <a:r>
-            <a:rPr lang="de-DE" sz="800" kern="1200" dirty="0"/>
+            <a:rPr lang="de-DE" sz="1100" kern="1200" dirty="0"/>
             <a:t>Festlegen der Inhalte des Kolloquiums</a:t>
           </a:r>
         </a:p>
       </dsp:txBody>
       <dsp:txXfrm>
-        <a:off x="7884696" y="276737"/>
-        <a:ext cx="1564309" cy="406697"/>
+        <a:off x="8629973" y="345907"/>
+        <a:ext cx="1671576" cy="671046"/>
       </dsp:txXfrm>
     </dsp:sp>
   </dsp:spTree>
@@ -11068,7 +11724,7 @@
           <a:p>
             <a:fld id="{A423BF71-38B7-8642-BFCE-EDAE9BD0CBAF}" type="datetimeFigureOut">
               <a:rPr lang="en-US" dirty="0"/>
-              <a:t>6/18/2021</a:t>
+              <a:t>6/25/2021</a:t>
             </a:fld>
             <a:endParaRPr lang="en-US" dirty="0"/>
           </a:p>
@@ -11291,7 +11947,7 @@
           <a:p>
             <a:fld id="{73B025CB-9D18-264E-A945-2D020344C9DA}" type="datetimeFigureOut">
               <a:rPr lang="en-US" dirty="0"/>
-              <a:t>6/18/2021</a:t>
+              <a:t>6/25/2021</a:t>
             </a:fld>
             <a:endParaRPr lang="en-US" dirty="0"/>
           </a:p>
@@ -11611,7 +12267,7 @@
                   </a:schemeClr>
                 </a:solidFill>
               </a:rPr>
-              <a:t>18. Juni 2021</a:t>
+              <a:t>25. Juni 2021</a:t>
             </a:fld>
             <a:endParaRPr lang="de-DE" dirty="0">
               <a:solidFill>
@@ -11763,7 +12419,7 @@
           <a:p>
             <a:fld id="{507EFB6C-7E96-8F41-8872-189CA1C59F84}" type="datetimeFigureOut">
               <a:rPr lang="en-US" dirty="0"/>
-              <a:t>6/18/2021</a:t>
+              <a:t>6/25/2021</a:t>
             </a:fld>
             <a:endParaRPr lang="en-US" dirty="0"/>
           </a:p>
@@ -12083,7 +12739,7 @@
                   </a:schemeClr>
                 </a:solidFill>
               </a:rPr>
-              <a:t>18. Juni 2021</a:t>
+              <a:t>25. Juni 2021</a:t>
             </a:fld>
             <a:endParaRPr lang="de-DE" dirty="0">
               <a:solidFill>
@@ -12460,7 +13116,7 @@
                   </a:schemeClr>
                 </a:solidFill>
               </a:rPr>
-              <a:t>18. Juni 2021</a:t>
+              <a:t>25. Juni 2021</a:t>
             </a:fld>
             <a:endParaRPr lang="de-DE" dirty="0">
               <a:solidFill>
@@ -12676,7 +13332,7 @@
           <a:p>
             <a:fld id="{B55BA285-9698-1B45-8319-D90A8C63F150}" type="datetimeFigureOut">
               <a:rPr lang="en-US" dirty="0"/>
-              <a:t>6/18/2021</a:t>
+              <a:t>6/25/2021</a:t>
             </a:fld>
             <a:endParaRPr lang="en-US" dirty="0"/>
           </a:p>
@@ -13150,7 +13806,7 @@
           <a:p>
             <a:fld id="{0A86CD42-43FF-B740-998F-DCC3802C4CE3}" type="datetimeFigureOut">
               <a:rPr lang="en-US" dirty="0"/>
-              <a:t>6/18/2021</a:t>
+              <a:t>6/25/2021</a:t>
             </a:fld>
             <a:endParaRPr lang="en-US" dirty="0"/>
           </a:p>
@@ -13470,7 +14126,7 @@
                   </a:schemeClr>
                 </a:solidFill>
               </a:rPr>
-              <a:t>18. Juni 2021</a:t>
+              <a:t>25. Juni 2021</a:t>
             </a:fld>
             <a:endParaRPr lang="de-DE" dirty="0">
               <a:solidFill>
@@ -13823,7 +14479,7 @@
           <a:p>
             <a:fld id="{CEA0FFBD-2EE4-8547-BBAE-A1AC91C8D77E}" type="datetimeFigureOut">
               <a:rPr lang="en-US" dirty="0"/>
-              <a:t>6/18/2021</a:t>
+              <a:t>6/25/2021</a:t>
             </a:fld>
             <a:endParaRPr lang="en-US" dirty="0"/>
           </a:p>
@@ -14143,7 +14799,7 @@
                   </a:schemeClr>
                 </a:solidFill>
               </a:rPr>
-              <a:t>18. Juni 2021</a:t>
+              <a:t>25. Juni 2021</a:t>
             </a:fld>
             <a:endParaRPr lang="de-DE" dirty="0">
               <a:solidFill>
@@ -14229,7 +14885,7 @@
           <a:p>
             <a:fld id="{955A2352-D7AC-F242-9256-A4477BCBF354}" type="datetimeFigureOut">
               <a:rPr lang="en-US" dirty="0"/>
-              <a:t>6/18/2021</a:t>
+              <a:t>6/25/2021</a:t>
             </a:fld>
             <a:endParaRPr lang="en-US" dirty="0"/>
           </a:p>
@@ -14549,7 +15205,7 @@
                   </a:schemeClr>
                 </a:solidFill>
               </a:rPr>
-              <a:t>18. Juni 2021</a:t>
+              <a:t>25. Juni 2021</a:t>
             </a:fld>
             <a:endParaRPr lang="de-DE" dirty="0">
               <a:solidFill>
@@ -14612,7 +15268,7 @@
           <a:p>
             <a:fld id="{4EFCFC6A-9AE6-404D-9FDD-168B477B9C90}" type="datetimeFigureOut">
               <a:rPr lang="en-US" dirty="0"/>
-              <a:t>6/18/2021</a:t>
+              <a:t>6/25/2021</a:t>
             </a:fld>
             <a:endParaRPr lang="en-US" dirty="0"/>
           </a:p>
@@ -14748,7 +15404,7 @@
                   </a:schemeClr>
                 </a:solidFill>
               </a:rPr>
-              <a:t>18. Juni 2021</a:t>
+              <a:t>25. Juni 2021</a:t>
             </a:fld>
             <a:endParaRPr lang="de-DE" dirty="0">
               <a:solidFill>
@@ -14967,7 +15623,7 @@
           <a:p>
             <a:fld id="{61CFCDFD-B4CF-A241-8D71-E814B10BEAF4}" type="datetimeFigureOut">
               <a:rPr lang="en-US" dirty="0"/>
-              <a:t>6/18/2021</a:t>
+              <a:t>6/25/2021</a:t>
             </a:fld>
             <a:endParaRPr lang="en-US" dirty="0"/>
           </a:p>
@@ -15287,7 +15943,7 @@
                   </a:schemeClr>
                 </a:solidFill>
               </a:rPr>
-              <a:t>18. Juni 2021</a:t>
+              <a:t>25. Juni 2021</a:t>
             </a:fld>
             <a:endParaRPr lang="de-DE" dirty="0">
               <a:solidFill>
@@ -15668,7 +16324,7 @@
           <a:p>
             <a:fld id="{26A7B589-FD4B-7E46-869A-CBADC5FC564E}" type="datetimeFigureOut">
               <a:rPr lang="en-US" dirty="0"/>
-              <a:t>6/18/2021</a:t>
+              <a:t>6/25/2021</a:t>
             </a:fld>
             <a:endParaRPr lang="en-US" dirty="0"/>
           </a:p>
@@ -15988,7 +16644,7 @@
                   </a:schemeClr>
                 </a:solidFill>
               </a:rPr>
-              <a:t>18. Juni 2021</a:t>
+              <a:t>25. Juni 2021</a:t>
             </a:fld>
             <a:endParaRPr lang="de-DE" dirty="0">
               <a:solidFill>
@@ -17036,7 +17692,7 @@
             <a:pPr algn="r"/>
             <a:fld id="{F072743E-0297-4AC3-80E5-4C9F5D2C8935}" type="datetime4">
               <a:rPr lang="de-DE"/>
-              <a:t>18. Juni 2021</a:t>
+              <a:t>25. Juni 2021</a:t>
             </a:fld>
             <a:endParaRPr lang="de-DE" dirty="0"/>
           </a:p>
@@ -17333,14 +17989,11 @@
           </a:p>
           <a:p>
             <a:r>
-              <a:rPr lang="de-DE" sz="1800" dirty="0" err="1">
+              <a:rPr lang="de-DE" sz="1800" dirty="0">
                 <a:latin typeface="Arial" panose="020B0604020202020204" pitchFamily="34" charset="0"/>
               </a:rPr>
               <a:t>VuePress</a:t>
             </a:r>
-            <a:endParaRPr lang="de-DE" sz="1800" dirty="0">
-              <a:latin typeface="Arial" panose="020B0604020202020204" pitchFamily="34" charset="0"/>
-            </a:endParaRPr>
           </a:p>
           <a:p>
             <a:pPr lvl="1">
@@ -19836,14 +20489,14 @@
           <p:nvPr>
             <p:extLst>
               <p:ext uri="{D42A27DB-BD31-4B8C-83A1-F6EECF244321}">
-                <p14:modId xmlns:p14="http://schemas.microsoft.com/office/powerpoint/2010/main" val="375284837"/>
+                <p14:modId xmlns:p14="http://schemas.microsoft.com/office/powerpoint/2010/main" val="3866204584"/>
               </p:ext>
             </p:extLst>
           </p:nvPr>
         </p:nvGraphicFramePr>
         <p:xfrm>
-          <a:off x="960121" y="1607171"/>
-          <a:ext cx="10789920" cy="2068741"/>
+          <a:off x="1137145" y="1607171"/>
+          <a:ext cx="10612895" cy="2050429"/>
         </p:xfrm>
         <a:graphic>
           <a:graphicData uri="http://schemas.openxmlformats.org/drawingml/2006/diagram">
@@ -19864,14 +20517,14 @@
           <p:nvPr>
             <p:extLst>
               <p:ext uri="{D42A27DB-BD31-4B8C-83A1-F6EECF244321}">
-                <p14:modId xmlns:p14="http://schemas.microsoft.com/office/powerpoint/2010/main" val="3258109130"/>
+                <p14:modId xmlns:p14="http://schemas.microsoft.com/office/powerpoint/2010/main" val="98084582"/>
               </p:ext>
             </p:extLst>
           </p:nvPr>
         </p:nvGraphicFramePr>
         <p:xfrm>
-          <a:off x="2118362" y="3429000"/>
-          <a:ext cx="9578338" cy="1243441"/>
+          <a:off x="1339272" y="3839975"/>
+          <a:ext cx="10323791" cy="1046062"/>
         </p:xfrm>
         <a:graphic>
           <a:graphicData uri="http://schemas.openxmlformats.org/drawingml/2006/diagram">
@@ -19879,141 +20532,6 @@
           </a:graphicData>
         </a:graphic>
       </p:graphicFrame>
-      <p:grpSp>
-        <p:nvGrpSpPr>
-          <p:cNvPr id="7" name="Grupo 6">
-            <a:extLst>
-              <a:ext uri="{FF2B5EF4-FFF2-40B4-BE49-F238E27FC236}">
-                <a16:creationId xmlns:a16="http://schemas.microsoft.com/office/drawing/2014/main" id="{57659BE4-EDE3-4F8E-B33D-BA26173C5BCD}"/>
-              </a:ext>
-            </a:extLst>
-          </p:cNvPr>
-          <p:cNvGrpSpPr/>
-          <p:nvPr/>
-        </p:nvGrpSpPr>
-        <p:grpSpPr>
-          <a:xfrm>
-            <a:off x="1615048" y="3422761"/>
-            <a:ext cx="455863" cy="408772"/>
-            <a:chOff x="7565808" y="393470"/>
-            <a:chExt cx="443578" cy="311242"/>
-          </a:xfrm>
-        </p:grpSpPr>
-        <p:sp>
-          <p:nvSpPr>
-            <p:cNvPr id="8" name="Flecha: a la derecha 7">
-              <a:extLst>
-                <a:ext uri="{FF2B5EF4-FFF2-40B4-BE49-F238E27FC236}">
-                  <a16:creationId xmlns:a16="http://schemas.microsoft.com/office/drawing/2014/main" id="{A916FE27-A085-4622-8C48-1474450CE0FE}"/>
-                </a:ext>
-              </a:extLst>
-            </p:cNvPr>
-            <p:cNvSpPr/>
-            <p:nvPr/>
-          </p:nvSpPr>
-          <p:spPr>
-            <a:xfrm rot="27118">
-              <a:off x="7565808" y="393470"/>
-              <a:ext cx="443578" cy="311242"/>
-            </a:xfrm>
-            <a:prstGeom prst="rightArrow">
-              <a:avLst>
-                <a:gd name="adj1" fmla="val 60000"/>
-                <a:gd name="adj2" fmla="val 50000"/>
-              </a:avLst>
-            </a:prstGeom>
-          </p:spPr>
-          <p:style>
-            <a:lnRef idx="0">
-              <a:schemeClr val="accent1">
-                <a:tint val="60000"/>
-                <a:hueOff val="0"/>
-                <a:satOff val="0"/>
-                <a:lumOff val="0"/>
-                <a:alphaOff val="0"/>
-              </a:schemeClr>
-            </a:lnRef>
-            <a:fillRef idx="1">
-              <a:schemeClr val="accent1">
-                <a:tint val="60000"/>
-                <a:hueOff val="0"/>
-                <a:satOff val="0"/>
-                <a:lumOff val="0"/>
-                <a:alphaOff val="0"/>
-              </a:schemeClr>
-            </a:fillRef>
-            <a:effectRef idx="0">
-              <a:schemeClr val="accent1">
-                <a:tint val="60000"/>
-                <a:hueOff val="0"/>
-                <a:satOff val="0"/>
-                <a:lumOff val="0"/>
-                <a:alphaOff val="0"/>
-              </a:schemeClr>
-            </a:effectRef>
-            <a:fontRef idx="minor">
-              <a:schemeClr val="lt1"/>
-            </a:fontRef>
-          </p:style>
-        </p:sp>
-        <p:sp>
-          <p:nvSpPr>
-            <p:cNvPr id="9" name="Flecha: a la derecha 4">
-              <a:extLst>
-                <a:ext uri="{FF2B5EF4-FFF2-40B4-BE49-F238E27FC236}">
-                  <a16:creationId xmlns:a16="http://schemas.microsoft.com/office/drawing/2014/main" id="{86687CEF-15D6-47AC-8412-D1D460F3D453}"/>
-                </a:ext>
-              </a:extLst>
-            </p:cNvPr>
-            <p:cNvSpPr txBox="1"/>
-            <p:nvPr/>
-          </p:nvSpPr>
-          <p:spPr>
-            <a:xfrm rot="27118">
-              <a:off x="7565809" y="455350"/>
-              <a:ext cx="350205" cy="186746"/>
-            </a:xfrm>
-            <a:prstGeom prst="rect">
-              <a:avLst/>
-            </a:prstGeom>
-          </p:spPr>
-          <p:style>
-            <a:lnRef idx="0">
-              <a:scrgbClr r="0" g="0" b="0"/>
-            </a:lnRef>
-            <a:fillRef idx="0">
-              <a:scrgbClr r="0" g="0" b="0"/>
-            </a:fillRef>
-            <a:effectRef idx="0">
-              <a:scrgbClr r="0" g="0" b="0"/>
-            </a:effectRef>
-            <a:fontRef idx="minor">
-              <a:schemeClr val="lt1"/>
-            </a:fontRef>
-          </p:style>
-          <p:txBody>
-            <a:bodyPr spcFirstLastPara="0" vert="horz" wrap="square" lIns="0" tIns="0" rIns="0" bIns="0" numCol="1" spcCol="1270" anchor="ctr" anchorCtr="0">
-              <a:noAutofit/>
-            </a:bodyPr>
-            <a:lstStyle/>
-            <a:p>
-              <a:pPr marL="0" lvl="0" indent="0" algn="ctr" defTabSz="311150">
-                <a:lnSpc>
-                  <a:spcPct val="90000"/>
-                </a:lnSpc>
-                <a:spcBef>
-                  <a:spcPct val="0"/>
-                </a:spcBef>
-                <a:spcAft>
-                  <a:spcPct val="35000"/>
-                </a:spcAft>
-                <a:buNone/>
-              </a:pPr>
-              <a:endParaRPr lang="de-DE" sz="700" kern="1200"/>
-            </a:p>
-          </p:txBody>
-        </p:sp>
-      </p:grpSp>
     </p:spTree>
     <p:extLst>
       <p:ext uri="{BB962C8B-B14F-4D97-AF65-F5344CB8AC3E}">
@@ -21858,7 +22376,7 @@
                   </a:schemeClr>
                 </a:solidFill>
               </a:rPr>
-              <a:t>18. Juni 2021</a:t>
+              <a:t>25. Juni 2021</a:t>
             </a:fld>
             <a:endParaRPr lang="de-DE" dirty="0">
               <a:solidFill>
@@ -23025,7 +23543,7 @@
                   </a:schemeClr>
                 </a:solidFill>
               </a:rPr>
-              <a:t>18. Juni 2021</a:t>
+              <a:t>25. Juni 2021</a:t>
             </a:fld>
             <a:endParaRPr lang="de-DE" dirty="0">
               <a:solidFill>
